--- a/Отчет/ВКР презентация.pptx
+++ b/Отчет/ВКР презентация.pptx
@@ -5,7 +5,7 @@
     <p:sldMasterId id="2147483786" r:id="rId1"/>
   </p:sldMasterIdLst>
   <p:notesMasterIdLst>
-    <p:notesMasterId r:id="rId13"/>
+    <p:notesMasterId r:id="rId15"/>
   </p:notesMasterIdLst>
   <p:sldIdLst>
     <p:sldId id="256" r:id="rId2"/>
@@ -17,8 +17,10 @@
     <p:sldId id="326" r:id="rId8"/>
     <p:sldId id="327" r:id="rId9"/>
     <p:sldId id="342" r:id="rId10"/>
-    <p:sldId id="341" r:id="rId11"/>
-    <p:sldId id="284" r:id="rId12"/>
+    <p:sldId id="343" r:id="rId11"/>
+    <p:sldId id="344" r:id="rId12"/>
+    <p:sldId id="341" r:id="rId13"/>
+    <p:sldId id="284" r:id="rId14"/>
   </p:sldIdLst>
   <p:sldSz cx="12192000" cy="6858000"/>
   <p:notesSz cx="6858000" cy="9144000"/>
@@ -118,6 +120,27 @@
     </a:lvl9pPr>
   </p:defaultTextStyle>
   <p:extLst>
+    <p:ext uri="{521415D9-36F7-43E2-AB2F-B90AF26B5E84}">
+      <p14:sectionLst xmlns:p14="http://schemas.microsoft.com/office/powerpoint/2010/main">
+        <p14:section name="Раздел по умолчанию" id="{DC23C3AA-8028-42EA-8DC6-DECC6BD90F8C}">
+          <p14:sldIdLst>
+            <p14:sldId id="256"/>
+            <p14:sldId id="317"/>
+            <p14:sldId id="319"/>
+            <p14:sldId id="320"/>
+            <p14:sldId id="321"/>
+            <p14:sldId id="322"/>
+            <p14:sldId id="326"/>
+            <p14:sldId id="327"/>
+            <p14:sldId id="342"/>
+            <p14:sldId id="343"/>
+            <p14:sldId id="344"/>
+            <p14:sldId id="341"/>
+            <p14:sldId id="284"/>
+          </p14:sldIdLst>
+        </p14:section>
+      </p14:sectionLst>
+    </p:ext>
     <p:ext uri="{EFAFB233-063F-42B5-8137-9DF3F51BA10A}">
       <p15:sldGuideLst xmlns:p15="http://schemas.microsoft.com/office/powerpoint/2012/main"/>
     </p:ext>
@@ -6237,220 +6260,10 @@
       </p:grpSpPr>
       <p:sp>
         <p:nvSpPr>
-          <p:cNvPr id="2" name="Заголовок 1">
-            <a:extLst>
-              <a:ext uri="{FF2B5EF4-FFF2-40B4-BE49-F238E27FC236}">
-                <a16:creationId xmlns:a16="http://schemas.microsoft.com/office/drawing/2014/main" id="{EEA62469-E1D0-499B-8036-5C2BC5365567}"/>
-              </a:ext>
-            </a:extLst>
-          </p:cNvPr>
-          <p:cNvSpPr>
-            <a:spLocks noGrp="1"/>
-          </p:cNvSpPr>
-          <p:nvPr>
-            <p:ph type="title"/>
-          </p:nvPr>
-        </p:nvSpPr>
-        <p:spPr/>
-        <p:txBody>
-          <a:bodyPr/>
-          <a:lstStyle/>
-          <a:p>
-            <a:r>
-              <a:rPr lang="ru-RU" dirty="0"/>
-              <a:t>Заключение</a:t>
-            </a:r>
-          </a:p>
-        </p:txBody>
-      </p:sp>
-      <p:sp>
-        <p:nvSpPr>
-          <p:cNvPr id="3" name="Объект 2">
-            <a:extLst>
-              <a:ext uri="{FF2B5EF4-FFF2-40B4-BE49-F238E27FC236}">
-                <a16:creationId xmlns:a16="http://schemas.microsoft.com/office/drawing/2014/main" id="{CFD8D553-0ACA-4B5F-A972-4822CA8AA5D7}"/>
-              </a:ext>
-            </a:extLst>
-          </p:cNvPr>
-          <p:cNvSpPr>
-            <a:spLocks noGrp="1"/>
-          </p:cNvSpPr>
-          <p:nvPr>
-            <p:ph idx="1"/>
-          </p:nvPr>
-        </p:nvSpPr>
-        <p:spPr/>
-        <p:txBody>
-          <a:bodyPr>
-            <a:normAutofit fontScale="85000" lnSpcReduction="20000"/>
-          </a:bodyPr>
-          <a:lstStyle/>
-          <a:p>
-            <a:pPr marL="0" indent="0" algn="just">
-              <a:lnSpc>
-                <a:spcPct val="100000"/>
-              </a:lnSpc>
-              <a:spcBef>
-                <a:spcPts val="0"/>
-              </a:spcBef>
-              <a:spcAft>
-                <a:spcPts val="600"/>
-              </a:spcAft>
-              <a:buNone/>
-            </a:pPr>
-            <a:r>
-              <a:rPr lang="ru-RU" sz="2400" dirty="0">
-                <a:ea typeface="Times New Roman" panose="02020603050405020304" pitchFamily="18" charset="0"/>
-              </a:rPr>
-              <a:t>В данной работе была решена задача бинарной классификации текстов, где 1 – тексты, размеченные как токсичные, а 0 – как не токсичные</a:t>
-            </a:r>
-            <a:r>
-              <a:rPr lang="en-US" sz="2400" dirty="0">
-                <a:ea typeface="Times New Roman" panose="02020603050405020304" pitchFamily="18" charset="0"/>
-              </a:rPr>
-              <a:t>.</a:t>
-            </a:r>
-          </a:p>
-          <a:p>
-            <a:pPr marL="0" indent="0" algn="just">
-              <a:lnSpc>
-                <a:spcPct val="100000"/>
-              </a:lnSpc>
-              <a:spcBef>
-                <a:spcPts val="0"/>
-              </a:spcBef>
-              <a:spcAft>
-                <a:spcPts val="600"/>
-              </a:spcAft>
-              <a:buNone/>
-            </a:pPr>
-            <a:r>
-              <a:rPr lang="ru-RU" sz="2400" b="1" dirty="0"/>
-              <a:t>Входные данные:</a:t>
-            </a:r>
-          </a:p>
-          <a:p>
-            <a:pPr marL="1240473" indent="-342900" algn="just">
-              <a:lnSpc>
-                <a:spcPct val="100000"/>
-              </a:lnSpc>
-              <a:spcBef>
-                <a:spcPts val="0"/>
-              </a:spcBef>
-              <a:spcAft>
-                <a:spcPts val="600"/>
-              </a:spcAft>
-              <a:buFont typeface="Arial" panose="020B0604020202020204" pitchFamily="34" charset="0"/>
-              <a:buChar char="•"/>
-            </a:pPr>
-            <a:r>
-              <a:rPr lang="en-US" sz="2400" dirty="0"/>
-              <a:t>Hate Speech and Offensive Language</a:t>
-            </a:r>
-            <a:r>
-              <a:rPr lang="ru-RU" sz="2400" dirty="0"/>
-              <a:t>, </a:t>
-            </a:r>
-          </a:p>
-          <a:p>
-            <a:pPr marL="1240473" indent="-342900" algn="just">
-              <a:lnSpc>
-                <a:spcPct val="100000"/>
-              </a:lnSpc>
-              <a:spcBef>
-                <a:spcPts val="0"/>
-              </a:spcBef>
-              <a:spcAft>
-                <a:spcPts val="600"/>
-              </a:spcAft>
-              <a:buFont typeface="Arial" panose="020B0604020202020204" pitchFamily="34" charset="0"/>
-              <a:buChar char="•"/>
-            </a:pPr>
-            <a:r>
-              <a:rPr lang="en-US" sz="2400" dirty="0"/>
-              <a:t>Quora Insincere Questions Classification</a:t>
-            </a:r>
-            <a:r>
-              <a:rPr lang="ru-RU" sz="2400" dirty="0"/>
-              <a:t>, </a:t>
-            </a:r>
-          </a:p>
-          <a:p>
-            <a:pPr marL="1240473" indent="-342900" algn="just">
-              <a:lnSpc>
-                <a:spcPct val="100000"/>
-              </a:lnSpc>
-              <a:spcBef>
-                <a:spcPts val="0"/>
-              </a:spcBef>
-              <a:spcAft>
-                <a:spcPts val="600"/>
-              </a:spcAft>
-              <a:buFont typeface="Arial" panose="020B0604020202020204" pitchFamily="34" charset="0"/>
-              <a:buChar char="•"/>
-            </a:pPr>
-            <a:r>
-              <a:rPr lang="en-US" sz="2400" dirty="0"/>
-              <a:t>Jigsaw Toxic Comment Classification</a:t>
-            </a:r>
-            <a:r>
-              <a:rPr lang="ru-RU" sz="2400" dirty="0"/>
-              <a:t>,</a:t>
-            </a:r>
-          </a:p>
-          <a:p>
-            <a:pPr marL="1240473" indent="-342900" algn="just">
-              <a:lnSpc>
-                <a:spcPct val="100000"/>
-              </a:lnSpc>
-              <a:spcBef>
-                <a:spcPts val="0"/>
-              </a:spcBef>
-              <a:spcAft>
-                <a:spcPts val="600"/>
-              </a:spcAft>
-              <a:buFont typeface="Arial" panose="020B0604020202020204" pitchFamily="34" charset="0"/>
-              <a:buChar char="•"/>
-            </a:pPr>
-            <a:r>
-              <a:rPr lang="en-US" sz="2400" dirty="0"/>
-              <a:t>Russian Language Toxic Comments</a:t>
-            </a:r>
-            <a:r>
-              <a:rPr lang="ru-RU" sz="2400" dirty="0"/>
-              <a:t>.</a:t>
-            </a:r>
-          </a:p>
-          <a:p>
-            <a:r>
-              <a:rPr lang="ru-RU" dirty="0"/>
-              <a:t>Для некоторых наборах данных базовые подходы ведут себя более увереннее, нежели более сложные модели. Для текстовой коллекции </a:t>
-            </a:r>
-            <a:r>
-              <a:rPr lang="en-US" dirty="0"/>
-              <a:t>Quora</a:t>
-            </a:r>
-            <a:r>
-              <a:rPr lang="ru-RU" dirty="0"/>
-              <a:t> лучшим подходом классификации текстов. Относительно базовых моделей значение меры качества возросло на </a:t>
-            </a:r>
-            <a:r>
-              <a:rPr lang="en-US" dirty="0"/>
-              <a:t>~</a:t>
-            </a:r>
-            <a:r>
-              <a:rPr lang="ru-RU" dirty="0"/>
-              <a:t>1%.</a:t>
-            </a:r>
-          </a:p>
-        </p:txBody>
-      </p:sp>
-      <p:sp>
-        <p:nvSpPr>
           <p:cNvPr id="4" name="Номер слайда 3">
             <a:extLst>
               <a:ext uri="{FF2B5EF4-FFF2-40B4-BE49-F238E27FC236}">
-                <a16:creationId xmlns:a16="http://schemas.microsoft.com/office/drawing/2014/main" id="{F5751FB5-B8CF-4E87-BEBB-445A30784354}"/>
+                <a16:creationId xmlns:a16="http://schemas.microsoft.com/office/drawing/2014/main" id="{C07D80C0-1D58-4647-B7DB-742E14215E9D}"/>
               </a:ext>
             </a:extLst>
           </p:cNvPr>
@@ -6474,10 +6287,210 @@
           </a:p>
         </p:txBody>
       </p:sp>
+      <p:sp>
+        <p:nvSpPr>
+          <p:cNvPr id="12" name="TextBox 11"/>
+          <p:cNvSpPr txBox="1"/>
+          <p:nvPr/>
+        </p:nvSpPr>
+        <p:spPr>
+          <a:xfrm>
+            <a:off x="483570" y="586776"/>
+            <a:ext cx="12100897" cy="461665"/>
+          </a:xfrm>
+          <a:prstGeom prst="rect">
+            <a:avLst/>
+          </a:prstGeom>
+          <a:noFill/>
+        </p:spPr>
+        <p:txBody>
+          <a:bodyPr wrap="square" rtlCol="0">
+            <a:spAutoFit/>
+          </a:bodyPr>
+          <a:lstStyle/>
+          <a:p>
+            <a:r>
+              <a:rPr lang="ru-RU" sz="2400" dirty="0" smtClean="0"/>
+              <a:t>Сравнение результатов</a:t>
+            </a:r>
+            <a:r>
+              <a:rPr lang="en-US" sz="2400" dirty="0" smtClean="0"/>
+              <a:t> </a:t>
+            </a:r>
+            <a:r>
+              <a:rPr lang="ru-RU" sz="2400" dirty="0" smtClean="0"/>
+              <a:t>обработки сетей сегментации изображений</a:t>
+            </a:r>
+            <a:endParaRPr lang="ru-RU" sz="2400" dirty="0"/>
+          </a:p>
+        </p:txBody>
+      </p:sp>
+      <p:sp>
+        <p:nvSpPr>
+          <p:cNvPr id="2" name="TextBox 1"/>
+          <p:cNvSpPr txBox="1"/>
+          <p:nvPr/>
+        </p:nvSpPr>
+        <p:spPr>
+          <a:xfrm>
+            <a:off x="1656736" y="4844455"/>
+            <a:ext cx="1440492" cy="369332"/>
+          </a:xfrm>
+          <a:prstGeom prst="rect">
+            <a:avLst/>
+          </a:prstGeom>
+          <a:noFill/>
+        </p:spPr>
+        <p:txBody>
+          <a:bodyPr wrap="square" rtlCol="0">
+            <a:spAutoFit/>
+          </a:bodyPr>
+          <a:lstStyle/>
+          <a:p>
+            <a:r>
+              <a:rPr lang="en-US" dirty="0" smtClean="0"/>
+              <a:t>U - Net</a:t>
+            </a:r>
+            <a:endParaRPr lang="ru-RU" dirty="0"/>
+          </a:p>
+        </p:txBody>
+      </p:sp>
+      <p:sp>
+        <p:nvSpPr>
+          <p:cNvPr id="3" name="TextBox 2"/>
+          <p:cNvSpPr txBox="1"/>
+          <p:nvPr/>
+        </p:nvSpPr>
+        <p:spPr>
+          <a:xfrm>
+            <a:off x="5497249" y="4834451"/>
+            <a:ext cx="1152395" cy="369332"/>
+          </a:xfrm>
+          <a:prstGeom prst="rect">
+            <a:avLst/>
+          </a:prstGeom>
+          <a:noFill/>
+        </p:spPr>
+        <p:txBody>
+          <a:bodyPr wrap="square" rtlCol="0">
+            <a:spAutoFit/>
+          </a:bodyPr>
+          <a:lstStyle/>
+          <a:p>
+            <a:r>
+              <a:rPr lang="en-US" dirty="0" err="1" smtClean="0"/>
+              <a:t>SegNet</a:t>
+            </a:r>
+            <a:endParaRPr lang="ru-RU" dirty="0"/>
+          </a:p>
+        </p:txBody>
+      </p:sp>
+      <p:sp>
+        <p:nvSpPr>
+          <p:cNvPr id="8" name="TextBox 7"/>
+          <p:cNvSpPr txBox="1"/>
+          <p:nvPr/>
+        </p:nvSpPr>
+        <p:spPr>
+          <a:xfrm>
+            <a:off x="9342630" y="4834930"/>
+            <a:ext cx="1866900" cy="369332"/>
+          </a:xfrm>
+          <a:prstGeom prst="rect">
+            <a:avLst/>
+          </a:prstGeom>
+          <a:noFill/>
+        </p:spPr>
+        <p:txBody>
+          <a:bodyPr wrap="square" rtlCol="0">
+            <a:spAutoFit/>
+          </a:bodyPr>
+          <a:lstStyle/>
+          <a:p>
+            <a:r>
+              <a:rPr lang="en-US" dirty="0" smtClean="0"/>
+              <a:t>FCN VGG16</a:t>
+            </a:r>
+            <a:endParaRPr lang="ru-RU" dirty="0"/>
+          </a:p>
+        </p:txBody>
+      </p:sp>
+      <p:pic>
+        <p:nvPicPr>
+          <p:cNvPr id="10" name="Рисунок 9"/>
+          <p:cNvPicPr>
+            <a:picLocks noChangeAspect="1"/>
+          </p:cNvPicPr>
+          <p:nvPr/>
+        </p:nvPicPr>
+        <p:blipFill>
+          <a:blip r:embed="rId2"/>
+          <a:stretch>
+            <a:fillRect/>
+          </a:stretch>
+        </p:blipFill>
+        <p:spPr>
+          <a:xfrm>
+            <a:off x="310312" y="1292944"/>
+            <a:ext cx="3547414" cy="3551511"/>
+          </a:xfrm>
+          <a:prstGeom prst="rect">
+            <a:avLst/>
+          </a:prstGeom>
+        </p:spPr>
+      </p:pic>
+      <p:pic>
+        <p:nvPicPr>
+          <p:cNvPr id="11" name="Рисунок 10"/>
+          <p:cNvPicPr>
+            <a:picLocks noChangeAspect="1"/>
+          </p:cNvPicPr>
+          <p:nvPr/>
+        </p:nvPicPr>
+        <p:blipFill>
+          <a:blip r:embed="rId3"/>
+          <a:stretch>
+            <a:fillRect/>
+          </a:stretch>
+        </p:blipFill>
+        <p:spPr>
+          <a:xfrm>
+            <a:off x="4344704" y="1292944"/>
+            <a:ext cx="3457486" cy="3531982"/>
+          </a:xfrm>
+          <a:prstGeom prst="rect">
+            <a:avLst/>
+          </a:prstGeom>
+        </p:spPr>
+      </p:pic>
+      <p:pic>
+        <p:nvPicPr>
+          <p:cNvPr id="13" name="Рисунок 12"/>
+          <p:cNvPicPr>
+            <a:picLocks noChangeAspect="1"/>
+          </p:cNvPicPr>
+          <p:nvPr/>
+        </p:nvPicPr>
+        <p:blipFill>
+          <a:blip r:embed="rId4"/>
+          <a:stretch>
+            <a:fillRect/>
+          </a:stretch>
+        </p:blipFill>
+        <p:spPr>
+          <a:xfrm>
+            <a:off x="8371881" y="1292944"/>
+            <a:ext cx="3529505" cy="3514644"/>
+          </a:xfrm>
+          <a:prstGeom prst="rect">
+            <a:avLst/>
+          </a:prstGeom>
+        </p:spPr>
+      </p:pic>
     </p:spTree>
     <p:extLst>
       <p:ext uri="{BB962C8B-B14F-4D97-AF65-F5344CB8AC3E}">
-        <p14:creationId xmlns:p14="http://schemas.microsoft.com/office/powerpoint/2010/main" val="2273475074"/>
+        <p14:creationId xmlns:p14="http://schemas.microsoft.com/office/powerpoint/2010/main" val="1307144118"/>
       </p:ext>
     </p:extLst>
   </p:cSld>
@@ -6513,6 +6526,499 @@
       </p:grpSpPr>
       <p:sp>
         <p:nvSpPr>
+          <p:cNvPr id="2" name="Заголовок 1"/>
+          <p:cNvSpPr>
+            <a:spLocks noGrp="1"/>
+          </p:cNvSpPr>
+          <p:nvPr>
+            <p:ph type="title"/>
+          </p:nvPr>
+        </p:nvSpPr>
+        <p:spPr>
+          <a:xfrm>
+            <a:off x="517958" y="73275"/>
+            <a:ext cx="11674042" cy="525242"/>
+          </a:xfrm>
+        </p:spPr>
+        <p:txBody>
+          <a:bodyPr>
+            <a:normAutofit/>
+          </a:bodyPr>
+          <a:lstStyle/>
+          <a:p>
+            <a:r>
+              <a:rPr lang="ru-RU" sz="2000" dirty="0" smtClean="0"/>
+              <a:t>Результат улучшения </a:t>
+            </a:r>
+            <a:r>
+              <a:rPr lang="en-US" sz="2000" dirty="0" smtClean="0"/>
+              <a:t>u – Net </a:t>
+            </a:r>
+            <a:r>
+              <a:rPr lang="ru-RU" sz="2000" dirty="0" smtClean="0"/>
+              <a:t>и обучения на большей выборке</a:t>
+            </a:r>
+            <a:endParaRPr lang="ru-RU" sz="2000" dirty="0"/>
+          </a:p>
+        </p:txBody>
+      </p:sp>
+      <p:sp>
+        <p:nvSpPr>
+          <p:cNvPr id="4" name="Номер слайда 3"/>
+          <p:cNvSpPr>
+            <a:spLocks noGrp="1"/>
+          </p:cNvSpPr>
+          <p:nvPr>
+            <p:ph type="sldNum" sz="quarter" idx="12"/>
+          </p:nvPr>
+        </p:nvSpPr>
+        <p:spPr/>
+        <p:txBody>
+          <a:bodyPr/>
+          <a:lstStyle/>
+          <a:p>
+            <a:fld id="{215F4EE3-9A7A-4F14-9A4C-17DDDD407085}" type="slidenum">
+              <a:rPr lang="ru-RU" smtClean="0"/>
+              <a:t>11</a:t>
+            </a:fld>
+            <a:endParaRPr lang="ru-RU"/>
+          </a:p>
+        </p:txBody>
+      </p:sp>
+      <p:pic>
+        <p:nvPicPr>
+          <p:cNvPr id="12" name="Рисунок 11"/>
+          <p:cNvPicPr>
+            <a:picLocks noChangeAspect="1"/>
+          </p:cNvPicPr>
+          <p:nvPr/>
+        </p:nvPicPr>
+        <p:blipFill>
+          <a:blip r:embed="rId2"/>
+          <a:stretch>
+            <a:fillRect/>
+          </a:stretch>
+        </p:blipFill>
+        <p:spPr>
+          <a:xfrm>
+            <a:off x="164503" y="820532"/>
+            <a:ext cx="1829520" cy="3780000"/>
+          </a:xfrm>
+          <a:prstGeom prst="rect">
+            <a:avLst/>
+          </a:prstGeom>
+        </p:spPr>
+      </p:pic>
+      <p:pic>
+        <p:nvPicPr>
+          <p:cNvPr id="13" name="Рисунок 12"/>
+          <p:cNvPicPr>
+            <a:picLocks noChangeAspect="1"/>
+          </p:cNvPicPr>
+          <p:nvPr/>
+        </p:nvPicPr>
+        <p:blipFill>
+          <a:blip r:embed="rId3"/>
+          <a:stretch>
+            <a:fillRect/>
+          </a:stretch>
+        </p:blipFill>
+        <p:spPr>
+          <a:xfrm>
+            <a:off x="1935192" y="820532"/>
+            <a:ext cx="3795960" cy="3780000"/>
+          </a:xfrm>
+          <a:prstGeom prst="rect">
+            <a:avLst/>
+          </a:prstGeom>
+        </p:spPr>
+      </p:pic>
+      <p:sp>
+        <p:nvSpPr>
+          <p:cNvPr id="14" name="TextBox 13"/>
+          <p:cNvSpPr txBox="1"/>
+          <p:nvPr/>
+        </p:nvSpPr>
+        <p:spPr>
+          <a:xfrm>
+            <a:off x="272462" y="4600532"/>
+            <a:ext cx="5723044" cy="369332"/>
+          </a:xfrm>
+          <a:prstGeom prst="rect">
+            <a:avLst/>
+          </a:prstGeom>
+          <a:noFill/>
+        </p:spPr>
+        <p:txBody>
+          <a:bodyPr wrap="square" rtlCol="0">
+            <a:spAutoFit/>
+          </a:bodyPr>
+          <a:lstStyle/>
+          <a:p>
+            <a:r>
+              <a:rPr lang="ru-RU" dirty="0" smtClean="0"/>
+              <a:t>После инициализации весов методом </a:t>
+            </a:r>
+            <a:r>
+              <a:rPr lang="ru-RU" dirty="0" err="1" smtClean="0"/>
+              <a:t>Ксавье</a:t>
+            </a:r>
+            <a:endParaRPr lang="ru-RU" dirty="0"/>
+          </a:p>
+        </p:txBody>
+      </p:sp>
+      <p:pic>
+        <p:nvPicPr>
+          <p:cNvPr id="15" name="Рисунок 14"/>
+          <p:cNvPicPr>
+            <a:picLocks noChangeAspect="1"/>
+          </p:cNvPicPr>
+          <p:nvPr/>
+        </p:nvPicPr>
+        <p:blipFill rotWithShape="1">
+          <a:blip r:embed="rId4"/>
+          <a:srcRect b="2654"/>
+          <a:stretch/>
+        </p:blipFill>
+        <p:spPr bwMode="auto">
+          <a:xfrm>
+            <a:off x="6259859" y="820532"/>
+            <a:ext cx="2068008" cy="3780000"/>
+          </a:xfrm>
+          <a:prstGeom prst="rect">
+            <a:avLst/>
+          </a:prstGeom>
+          <a:ln>
+            <a:noFill/>
+          </a:ln>
+          <a:extLst>
+            <a:ext uri="{53640926-AAD7-44D8-BBD7-CCE9431645EC}">
+              <a14:shadowObscured xmlns:a14="http://schemas.microsoft.com/office/drawing/2010/main"/>
+            </a:ext>
+          </a:extLst>
+        </p:spPr>
+      </p:pic>
+      <p:pic>
+        <p:nvPicPr>
+          <p:cNvPr id="17" name="Рисунок 16"/>
+          <p:cNvPicPr>
+            <a:picLocks noChangeAspect="1"/>
+          </p:cNvPicPr>
+          <p:nvPr/>
+        </p:nvPicPr>
+        <p:blipFill rotWithShape="1">
+          <a:blip r:embed="rId5"/>
+          <a:srcRect t="19758"/>
+          <a:stretch/>
+        </p:blipFill>
+        <p:spPr>
+          <a:xfrm>
+            <a:off x="8327867" y="820532"/>
+            <a:ext cx="3678298" cy="3780000"/>
+          </a:xfrm>
+          <a:prstGeom prst="rect">
+            <a:avLst/>
+          </a:prstGeom>
+        </p:spPr>
+      </p:pic>
+      <p:sp>
+        <p:nvSpPr>
+          <p:cNvPr id="18" name="TextBox 17"/>
+          <p:cNvSpPr txBox="1"/>
+          <p:nvPr/>
+        </p:nvSpPr>
+        <p:spPr>
+          <a:xfrm>
+            <a:off x="7501841" y="4600532"/>
+            <a:ext cx="3368981" cy="369332"/>
+          </a:xfrm>
+          <a:prstGeom prst="rect">
+            <a:avLst/>
+          </a:prstGeom>
+          <a:noFill/>
+        </p:spPr>
+        <p:txBody>
+          <a:bodyPr wrap="square" rtlCol="0">
+            <a:spAutoFit/>
+          </a:bodyPr>
+          <a:lstStyle/>
+          <a:p>
+            <a:r>
+              <a:rPr lang="ru-RU" dirty="0" smtClean="0"/>
+              <a:t>После увеличения выборки</a:t>
+            </a:r>
+            <a:endParaRPr lang="ru-RU" dirty="0"/>
+          </a:p>
+        </p:txBody>
+      </p:sp>
+    </p:spTree>
+    <p:extLst>
+      <p:ext uri="{BB962C8B-B14F-4D97-AF65-F5344CB8AC3E}">
+        <p14:creationId xmlns:p14="http://schemas.microsoft.com/office/powerpoint/2010/main" val="571071332"/>
+      </p:ext>
+    </p:extLst>
+  </p:cSld>
+  <p:clrMapOvr>
+    <a:masterClrMapping/>
+  </p:clrMapOvr>
+  <p:timing>
+    <p:tnLst>
+      <p:par>
+        <p:cTn id="1" dur="indefinite" restart="never" nodeType="tmRoot"/>
+      </p:par>
+    </p:tnLst>
+  </p:timing>
+</p:sld>
+</file>
+
+<file path=ppt/slides/slide12.xml><?xml version="1.0" encoding="utf-8"?>
+<p:sld xmlns:a="http://schemas.openxmlformats.org/drawingml/2006/main" xmlns:r="http://schemas.openxmlformats.org/officeDocument/2006/relationships" xmlns:p="http://schemas.openxmlformats.org/presentationml/2006/main">
+  <p:cSld>
+    <p:spTree>
+      <p:nvGrpSpPr>
+        <p:cNvPr id="1" name=""/>
+        <p:cNvGrpSpPr/>
+        <p:nvPr/>
+      </p:nvGrpSpPr>
+      <p:grpSpPr>
+        <a:xfrm>
+          <a:off x="0" y="0"/>
+          <a:ext cx="0" cy="0"/>
+          <a:chOff x="0" y="0"/>
+          <a:chExt cx="0" cy="0"/>
+        </a:xfrm>
+      </p:grpSpPr>
+      <p:sp>
+        <p:nvSpPr>
+          <p:cNvPr id="2" name="Заголовок 1">
+            <a:extLst>
+              <a:ext uri="{FF2B5EF4-FFF2-40B4-BE49-F238E27FC236}">
+                <a16:creationId xmlns:a16="http://schemas.microsoft.com/office/drawing/2014/main" id="{EEA62469-E1D0-499B-8036-5C2BC5365567}"/>
+              </a:ext>
+            </a:extLst>
+          </p:cNvPr>
+          <p:cNvSpPr>
+            <a:spLocks noGrp="1"/>
+          </p:cNvSpPr>
+          <p:nvPr>
+            <p:ph type="title"/>
+          </p:nvPr>
+        </p:nvSpPr>
+        <p:spPr>
+          <a:xfrm>
+            <a:off x="414721" y="637098"/>
+            <a:ext cx="8534400" cy="1111803"/>
+          </a:xfrm>
+        </p:spPr>
+        <p:txBody>
+          <a:bodyPr/>
+          <a:lstStyle/>
+          <a:p>
+            <a:r>
+              <a:rPr lang="ru-RU" dirty="0"/>
+              <a:t>Заключение</a:t>
+            </a:r>
+          </a:p>
+        </p:txBody>
+      </p:sp>
+      <p:sp>
+        <p:nvSpPr>
+          <p:cNvPr id="3" name="Объект 2">
+            <a:extLst>
+              <a:ext uri="{FF2B5EF4-FFF2-40B4-BE49-F238E27FC236}">
+                <a16:creationId xmlns:a16="http://schemas.microsoft.com/office/drawing/2014/main" id="{CFD8D553-0ACA-4B5F-A972-4822CA8AA5D7}"/>
+              </a:ext>
+            </a:extLst>
+          </p:cNvPr>
+          <p:cNvSpPr>
+            <a:spLocks noGrp="1"/>
+          </p:cNvSpPr>
+          <p:nvPr>
+            <p:ph idx="1"/>
+          </p:nvPr>
+        </p:nvSpPr>
+        <p:spPr>
+          <a:xfrm>
+            <a:off x="414721" y="1748901"/>
+            <a:ext cx="11152884" cy="2956263"/>
+          </a:xfrm>
+        </p:spPr>
+        <p:txBody>
+          <a:bodyPr>
+            <a:noAutofit/>
+          </a:bodyPr>
+          <a:lstStyle/>
+          <a:p>
+            <a:pPr marL="0" indent="0" algn="just">
+              <a:lnSpc>
+                <a:spcPct val="100000"/>
+              </a:lnSpc>
+              <a:spcBef>
+                <a:spcPts val="0"/>
+              </a:spcBef>
+              <a:spcAft>
+                <a:spcPts val="600"/>
+              </a:spcAft>
+              <a:buNone/>
+            </a:pPr>
+            <a:r>
+              <a:rPr lang="ru-RU" sz="2400" dirty="0">
+                <a:ea typeface="Times New Roman" panose="02020603050405020304" pitchFamily="18" charset="0"/>
+              </a:rPr>
+              <a:t>В данной работе была решена </a:t>
+            </a:r>
+            <a:r>
+              <a:rPr lang="ru-RU" sz="2400" dirty="0" smtClean="0">
+                <a:ea typeface="Times New Roman" panose="02020603050405020304" pitchFamily="18" charset="0"/>
+              </a:rPr>
+              <a:t>задача распознавания морских судов методами компьютерного зрения. Были приведены результаты работы метода бинарной классификации и метода семантической сегментации изображения. Для метода бинарной классификации были подобраны оптимальные </a:t>
+            </a:r>
+            <a:r>
+              <a:rPr lang="ru-RU" sz="2400" dirty="0" err="1" smtClean="0">
+                <a:ea typeface="Times New Roman" panose="02020603050405020304" pitchFamily="18" charset="0"/>
+              </a:rPr>
+              <a:t>гиперпараметры</a:t>
+            </a:r>
+            <a:r>
+              <a:rPr lang="ru-RU" sz="2400" dirty="0" smtClean="0">
+                <a:ea typeface="Times New Roman" panose="02020603050405020304" pitchFamily="18" charset="0"/>
+              </a:rPr>
+              <a:t> для </a:t>
+            </a:r>
+            <a:r>
+              <a:rPr lang="ru-RU" sz="2400" dirty="0" err="1" smtClean="0">
+                <a:ea typeface="Times New Roman" panose="02020603050405020304" pitchFamily="18" charset="0"/>
+              </a:rPr>
+              <a:t>даной</a:t>
+            </a:r>
+            <a:r>
+              <a:rPr lang="ru-RU" sz="2400" dirty="0" smtClean="0">
+                <a:ea typeface="Times New Roman" panose="02020603050405020304" pitchFamily="18" charset="0"/>
+              </a:rPr>
+              <a:t> </a:t>
+            </a:r>
+            <a:r>
+              <a:rPr lang="ru-RU" sz="2400" dirty="0" err="1" smtClean="0">
+                <a:ea typeface="Times New Roman" panose="02020603050405020304" pitchFamily="18" charset="0"/>
+              </a:rPr>
+              <a:t>заадчи</a:t>
+            </a:r>
+            <a:r>
+              <a:rPr lang="ru-RU" sz="2400" dirty="0" smtClean="0">
+                <a:ea typeface="Times New Roman" panose="02020603050405020304" pitchFamily="18" charset="0"/>
+              </a:rPr>
+              <a:t> модели </a:t>
+            </a:r>
+            <a:r>
+              <a:rPr lang="en-US" sz="2400" dirty="0" smtClean="0">
+                <a:ea typeface="Times New Roman" panose="02020603050405020304" pitchFamily="18" charset="0"/>
+              </a:rPr>
+              <a:t>VGG16</a:t>
+            </a:r>
+            <a:r>
+              <a:rPr lang="ru-RU" sz="2400" dirty="0" smtClean="0">
+                <a:ea typeface="Times New Roman" panose="02020603050405020304" pitchFamily="18" charset="0"/>
+              </a:rPr>
+              <a:t>. Для метода семантической сегментации была определена лучшая модель – это </a:t>
+            </a:r>
+            <a:r>
+              <a:rPr lang="en-US" sz="2400" dirty="0" smtClean="0">
+                <a:ea typeface="Times New Roman" panose="02020603050405020304" pitchFamily="18" charset="0"/>
+              </a:rPr>
+              <a:t>U – Net</a:t>
+            </a:r>
+            <a:r>
+              <a:rPr lang="ru-RU" sz="2400" dirty="0" smtClean="0">
+                <a:ea typeface="Times New Roman" panose="02020603050405020304" pitchFamily="18" charset="0"/>
+              </a:rPr>
+              <a:t> и ее работа была улучшена путем использования метода инициализации весов </a:t>
+            </a:r>
+            <a:r>
+              <a:rPr lang="ru-RU" sz="2400" dirty="0" err="1" smtClean="0">
+                <a:ea typeface="Times New Roman" panose="02020603050405020304" pitchFamily="18" charset="0"/>
+              </a:rPr>
+              <a:t>Ксавье</a:t>
+            </a:r>
+            <a:r>
+              <a:rPr lang="ru-RU" sz="2400" dirty="0" smtClean="0">
+                <a:ea typeface="Times New Roman" panose="02020603050405020304" pitchFamily="18" charset="0"/>
+              </a:rPr>
+              <a:t>.</a:t>
+            </a:r>
+            <a:endParaRPr lang="ru-RU" sz="2400" dirty="0" smtClean="0">
+              <a:ea typeface="Times New Roman" panose="02020603050405020304" pitchFamily="18" charset="0"/>
+            </a:endParaRPr>
+          </a:p>
+        </p:txBody>
+      </p:sp>
+      <p:sp>
+        <p:nvSpPr>
+          <p:cNvPr id="4" name="Номер слайда 3">
+            <a:extLst>
+              <a:ext uri="{FF2B5EF4-FFF2-40B4-BE49-F238E27FC236}">
+                <a16:creationId xmlns:a16="http://schemas.microsoft.com/office/drawing/2014/main" id="{F5751FB5-B8CF-4E87-BEBB-445A30784354}"/>
+              </a:ext>
+            </a:extLst>
+          </p:cNvPr>
+          <p:cNvSpPr>
+            <a:spLocks noGrp="1"/>
+          </p:cNvSpPr>
+          <p:nvPr>
+            <p:ph type="sldNum" sz="quarter" idx="12"/>
+          </p:nvPr>
+        </p:nvSpPr>
+        <p:spPr/>
+        <p:txBody>
+          <a:bodyPr/>
+          <a:lstStyle/>
+          <a:p>
+            <a:fld id="{215F4EE3-9A7A-4F14-9A4C-17DDDD407085}" type="slidenum">
+              <a:rPr lang="ru-RU" sz="1600" smtClean="0"/>
+              <a:t>12</a:t>
+            </a:fld>
+            <a:endParaRPr lang="ru-RU" sz="1600" dirty="0"/>
+          </a:p>
+        </p:txBody>
+      </p:sp>
+    </p:spTree>
+    <p:extLst>
+      <p:ext uri="{BB962C8B-B14F-4D97-AF65-F5344CB8AC3E}">
+        <p14:creationId xmlns:p14="http://schemas.microsoft.com/office/powerpoint/2010/main" val="2273475074"/>
+      </p:ext>
+    </p:extLst>
+  </p:cSld>
+  <p:clrMapOvr>
+    <a:masterClrMapping/>
+  </p:clrMapOvr>
+  <p:timing>
+    <p:tnLst>
+      <p:par>
+        <p:cTn id="1" dur="indefinite" restart="never" nodeType="tmRoot"/>
+      </p:par>
+    </p:tnLst>
+  </p:timing>
+</p:sld>
+</file>
+
+<file path=ppt/slides/slide13.xml><?xml version="1.0" encoding="utf-8"?>
+<p:sld xmlns:a="http://schemas.openxmlformats.org/drawingml/2006/main" xmlns:r="http://schemas.openxmlformats.org/officeDocument/2006/relationships" xmlns:p="http://schemas.openxmlformats.org/presentationml/2006/main">
+  <p:cSld>
+    <p:spTree>
+      <p:nvGrpSpPr>
+        <p:cNvPr id="1" name=""/>
+        <p:cNvGrpSpPr/>
+        <p:nvPr/>
+      </p:nvGrpSpPr>
+      <p:grpSpPr>
+        <a:xfrm>
+          <a:off x="0" y="0"/>
+          <a:ext cx="0" cy="0"/>
+          <a:chOff x="0" y="0"/>
+          <a:chExt cx="0" cy="0"/>
+        </a:xfrm>
+      </p:grpSpPr>
+      <p:sp>
+        <p:nvSpPr>
           <p:cNvPr id="2" name="Заголовок 1">
             <a:extLst>
               <a:ext uri="{FF2B5EF4-FFF2-40B4-BE49-F238E27FC236}">
@@ -6529,8 +7035,8 @@
         </p:nvSpPr>
         <p:spPr>
           <a:xfrm>
-            <a:off x="1484310" y="117629"/>
-            <a:ext cx="10018713" cy="1752599"/>
+            <a:off x="2904739" y="2248270"/>
+            <a:ext cx="6434572" cy="1752599"/>
           </a:xfrm>
         </p:spPr>
         <p:txBody>
@@ -6567,7 +7073,7 @@
           <a:p>
             <a:fld id="{215F4EE3-9A7A-4F14-9A4C-17DDDD407085}" type="slidenum">
               <a:rPr lang="ru-RU" sz="1600" smtClean="0"/>
-              <a:t>11</a:t>
+              <a:t>13</a:t>
             </a:fld>
             <a:endParaRPr lang="ru-RU" sz="1600" dirty="0"/>
           </a:p>
@@ -6883,7 +7389,6 @@
               <a:rPr lang="ru-RU" dirty="0"/>
               <a:t>алгоритма, позволяющий зафиксировать морское судно на изображении, а также определить его точное местоположение на фотографии.</a:t>
             </a:r>
-            <a:endParaRPr lang="ru-RU" dirty="0"/>
           </a:p>
           <a:p>
             <a:endParaRPr lang="ru-RU" dirty="0"/>
@@ -7493,13 +7998,8 @@
           <a:p>
             <a:r>
               <a:rPr lang="ru-RU" dirty="0"/>
-              <a:t>Описание наборов </a:t>
-            </a:r>
-            <a:r>
-              <a:rPr lang="ru-RU" dirty="0"/>
-              <a:t>данных после предобработки</a:t>
-            </a:r>
-            <a:endParaRPr lang="ru-RU" dirty="0"/>
+              <a:t>Описание наборов данных после предобработки</a:t>
+            </a:r>
           </a:p>
         </p:txBody>
       </p:sp>
@@ -7776,8 +8276,8 @@
           </a:p>
         </p:txBody>
       </p:sp>
-      <mc:AlternateContent xmlns:mc="http://schemas.openxmlformats.org/markup-compatibility/2006">
-        <mc:Choice xmlns:a14="http://schemas.microsoft.com/office/drawing/2010/main" Requires="a14">
+      <mc:AlternateContent xmlns:mc="http://schemas.openxmlformats.org/markup-compatibility/2006" xmlns:a14="http://schemas.microsoft.com/office/drawing/2010/main">
+        <mc:Choice Requires="a14">
           <p:sp>
             <p:nvSpPr>
               <p:cNvPr id="6" name="Прямоугольник 5">
@@ -8025,7 +8525,7 @@
             </p:txBody>
           </p:sp>
         </mc:Choice>
-        <mc:Fallback>
+        <mc:Fallback xmlns="">
           <p:sp>
             <p:nvSpPr>
               <p:cNvPr id="6" name="Прямоугольник 5">
@@ -8888,8 +9388,8 @@
           </a:p>
         </p:txBody>
       </p:sp>
-      <mc:AlternateContent xmlns:mc="http://schemas.openxmlformats.org/markup-compatibility/2006">
-        <mc:Choice xmlns:a14="http://schemas.microsoft.com/office/drawing/2010/main" Requires="a14">
+      <mc:AlternateContent xmlns:mc="http://schemas.openxmlformats.org/markup-compatibility/2006" xmlns:a14="http://schemas.microsoft.com/office/drawing/2010/main">
+        <mc:Choice Requires="a14">
           <p:sp>
             <p:nvSpPr>
               <p:cNvPr id="14" name="Прямоугольник 13"/>
@@ -9124,7 +9624,7 @@
             </p:txBody>
           </p:sp>
         </mc:Choice>
-        <mc:Fallback>
+        <mc:Fallback xmlns="">
           <p:sp>
             <p:nvSpPr>
               <p:cNvPr id="14" name="Прямоугольник 13"/>
@@ -9187,8 +9687,8 @@
           </a:prstGeom>
         </p:spPr>
       </p:pic>
-      <mc:AlternateContent xmlns:mc="http://schemas.openxmlformats.org/markup-compatibility/2006">
-        <mc:Choice xmlns:a14="http://schemas.microsoft.com/office/drawing/2010/main" Requires="a14">
+      <mc:AlternateContent xmlns:mc="http://schemas.openxmlformats.org/markup-compatibility/2006" xmlns:a14="http://schemas.microsoft.com/office/drawing/2010/main">
+        <mc:Choice Requires="a14">
           <p:sp>
             <p:nvSpPr>
               <p:cNvPr id="16" name="Прямоугольник 15"/>
@@ -9197,8 +9697,8 @@
             </p:nvSpPr>
             <p:spPr>
               <a:xfrm>
-                <a:off x="502501" y="5376623"/>
-                <a:ext cx="5235879" cy="749757"/>
+                <a:off x="558316" y="5061373"/>
+                <a:ext cx="5124249" cy="749757"/>
               </a:xfrm>
               <a:prstGeom prst="rect">
                 <a:avLst/>
@@ -9221,60 +9721,86 @@
                 <a14:m>
                   <m:oMath xmlns:m="http://schemas.openxmlformats.org/officeDocument/2006/math">
                     <m:r>
-                      <a:rPr lang="ru-RU" i="1" smtClean="0"/>
+                      <a:rPr lang="ru-RU" i="1" smtClean="0">
+                        <a:latin typeface="Cambria Math" panose="02040503050406030204" pitchFamily="18" charset="0"/>
+                      </a:rPr>
                       <m:t>𝐷𝐼𝐶𝐸</m:t>
                     </m:r>
                     <m:r>
-                      <a:rPr lang="ru-RU" i="1" smtClean="0"/>
+                      <a:rPr lang="ru-RU" i="1" smtClean="0">
+                        <a:latin typeface="Cambria Math" panose="02040503050406030204" pitchFamily="18" charset="0"/>
+                      </a:rPr>
                       <m:t>=</m:t>
                     </m:r>
                     <m:f>
                       <m:fPr>
                         <m:ctrlPr>
-                          <a:rPr lang="ru-RU" i="1"/>
+                          <a:rPr lang="ru-RU" i="1">
+                            <a:latin typeface="Cambria Math" panose="02040503050406030204" pitchFamily="18" charset="0"/>
+                          </a:rPr>
                         </m:ctrlPr>
                       </m:fPr>
                       <m:num>
                         <m:r>
-                          <a:rPr lang="ru-RU" i="1"/>
+                          <a:rPr lang="ru-RU" i="1">
+                            <a:latin typeface="Cambria Math" panose="02040503050406030204" pitchFamily="18" charset="0"/>
+                          </a:rPr>
                           <m:t>2|</m:t>
                         </m:r>
                         <m:r>
-                          <a:rPr lang="ru-RU" i="1"/>
+                          <a:rPr lang="ru-RU" i="1">
+                            <a:latin typeface="Cambria Math" panose="02040503050406030204" pitchFamily="18" charset="0"/>
+                          </a:rPr>
                           <m:t>𝐴</m:t>
                         </m:r>
                         <m:r>
-                          <a:rPr lang="ru-RU" i="1"/>
+                          <a:rPr lang="ru-RU" i="1">
+                            <a:latin typeface="Cambria Math" panose="02040503050406030204" pitchFamily="18" charset="0"/>
+                          </a:rPr>
                           <m:t>∩</m:t>
                         </m:r>
                         <m:r>
-                          <a:rPr lang="ru-RU" i="1"/>
+                          <a:rPr lang="ru-RU" i="1">
+                            <a:latin typeface="Cambria Math" panose="02040503050406030204" pitchFamily="18" charset="0"/>
+                          </a:rPr>
                           <m:t>𝐵</m:t>
                         </m:r>
                         <m:r>
-                          <a:rPr lang="ru-RU" i="1"/>
+                          <a:rPr lang="ru-RU" i="1">
+                            <a:latin typeface="Cambria Math" panose="02040503050406030204" pitchFamily="18" charset="0"/>
+                          </a:rPr>
                           <m:t>|</m:t>
                         </m:r>
                       </m:num>
                       <m:den>
                         <m:r>
-                          <a:rPr lang="ru-RU" i="1"/>
+                          <a:rPr lang="ru-RU" i="1">
+                            <a:latin typeface="Cambria Math" panose="02040503050406030204" pitchFamily="18" charset="0"/>
+                          </a:rPr>
                           <m:t>|</m:t>
                         </m:r>
                         <m:r>
-                          <a:rPr lang="ru-RU" i="1"/>
+                          <a:rPr lang="ru-RU" i="1">
+                            <a:latin typeface="Cambria Math" panose="02040503050406030204" pitchFamily="18" charset="0"/>
+                          </a:rPr>
                           <m:t>𝐴</m:t>
                         </m:r>
                         <m:r>
-                          <a:rPr lang="ru-RU" i="1"/>
+                          <a:rPr lang="ru-RU" i="1">
+                            <a:latin typeface="Cambria Math" panose="02040503050406030204" pitchFamily="18" charset="0"/>
+                          </a:rPr>
                           <m:t>∪</m:t>
                         </m:r>
                         <m:r>
-                          <a:rPr lang="ru-RU" i="1"/>
+                          <a:rPr lang="ru-RU" i="1">
+                            <a:latin typeface="Cambria Math" panose="02040503050406030204" pitchFamily="18" charset="0"/>
+                          </a:rPr>
                           <m:t>𝐵</m:t>
                         </m:r>
                         <m:r>
-                          <a:rPr lang="ru-RU" i="1"/>
+                          <a:rPr lang="ru-RU" i="1">
+                            <a:latin typeface="Cambria Math" panose="02040503050406030204" pitchFamily="18" charset="0"/>
+                          </a:rPr>
                           <m:t>|</m:t>
                         </m:r>
                       </m:den>
@@ -9382,7 +9908,7 @@
             </p:txBody>
           </p:sp>
         </mc:Choice>
-        <mc:Fallback>
+        <mc:Fallback xmlns="">
           <p:sp>
             <p:nvSpPr>
               <p:cNvPr id="16" name="Прямоугольник 15"/>
@@ -9393,8 +9919,8 @@
             </p:nvSpPr>
             <p:spPr>
               <a:xfrm>
-                <a:off x="502501" y="5376623"/>
-                <a:ext cx="5235879" cy="749757"/>
+                <a:off x="558316" y="5061373"/>
+                <a:ext cx="5124249" cy="749757"/>
               </a:xfrm>
               <a:prstGeom prst="rect">
                 <a:avLst/>
@@ -9975,7 +10501,7 @@
         </p:nvGrpSpPr>
         <p:grpSpPr bwMode="auto">
           <a:xfrm>
-            <a:off x="581351" y="1738891"/>
+            <a:off x="465725" y="1125115"/>
             <a:ext cx="5055362" cy="2245096"/>
             <a:chOff x="2211" y="243"/>
             <a:chExt cx="8295" cy="3794"/>
@@ -10088,7 +10614,7 @@
           <a:p>
             <a:r>
               <a:rPr lang="ru-RU" sz="2400" dirty="0" smtClean="0"/>
-              <a:t>Определение необходимого и достаточного уровня метрик качества для задачи классификации</a:t>
+              <a:t>Определение необходимого и достаточного уровня метрик качества для задачи классификации, результат исследования</a:t>
             </a:r>
             <a:endParaRPr lang="ru-RU" sz="2400" dirty="0"/>
           </a:p>
@@ -10102,7 +10628,7 @@
         </p:nvSpPr>
         <p:spPr>
           <a:xfrm>
-            <a:off x="465725" y="4005290"/>
+            <a:off x="337512" y="3500396"/>
             <a:ext cx="5575062" cy="369332"/>
           </a:xfrm>
           <a:prstGeom prst="rect">
@@ -10134,7 +10660,7 @@
         </p:nvGrpSpPr>
         <p:grpSpPr bwMode="auto">
           <a:xfrm>
-            <a:off x="6444861" y="1704368"/>
+            <a:off x="6444861" y="1125115"/>
             <a:ext cx="5163185" cy="2277481"/>
             <a:chOff x="2285" y="2012"/>
             <a:chExt cx="8131" cy="3661"/>
@@ -10231,7 +10757,7 @@
         </p:nvSpPr>
         <p:spPr>
           <a:xfrm>
-            <a:off x="7247758" y="4016372"/>
+            <a:off x="7247757" y="3370211"/>
             <a:ext cx="3557392" cy="646331"/>
           </a:xfrm>
           <a:prstGeom prst="rect">
@@ -10251,6 +10777,60 @@
               <a:t>Решение с использованием человеческих ресурсов</a:t>
             </a:r>
             <a:endParaRPr lang="ru-RU" dirty="0"/>
+          </a:p>
+        </p:txBody>
+      </p:sp>
+      <p:sp>
+        <p:nvSpPr>
+          <p:cNvPr id="2" name="TextBox 1"/>
+          <p:cNvSpPr txBox="1"/>
+          <p:nvPr/>
+        </p:nvSpPr>
+        <p:spPr>
+          <a:xfrm>
+            <a:off x="319703" y="4473050"/>
+            <a:ext cx="9713645" cy="646331"/>
+          </a:xfrm>
+          <a:prstGeom prst="rect">
+            <a:avLst/>
+          </a:prstGeom>
+          <a:noFill/>
+        </p:spPr>
+        <p:txBody>
+          <a:bodyPr wrap="square" rtlCol="0">
+            <a:spAutoFit/>
+          </a:bodyPr>
+          <a:lstStyle/>
+          <a:p>
+            <a:pPr marL="285750" indent="-285750">
+              <a:buFont typeface="Arial" panose="020B0604020202020204" pitchFamily="34" charset="0"/>
+              <a:buChar char="•"/>
+            </a:pPr>
+            <a:r>
+              <a:rPr lang="ru-RU" dirty="0" smtClean="0"/>
+              <a:t>Во время исследования сети </a:t>
+            </a:r>
+            <a:r>
+              <a:rPr lang="en-US" dirty="0" smtClean="0"/>
+              <a:t>VGG16 </a:t>
+            </a:r>
+            <a:r>
+              <a:rPr lang="ru-RU" dirty="0" smtClean="0"/>
+              <a:t>удалось достичь значений метрики </a:t>
+            </a:r>
+            <a:r>
+              <a:rPr lang="en-US" dirty="0" smtClean="0"/>
+              <a:t>accuracy </a:t>
+            </a:r>
+            <a:r>
+              <a:rPr lang="ru-RU" dirty="0" smtClean="0"/>
+              <a:t>равное </a:t>
+            </a:r>
+            <a:r>
+              <a:rPr lang="ru-RU" i="1" dirty="0" smtClean="0"/>
+              <a:t>0.927 </a:t>
+            </a:r>
+            <a:endParaRPr lang="ru-RU" i="1" dirty="0"/>
           </a:p>
         </p:txBody>
       </p:sp>
@@ -10328,7 +10908,7 @@
         </p:nvSpPr>
         <p:spPr>
           <a:xfrm>
-            <a:off x="319703" y="137786"/>
+            <a:off x="319703" y="200416"/>
             <a:ext cx="11185742" cy="461665"/>
           </a:xfrm>
           <a:prstGeom prst="rect">
@@ -10344,13 +10924,183 @@
           <a:p>
             <a:r>
               <a:rPr lang="ru-RU" sz="2400" dirty="0" smtClean="0"/>
-              <a:t>Структура </a:t>
-            </a:r>
-            <a:r>
-              <a:rPr lang="ru-RU" sz="2400" smtClean="0"/>
-              <a:t>модели классификации</a:t>
+              <a:t>Сравнение результатов метрик сетей сегментации изображений</a:t>
             </a:r>
             <a:endParaRPr lang="ru-RU" sz="2400" dirty="0"/>
+          </a:p>
+        </p:txBody>
+      </p:sp>
+      <p:pic>
+        <p:nvPicPr>
+          <p:cNvPr id="6" name="Рисунок 5"/>
+          <p:cNvPicPr>
+            <a:picLocks noChangeAspect="1"/>
+          </p:cNvPicPr>
+          <p:nvPr/>
+        </p:nvPicPr>
+        <p:blipFill rotWithShape="1">
+          <a:blip r:embed="rId2"/>
+          <a:srcRect t="2667"/>
+          <a:stretch/>
+        </p:blipFill>
+        <p:spPr>
+          <a:xfrm>
+            <a:off x="633720" y="799273"/>
+            <a:ext cx="2648796" cy="4779202"/>
+          </a:xfrm>
+          <a:prstGeom prst="rect">
+            <a:avLst/>
+          </a:prstGeom>
+        </p:spPr>
+      </p:pic>
+      <p:sp>
+        <p:nvSpPr>
+          <p:cNvPr id="2" name="TextBox 1"/>
+          <p:cNvSpPr txBox="1"/>
+          <p:nvPr/>
+        </p:nvSpPr>
+        <p:spPr>
+          <a:xfrm>
+            <a:off x="1478073" y="5578475"/>
+            <a:ext cx="1440492" cy="369332"/>
+          </a:xfrm>
+          <a:prstGeom prst="rect">
+            <a:avLst/>
+          </a:prstGeom>
+          <a:noFill/>
+        </p:spPr>
+        <p:txBody>
+          <a:bodyPr wrap="square" rtlCol="0">
+            <a:spAutoFit/>
+          </a:bodyPr>
+          <a:lstStyle/>
+          <a:p>
+            <a:r>
+              <a:rPr lang="en-US" dirty="0" smtClean="0"/>
+              <a:t>U - Net</a:t>
+            </a:r>
+            <a:endParaRPr lang="ru-RU" dirty="0"/>
+          </a:p>
+        </p:txBody>
+      </p:sp>
+      <p:pic>
+        <p:nvPicPr>
+          <p:cNvPr id="7" name="Рисунок 6"/>
+          <p:cNvPicPr>
+            <a:picLocks noChangeAspect="1"/>
+          </p:cNvPicPr>
+          <p:nvPr/>
+        </p:nvPicPr>
+        <p:blipFill>
+          <a:blip r:embed="rId3">
+            <a:extLst>
+              <a:ext uri="{28A0092B-C50C-407E-A947-70E740481C1C}">
+                <a14:useLocalDpi xmlns:a14="http://schemas.microsoft.com/office/drawing/2010/main" val="0"/>
+              </a:ext>
+            </a:extLst>
+          </a:blip>
+          <a:stretch>
+            <a:fillRect/>
+          </a:stretch>
+        </p:blipFill>
+        <p:spPr>
+          <a:xfrm>
+            <a:off x="4396143" y="799273"/>
+            <a:ext cx="2608690" cy="4785266"/>
+          </a:xfrm>
+          <a:prstGeom prst="rect">
+            <a:avLst/>
+          </a:prstGeom>
+        </p:spPr>
+      </p:pic>
+      <p:sp>
+        <p:nvSpPr>
+          <p:cNvPr id="3" name="TextBox 2"/>
+          <p:cNvSpPr txBox="1"/>
+          <p:nvPr/>
+        </p:nvSpPr>
+        <p:spPr>
+          <a:xfrm>
+            <a:off x="5124537" y="5578475"/>
+            <a:ext cx="1152395" cy="369332"/>
+          </a:xfrm>
+          <a:prstGeom prst="rect">
+            <a:avLst/>
+          </a:prstGeom>
+          <a:noFill/>
+        </p:spPr>
+        <p:txBody>
+          <a:bodyPr wrap="square" rtlCol="0">
+            <a:spAutoFit/>
+          </a:bodyPr>
+          <a:lstStyle/>
+          <a:p>
+            <a:r>
+              <a:rPr lang="en-US" dirty="0" err="1" smtClean="0"/>
+              <a:t>SegNet</a:t>
+            </a:r>
+            <a:endParaRPr lang="ru-RU" dirty="0"/>
+          </a:p>
+        </p:txBody>
+      </p:sp>
+      <p:pic>
+        <p:nvPicPr>
+          <p:cNvPr id="9" name="Рисунок 8"/>
+          <p:cNvPicPr>
+            <a:picLocks noChangeAspect="1"/>
+          </p:cNvPicPr>
+          <p:nvPr/>
+        </p:nvPicPr>
+        <p:blipFill rotWithShape="1">
+          <a:blip r:embed="rId4"/>
+          <a:srcRect t="2858" r="-68"/>
+          <a:stretch/>
+        </p:blipFill>
+        <p:spPr bwMode="auto">
+          <a:xfrm>
+            <a:off x="8286299" y="799273"/>
+            <a:ext cx="2617232" cy="4798234"/>
+          </a:xfrm>
+          <a:prstGeom prst="rect">
+            <a:avLst/>
+          </a:prstGeom>
+          <a:ln>
+            <a:noFill/>
+          </a:ln>
+          <a:extLst>
+            <a:ext uri="{53640926-AAD7-44D8-BBD7-CCE9431645EC}">
+              <a14:shadowObscured xmlns:a14="http://schemas.microsoft.com/office/drawing/2010/main"/>
+            </a:ext>
+          </a:extLst>
+        </p:spPr>
+      </p:pic>
+      <p:sp>
+        <p:nvSpPr>
+          <p:cNvPr id="8" name="TextBox 7"/>
+          <p:cNvSpPr txBox="1"/>
+          <p:nvPr/>
+        </p:nvSpPr>
+        <p:spPr>
+          <a:xfrm>
+            <a:off x="8839200" y="5597507"/>
+            <a:ext cx="1866900" cy="369332"/>
+          </a:xfrm>
+          <a:prstGeom prst="rect">
+            <a:avLst/>
+          </a:prstGeom>
+          <a:noFill/>
+        </p:spPr>
+        <p:txBody>
+          <a:bodyPr wrap="square" rtlCol="0">
+            <a:spAutoFit/>
+          </a:bodyPr>
+          <a:lstStyle/>
+          <a:p>
+            <a:r>
+              <a:rPr lang="en-US" dirty="0" smtClean="0"/>
+              <a:t>FCN VGG16</a:t>
+            </a:r>
+            <a:endParaRPr lang="ru-RU" dirty="0"/>
           </a:p>
         </p:txBody>
       </p:sp>

--- a/Отчет/ВКР презентация.pptx
+++ b/Отчет/ВКР презентация.pptx
@@ -6886,28 +6886,16 @@
               <a:t> для </a:t>
             </a:r>
             <a:r>
-              <a:rPr lang="ru-RU" sz="2400" dirty="0" err="1" smtClean="0">
+              <a:rPr lang="ru-RU" sz="2400" smtClean="0">
                 <a:ea typeface="Times New Roman" panose="02020603050405020304" pitchFamily="18" charset="0"/>
               </a:rPr>
-              <a:t>даной</a:t>
+              <a:t>данной задачи </a:t>
             </a:r>
             <a:r>
               <a:rPr lang="ru-RU" sz="2400" dirty="0" smtClean="0">
                 <a:ea typeface="Times New Roman" panose="02020603050405020304" pitchFamily="18" charset="0"/>
               </a:rPr>
-              <a:t> </a:t>
-            </a:r>
-            <a:r>
-              <a:rPr lang="ru-RU" sz="2400" dirty="0" err="1" smtClean="0">
-                <a:ea typeface="Times New Roman" panose="02020603050405020304" pitchFamily="18" charset="0"/>
-              </a:rPr>
-              <a:t>заадчи</a:t>
-            </a:r>
-            <a:r>
-              <a:rPr lang="ru-RU" sz="2400" dirty="0" smtClean="0">
-                <a:ea typeface="Times New Roman" panose="02020603050405020304" pitchFamily="18" charset="0"/>
-              </a:rPr>
-              <a:t> модели </a:t>
+              <a:t>модели </a:t>
             </a:r>
             <a:r>
               <a:rPr lang="en-US" sz="2400" dirty="0" smtClean="0">
@@ -6945,9 +6933,6 @@
               </a:rPr>
               <a:t>.</a:t>
             </a:r>
-            <a:endParaRPr lang="ru-RU" sz="2400" dirty="0" smtClean="0">
-              <a:ea typeface="Times New Roman" panose="02020603050405020304" pitchFamily="18" charset="0"/>
-            </a:endParaRPr>
           </a:p>
         </p:txBody>
       </p:sp>

--- a/Отчет/ВКР презентация.pptx
+++ b/Отчет/ВКР презентация.pptx
@@ -5,7 +5,7 @@
     <p:sldMasterId id="2147483786" r:id="rId1"/>
   </p:sldMasterIdLst>
   <p:notesMasterIdLst>
-    <p:notesMasterId r:id="rId15"/>
+    <p:notesMasterId r:id="rId19"/>
   </p:notesMasterIdLst>
   <p:sldIdLst>
     <p:sldId id="256" r:id="rId2"/>
@@ -21,6 +21,10 @@
     <p:sldId id="344" r:id="rId12"/>
     <p:sldId id="341" r:id="rId13"/>
     <p:sldId id="284" r:id="rId14"/>
+    <p:sldId id="345" r:id="rId15"/>
+    <p:sldId id="346" r:id="rId16"/>
+    <p:sldId id="348" r:id="rId17"/>
+    <p:sldId id="347" r:id="rId18"/>
   </p:sldIdLst>
   <p:sldSz cx="12192000" cy="6858000"/>
   <p:notesSz cx="6858000" cy="9144000"/>
@@ -137,6 +141,10 @@
             <p14:sldId id="344"/>
             <p14:sldId id="341"/>
             <p14:sldId id="284"/>
+            <p14:sldId id="345"/>
+            <p14:sldId id="346"/>
+            <p14:sldId id="348"/>
+            <p14:sldId id="347"/>
           </p14:sldIdLst>
         </p14:section>
       </p14:sectionLst>
@@ -5790,10 +5798,26 @@
           <a:p>
             <a:pPr algn="ctr"/>
             <a:r>
-              <a:rPr lang="ru-RU" sz="3200" dirty="0" smtClean="0"/>
+              <a:rPr lang="ru-RU" sz="3200" dirty="0" smtClean="0">
+                <a:effectLst>
+                  <a:outerShdw blurRad="38100" dist="38100" dir="2700000" algn="tl">
+                    <a:srgbClr val="000000">
+                      <a:alpha val="43137"/>
+                    </a:srgbClr>
+                  </a:outerShdw>
+                </a:effectLst>
+              </a:rPr>
               <a:t>Распознавание морских судов на аэрофотоснимках методами компьютерного зрения</a:t>
             </a:r>
-            <a:endParaRPr lang="ru-RU" sz="3200" dirty="0"/>
+            <a:endParaRPr lang="ru-RU" sz="3200" dirty="0">
+              <a:effectLst>
+                <a:outerShdw blurRad="38100" dist="38100" dir="2700000" algn="tl">
+                  <a:srgbClr val="000000">
+                    <a:alpha val="43137"/>
+                  </a:srgbClr>
+                </a:outerShdw>
+              </a:effectLst>
+            </a:endParaRPr>
           </a:p>
         </p:txBody>
       </p:sp>
@@ -6098,6 +6122,13 @@
             </a:pPr>
             <a:r>
               <a:rPr lang="ru-RU" altLang="ru-RU" sz="2000" b="1" dirty="0">
+                <a:effectLst>
+                  <a:outerShdw blurRad="38100" dist="38100" dir="2700000" algn="tl">
+                    <a:srgbClr val="000000">
+                      <a:alpha val="43137"/>
+                    </a:srgbClr>
+                  </a:outerShdw>
+                </a:effectLst>
                 <a:ea typeface="Times New Roman" panose="02020603050405020304" pitchFamily="18" charset="0"/>
               </a:rPr>
               <a:t>ФЕДЕРАЛЬНОЕ АГЕНТСТВО ВОЗДУШНОГО ТРАНСПОРТА</a:t>
@@ -6115,7 +6146,15 @@
                 <a:tab pos="630238" algn="l"/>
               </a:tabLst>
             </a:pPr>
-            <a:endParaRPr lang="ru-RU" altLang="ru-RU" sz="1200" dirty="0"/>
+            <a:endParaRPr lang="ru-RU" altLang="ru-RU" sz="1200" dirty="0">
+              <a:effectLst>
+                <a:outerShdw blurRad="38100" dist="38100" dir="2700000" algn="tl">
+                  <a:srgbClr val="000000">
+                    <a:alpha val="43137"/>
+                  </a:srgbClr>
+                </a:outerShdw>
+              </a:effectLst>
+            </a:endParaRPr>
           </a:p>
           <a:p>
             <a:pPr lvl="0" indent="450850" algn="ctr" defTabSz="914400" eaLnBrk="0" fontAlgn="base" hangingPunct="0">
@@ -6131,11 +6170,26 @@
             </a:pPr>
             <a:r>
               <a:rPr lang="ru-RU" altLang="ru-RU" sz="1600" b="1" dirty="0">
+                <a:effectLst>
+                  <a:outerShdw blurRad="38100" dist="38100" dir="2700000" algn="tl">
+                    <a:srgbClr val="000000">
+                      <a:alpha val="43137"/>
+                    </a:srgbClr>
+                  </a:outerShdw>
+                </a:effectLst>
                 <a:ea typeface="Times New Roman" panose="02020603050405020304" pitchFamily="18" charset="0"/>
               </a:rPr>
               <a:t>ФЕДЕРАЛЬНОЕ ГОСУДАРСТВЕННОЕ БЮДЖЕТНОЕ ОБРАЗОВАТЕЛЬНОЕ УЧРЕЖДЕНИЕ ВЫСШЕГО ОБРАЗОВАНИЯ</a:t>
             </a:r>
-            <a:endParaRPr lang="ru-RU" altLang="ru-RU" sz="1200" dirty="0"/>
+            <a:endParaRPr lang="ru-RU" altLang="ru-RU" sz="1200" dirty="0">
+              <a:effectLst>
+                <a:outerShdw blurRad="38100" dist="38100" dir="2700000" algn="tl">
+                  <a:srgbClr val="000000">
+                    <a:alpha val="43137"/>
+                  </a:srgbClr>
+                </a:outerShdw>
+              </a:effectLst>
+            </a:endParaRPr>
           </a:p>
           <a:p>
             <a:pPr lvl="0" indent="450850" algn="ctr" defTabSz="914400" eaLnBrk="0" fontAlgn="base" hangingPunct="0">
@@ -6151,11 +6205,26 @@
             </a:pPr>
             <a:r>
               <a:rPr lang="ru-RU" altLang="ru-RU" sz="1600" b="1" dirty="0">
+                <a:effectLst>
+                  <a:outerShdw blurRad="38100" dist="38100" dir="2700000" algn="tl">
+                    <a:srgbClr val="000000">
+                      <a:alpha val="43137"/>
+                    </a:srgbClr>
+                  </a:outerShdw>
+                </a:effectLst>
                 <a:ea typeface="Times New Roman" panose="02020603050405020304" pitchFamily="18" charset="0"/>
               </a:rPr>
               <a:t>«МОСКОВСКИЙ ГОСУДАРСТВЕННЫЙ ТЕХНИЧЕСКИЙ УНИВЕРСИТЕТ</a:t>
             </a:r>
-            <a:endParaRPr lang="ru-RU" altLang="ru-RU" sz="1200" dirty="0"/>
+            <a:endParaRPr lang="ru-RU" altLang="ru-RU" sz="1200" dirty="0">
+              <a:effectLst>
+                <a:outerShdw blurRad="38100" dist="38100" dir="2700000" algn="tl">
+                  <a:srgbClr val="000000">
+                    <a:alpha val="43137"/>
+                  </a:srgbClr>
+                </a:outerShdw>
+              </a:effectLst>
+            </a:endParaRPr>
           </a:p>
           <a:p>
             <a:pPr lvl="0" indent="450850" algn="ctr" defTabSz="914400" eaLnBrk="0" fontAlgn="base" hangingPunct="0">
@@ -6171,11 +6240,26 @@
             </a:pPr>
             <a:r>
               <a:rPr lang="ru-RU" altLang="ru-RU" sz="1600" b="1" dirty="0">
+                <a:effectLst>
+                  <a:outerShdw blurRad="38100" dist="38100" dir="2700000" algn="tl">
+                    <a:srgbClr val="000000">
+                      <a:alpha val="43137"/>
+                    </a:srgbClr>
+                  </a:outerShdw>
+                </a:effectLst>
                 <a:ea typeface="Times New Roman" panose="02020603050405020304" pitchFamily="18" charset="0"/>
               </a:rPr>
               <a:t>ГРАЖДАНСКОЙ АВИАЦИИ» (МГТУ ГА)</a:t>
             </a:r>
-            <a:endParaRPr lang="ru-RU" altLang="ru-RU" sz="3600" dirty="0"/>
+            <a:endParaRPr lang="ru-RU" altLang="ru-RU" sz="3600" dirty="0">
+              <a:effectLst>
+                <a:outerShdw blurRad="38100" dist="38100" dir="2700000" algn="tl">
+                  <a:srgbClr val="000000">
+                    <a:alpha val="43137"/>
+                  </a:srgbClr>
+                </a:outerShdw>
+              </a:effectLst>
+            </a:endParaRPr>
           </a:p>
         </p:txBody>
       </p:sp>
@@ -6213,6 +6297,13 @@
             </a:pPr>
             <a:r>
               <a:rPr lang="ru-RU" sz="3200" b="1" dirty="0">
+                <a:effectLst>
+                  <a:outerShdw blurRad="38100" dist="38100" dir="2700000" algn="tl">
+                    <a:srgbClr val="000000">
+                      <a:alpha val="43137"/>
+                    </a:srgbClr>
+                  </a:outerShdw>
+                </a:effectLst>
                 <a:latin typeface="+mj-lt"/>
                 <a:cs typeface="Times New Roman" panose="02020603050405020304" pitchFamily="18" charset="0"/>
               </a:rPr>
@@ -6333,8 +6424,8 @@
         </p:nvSpPr>
         <p:spPr>
           <a:xfrm>
-            <a:off x="1656736" y="4844455"/>
-            <a:ext cx="1440492" cy="369332"/>
+            <a:off x="1241100" y="4834451"/>
+            <a:ext cx="2200990" cy="369332"/>
           </a:xfrm>
           <a:prstGeom prst="rect">
             <a:avLst/>
@@ -6348,10 +6439,38 @@
           <a:lstStyle/>
           <a:p>
             <a:r>
-              <a:rPr lang="en-US" dirty="0" smtClean="0"/>
-              <a:t>U - Net</a:t>
-            </a:r>
-            <a:endParaRPr lang="ru-RU" dirty="0"/>
+              <a:rPr lang="en-US" dirty="0" smtClean="0">
+                <a:effectLst>
+                  <a:outerShdw blurRad="38100" dist="38100" dir="2700000" algn="tl">
+                    <a:srgbClr val="000000">
+                      <a:alpha val="43137"/>
+                    </a:srgbClr>
+                  </a:outerShdw>
+                </a:effectLst>
+              </a:rPr>
+              <a:t>U – Net – 50 </a:t>
+            </a:r>
+            <a:r>
+              <a:rPr lang="ru-RU" dirty="0" smtClean="0">
+                <a:effectLst>
+                  <a:outerShdw blurRad="38100" dist="38100" dir="2700000" algn="tl">
+                    <a:srgbClr val="000000">
+                      <a:alpha val="43137"/>
+                    </a:srgbClr>
+                  </a:outerShdw>
+                </a:effectLst>
+              </a:rPr>
+              <a:t>эпох</a:t>
+            </a:r>
+            <a:endParaRPr lang="ru-RU" dirty="0">
+              <a:effectLst>
+                <a:outerShdw blurRad="38100" dist="38100" dir="2700000" algn="tl">
+                  <a:srgbClr val="000000">
+                    <a:alpha val="43137"/>
+                  </a:srgbClr>
+                </a:outerShdw>
+              </a:effectLst>
+            </a:endParaRPr>
           </a:p>
         </p:txBody>
       </p:sp>
@@ -6363,8 +6482,8 @@
         </p:nvSpPr>
         <p:spPr>
           <a:xfrm>
-            <a:off x="5497249" y="4834451"/>
-            <a:ext cx="1152395" cy="369332"/>
+            <a:off x="5067747" y="4844455"/>
+            <a:ext cx="2549471" cy="369332"/>
           </a:xfrm>
           <a:prstGeom prst="rect">
             <a:avLst/>
@@ -6378,10 +6497,38 @@
           <a:lstStyle/>
           <a:p>
             <a:r>
-              <a:rPr lang="en-US" dirty="0" err="1" smtClean="0"/>
+              <a:rPr lang="en-US" dirty="0" err="1" smtClean="0">
+                <a:effectLst>
+                  <a:outerShdw blurRad="38100" dist="38100" dir="2700000" algn="tl">
+                    <a:srgbClr val="000000">
+                      <a:alpha val="43137"/>
+                    </a:srgbClr>
+                  </a:outerShdw>
+                </a:effectLst>
+              </a:rPr>
               <a:t>SegNet</a:t>
             </a:r>
-            <a:endParaRPr lang="ru-RU" dirty="0"/>
+            <a:r>
+              <a:rPr lang="ru-RU" dirty="0" smtClean="0">
+                <a:effectLst>
+                  <a:outerShdw blurRad="38100" dist="38100" dir="2700000" algn="tl">
+                    <a:srgbClr val="000000">
+                      <a:alpha val="43137"/>
+                    </a:srgbClr>
+                  </a:outerShdw>
+                </a:effectLst>
+              </a:rPr>
+              <a:t> – 100 эпох</a:t>
+            </a:r>
+            <a:endParaRPr lang="ru-RU" dirty="0">
+              <a:effectLst>
+                <a:outerShdw blurRad="38100" dist="38100" dir="2700000" algn="tl">
+                  <a:srgbClr val="000000">
+                    <a:alpha val="43137"/>
+                  </a:srgbClr>
+                </a:outerShdw>
+              </a:effectLst>
+            </a:endParaRPr>
           </a:p>
         </p:txBody>
       </p:sp>
@@ -6393,8 +6540,8 @@
         </p:nvSpPr>
         <p:spPr>
           <a:xfrm>
-            <a:off x="9342630" y="4834930"/>
-            <a:ext cx="1866900" cy="369332"/>
+            <a:off x="8827240" y="4834451"/>
+            <a:ext cx="2785639" cy="369332"/>
           </a:xfrm>
           <a:prstGeom prst="rect">
             <a:avLst/>
@@ -6408,10 +6555,38 @@
           <a:lstStyle/>
           <a:p>
             <a:r>
-              <a:rPr lang="en-US" dirty="0" smtClean="0"/>
+              <a:rPr lang="en-US" dirty="0" smtClean="0">
+                <a:effectLst>
+                  <a:outerShdw blurRad="38100" dist="38100" dir="2700000" algn="tl">
+                    <a:srgbClr val="000000">
+                      <a:alpha val="43137"/>
+                    </a:srgbClr>
+                  </a:outerShdw>
+                </a:effectLst>
+              </a:rPr>
               <a:t>FCN VGG16</a:t>
             </a:r>
-            <a:endParaRPr lang="ru-RU" dirty="0"/>
+            <a:r>
+              <a:rPr lang="ru-RU" dirty="0" smtClean="0">
+                <a:effectLst>
+                  <a:outerShdw blurRad="38100" dist="38100" dir="2700000" algn="tl">
+                    <a:srgbClr val="000000">
+                      <a:alpha val="43137"/>
+                    </a:srgbClr>
+                  </a:outerShdw>
+                </a:effectLst>
+              </a:rPr>
+              <a:t> – 50 эпох</a:t>
+            </a:r>
+            <a:endParaRPr lang="ru-RU" dirty="0">
+              <a:effectLst>
+                <a:outerShdw blurRad="38100" dist="38100" dir="2700000" algn="tl">
+                  <a:srgbClr val="000000">
+                    <a:alpha val="43137"/>
+                  </a:srgbClr>
+                </a:outerShdw>
+              </a:effectLst>
+            </a:endParaRPr>
           </a:p>
         </p:txBody>
       </p:sp>
@@ -6536,8 +6711,8 @@
         </p:nvSpPr>
         <p:spPr>
           <a:xfrm>
-            <a:off x="517958" y="73275"/>
-            <a:ext cx="11674042" cy="525242"/>
+            <a:off x="1725917" y="158655"/>
+            <a:ext cx="8847388" cy="525242"/>
           </a:xfrm>
         </p:spPr>
         <p:txBody>
@@ -6656,14 +6831,38 @@
           <a:lstStyle/>
           <a:p>
             <a:r>
-              <a:rPr lang="ru-RU" dirty="0" smtClean="0"/>
+              <a:rPr lang="ru-RU" dirty="0" smtClean="0">
+                <a:effectLst>
+                  <a:outerShdw blurRad="38100" dist="38100" dir="2700000" algn="tl">
+                    <a:srgbClr val="000000">
+                      <a:alpha val="43137"/>
+                    </a:srgbClr>
+                  </a:outerShdw>
+                </a:effectLst>
+              </a:rPr>
               <a:t>После инициализации весов методом </a:t>
             </a:r>
             <a:r>
-              <a:rPr lang="ru-RU" dirty="0" err="1" smtClean="0"/>
+              <a:rPr lang="ru-RU" dirty="0" err="1" smtClean="0">
+                <a:effectLst>
+                  <a:outerShdw blurRad="38100" dist="38100" dir="2700000" algn="tl">
+                    <a:srgbClr val="000000">
+                      <a:alpha val="43137"/>
+                    </a:srgbClr>
+                  </a:outerShdw>
+                </a:effectLst>
+              </a:rPr>
               <a:t>Ксавье</a:t>
             </a:r>
-            <a:endParaRPr lang="ru-RU" dirty="0"/>
+            <a:endParaRPr lang="ru-RU" dirty="0">
+              <a:effectLst>
+                <a:outerShdw blurRad="38100" dist="38100" dir="2700000" algn="tl">
+                  <a:srgbClr val="000000">
+                    <a:alpha val="43137"/>
+                  </a:srgbClr>
+                </a:outerShdw>
+              </a:effectLst>
+            </a:endParaRPr>
           </a:p>
         </p:txBody>
       </p:sp>
@@ -6744,10 +6943,26 @@
           <a:lstStyle/>
           <a:p>
             <a:r>
-              <a:rPr lang="ru-RU" dirty="0" smtClean="0"/>
+              <a:rPr lang="ru-RU" dirty="0" smtClean="0">
+                <a:effectLst>
+                  <a:outerShdw blurRad="38100" dist="38100" dir="2700000" algn="tl">
+                    <a:srgbClr val="000000">
+                      <a:alpha val="43137"/>
+                    </a:srgbClr>
+                  </a:outerShdw>
+                </a:effectLst>
+              </a:rPr>
               <a:t>После увеличения выборки</a:t>
             </a:r>
-            <a:endParaRPr lang="ru-RU" dirty="0"/>
+            <a:endParaRPr lang="ru-RU" dirty="0">
+              <a:effectLst>
+                <a:outerShdw blurRad="38100" dist="38100" dir="2700000" algn="tl">
+                  <a:srgbClr val="000000">
+                    <a:alpha val="43137"/>
+                  </a:srgbClr>
+                </a:outerShdw>
+              </a:effectLst>
+            </a:endParaRPr>
           </a:p>
         </p:txBody>
       </p:sp>
@@ -6840,8 +7055,11 @@
         <p:spPr>
           <a:xfrm>
             <a:off x="414721" y="1748901"/>
-            <a:ext cx="11152884" cy="2956263"/>
+            <a:ext cx="11152884" cy="3829574"/>
           </a:xfrm>
+          <a:ln>
+            <a:noFill/>
+          </a:ln>
         </p:spPr>
         <p:txBody>
           <a:bodyPr>
@@ -6863,72 +7081,256 @@
             </a:pPr>
             <a:r>
               <a:rPr lang="ru-RU" sz="2400" dirty="0">
+                <a:solidFill>
+                  <a:schemeClr val="tx1"/>
+                </a:solidFill>
+                <a:effectLst>
+                  <a:outerShdw blurRad="38100" dist="38100" dir="2700000" algn="tl">
+                    <a:srgbClr val="000000">
+                      <a:alpha val="43137"/>
+                    </a:srgbClr>
+                  </a:outerShdw>
+                </a:effectLst>
                 <a:ea typeface="Times New Roman" panose="02020603050405020304" pitchFamily="18" charset="0"/>
               </a:rPr>
               <a:t>В данной работе была решена </a:t>
             </a:r>
             <a:r>
               <a:rPr lang="ru-RU" sz="2400" dirty="0" smtClean="0">
+                <a:solidFill>
+                  <a:schemeClr val="tx1"/>
+                </a:solidFill>
+                <a:effectLst>
+                  <a:outerShdw blurRad="38100" dist="38100" dir="2700000" algn="tl">
+                    <a:srgbClr val="000000">
+                      <a:alpha val="43137"/>
+                    </a:srgbClr>
+                  </a:outerShdw>
+                </a:effectLst>
                 <a:ea typeface="Times New Roman" panose="02020603050405020304" pitchFamily="18" charset="0"/>
               </a:rPr>
               <a:t>задача распознавания морских судов методами компьютерного зрения. Были приведены результаты работы метода бинарной классификации и метода семантической сегментации изображения. Для метода бинарной классификации были подобраны оптимальные </a:t>
             </a:r>
             <a:r>
               <a:rPr lang="ru-RU" sz="2400" dirty="0" err="1" smtClean="0">
+                <a:solidFill>
+                  <a:schemeClr val="tx1"/>
+                </a:solidFill>
+                <a:effectLst>
+                  <a:outerShdw blurRad="38100" dist="38100" dir="2700000" algn="tl">
+                    <a:srgbClr val="000000">
+                      <a:alpha val="43137"/>
+                    </a:srgbClr>
+                  </a:outerShdw>
+                </a:effectLst>
                 <a:ea typeface="Times New Roman" panose="02020603050405020304" pitchFamily="18" charset="0"/>
               </a:rPr>
               <a:t>гиперпараметры</a:t>
             </a:r>
             <a:r>
               <a:rPr lang="ru-RU" sz="2400" dirty="0" smtClean="0">
+                <a:solidFill>
+                  <a:schemeClr val="tx1"/>
+                </a:solidFill>
+                <a:effectLst>
+                  <a:outerShdw blurRad="38100" dist="38100" dir="2700000" algn="tl">
+                    <a:srgbClr val="000000">
+                      <a:alpha val="43137"/>
+                    </a:srgbClr>
+                  </a:outerShdw>
+                </a:effectLst>
                 <a:ea typeface="Times New Roman" panose="02020603050405020304" pitchFamily="18" charset="0"/>
               </a:rPr>
-              <a:t> для </a:t>
-            </a:r>
-            <a:r>
-              <a:rPr lang="ru-RU" sz="2400" smtClean="0">
-                <a:ea typeface="Times New Roman" panose="02020603050405020304" pitchFamily="18" charset="0"/>
-              </a:rPr>
-              <a:t>данной задачи </a:t>
-            </a:r>
-            <a:r>
-              <a:rPr lang="ru-RU" sz="2400" dirty="0" smtClean="0">
-                <a:ea typeface="Times New Roman" panose="02020603050405020304" pitchFamily="18" charset="0"/>
-              </a:rPr>
-              <a:t>модели </a:t>
+              <a:t> для данной задачи модели </a:t>
             </a:r>
             <a:r>
               <a:rPr lang="en-US" sz="2400" dirty="0" smtClean="0">
+                <a:solidFill>
+                  <a:schemeClr val="tx1"/>
+                </a:solidFill>
+                <a:effectLst>
+                  <a:outerShdw blurRad="38100" dist="38100" dir="2700000" algn="tl">
+                    <a:srgbClr val="000000">
+                      <a:alpha val="43137"/>
+                    </a:srgbClr>
+                  </a:outerShdw>
+                </a:effectLst>
                 <a:ea typeface="Times New Roman" panose="02020603050405020304" pitchFamily="18" charset="0"/>
               </a:rPr>
               <a:t>VGG16</a:t>
             </a:r>
             <a:r>
               <a:rPr lang="ru-RU" sz="2400" dirty="0" smtClean="0">
+                <a:solidFill>
+                  <a:schemeClr val="tx1"/>
+                </a:solidFill>
+                <a:effectLst>
+                  <a:outerShdw blurRad="38100" dist="38100" dir="2700000" algn="tl">
+                    <a:srgbClr val="000000">
+                      <a:alpha val="43137"/>
+                    </a:srgbClr>
+                  </a:outerShdw>
+                </a:effectLst>
                 <a:ea typeface="Times New Roman" panose="02020603050405020304" pitchFamily="18" charset="0"/>
               </a:rPr>
               <a:t>. Для метода семантической сегментации была определена лучшая модель – это </a:t>
             </a:r>
             <a:r>
               <a:rPr lang="en-US" sz="2400" dirty="0" smtClean="0">
+                <a:solidFill>
+                  <a:schemeClr val="tx1"/>
+                </a:solidFill>
+                <a:effectLst>
+                  <a:outerShdw blurRad="38100" dist="38100" dir="2700000" algn="tl">
+                    <a:srgbClr val="000000">
+                      <a:alpha val="43137"/>
+                    </a:srgbClr>
+                  </a:outerShdw>
+                </a:effectLst>
                 <a:ea typeface="Times New Roman" panose="02020603050405020304" pitchFamily="18" charset="0"/>
               </a:rPr>
               <a:t>U – Net</a:t>
             </a:r>
             <a:r>
               <a:rPr lang="ru-RU" sz="2400" dirty="0" smtClean="0">
+                <a:solidFill>
+                  <a:schemeClr val="tx1"/>
+                </a:solidFill>
+                <a:effectLst>
+                  <a:outerShdw blurRad="38100" dist="38100" dir="2700000" algn="tl">
+                    <a:srgbClr val="000000">
+                      <a:alpha val="43137"/>
+                    </a:srgbClr>
+                  </a:outerShdw>
+                </a:effectLst>
                 <a:ea typeface="Times New Roman" panose="02020603050405020304" pitchFamily="18" charset="0"/>
               </a:rPr>
-              <a:t> и ее работа была улучшена путем использования метода инициализации весов </a:t>
+              <a:t> и </a:t>
+            </a:r>
+            <a:r>
+              <a:rPr lang="ru-RU" sz="2400" dirty="0" smtClean="0">
+                <a:solidFill>
+                  <a:schemeClr val="tx1"/>
+                </a:solidFill>
+                <a:effectLst>
+                  <a:outerShdw blurRad="38100" dist="38100" dir="2700000" algn="tl">
+                    <a:srgbClr val="000000">
+                      <a:alpha val="43137"/>
+                    </a:srgbClr>
+                  </a:outerShdw>
+                </a:effectLst>
+                <a:ea typeface="Times New Roman" panose="02020603050405020304" pitchFamily="18" charset="0"/>
+              </a:rPr>
+              <a:t>результаты ее обучения для данной задачи были </a:t>
+            </a:r>
+            <a:r>
+              <a:rPr lang="ru-RU" sz="2400" dirty="0" smtClean="0">
+                <a:solidFill>
+                  <a:schemeClr val="tx1"/>
+                </a:solidFill>
+                <a:effectLst>
+                  <a:outerShdw blurRad="38100" dist="38100" dir="2700000" algn="tl">
+                    <a:srgbClr val="000000">
+                      <a:alpha val="43137"/>
+                    </a:srgbClr>
+                  </a:outerShdw>
+                </a:effectLst>
+                <a:ea typeface="Times New Roman" panose="02020603050405020304" pitchFamily="18" charset="0"/>
+              </a:rPr>
+              <a:t>улучшены </a:t>
+            </a:r>
+            <a:r>
+              <a:rPr lang="ru-RU" sz="2400" dirty="0" smtClean="0">
+                <a:solidFill>
+                  <a:schemeClr val="tx1"/>
+                </a:solidFill>
+                <a:effectLst>
+                  <a:outerShdw blurRad="38100" dist="38100" dir="2700000" algn="tl">
+                    <a:srgbClr val="000000">
+                      <a:alpha val="43137"/>
+                    </a:srgbClr>
+                  </a:outerShdw>
+                </a:effectLst>
+                <a:ea typeface="Times New Roman" panose="02020603050405020304" pitchFamily="18" charset="0"/>
+              </a:rPr>
+              <a:t>путем использования метода инициализации </a:t>
+            </a:r>
+            <a:r>
+              <a:rPr lang="ru-RU" sz="2400" dirty="0" smtClean="0">
+                <a:solidFill>
+                  <a:schemeClr val="tx1"/>
+                </a:solidFill>
+                <a:effectLst>
+                  <a:outerShdw blurRad="38100" dist="38100" dir="2700000" algn="tl">
+                    <a:srgbClr val="000000">
+                      <a:alpha val="43137"/>
+                    </a:srgbClr>
+                  </a:outerShdw>
+                </a:effectLst>
+                <a:ea typeface="Times New Roman" panose="02020603050405020304" pitchFamily="18" charset="0"/>
+              </a:rPr>
+              <a:t>весов для слоев </a:t>
             </a:r>
             <a:r>
               <a:rPr lang="ru-RU" sz="2400" dirty="0" err="1" smtClean="0">
+                <a:solidFill>
+                  <a:schemeClr val="tx1"/>
+                </a:solidFill>
+                <a:effectLst>
+                  <a:outerShdw blurRad="38100" dist="38100" dir="2700000" algn="tl">
+                    <a:srgbClr val="000000">
+                      <a:alpha val="43137"/>
+                    </a:srgbClr>
+                  </a:outerShdw>
+                </a:effectLst>
+                <a:ea typeface="Times New Roman" panose="02020603050405020304" pitchFamily="18" charset="0"/>
+              </a:rPr>
+              <a:t>сверточной</a:t>
+            </a:r>
+            <a:r>
+              <a:rPr lang="ru-RU" sz="2400" dirty="0" smtClean="0">
+                <a:solidFill>
+                  <a:schemeClr val="tx1"/>
+                </a:solidFill>
+                <a:effectLst>
+                  <a:outerShdw blurRad="38100" dist="38100" dir="2700000" algn="tl">
+                    <a:srgbClr val="000000">
+                      <a:alpha val="43137"/>
+                    </a:srgbClr>
+                  </a:outerShdw>
+                </a:effectLst>
+                <a:ea typeface="Times New Roman" panose="02020603050405020304" pitchFamily="18" charset="0"/>
+              </a:rPr>
+              <a:t> нейронной сети методом </a:t>
+            </a:r>
+            <a:r>
+              <a:rPr lang="ru-RU" sz="2400" dirty="0" err="1" smtClean="0">
+                <a:solidFill>
+                  <a:schemeClr val="tx1"/>
+                </a:solidFill>
+                <a:effectLst>
+                  <a:outerShdw blurRad="38100" dist="38100" dir="2700000" algn="tl">
+                    <a:srgbClr val="000000">
+                      <a:alpha val="43137"/>
+                    </a:srgbClr>
+                  </a:outerShdw>
+                </a:effectLst>
                 <a:ea typeface="Times New Roman" panose="02020603050405020304" pitchFamily="18" charset="0"/>
               </a:rPr>
               <a:t>Ксавье</a:t>
             </a:r>
             <a:r>
               <a:rPr lang="ru-RU" sz="2400" dirty="0" smtClean="0">
+                <a:solidFill>
+                  <a:schemeClr val="tx1"/>
+                </a:solidFill>
+                <a:effectLst>
+                  <a:outerShdw blurRad="38100" dist="38100" dir="2700000" algn="tl">
+                    <a:srgbClr val="000000">
+                      <a:alpha val="43137"/>
+                    </a:srgbClr>
+                  </a:outerShdw>
+                </a:effectLst>
                 <a:ea typeface="Times New Roman" panose="02020603050405020304" pitchFamily="18" charset="0"/>
               </a:rPr>
               <a:t>.</a:t>
@@ -7084,6 +7486,821 @@
 </p:sld>
 </file>
 
+<file path=ppt/slides/slide14.xml><?xml version="1.0" encoding="utf-8"?>
+<p:sld xmlns:a="http://schemas.openxmlformats.org/drawingml/2006/main" xmlns:r="http://schemas.openxmlformats.org/officeDocument/2006/relationships" xmlns:p="http://schemas.openxmlformats.org/presentationml/2006/main">
+  <p:cSld>
+    <p:spTree>
+      <p:nvGrpSpPr>
+        <p:cNvPr id="1" name=""/>
+        <p:cNvGrpSpPr/>
+        <p:nvPr/>
+      </p:nvGrpSpPr>
+      <p:grpSpPr>
+        <a:xfrm>
+          <a:off x="0" y="0"/>
+          <a:ext cx="0" cy="0"/>
+          <a:chOff x="0" y="0"/>
+          <a:chExt cx="0" cy="0"/>
+        </a:xfrm>
+      </p:grpSpPr>
+      <p:sp>
+        <p:nvSpPr>
+          <p:cNvPr id="2" name="Заголовок 1">
+            <a:extLst>
+              <a:ext uri="{FF2B5EF4-FFF2-40B4-BE49-F238E27FC236}">
+                <a16:creationId xmlns:a16="http://schemas.microsoft.com/office/drawing/2014/main" id="{38CAA637-3F6B-4E0B-8FCE-8352F3D5AF84}"/>
+              </a:ext>
+            </a:extLst>
+          </p:cNvPr>
+          <p:cNvSpPr>
+            <a:spLocks noGrp="1"/>
+          </p:cNvSpPr>
+          <p:nvPr>
+            <p:ph type="title"/>
+          </p:nvPr>
+        </p:nvSpPr>
+        <p:spPr>
+          <a:xfrm>
+            <a:off x="3845770" y="674703"/>
+            <a:ext cx="4392706" cy="627354"/>
+          </a:xfrm>
+        </p:spPr>
+        <p:txBody>
+          <a:bodyPr>
+            <a:normAutofit fontScale="90000"/>
+          </a:bodyPr>
+          <a:lstStyle/>
+          <a:p>
+            <a:r>
+              <a:rPr lang="ru-RU" dirty="0" smtClean="0"/>
+              <a:t>Архитектура </a:t>
+            </a:r>
+            <a:r>
+              <a:rPr lang="en-US" dirty="0" smtClean="0"/>
+              <a:t>u - net</a:t>
+            </a:r>
+            <a:endParaRPr lang="ru-RU" dirty="0"/>
+          </a:p>
+        </p:txBody>
+      </p:sp>
+      <p:sp>
+        <p:nvSpPr>
+          <p:cNvPr id="4" name="Номер слайда 3">
+            <a:extLst>
+              <a:ext uri="{FF2B5EF4-FFF2-40B4-BE49-F238E27FC236}">
+                <a16:creationId xmlns:a16="http://schemas.microsoft.com/office/drawing/2014/main" id="{951D9478-5EF5-4270-8271-04DE65F57F30}"/>
+              </a:ext>
+            </a:extLst>
+          </p:cNvPr>
+          <p:cNvSpPr>
+            <a:spLocks noGrp="1"/>
+          </p:cNvSpPr>
+          <p:nvPr>
+            <p:ph type="sldNum" sz="quarter" idx="12"/>
+          </p:nvPr>
+        </p:nvSpPr>
+        <p:spPr/>
+        <p:txBody>
+          <a:bodyPr/>
+          <a:lstStyle/>
+          <a:p>
+            <a:fld id="{215F4EE3-9A7A-4F14-9A4C-17DDDD407085}" type="slidenum">
+              <a:rPr lang="ru-RU" sz="1600" smtClean="0"/>
+              <a:t>14</a:t>
+            </a:fld>
+            <a:endParaRPr lang="ru-RU" sz="1600" dirty="0"/>
+          </a:p>
+        </p:txBody>
+      </p:sp>
+      <p:pic>
+        <p:nvPicPr>
+          <p:cNvPr id="5" name="Рисунок 4"/>
+          <p:cNvPicPr>
+            <a:picLocks noChangeAspect="1"/>
+          </p:cNvPicPr>
+          <p:nvPr/>
+        </p:nvPicPr>
+        <p:blipFill>
+          <a:blip r:embed="rId2"/>
+          <a:stretch>
+            <a:fillRect/>
+          </a:stretch>
+        </p:blipFill>
+        <p:spPr>
+          <a:xfrm>
+            <a:off x="3181081" y="1466365"/>
+            <a:ext cx="5722085" cy="3765472"/>
+          </a:xfrm>
+          <a:prstGeom prst="rect">
+            <a:avLst/>
+          </a:prstGeom>
+        </p:spPr>
+      </p:pic>
+      <p:sp>
+        <p:nvSpPr>
+          <p:cNvPr id="3" name="Прямоугольник 2"/>
+          <p:cNvSpPr/>
+          <p:nvPr/>
+        </p:nvSpPr>
+        <p:spPr>
+          <a:xfrm>
+            <a:off x="2083900" y="5231837"/>
+            <a:ext cx="7916449" cy="646331"/>
+          </a:xfrm>
+          <a:prstGeom prst="rect">
+            <a:avLst/>
+          </a:prstGeom>
+        </p:spPr>
+        <p:txBody>
+          <a:bodyPr wrap="square">
+            <a:spAutoFit/>
+          </a:bodyPr>
+          <a:lstStyle/>
+          <a:p>
+            <a:pPr marL="342900" marR="428625" lvl="0" indent="-342900" algn="just">
+              <a:spcBef>
+                <a:spcPts val="910"/>
+              </a:spcBef>
+              <a:spcAft>
+                <a:spcPts val="0"/>
+              </a:spcAft>
+              <a:buSzPts val="1400"/>
+              <a:buFont typeface="+mj-lt"/>
+              <a:buAutoNum type="arabicPeriod" startAt="3"/>
+              <a:tabLst>
+                <a:tab pos="614045" algn="l"/>
+              </a:tabLst>
+            </a:pPr>
+            <a:r>
+              <a:rPr lang="en-US" dirty="0">
+                <a:latin typeface="Times New Roman" panose="02020603050405020304" pitchFamily="18" charset="0"/>
+                <a:ea typeface="Times New Roman" panose="02020603050405020304" pitchFamily="18" charset="0"/>
+              </a:rPr>
+              <a:t>U-Net: Convolutional Networks for Biomedical Image Segmentation. arXiv:1505.04597v1 [cs.CV] 18 May 2015</a:t>
+            </a:r>
+            <a:endParaRPr lang="ru-RU" dirty="0">
+              <a:latin typeface="Times New Roman" panose="02020603050405020304" pitchFamily="18" charset="0"/>
+              <a:ea typeface="Times New Roman" panose="02020603050405020304" pitchFamily="18" charset="0"/>
+            </a:endParaRPr>
+          </a:p>
+        </p:txBody>
+      </p:sp>
+    </p:spTree>
+    <p:extLst>
+      <p:ext uri="{BB962C8B-B14F-4D97-AF65-F5344CB8AC3E}">
+        <p14:creationId xmlns:p14="http://schemas.microsoft.com/office/powerpoint/2010/main" val="2488232859"/>
+      </p:ext>
+    </p:extLst>
+  </p:cSld>
+  <p:clrMapOvr>
+    <a:masterClrMapping/>
+  </p:clrMapOvr>
+  <p:timing>
+    <p:tnLst>
+      <p:par>
+        <p:cTn id="1" dur="indefinite" restart="never" nodeType="tmRoot"/>
+      </p:par>
+    </p:tnLst>
+  </p:timing>
+</p:sld>
+</file>
+
+<file path=ppt/slides/slide15.xml><?xml version="1.0" encoding="utf-8"?>
+<p:sld xmlns:a="http://schemas.openxmlformats.org/drawingml/2006/main" xmlns:r="http://schemas.openxmlformats.org/officeDocument/2006/relationships" xmlns:p="http://schemas.openxmlformats.org/presentationml/2006/main">
+  <p:cSld>
+    <p:spTree>
+      <p:nvGrpSpPr>
+        <p:cNvPr id="1" name=""/>
+        <p:cNvGrpSpPr/>
+        <p:nvPr/>
+      </p:nvGrpSpPr>
+      <p:grpSpPr>
+        <a:xfrm>
+          <a:off x="0" y="0"/>
+          <a:ext cx="0" cy="0"/>
+          <a:chOff x="0" y="0"/>
+          <a:chExt cx="0" cy="0"/>
+        </a:xfrm>
+      </p:grpSpPr>
+      <p:sp>
+        <p:nvSpPr>
+          <p:cNvPr id="2" name="Заголовок 1">
+            <a:extLst>
+              <a:ext uri="{FF2B5EF4-FFF2-40B4-BE49-F238E27FC236}">
+                <a16:creationId xmlns:a16="http://schemas.microsoft.com/office/drawing/2014/main" id="{38CAA637-3F6B-4E0B-8FCE-8352F3D5AF84}"/>
+              </a:ext>
+            </a:extLst>
+          </p:cNvPr>
+          <p:cNvSpPr>
+            <a:spLocks noGrp="1"/>
+          </p:cNvSpPr>
+          <p:nvPr>
+            <p:ph type="title"/>
+          </p:nvPr>
+        </p:nvSpPr>
+        <p:spPr>
+          <a:xfrm>
+            <a:off x="3845769" y="508400"/>
+            <a:ext cx="4783323" cy="627354"/>
+          </a:xfrm>
+        </p:spPr>
+        <p:txBody>
+          <a:bodyPr>
+            <a:normAutofit fontScale="90000"/>
+          </a:bodyPr>
+          <a:lstStyle/>
+          <a:p>
+            <a:r>
+              <a:rPr lang="ru-RU" dirty="0" smtClean="0"/>
+              <a:t>Архитектура </a:t>
+            </a:r>
+            <a:r>
+              <a:rPr lang="en-US" dirty="0" err="1" smtClean="0"/>
+              <a:t>Segnet</a:t>
+            </a:r>
+            <a:endParaRPr lang="ru-RU" dirty="0"/>
+          </a:p>
+        </p:txBody>
+      </p:sp>
+      <p:sp>
+        <p:nvSpPr>
+          <p:cNvPr id="4" name="Номер слайда 3">
+            <a:extLst>
+              <a:ext uri="{FF2B5EF4-FFF2-40B4-BE49-F238E27FC236}">
+                <a16:creationId xmlns:a16="http://schemas.microsoft.com/office/drawing/2014/main" id="{951D9478-5EF5-4270-8271-04DE65F57F30}"/>
+              </a:ext>
+            </a:extLst>
+          </p:cNvPr>
+          <p:cNvSpPr>
+            <a:spLocks noGrp="1"/>
+          </p:cNvSpPr>
+          <p:nvPr>
+            <p:ph type="sldNum" sz="quarter" idx="12"/>
+          </p:nvPr>
+        </p:nvSpPr>
+        <p:spPr/>
+        <p:txBody>
+          <a:bodyPr/>
+          <a:lstStyle/>
+          <a:p>
+            <a:fld id="{215F4EE3-9A7A-4F14-9A4C-17DDDD407085}" type="slidenum">
+              <a:rPr lang="ru-RU" sz="1600" smtClean="0"/>
+              <a:t>15</a:t>
+            </a:fld>
+            <a:endParaRPr lang="ru-RU" sz="1600" dirty="0"/>
+          </a:p>
+        </p:txBody>
+      </p:sp>
+      <p:pic>
+        <p:nvPicPr>
+          <p:cNvPr id="6" name="Рисунок 5"/>
+          <p:cNvPicPr>
+            <a:picLocks noChangeAspect="1"/>
+          </p:cNvPicPr>
+          <p:nvPr/>
+        </p:nvPicPr>
+        <p:blipFill>
+          <a:blip r:embed="rId2"/>
+          <a:stretch>
+            <a:fillRect/>
+          </a:stretch>
+        </p:blipFill>
+        <p:spPr>
+          <a:xfrm>
+            <a:off x="2234849" y="1157848"/>
+            <a:ext cx="8005165" cy="4200730"/>
+          </a:xfrm>
+          <a:prstGeom prst="rect">
+            <a:avLst/>
+          </a:prstGeom>
+        </p:spPr>
+      </p:pic>
+      <p:sp>
+        <p:nvSpPr>
+          <p:cNvPr id="3" name="Прямоугольник 2"/>
+          <p:cNvSpPr/>
+          <p:nvPr/>
+        </p:nvSpPr>
+        <p:spPr>
+          <a:xfrm>
+            <a:off x="2035945" y="5380672"/>
+            <a:ext cx="8581747" cy="923330"/>
+          </a:xfrm>
+          <a:prstGeom prst="rect">
+            <a:avLst/>
+          </a:prstGeom>
+        </p:spPr>
+        <p:txBody>
+          <a:bodyPr wrap="square">
+            <a:spAutoFit/>
+          </a:bodyPr>
+          <a:lstStyle/>
+          <a:p>
+            <a:pPr marL="342900" marR="428625" lvl="0" indent="-342900" algn="just">
+              <a:spcBef>
+                <a:spcPts val="910"/>
+              </a:spcBef>
+              <a:spcAft>
+                <a:spcPts val="0"/>
+              </a:spcAft>
+              <a:buSzPts val="1400"/>
+              <a:buFont typeface="+mj-lt"/>
+              <a:buAutoNum type="arabicPeriod" startAt="7"/>
+              <a:tabLst>
+                <a:tab pos="614045" algn="l"/>
+              </a:tabLst>
+            </a:pPr>
+            <a:r>
+              <a:rPr lang="en-US" dirty="0" err="1">
+                <a:latin typeface="Times New Roman" panose="02020603050405020304" pitchFamily="18" charset="0"/>
+                <a:ea typeface="Times New Roman" panose="02020603050405020304" pitchFamily="18" charset="0"/>
+              </a:rPr>
+              <a:t>SegNet</a:t>
+            </a:r>
+            <a:r>
+              <a:rPr lang="en-US" dirty="0">
+                <a:latin typeface="Times New Roman" panose="02020603050405020304" pitchFamily="18" charset="0"/>
+                <a:ea typeface="Times New Roman" panose="02020603050405020304" pitchFamily="18" charset="0"/>
+              </a:rPr>
+              <a:t>: A Deep </a:t>
+            </a:r>
+            <a:r>
+              <a:rPr lang="en-US" dirty="0" err="1">
+                <a:latin typeface="Times New Roman" panose="02020603050405020304" pitchFamily="18" charset="0"/>
+                <a:ea typeface="Times New Roman" panose="02020603050405020304" pitchFamily="18" charset="0"/>
+              </a:rPr>
+              <a:t>ConvolutionalEncoder</a:t>
+            </a:r>
+            <a:r>
+              <a:rPr lang="en-US" dirty="0">
+                <a:latin typeface="Times New Roman" panose="02020603050405020304" pitchFamily="18" charset="0"/>
+                <a:ea typeface="Times New Roman" panose="02020603050405020304" pitchFamily="18" charset="0"/>
+              </a:rPr>
+              <a:t>-Decoder Architecture for </a:t>
+            </a:r>
+            <a:r>
+              <a:rPr lang="en-US" dirty="0" err="1">
+                <a:latin typeface="Times New Roman" panose="02020603050405020304" pitchFamily="18" charset="0"/>
+                <a:ea typeface="Times New Roman" panose="02020603050405020304" pitchFamily="18" charset="0"/>
+              </a:rPr>
+              <a:t>ImageSegmentationVijay</a:t>
+            </a:r>
+            <a:r>
+              <a:rPr lang="en-US" dirty="0">
+                <a:latin typeface="Times New Roman" panose="02020603050405020304" pitchFamily="18" charset="0"/>
+                <a:ea typeface="Times New Roman" panose="02020603050405020304" pitchFamily="18" charset="0"/>
+              </a:rPr>
+              <a:t> </a:t>
+            </a:r>
+            <a:r>
+              <a:rPr lang="en-US" dirty="0" err="1">
+                <a:latin typeface="Times New Roman" panose="02020603050405020304" pitchFamily="18" charset="0"/>
+                <a:ea typeface="Times New Roman" panose="02020603050405020304" pitchFamily="18" charset="0"/>
+              </a:rPr>
+              <a:t>Badrinarayanan</a:t>
+            </a:r>
+            <a:r>
+              <a:rPr lang="en-US" dirty="0">
+                <a:latin typeface="Times New Roman" panose="02020603050405020304" pitchFamily="18" charset="0"/>
+                <a:ea typeface="Times New Roman" panose="02020603050405020304" pitchFamily="18" charset="0"/>
+              </a:rPr>
+              <a:t>, Alex Kendall, Roberto </a:t>
+            </a:r>
+            <a:r>
+              <a:rPr lang="en-US" dirty="0" err="1">
+                <a:latin typeface="Times New Roman" panose="02020603050405020304" pitchFamily="18" charset="0"/>
+                <a:ea typeface="Times New Roman" panose="02020603050405020304" pitchFamily="18" charset="0"/>
+              </a:rPr>
+              <a:t>Cipolla,Senior</a:t>
+            </a:r>
+            <a:r>
+              <a:rPr lang="en-US" dirty="0">
+                <a:latin typeface="Times New Roman" panose="02020603050405020304" pitchFamily="18" charset="0"/>
+                <a:ea typeface="Times New Roman" panose="02020603050405020304" pitchFamily="18" charset="0"/>
+              </a:rPr>
+              <a:t> Member, IEEE. arXiv:1511.00561v3 [cs.CV] 10 Oct 2016</a:t>
+            </a:r>
+            <a:endParaRPr lang="ru-RU" dirty="0">
+              <a:latin typeface="Times New Roman" panose="02020603050405020304" pitchFamily="18" charset="0"/>
+              <a:ea typeface="Times New Roman" panose="02020603050405020304" pitchFamily="18" charset="0"/>
+            </a:endParaRPr>
+          </a:p>
+        </p:txBody>
+      </p:sp>
+    </p:spTree>
+    <p:extLst>
+      <p:ext uri="{BB962C8B-B14F-4D97-AF65-F5344CB8AC3E}">
+        <p14:creationId xmlns:p14="http://schemas.microsoft.com/office/powerpoint/2010/main" val="2246701826"/>
+      </p:ext>
+    </p:extLst>
+  </p:cSld>
+  <p:clrMapOvr>
+    <a:masterClrMapping/>
+  </p:clrMapOvr>
+  <p:timing>
+    <p:tnLst>
+      <p:par>
+        <p:cTn id="1" dur="indefinite" restart="never" nodeType="tmRoot"/>
+      </p:par>
+    </p:tnLst>
+  </p:timing>
+</p:sld>
+</file>
+
+<file path=ppt/slides/slide16.xml><?xml version="1.0" encoding="utf-8"?>
+<p:sld xmlns:a="http://schemas.openxmlformats.org/drawingml/2006/main" xmlns:r="http://schemas.openxmlformats.org/officeDocument/2006/relationships" xmlns:p="http://schemas.openxmlformats.org/presentationml/2006/main">
+  <p:cSld>
+    <p:spTree>
+      <p:nvGrpSpPr>
+        <p:cNvPr id="1" name=""/>
+        <p:cNvGrpSpPr/>
+        <p:nvPr/>
+      </p:nvGrpSpPr>
+      <p:grpSpPr>
+        <a:xfrm>
+          <a:off x="0" y="0"/>
+          <a:ext cx="0" cy="0"/>
+          <a:chOff x="0" y="0"/>
+          <a:chExt cx="0" cy="0"/>
+        </a:xfrm>
+      </p:grpSpPr>
+      <p:sp>
+        <p:nvSpPr>
+          <p:cNvPr id="2" name="Заголовок 1">
+            <a:extLst>
+              <a:ext uri="{FF2B5EF4-FFF2-40B4-BE49-F238E27FC236}">
+                <a16:creationId xmlns:a16="http://schemas.microsoft.com/office/drawing/2014/main" id="{38CAA637-3F6B-4E0B-8FCE-8352F3D5AF84}"/>
+              </a:ext>
+            </a:extLst>
+          </p:cNvPr>
+          <p:cNvSpPr>
+            <a:spLocks noGrp="1"/>
+          </p:cNvSpPr>
+          <p:nvPr>
+            <p:ph type="title"/>
+          </p:nvPr>
+        </p:nvSpPr>
+        <p:spPr>
+          <a:xfrm>
+            <a:off x="3808780" y="862906"/>
+            <a:ext cx="4551426" cy="627354"/>
+          </a:xfrm>
+        </p:spPr>
+        <p:txBody>
+          <a:bodyPr>
+            <a:normAutofit fontScale="90000"/>
+          </a:bodyPr>
+          <a:lstStyle/>
+          <a:p>
+            <a:r>
+              <a:rPr lang="ru-RU" dirty="0" smtClean="0"/>
+              <a:t>Архитектура </a:t>
+            </a:r>
+            <a:r>
+              <a:rPr lang="en-US" dirty="0" smtClean="0"/>
+              <a:t>vgg16</a:t>
+            </a:r>
+            <a:endParaRPr lang="ru-RU" dirty="0"/>
+          </a:p>
+        </p:txBody>
+      </p:sp>
+      <p:sp>
+        <p:nvSpPr>
+          <p:cNvPr id="4" name="Номер слайда 3">
+            <a:extLst>
+              <a:ext uri="{FF2B5EF4-FFF2-40B4-BE49-F238E27FC236}">
+                <a16:creationId xmlns:a16="http://schemas.microsoft.com/office/drawing/2014/main" id="{951D9478-5EF5-4270-8271-04DE65F57F30}"/>
+              </a:ext>
+            </a:extLst>
+          </p:cNvPr>
+          <p:cNvSpPr>
+            <a:spLocks noGrp="1"/>
+          </p:cNvSpPr>
+          <p:nvPr>
+            <p:ph type="sldNum" sz="quarter" idx="12"/>
+          </p:nvPr>
+        </p:nvSpPr>
+        <p:spPr/>
+        <p:txBody>
+          <a:bodyPr/>
+          <a:lstStyle/>
+          <a:p>
+            <a:fld id="{215F4EE3-9A7A-4F14-9A4C-17DDDD407085}" type="slidenum">
+              <a:rPr lang="ru-RU" sz="1600" smtClean="0"/>
+              <a:t>16</a:t>
+            </a:fld>
+            <a:endParaRPr lang="ru-RU" sz="1600" dirty="0"/>
+          </a:p>
+        </p:txBody>
+      </p:sp>
+      <p:pic>
+        <p:nvPicPr>
+          <p:cNvPr id="6" name="image10.jpeg" descr="VGG16"/>
+          <p:cNvPicPr>
+            <a:picLocks noChangeAspect="1"/>
+          </p:cNvPicPr>
+          <p:nvPr/>
+        </p:nvPicPr>
+        <p:blipFill>
+          <a:blip r:embed="rId2" cstate="print"/>
+          <a:stretch>
+            <a:fillRect/>
+          </a:stretch>
+        </p:blipFill>
+        <p:spPr>
+          <a:xfrm>
+            <a:off x="2793309" y="1564863"/>
+            <a:ext cx="6582369" cy="3888000"/>
+          </a:xfrm>
+          <a:prstGeom prst="rect">
+            <a:avLst/>
+          </a:prstGeom>
+        </p:spPr>
+      </p:pic>
+      <p:sp>
+        <p:nvSpPr>
+          <p:cNvPr id="3" name="Прямоугольник 2"/>
+          <p:cNvSpPr/>
+          <p:nvPr/>
+        </p:nvSpPr>
+        <p:spPr>
+          <a:xfrm>
+            <a:off x="2078244" y="5602069"/>
+            <a:ext cx="8012498" cy="646331"/>
+          </a:xfrm>
+          <a:prstGeom prst="rect">
+            <a:avLst/>
+          </a:prstGeom>
+        </p:spPr>
+        <p:txBody>
+          <a:bodyPr wrap="square">
+            <a:spAutoFit/>
+          </a:bodyPr>
+          <a:lstStyle/>
+          <a:p>
+            <a:pPr marL="342900" marR="428625" lvl="0" indent="-342900" algn="just">
+              <a:spcBef>
+                <a:spcPts val="910"/>
+              </a:spcBef>
+              <a:spcAft>
+                <a:spcPts val="0"/>
+              </a:spcAft>
+              <a:buSzPts val="1400"/>
+              <a:buFont typeface="+mj-lt"/>
+              <a:buAutoNum type="arabicPeriod" startAt="12"/>
+              <a:tabLst>
+                <a:tab pos="614045" algn="l"/>
+              </a:tabLst>
+            </a:pPr>
+            <a:r>
+              <a:rPr lang="en-US" dirty="0">
+                <a:latin typeface="Times New Roman" panose="02020603050405020304" pitchFamily="18" charset="0"/>
+                <a:ea typeface="Times New Roman" panose="02020603050405020304" pitchFamily="18" charset="0"/>
+              </a:rPr>
+              <a:t>Very deep convolutional networks for large-scale image recognition / Karen </a:t>
+            </a:r>
+            <a:r>
+              <a:rPr lang="en-US" dirty="0" err="1">
+                <a:latin typeface="Times New Roman" panose="02020603050405020304" pitchFamily="18" charset="0"/>
+                <a:ea typeface="Times New Roman" panose="02020603050405020304" pitchFamily="18" charset="0"/>
+              </a:rPr>
+              <a:t>Simonyan</a:t>
+            </a:r>
+            <a:r>
+              <a:rPr lang="en-US" dirty="0">
+                <a:latin typeface="Times New Roman" panose="02020603050405020304" pitchFamily="18" charset="0"/>
+                <a:ea typeface="Times New Roman" panose="02020603050405020304" pitchFamily="18" charset="0"/>
+              </a:rPr>
+              <a:t>, Andrew Zisserman</a:t>
+            </a:r>
+            <a:endParaRPr lang="ru-RU" dirty="0">
+              <a:latin typeface="Times New Roman" panose="02020603050405020304" pitchFamily="18" charset="0"/>
+              <a:ea typeface="Times New Roman" panose="02020603050405020304" pitchFamily="18" charset="0"/>
+            </a:endParaRPr>
+          </a:p>
+        </p:txBody>
+      </p:sp>
+    </p:spTree>
+    <p:extLst>
+      <p:ext uri="{BB962C8B-B14F-4D97-AF65-F5344CB8AC3E}">
+        <p14:creationId xmlns:p14="http://schemas.microsoft.com/office/powerpoint/2010/main" val="2515978331"/>
+      </p:ext>
+    </p:extLst>
+  </p:cSld>
+  <p:clrMapOvr>
+    <a:masterClrMapping/>
+  </p:clrMapOvr>
+  <p:timing>
+    <p:tnLst>
+      <p:par>
+        <p:cTn id="1" dur="indefinite" restart="never" nodeType="tmRoot"/>
+      </p:par>
+    </p:tnLst>
+  </p:timing>
+</p:sld>
+</file>
+
+<file path=ppt/slides/slide17.xml><?xml version="1.0" encoding="utf-8"?>
+<p:sld xmlns:a="http://schemas.openxmlformats.org/drawingml/2006/main" xmlns:r="http://schemas.openxmlformats.org/officeDocument/2006/relationships" xmlns:p="http://schemas.openxmlformats.org/presentationml/2006/main">
+  <p:cSld>
+    <p:spTree>
+      <p:nvGrpSpPr>
+        <p:cNvPr id="1" name=""/>
+        <p:cNvGrpSpPr/>
+        <p:nvPr/>
+      </p:nvGrpSpPr>
+      <p:grpSpPr>
+        <a:xfrm>
+          <a:off x="0" y="0"/>
+          <a:ext cx="0" cy="0"/>
+          <a:chOff x="0" y="0"/>
+          <a:chExt cx="0" cy="0"/>
+        </a:xfrm>
+      </p:grpSpPr>
+      <p:sp>
+        <p:nvSpPr>
+          <p:cNvPr id="2" name="Заголовок 1">
+            <a:extLst>
+              <a:ext uri="{FF2B5EF4-FFF2-40B4-BE49-F238E27FC236}">
+                <a16:creationId xmlns:a16="http://schemas.microsoft.com/office/drawing/2014/main" id="{38CAA637-3F6B-4E0B-8FCE-8352F3D5AF84}"/>
+              </a:ext>
+            </a:extLst>
+          </p:cNvPr>
+          <p:cNvSpPr>
+            <a:spLocks noGrp="1"/>
+          </p:cNvSpPr>
+          <p:nvPr>
+            <p:ph type="title"/>
+          </p:nvPr>
+        </p:nvSpPr>
+        <p:spPr>
+          <a:xfrm>
+            <a:off x="3402966" y="870013"/>
+            <a:ext cx="5617825" cy="627354"/>
+          </a:xfrm>
+        </p:spPr>
+        <p:txBody>
+          <a:bodyPr>
+            <a:normAutofit fontScale="90000"/>
+          </a:bodyPr>
+          <a:lstStyle/>
+          <a:p>
+            <a:r>
+              <a:rPr lang="ru-RU" dirty="0" smtClean="0"/>
+              <a:t>Архитектура </a:t>
+            </a:r>
+            <a:r>
+              <a:rPr lang="en-US" dirty="0" smtClean="0"/>
+              <a:t>fcn</a:t>
+            </a:r>
+            <a:r>
+              <a:rPr lang="en-US" dirty="0"/>
+              <a:t>-</a:t>
+            </a:r>
+            <a:r>
+              <a:rPr lang="en-US" dirty="0" smtClean="0"/>
+              <a:t>vgg16</a:t>
+            </a:r>
+            <a:endParaRPr lang="ru-RU" dirty="0"/>
+          </a:p>
+        </p:txBody>
+      </p:sp>
+      <p:sp>
+        <p:nvSpPr>
+          <p:cNvPr id="4" name="Номер слайда 3">
+            <a:extLst>
+              <a:ext uri="{FF2B5EF4-FFF2-40B4-BE49-F238E27FC236}">
+                <a16:creationId xmlns:a16="http://schemas.microsoft.com/office/drawing/2014/main" id="{951D9478-5EF5-4270-8271-04DE65F57F30}"/>
+              </a:ext>
+            </a:extLst>
+          </p:cNvPr>
+          <p:cNvSpPr>
+            <a:spLocks noGrp="1"/>
+          </p:cNvSpPr>
+          <p:nvPr>
+            <p:ph type="sldNum" sz="quarter" idx="12"/>
+          </p:nvPr>
+        </p:nvSpPr>
+        <p:spPr/>
+        <p:txBody>
+          <a:bodyPr/>
+          <a:lstStyle/>
+          <a:p>
+            <a:fld id="{215F4EE3-9A7A-4F14-9A4C-17DDDD407085}" type="slidenum">
+              <a:rPr lang="ru-RU" sz="1600" smtClean="0"/>
+              <a:t>17</a:t>
+            </a:fld>
+            <a:endParaRPr lang="ru-RU" sz="1600" dirty="0"/>
+          </a:p>
+        </p:txBody>
+      </p:sp>
+      <p:pic>
+        <p:nvPicPr>
+          <p:cNvPr id="5" name="Рисунок 4"/>
+          <p:cNvPicPr>
+            <a:picLocks noChangeAspect="1"/>
+          </p:cNvPicPr>
+          <p:nvPr/>
+        </p:nvPicPr>
+        <p:blipFill>
+          <a:blip r:embed="rId2"/>
+          <a:stretch>
+            <a:fillRect/>
+          </a:stretch>
+        </p:blipFill>
+        <p:spPr>
+          <a:xfrm>
+            <a:off x="3402966" y="1671992"/>
+            <a:ext cx="5668928" cy="3482636"/>
+          </a:xfrm>
+          <a:prstGeom prst="rect">
+            <a:avLst/>
+          </a:prstGeom>
+        </p:spPr>
+      </p:pic>
+      <p:sp>
+        <p:nvSpPr>
+          <p:cNvPr id="3" name="Прямоугольник 2"/>
+          <p:cNvSpPr/>
+          <p:nvPr/>
+        </p:nvSpPr>
+        <p:spPr>
+          <a:xfrm>
+            <a:off x="2106893" y="5255309"/>
+            <a:ext cx="8209970" cy="646331"/>
+          </a:xfrm>
+          <a:prstGeom prst="rect">
+            <a:avLst/>
+          </a:prstGeom>
+        </p:spPr>
+        <p:txBody>
+          <a:bodyPr wrap="square">
+            <a:spAutoFit/>
+          </a:bodyPr>
+          <a:lstStyle/>
+          <a:p>
+            <a:pPr marL="342900" marR="428625" lvl="0" indent="-342900" algn="just">
+              <a:spcBef>
+                <a:spcPts val="910"/>
+              </a:spcBef>
+              <a:spcAft>
+                <a:spcPts val="0"/>
+              </a:spcAft>
+              <a:buSzPts val="1400"/>
+              <a:buFont typeface="+mj-lt"/>
+              <a:buAutoNum type="arabicPeriod" startAt="8"/>
+              <a:tabLst>
+                <a:tab pos="614045" algn="l"/>
+              </a:tabLst>
+            </a:pPr>
+            <a:r>
+              <a:rPr lang="en-US" dirty="0">
+                <a:latin typeface="Times New Roman" panose="02020603050405020304" pitchFamily="18" charset="0"/>
+                <a:ea typeface="Times New Roman" panose="02020603050405020304" pitchFamily="18" charset="0"/>
+              </a:rPr>
+              <a:t>Fully Convolutional </a:t>
+            </a:r>
+            <a:r>
+              <a:rPr lang="en-US" dirty="0" err="1">
+                <a:latin typeface="Times New Roman" panose="02020603050405020304" pitchFamily="18" charset="0"/>
+                <a:ea typeface="Times New Roman" panose="02020603050405020304" pitchFamily="18" charset="0"/>
+              </a:rPr>
+              <a:t>Networksfor</a:t>
+            </a:r>
+            <a:r>
+              <a:rPr lang="en-US" dirty="0">
+                <a:latin typeface="Times New Roman" panose="02020603050405020304" pitchFamily="18" charset="0"/>
+                <a:ea typeface="Times New Roman" panose="02020603050405020304" pitchFamily="18" charset="0"/>
+              </a:rPr>
+              <a:t> Semantic Segmentation. arXiv:1605.06211v1 [cs.CV] 20 May 2016</a:t>
+            </a:r>
+            <a:endParaRPr lang="ru-RU" dirty="0">
+              <a:latin typeface="Times New Roman" panose="02020603050405020304" pitchFamily="18" charset="0"/>
+              <a:ea typeface="Times New Roman" panose="02020603050405020304" pitchFamily="18" charset="0"/>
+            </a:endParaRPr>
+          </a:p>
+        </p:txBody>
+      </p:sp>
+    </p:spTree>
+    <p:extLst>
+      <p:ext uri="{BB962C8B-B14F-4D97-AF65-F5344CB8AC3E}">
+        <p14:creationId xmlns:p14="http://schemas.microsoft.com/office/powerpoint/2010/main" val="3246548895"/>
+      </p:ext>
+    </p:extLst>
+  </p:cSld>
+  <p:clrMapOvr>
+    <a:masterClrMapping/>
+  </p:clrMapOvr>
+  <p:timing>
+    <p:tnLst>
+      <p:par>
+        <p:cTn id="1" dur="indefinite" restart="never" nodeType="tmRoot"/>
+      </p:par>
+    </p:tnLst>
+  </p:timing>
+</p:sld>
+</file>
+
 <file path=ppt/slides/slide2.xml><?xml version="1.0" encoding="utf-8"?>
 <p:sld xmlns:a="http://schemas.openxmlformats.org/drawingml/2006/main" xmlns:r="http://schemas.openxmlformats.org/officeDocument/2006/relationships" xmlns:p="http://schemas.openxmlformats.org/presentationml/2006/main">
   <p:cSld>
@@ -7119,7 +8336,7 @@
         </p:nvSpPr>
         <p:spPr>
           <a:xfrm>
-            <a:off x="396114" y="291114"/>
+            <a:off x="533900" y="291113"/>
             <a:ext cx="3937891" cy="808554"/>
           </a:xfrm>
         </p:spPr>
@@ -7190,7 +8407,15 @@
           <a:lstStyle/>
           <a:p>
             <a:r>
-              <a:rPr lang="ru-RU" dirty="0"/>
+              <a:rPr lang="ru-RU" dirty="0">
+                <a:effectLst>
+                  <a:outerShdw blurRad="38100" dist="38100" dir="2700000" algn="tl">
+                    <a:srgbClr val="000000">
+                      <a:alpha val="43137"/>
+                    </a:srgbClr>
+                  </a:outerShdw>
+                </a:effectLst>
+              </a:rPr>
               <a:t>Площадь поверхности Мирового океана, в состав которого входят океаны и моря, составляет около 71 % поверхности Земли</a:t>
             </a:r>
           </a:p>
@@ -7242,26 +8467,74 @@
           <a:lstStyle/>
           <a:p>
             <a:r>
-              <a:rPr lang="ru-RU" dirty="0" smtClean="0"/>
+              <a:rPr lang="ru-RU" dirty="0" smtClean="0">
+                <a:effectLst>
+                  <a:outerShdw blurRad="38100" dist="38100" dir="2700000" algn="tl">
+                    <a:srgbClr val="000000">
+                      <a:alpha val="43137"/>
+                    </a:srgbClr>
+                  </a:outerShdw>
+                </a:effectLst>
+              </a:rPr>
               <a:t>На 1 </a:t>
             </a:r>
             <a:r>
-              <a:rPr lang="ru-RU" dirty="0"/>
+              <a:rPr lang="ru-RU" dirty="0">
+                <a:effectLst>
+                  <a:outerShdw blurRad="38100" dist="38100" dir="2700000" algn="tl">
+                    <a:srgbClr val="000000">
+                      <a:alpha val="43137"/>
+                    </a:srgbClr>
+                  </a:outerShdw>
+                </a:effectLst>
+              </a:rPr>
               <a:t>апреля 2015 года насчитывалось </a:t>
             </a:r>
             <a:r>
-              <a:rPr lang="ru-RU" dirty="0" smtClean="0"/>
+              <a:rPr lang="ru-RU" dirty="0" smtClean="0">
+                <a:effectLst>
+                  <a:outerShdw blurRad="38100" dist="38100" dir="2700000" algn="tl">
+                    <a:srgbClr val="000000">
+                      <a:alpha val="43137"/>
+                    </a:srgbClr>
+                  </a:outerShdw>
+                </a:effectLst>
+              </a:rPr>
               <a:t> </a:t>
             </a:r>
             <a:r>
-              <a:rPr lang="ru-RU" dirty="0"/>
+              <a:rPr lang="ru-RU" dirty="0">
+                <a:effectLst>
+                  <a:outerShdw blurRad="38100" dist="38100" dir="2700000" algn="tl">
+                    <a:srgbClr val="000000">
+                      <a:alpha val="43137"/>
+                    </a:srgbClr>
+                  </a:outerShdw>
+                </a:effectLst>
+              </a:rPr>
               <a:t>87 тыс. </a:t>
             </a:r>
             <a:r>
-              <a:rPr lang="ru-RU" dirty="0" smtClean="0"/>
+              <a:rPr lang="ru-RU" dirty="0" smtClean="0">
+                <a:effectLst>
+                  <a:outerShdw blurRad="38100" dist="38100" dir="2700000" algn="tl">
+                    <a:srgbClr val="000000">
+                      <a:alpha val="43137"/>
+                    </a:srgbClr>
+                  </a:outerShdw>
+                </a:effectLst>
+              </a:rPr>
               <a:t>только торговых судов </a:t>
             </a:r>
-            <a:endParaRPr lang="ru-RU" dirty="0"/>
+            <a:endParaRPr lang="ru-RU" dirty="0">
+              <a:effectLst>
+                <a:outerShdw blurRad="38100" dist="38100" dir="2700000" algn="tl">
+                  <a:srgbClr val="000000">
+                    <a:alpha val="43137"/>
+                  </a:srgbClr>
+                </a:outerShdw>
+              </a:effectLst>
+            </a:endParaRPr>
           </a:p>
         </p:txBody>
       </p:sp>
@@ -7449,6 +8722,13 @@
                     <a:lumOff val="35000"/>
                   </a:schemeClr>
                 </a:solidFill>
+                <a:effectLst>
+                  <a:outerShdw blurRad="38100" dist="38100" dir="2700000" algn="tl">
+                    <a:srgbClr val="000000">
+                      <a:alpha val="43137"/>
+                    </a:srgbClr>
+                  </a:outerShdw>
+                </a:effectLst>
               </a:rPr>
               <a:t>Задачи:</a:t>
             </a:r>
@@ -7466,6 +8746,13 @@
                     <a:lumOff val="35000"/>
                   </a:schemeClr>
                 </a:solidFill>
+                <a:effectLst>
+                  <a:outerShdw blurRad="38100" dist="38100" dir="2700000" algn="tl">
+                    <a:srgbClr val="000000">
+                      <a:alpha val="43137"/>
+                    </a:srgbClr>
+                  </a:outerShdw>
+                </a:effectLst>
               </a:rPr>
               <a:t>О</a:t>
             </a:r>
@@ -7477,6 +8764,13 @@
                     <a:lumOff val="35000"/>
                   </a:schemeClr>
                 </a:solidFill>
+                <a:effectLst>
+                  <a:outerShdw blurRad="38100" dist="38100" dir="2700000" algn="tl">
+                    <a:srgbClr val="000000">
+                      <a:alpha val="43137"/>
+                    </a:srgbClr>
+                  </a:outerShdw>
+                </a:effectLst>
               </a:rPr>
               <a:t>писание </a:t>
             </a:r>
@@ -7488,6 +8782,13 @@
                     <a:lumOff val="35000"/>
                   </a:schemeClr>
                 </a:solidFill>
+                <a:effectLst>
+                  <a:outerShdw blurRad="38100" dist="38100" dir="2700000" algn="tl">
+                    <a:srgbClr val="000000">
+                      <a:alpha val="43137"/>
+                    </a:srgbClr>
+                  </a:outerShdw>
+                </a:effectLst>
               </a:rPr>
               <a:t>набора данных;</a:t>
             </a:r>
@@ -7505,6 +8806,13 @@
                     <a:lumOff val="35000"/>
                   </a:schemeClr>
                 </a:solidFill>
+                <a:effectLst>
+                  <a:outerShdw blurRad="38100" dist="38100" dir="2700000" algn="tl">
+                    <a:srgbClr val="000000">
+                      <a:alpha val="43137"/>
+                    </a:srgbClr>
+                  </a:outerShdw>
+                </a:effectLst>
               </a:rPr>
               <a:t>В</a:t>
             </a:r>
@@ -7516,6 +8824,13 @@
                     <a:lumOff val="35000"/>
                   </a:schemeClr>
                 </a:solidFill>
+                <a:effectLst>
+                  <a:outerShdw blurRad="38100" dist="38100" dir="2700000" algn="tl">
+                    <a:srgbClr val="000000">
+                      <a:alpha val="43137"/>
+                    </a:srgbClr>
+                  </a:outerShdw>
+                </a:effectLst>
               </a:rPr>
               <a:t>ыбор метрик </a:t>
             </a:r>
@@ -7527,6 +8842,13 @@
                     <a:lumOff val="35000"/>
                   </a:schemeClr>
                 </a:solidFill>
+                <a:effectLst>
+                  <a:outerShdw blurRad="38100" dist="38100" dir="2700000" algn="tl">
+                    <a:srgbClr val="000000">
+                      <a:alpha val="43137"/>
+                    </a:srgbClr>
+                  </a:outerShdw>
+                </a:effectLst>
               </a:rPr>
               <a:t>качества;</a:t>
             </a:r>
@@ -7544,6 +8866,13 @@
                     <a:lumOff val="35000"/>
                   </a:schemeClr>
                 </a:solidFill>
+                <a:effectLst>
+                  <a:outerShdw blurRad="38100" dist="38100" dir="2700000" algn="tl">
+                    <a:srgbClr val="000000">
+                      <a:alpha val="43137"/>
+                    </a:srgbClr>
+                  </a:outerShdw>
+                </a:effectLst>
               </a:rPr>
               <a:t>В</a:t>
             </a:r>
@@ -7555,6 +8884,13 @@
                     <a:lumOff val="35000"/>
                   </a:schemeClr>
                 </a:solidFill>
+                <a:effectLst>
+                  <a:outerShdw blurRad="38100" dist="38100" dir="2700000" algn="tl">
+                    <a:srgbClr val="000000">
+                      <a:alpha val="43137"/>
+                    </a:srgbClr>
+                  </a:outerShdw>
+                </a:effectLst>
               </a:rPr>
               <a:t>ыбор </a:t>
             </a:r>
@@ -7566,6 +8902,13 @@
                     <a:lumOff val="35000"/>
                   </a:schemeClr>
                 </a:solidFill>
+                <a:effectLst>
+                  <a:outerShdw blurRad="38100" dist="38100" dir="2700000" algn="tl">
+                    <a:srgbClr val="000000">
+                      <a:alpha val="43137"/>
+                    </a:srgbClr>
+                  </a:outerShdw>
+                </a:effectLst>
               </a:rPr>
               <a:t>используемых моделей и </a:t>
             </a:r>
@@ -7577,6 +8920,13 @@
                     <a:lumOff val="35000"/>
                   </a:schemeClr>
                 </a:solidFill>
+                <a:effectLst>
+                  <a:outerShdw blurRad="38100" dist="38100" dir="2700000" algn="tl">
+                    <a:srgbClr val="000000">
+                      <a:alpha val="43137"/>
+                    </a:srgbClr>
+                  </a:outerShdw>
+                </a:effectLst>
               </a:rPr>
               <a:t>исследование их обучения</a:t>
             </a:r>
@@ -7588,6 +8938,13 @@
                     <a:lumOff val="35000"/>
                   </a:schemeClr>
                 </a:solidFill>
+                <a:effectLst>
+                  <a:outerShdw blurRad="38100" dist="38100" dir="2700000" algn="tl">
+                    <a:srgbClr val="000000">
+                      <a:alpha val="43137"/>
+                    </a:srgbClr>
+                  </a:outerShdw>
+                </a:effectLst>
               </a:rPr>
               <a:t>;</a:t>
             </a:r>
@@ -7598,6 +8955,13 @@
                   <a:lumOff val="35000"/>
                 </a:schemeClr>
               </a:solidFill>
+              <a:effectLst>
+                <a:outerShdw blurRad="38100" dist="38100" dir="2700000" algn="tl">
+                  <a:srgbClr val="000000">
+                    <a:alpha val="43137"/>
+                  </a:srgbClr>
+                </a:outerShdw>
+              </a:effectLst>
             </a:endParaRPr>
           </a:p>
           <a:p>
@@ -7613,6 +8977,13 @@
                     <a:lumOff val="35000"/>
                   </a:schemeClr>
                 </a:solidFill>
+                <a:effectLst>
+                  <a:outerShdw blurRad="38100" dist="38100" dir="2700000" algn="tl">
+                    <a:srgbClr val="000000">
+                      <a:alpha val="43137"/>
+                    </a:srgbClr>
+                  </a:outerShdw>
+                </a:effectLst>
               </a:rPr>
               <a:t>С</a:t>
             </a:r>
@@ -7624,6 +8995,13 @@
                     <a:lumOff val="35000"/>
                   </a:schemeClr>
                 </a:solidFill>
+                <a:effectLst>
+                  <a:outerShdw blurRad="38100" dist="38100" dir="2700000" algn="tl">
+                    <a:srgbClr val="000000">
+                      <a:alpha val="43137"/>
+                    </a:srgbClr>
+                  </a:outerShdw>
+                </a:effectLst>
               </a:rPr>
               <a:t>равнение </a:t>
             </a:r>
@@ -7635,6 +9013,13 @@
                     <a:lumOff val="35000"/>
                   </a:schemeClr>
                 </a:solidFill>
+                <a:effectLst>
+                  <a:outerShdw blurRad="38100" dist="38100" dir="2700000" algn="tl">
+                    <a:srgbClr val="000000">
+                      <a:alpha val="43137"/>
+                    </a:srgbClr>
+                  </a:outerShdw>
+                </a:effectLst>
               </a:rPr>
               <a:t>полученных результатов.</a:t>
             </a:r>
@@ -7796,10 +9181,26 @@
           <a:lstStyle/>
           <a:p>
             <a:r>
-              <a:rPr lang="ru-RU" dirty="0" smtClean="0"/>
+              <a:rPr lang="ru-RU" dirty="0" smtClean="0">
+                <a:effectLst>
+                  <a:outerShdw blurRad="38100" dist="38100" dir="2700000" algn="tl">
+                    <a:srgbClr val="000000">
+                      <a:alpha val="43137"/>
+                    </a:srgbClr>
+                  </a:outerShdw>
+                </a:effectLst>
+              </a:rPr>
               <a:t>Образец табличных данных</a:t>
             </a:r>
-            <a:endParaRPr lang="ru-RU" dirty="0"/>
+            <a:endParaRPr lang="ru-RU" dirty="0">
+              <a:effectLst>
+                <a:outerShdw blurRad="38100" dist="38100" dir="2700000" algn="tl">
+                  <a:srgbClr val="000000">
+                    <a:alpha val="43137"/>
+                  </a:srgbClr>
+                </a:outerShdw>
+              </a:effectLst>
+            </a:endParaRPr>
           </a:p>
         </p:txBody>
       </p:sp>
@@ -7853,10 +9254,26 @@
           <a:lstStyle/>
           <a:p>
             <a:r>
-              <a:rPr lang="ru-RU" dirty="0" smtClean="0"/>
+              <a:rPr lang="ru-RU" dirty="0" smtClean="0">
+                <a:effectLst>
+                  <a:outerShdw blurRad="38100" dist="38100" dir="2700000" algn="tl">
+                    <a:srgbClr val="000000">
+                      <a:alpha val="43137"/>
+                    </a:srgbClr>
+                  </a:outerShdw>
+                </a:effectLst>
+              </a:rPr>
               <a:t>Образец изображений</a:t>
             </a:r>
-            <a:endParaRPr lang="ru-RU" dirty="0"/>
+            <a:endParaRPr lang="ru-RU" dirty="0">
+              <a:effectLst>
+                <a:outerShdw blurRad="38100" dist="38100" dir="2700000" algn="tl">
+                  <a:srgbClr val="000000">
+                    <a:alpha val="43137"/>
+                  </a:srgbClr>
+                </a:outerShdw>
+              </a:effectLst>
+            </a:endParaRPr>
           </a:p>
         </p:txBody>
       </p:sp>
@@ -7911,10 +9328,26 @@
           <a:p>
             <a:pPr algn="ctr"/>
             <a:r>
-              <a:rPr lang="ru-RU" dirty="0" smtClean="0"/>
+              <a:rPr lang="ru-RU" dirty="0" smtClean="0">
+                <a:effectLst>
+                  <a:outerShdw blurRad="38100" dist="38100" dir="2700000" algn="tl">
+                    <a:srgbClr val="000000">
+                      <a:alpha val="43137"/>
+                    </a:srgbClr>
+                  </a:outerShdw>
+                </a:effectLst>
+              </a:rPr>
               <a:t>Образец с помеченными пикселями истинных ответов из табличных данных</a:t>
             </a:r>
-            <a:endParaRPr lang="ru-RU" dirty="0"/>
+            <a:endParaRPr lang="ru-RU" dirty="0">
+              <a:effectLst>
+                <a:outerShdw blurRad="38100" dist="38100" dir="2700000" algn="tl">
+                  <a:srgbClr val="000000">
+                    <a:alpha val="43137"/>
+                  </a:srgbClr>
+                </a:outerShdw>
+              </a:effectLst>
+            </a:endParaRPr>
           </a:p>
         </p:txBody>
       </p:sp>
@@ -8065,10 +9498,26 @@
           <a:p>
             <a:pPr algn="ctr"/>
             <a:r>
-              <a:rPr lang="ru-RU" dirty="0" smtClean="0"/>
+              <a:rPr lang="ru-RU" dirty="0" smtClean="0">
+                <a:effectLst>
+                  <a:outerShdw blurRad="38100" dist="38100" dir="2700000" algn="tl">
+                    <a:srgbClr val="000000">
+                      <a:alpha val="43137"/>
+                    </a:srgbClr>
+                  </a:outerShdw>
+                </a:effectLst>
+              </a:rPr>
               <a:t>Образец после предобработки данных для задачи классификации</a:t>
             </a:r>
-            <a:endParaRPr lang="ru-RU" dirty="0"/>
+            <a:endParaRPr lang="ru-RU" dirty="0">
+              <a:effectLst>
+                <a:outerShdw blurRad="38100" dist="38100" dir="2700000" algn="tl">
+                  <a:srgbClr val="000000">
+                    <a:alpha val="43137"/>
+                  </a:srgbClr>
+                </a:outerShdw>
+              </a:effectLst>
+            </a:endParaRPr>
           </a:p>
         </p:txBody>
       </p:sp>
@@ -8118,18 +9567,50 @@
           <a:p>
             <a:pPr algn="ctr"/>
             <a:r>
-              <a:rPr lang="ru-RU" dirty="0" smtClean="0"/>
+              <a:rPr lang="ru-RU" dirty="0" smtClean="0">
+                <a:effectLst>
+                  <a:outerShdw blurRad="38100" dist="38100" dir="2700000" algn="tl">
+                    <a:srgbClr val="000000">
+                      <a:alpha val="43137"/>
+                    </a:srgbClr>
+                  </a:outerShdw>
+                </a:effectLst>
+              </a:rPr>
               <a:t>Образец истинных ответов </a:t>
             </a:r>
             <a:r>
-              <a:rPr lang="ru-RU" dirty="0"/>
+              <a:rPr lang="ru-RU" dirty="0">
+                <a:effectLst>
+                  <a:outerShdw blurRad="38100" dist="38100" dir="2700000" algn="tl">
+                    <a:srgbClr val="000000">
+                      <a:alpha val="43137"/>
+                    </a:srgbClr>
+                  </a:outerShdw>
+                </a:effectLst>
+              </a:rPr>
               <a:t>после предобработки данных для </a:t>
             </a:r>
             <a:r>
-              <a:rPr lang="ru-RU" dirty="0" smtClean="0"/>
+              <a:rPr lang="ru-RU" dirty="0" smtClean="0">
+                <a:effectLst>
+                  <a:outerShdw blurRad="38100" dist="38100" dir="2700000" algn="tl">
+                    <a:srgbClr val="000000">
+                      <a:alpha val="43137"/>
+                    </a:srgbClr>
+                  </a:outerShdw>
+                </a:effectLst>
+              </a:rPr>
               <a:t>одного изображения задачи семантической сегментации</a:t>
             </a:r>
-            <a:endParaRPr lang="ru-RU" dirty="0"/>
+            <a:endParaRPr lang="ru-RU" dirty="0">
+              <a:effectLst>
+                <a:outerShdw blurRad="38100" dist="38100" dir="2700000" algn="tl">
+                  <a:srgbClr val="000000">
+                    <a:alpha val="43137"/>
+                  </a:srgbClr>
+                </a:outerShdw>
+              </a:effectLst>
+            </a:endParaRPr>
           </a:p>
         </p:txBody>
       </p:sp>
@@ -8261,8 +9742,8 @@
           </a:p>
         </p:txBody>
       </p:sp>
-      <mc:AlternateContent xmlns:mc="http://schemas.openxmlformats.org/markup-compatibility/2006" xmlns:a14="http://schemas.microsoft.com/office/drawing/2010/main">
-        <mc:Choice Requires="a14">
+      <mc:AlternateContent xmlns:mc="http://schemas.openxmlformats.org/markup-compatibility/2006">
+        <mc:Choice xmlns:a14="http://schemas.microsoft.com/office/drawing/2010/main" Requires="a14">
           <p:sp>
             <p:nvSpPr>
               <p:cNvPr id="6" name="Прямоугольник 5">
@@ -8303,6 +9784,13 @@
                         <a:lumOff val="15000"/>
                       </a:schemeClr>
                     </a:solidFill>
+                    <a:effectLst>
+                      <a:outerShdw blurRad="38100" dist="38100" dir="2700000" algn="tl">
+                        <a:srgbClr val="000000">
+                          <a:alpha val="43137"/>
+                        </a:srgbClr>
+                      </a:outerShdw>
+                    </a:effectLst>
                   </a:rPr>
                   <a:t>Точность </a:t>
                 </a:r>
@@ -8314,6 +9802,13 @@
                         <a:lumOff val="15000"/>
                       </a:schemeClr>
                     </a:solidFill>
+                    <a:effectLst>
+                      <a:outerShdw blurRad="38100" dist="38100" dir="2700000" algn="tl">
+                        <a:srgbClr val="000000">
+                          <a:alpha val="43137"/>
+                        </a:srgbClr>
+                      </a:outerShdw>
+                    </a:effectLst>
                   </a:rPr>
                   <a:t>(accuracy)</a:t>
                 </a:r>
@@ -8324,6 +9819,13 @@
                       <a:lumOff val="15000"/>
                     </a:schemeClr>
                   </a:solidFill>
+                  <a:effectLst>
+                    <a:outerShdw blurRad="38100" dist="38100" dir="2700000" algn="tl">
+                      <a:srgbClr val="000000">
+                        <a:alpha val="43137"/>
+                      </a:srgbClr>
+                    </a:outerShdw>
+                  </a:effectLst>
                 </a:endParaRPr>
               </a:p>
               <a:p>
@@ -8340,6 +9842,13 @@
                         <a:lumOff val="15000"/>
                       </a:schemeClr>
                     </a:solidFill>
+                    <a:effectLst>
+                      <a:outerShdw blurRad="38100" dist="38100" dir="2700000" algn="tl">
+                        <a:srgbClr val="000000">
+                          <a:alpha val="43137"/>
+                        </a:srgbClr>
+                      </a:outerShdw>
+                    </a:effectLst>
                   </a:rPr>
                   <a:t>Accuracy </a:t>
                 </a:r>
@@ -8353,6 +9862,13 @@
                             <a:lumOff val="15000"/>
                           </a:schemeClr>
                         </a:solidFill>
+                        <a:effectLst>
+                          <a:outerShdw blurRad="38100" dist="38100" dir="2700000" algn="tl">
+                            <a:srgbClr val="000000">
+                              <a:alpha val="43137"/>
+                            </a:srgbClr>
+                          </a:outerShdw>
+                        </a:effectLst>
                         <a:latin typeface="Cambria Math" panose="02040503050406030204" pitchFamily="18" charset="0"/>
                       </a:rPr>
                       <m:t>=</m:t>
@@ -8367,6 +9883,13 @@
                                 <a:lumOff val="15000"/>
                               </a:schemeClr>
                             </a:solidFill>
+                            <a:effectLst>
+                              <a:outerShdw blurRad="38100" dist="38100" dir="2700000" algn="tl">
+                                <a:srgbClr val="000000">
+                                  <a:alpha val="43137"/>
+                                </a:srgbClr>
+                              </a:outerShdw>
+                            </a:effectLst>
                             <a:latin typeface="Cambria Math" panose="02040503050406030204" pitchFamily="18" charset="0"/>
                           </a:rPr>
                         </m:ctrlPr>
@@ -8380,6 +9903,13 @@
                                 <a:lumOff val="15000"/>
                               </a:schemeClr>
                             </a:solidFill>
+                            <a:effectLst>
+                              <a:outerShdw blurRad="38100" dist="38100" dir="2700000" algn="tl">
+                                <a:srgbClr val="000000">
+                                  <a:alpha val="43137"/>
+                                </a:srgbClr>
+                              </a:outerShdw>
+                            </a:effectLst>
                             <a:latin typeface="Cambria Math" panose="02040503050406030204" pitchFamily="18" charset="0"/>
                           </a:rPr>
                           <m:t>𝑇𝑃</m:t>
@@ -8392,6 +9922,13 @@
                                 <a:lumOff val="15000"/>
                               </a:schemeClr>
                             </a:solidFill>
+                            <a:effectLst>
+                              <a:outerShdw blurRad="38100" dist="38100" dir="2700000" algn="tl">
+                                <a:srgbClr val="000000">
+                                  <a:alpha val="43137"/>
+                                </a:srgbClr>
+                              </a:outerShdw>
+                            </a:effectLst>
                             <a:latin typeface="Cambria Math" panose="02040503050406030204" pitchFamily="18" charset="0"/>
                           </a:rPr>
                           <m:t>+</m:t>
@@ -8404,6 +9941,13 @@
                                 <a:lumOff val="15000"/>
                               </a:schemeClr>
                             </a:solidFill>
+                            <a:effectLst>
+                              <a:outerShdw blurRad="38100" dist="38100" dir="2700000" algn="tl">
+                                <a:srgbClr val="000000">
+                                  <a:alpha val="43137"/>
+                                </a:srgbClr>
+                              </a:outerShdw>
+                            </a:effectLst>
                             <a:latin typeface="Cambria Math" panose="02040503050406030204" pitchFamily="18" charset="0"/>
                           </a:rPr>
                           <m:t>𝑇𝑁</m:t>
@@ -8418,6 +9962,13 @@
                                 <a:lumOff val="15000"/>
                               </a:schemeClr>
                             </a:solidFill>
+                            <a:effectLst>
+                              <a:outerShdw blurRad="38100" dist="38100" dir="2700000" algn="tl">
+                                <a:srgbClr val="000000">
+                                  <a:alpha val="43137"/>
+                                </a:srgbClr>
+                              </a:outerShdw>
+                            </a:effectLst>
                             <a:latin typeface="Cambria Math" panose="02040503050406030204" pitchFamily="18" charset="0"/>
                           </a:rPr>
                           <m:t>𝑇𝑃</m:t>
@@ -8430,6 +9981,13 @@
                                 <a:lumOff val="15000"/>
                               </a:schemeClr>
                             </a:solidFill>
+                            <a:effectLst>
+                              <a:outerShdw blurRad="38100" dist="38100" dir="2700000" algn="tl">
+                                <a:srgbClr val="000000">
+                                  <a:alpha val="43137"/>
+                                </a:srgbClr>
+                              </a:outerShdw>
+                            </a:effectLst>
                             <a:latin typeface="Cambria Math" panose="02040503050406030204" pitchFamily="18" charset="0"/>
                           </a:rPr>
                           <m:t>+</m:t>
@@ -8442,6 +10000,13 @@
                                 <a:lumOff val="15000"/>
                               </a:schemeClr>
                             </a:solidFill>
+                            <a:effectLst>
+                              <a:outerShdw blurRad="38100" dist="38100" dir="2700000" algn="tl">
+                                <a:srgbClr val="000000">
+                                  <a:alpha val="43137"/>
+                                </a:srgbClr>
+                              </a:outerShdw>
+                            </a:effectLst>
                             <a:latin typeface="Cambria Math" panose="02040503050406030204" pitchFamily="18" charset="0"/>
                           </a:rPr>
                           <m:t>𝐹𝑁</m:t>
@@ -8454,6 +10019,13 @@
                                 <a:lumOff val="15000"/>
                               </a:schemeClr>
                             </a:solidFill>
+                            <a:effectLst>
+                              <a:outerShdw blurRad="38100" dist="38100" dir="2700000" algn="tl">
+                                <a:srgbClr val="000000">
+                                  <a:alpha val="43137"/>
+                                </a:srgbClr>
+                              </a:outerShdw>
+                            </a:effectLst>
                             <a:latin typeface="Cambria Math" panose="02040503050406030204" pitchFamily="18" charset="0"/>
                           </a:rPr>
                           <m:t>+</m:t>
@@ -8466,6 +10038,13 @@
                                 <a:lumOff val="15000"/>
                               </a:schemeClr>
                             </a:solidFill>
+                            <a:effectLst>
+                              <a:outerShdw blurRad="38100" dist="38100" dir="2700000" algn="tl">
+                                <a:srgbClr val="000000">
+                                  <a:alpha val="43137"/>
+                                </a:srgbClr>
+                              </a:outerShdw>
+                            </a:effectLst>
                             <a:latin typeface="Cambria Math" panose="02040503050406030204" pitchFamily="18" charset="0"/>
                           </a:rPr>
                           <m:t>𝑇𝑁</m:t>
@@ -8478,6 +10057,13 @@
                                 <a:lumOff val="15000"/>
                               </a:schemeClr>
                             </a:solidFill>
+                            <a:effectLst>
+                              <a:outerShdw blurRad="38100" dist="38100" dir="2700000" algn="tl">
+                                <a:srgbClr val="000000">
+                                  <a:alpha val="43137"/>
+                                </a:srgbClr>
+                              </a:outerShdw>
+                            </a:effectLst>
                             <a:latin typeface="Cambria Math" panose="02040503050406030204" pitchFamily="18" charset="0"/>
                           </a:rPr>
                           <m:t>+</m:t>
@@ -8490,6 +10076,13 @@
                                 <a:lumOff val="15000"/>
                               </a:schemeClr>
                             </a:solidFill>
+                            <a:effectLst>
+                              <a:outerShdw blurRad="38100" dist="38100" dir="2700000" algn="tl">
+                                <a:srgbClr val="000000">
+                                  <a:alpha val="43137"/>
+                                </a:srgbClr>
+                              </a:outerShdw>
+                            </a:effectLst>
                             <a:latin typeface="Cambria Math" panose="02040503050406030204" pitchFamily="18" charset="0"/>
                           </a:rPr>
                           <m:t>𝐹𝑃</m:t>
@@ -8505,12 +10098,19 @@
                       <a:lumOff val="15000"/>
                     </a:schemeClr>
                   </a:solidFill>
+                  <a:effectLst>
+                    <a:outerShdw blurRad="38100" dist="38100" dir="2700000" algn="tl">
+                      <a:srgbClr val="000000">
+                        <a:alpha val="43137"/>
+                      </a:srgbClr>
+                    </a:outerShdw>
+                  </a:effectLst>
                 </a:endParaRPr>
               </a:p>
             </p:txBody>
           </p:sp>
         </mc:Choice>
-        <mc:Fallback xmlns="">
+        <mc:Fallback>
           <p:sp>
             <p:nvSpPr>
               <p:cNvPr id="6" name="Прямоугольник 5">
@@ -8536,7 +10136,7 @@
               <a:blipFill>
                 <a:blip r:embed="rId2"/>
                 <a:stretch>
-                  <a:fillRect l="-1223" t="-3681" b="-1840"/>
+                  <a:fillRect l="-1359" t="-4294" b="-4908"/>
                 </a:stretch>
               </a:blipFill>
             </p:spPr>
@@ -8570,7 +10170,7 @@
           <p:nvPr>
             <p:extLst>
               <p:ext uri="{D42A27DB-BD31-4B8C-83A1-F6EECF244321}">
-                <p14:modId xmlns:p14="http://schemas.microsoft.com/office/powerpoint/2010/main" val="2813098053"/>
+                <p14:modId xmlns:p14="http://schemas.microsoft.com/office/powerpoint/2010/main" val="1987783561"/>
               </p:ext>
             </p:extLst>
           </p:nvPr>
@@ -8622,7 +10222,13 @@
                       </a:pPr>
                       <a:r>
                         <a:rPr lang="ru-RU" sz="1400" dirty="0">
-                          <a:effectLst/>
+                          <a:effectLst>
+                            <a:outerShdw blurRad="38100" dist="38100" dir="2700000" algn="tl">
+                              <a:srgbClr val="000000">
+                                <a:alpha val="43137"/>
+                              </a:srgbClr>
+                            </a:outerShdw>
+                          </a:effectLst>
                           <a:latin typeface="Times New Roman" panose="02020603050405020304" pitchFamily="18" charset="0"/>
                           <a:ea typeface="Times New Roman" panose="02020603050405020304" pitchFamily="18" charset="0"/>
                           <a:cs typeface="Times New Roman" panose="02020603050405020304" pitchFamily="18" charset="0"/>
@@ -8685,7 +10291,13 @@
                       </a:pPr>
                       <a:r>
                         <a:rPr lang="ru-RU" sz="1400" dirty="0">
-                          <a:effectLst/>
+                          <a:effectLst>
+                            <a:outerShdw blurRad="38100" dist="38100" dir="2700000" algn="tl">
+                              <a:srgbClr val="000000">
+                                <a:alpha val="43137"/>
+                              </a:srgbClr>
+                            </a:outerShdw>
+                          </a:effectLst>
                           <a:latin typeface="Times New Roman" panose="02020603050405020304" pitchFamily="18" charset="0"/>
                           <a:ea typeface="Times New Roman" panose="02020603050405020304" pitchFamily="18" charset="0"/>
                           <a:cs typeface="Times New Roman" panose="02020603050405020304" pitchFamily="18" charset="0"/>
@@ -8775,7 +10387,13 @@
                       </a:pPr>
                       <a:r>
                         <a:rPr lang="ru-RU" sz="1400" dirty="0">
-                          <a:effectLst/>
+                          <a:effectLst>
+                            <a:outerShdw blurRad="38100" dist="38100" dir="2700000" algn="tl">
+                              <a:srgbClr val="000000">
+                                <a:alpha val="43137"/>
+                              </a:srgbClr>
+                            </a:outerShdw>
+                          </a:effectLst>
                           <a:latin typeface="Times New Roman" panose="02020603050405020304" pitchFamily="18" charset="0"/>
                           <a:ea typeface="Times New Roman" panose="02020603050405020304" pitchFamily="18" charset="0"/>
                           <a:cs typeface="Times New Roman" panose="02020603050405020304" pitchFamily="18" charset="0"/>
@@ -8838,7 +10456,13 @@
                       </a:pPr>
                       <a:r>
                         <a:rPr lang="ru-RU" sz="1400">
-                          <a:effectLst/>
+                          <a:effectLst>
+                            <a:outerShdw blurRad="38100" dist="38100" dir="2700000" algn="tl">
+                              <a:srgbClr val="000000">
+                                <a:alpha val="43137"/>
+                              </a:srgbClr>
+                            </a:outerShdw>
+                          </a:effectLst>
                           <a:latin typeface="Times New Roman" panose="02020603050405020304" pitchFamily="18" charset="0"/>
                           <a:ea typeface="Times New Roman" panose="02020603050405020304" pitchFamily="18" charset="0"/>
                           <a:cs typeface="Times New Roman" panose="02020603050405020304" pitchFamily="18" charset="0"/>
@@ -8908,7 +10532,13 @@
                       </a:pPr>
                       <a:r>
                         <a:rPr lang="ru-RU" sz="1400">
-                          <a:effectLst/>
+                          <a:effectLst>
+                            <a:outerShdw blurRad="38100" dist="38100" dir="2700000" algn="tl">
+                              <a:srgbClr val="000000">
+                                <a:alpha val="43137"/>
+                              </a:srgbClr>
+                            </a:outerShdw>
+                          </a:effectLst>
                           <a:latin typeface="Times New Roman" panose="02020603050405020304" pitchFamily="18" charset="0"/>
                           <a:ea typeface="Times New Roman" panose="02020603050405020304" pitchFamily="18" charset="0"/>
                           <a:cs typeface="Times New Roman" panose="02020603050405020304" pitchFamily="18" charset="0"/>
@@ -8971,7 +10601,13 @@
                       </a:pPr>
                       <a:r>
                         <a:rPr lang="ru-RU" sz="1400" dirty="0">
-                          <a:effectLst/>
+                          <a:effectLst>
+                            <a:outerShdw blurRad="38100" dist="38100" dir="2700000" algn="tl">
+                              <a:srgbClr val="000000">
+                                <a:alpha val="43137"/>
+                              </a:srgbClr>
+                            </a:outerShdw>
+                          </a:effectLst>
                           <a:latin typeface="Times New Roman" panose="02020603050405020304" pitchFamily="18" charset="0"/>
                           <a:ea typeface="Times New Roman" panose="02020603050405020304" pitchFamily="18" charset="0"/>
                           <a:cs typeface="Times New Roman" panose="02020603050405020304" pitchFamily="18" charset="0"/>
@@ -8980,7 +10616,13 @@
                       </a:r>
                       <a:r>
                         <a:rPr lang="en-US" sz="1400" dirty="0">
-                          <a:effectLst/>
+                          <a:effectLst>
+                            <a:outerShdw blurRad="38100" dist="38100" dir="2700000" algn="tl">
+                              <a:srgbClr val="000000">
+                                <a:alpha val="43137"/>
+                              </a:srgbClr>
+                            </a:outerShdw>
+                          </a:effectLst>
                           <a:latin typeface="Times New Roman" panose="02020603050405020304" pitchFamily="18" charset="0"/>
                           <a:ea typeface="Times New Roman" panose="02020603050405020304" pitchFamily="18" charset="0"/>
                           <a:cs typeface="Times New Roman" panose="02020603050405020304" pitchFamily="18" charset="0"/>
@@ -8988,7 +10630,13 @@
                         <a:t>rue Positive</a:t>
                       </a:r>
                       <a:endParaRPr lang="ru-RU" sz="1400" dirty="0">
-                        <a:effectLst/>
+                        <a:effectLst>
+                          <a:outerShdw blurRad="38100" dist="38100" dir="2700000" algn="tl">
+                            <a:srgbClr val="000000">
+                              <a:alpha val="43137"/>
+                            </a:srgbClr>
+                          </a:outerShdw>
+                        </a:effectLst>
                         <a:latin typeface="Times New Roman" panose="02020603050405020304" pitchFamily="18" charset="0"/>
                         <a:ea typeface="Times New Roman" panose="02020603050405020304" pitchFamily="18" charset="0"/>
                         <a:cs typeface="Times New Roman" panose="02020603050405020304" pitchFamily="18" charset="0"/>
@@ -9049,7 +10697,13 @@
                       </a:pPr>
                       <a:r>
                         <a:rPr lang="en-US" sz="1400" dirty="0">
-                          <a:effectLst/>
+                          <a:effectLst>
+                            <a:outerShdw blurRad="38100" dist="38100" dir="2700000" algn="tl">
+                              <a:srgbClr val="000000">
+                                <a:alpha val="43137"/>
+                              </a:srgbClr>
+                            </a:outerShdw>
+                          </a:effectLst>
                           <a:latin typeface="Times New Roman" panose="02020603050405020304" pitchFamily="18" charset="0"/>
                           <a:ea typeface="Times New Roman" panose="02020603050405020304" pitchFamily="18" charset="0"/>
                           <a:cs typeface="Times New Roman" panose="02020603050405020304" pitchFamily="18" charset="0"/>
@@ -9058,7 +10712,13 @@
                       </a:r>
                       <a:r>
                         <a:rPr lang="en-US" sz="1400" dirty="0" smtClean="0">
-                          <a:effectLst/>
+                          <a:effectLst>
+                            <a:outerShdw blurRad="38100" dist="38100" dir="2700000" algn="tl">
+                              <a:srgbClr val="000000">
+                                <a:alpha val="43137"/>
+                              </a:srgbClr>
+                            </a:outerShdw>
+                          </a:effectLst>
                           <a:latin typeface="Times New Roman" panose="02020603050405020304" pitchFamily="18" charset="0"/>
                           <a:ea typeface="Times New Roman" panose="02020603050405020304" pitchFamily="18" charset="0"/>
                           <a:cs typeface="Times New Roman" panose="02020603050405020304" pitchFamily="18" charset="0"/>
@@ -9066,7 +10726,13 @@
                         <a:t>Positive</a:t>
                       </a:r>
                       <a:endParaRPr lang="ru-RU" sz="1400" dirty="0">
-                        <a:effectLst/>
+                        <a:effectLst>
+                          <a:outerShdw blurRad="38100" dist="38100" dir="2700000" algn="tl">
+                            <a:srgbClr val="000000">
+                              <a:alpha val="43137"/>
+                            </a:srgbClr>
+                          </a:outerShdw>
+                        </a:effectLst>
                         <a:latin typeface="Times New Roman" panose="02020603050405020304" pitchFamily="18" charset="0"/>
                         <a:ea typeface="Times New Roman" panose="02020603050405020304" pitchFamily="18" charset="0"/>
                         <a:cs typeface="Times New Roman" panose="02020603050405020304" pitchFamily="18" charset="0"/>
@@ -9134,7 +10800,13 @@
                       </a:pPr>
                       <a:r>
                         <a:rPr lang="ru-RU" sz="1400">
-                          <a:effectLst/>
+                          <a:effectLst>
+                            <a:outerShdw blurRad="38100" dist="38100" dir="2700000" algn="tl">
+                              <a:srgbClr val="000000">
+                                <a:alpha val="43137"/>
+                              </a:srgbClr>
+                            </a:outerShdw>
+                          </a:effectLst>
                           <a:latin typeface="Times New Roman" panose="02020603050405020304" pitchFamily="18" charset="0"/>
                           <a:ea typeface="Times New Roman" panose="02020603050405020304" pitchFamily="18" charset="0"/>
                           <a:cs typeface="Times New Roman" panose="02020603050405020304" pitchFamily="18" charset="0"/>
@@ -9197,7 +10869,13 @@
                       </a:pPr>
                       <a:r>
                         <a:rPr lang="en-US" sz="1400" dirty="0">
-                          <a:effectLst/>
+                          <a:effectLst>
+                            <a:outerShdw blurRad="38100" dist="38100" dir="2700000" algn="tl">
+                              <a:srgbClr val="000000">
+                                <a:alpha val="43137"/>
+                              </a:srgbClr>
+                            </a:outerShdw>
+                          </a:effectLst>
                           <a:latin typeface="Times New Roman" panose="02020603050405020304" pitchFamily="18" charset="0"/>
                           <a:ea typeface="Times New Roman" panose="02020603050405020304" pitchFamily="18" charset="0"/>
                           <a:cs typeface="Times New Roman" panose="02020603050405020304" pitchFamily="18" charset="0"/>
@@ -9206,7 +10884,13 @@
                       </a:r>
                       <a:r>
                         <a:rPr lang="en-US" sz="1400" dirty="0" smtClean="0">
-                          <a:effectLst/>
+                          <a:effectLst>
+                            <a:outerShdw blurRad="38100" dist="38100" dir="2700000" algn="tl">
+                              <a:srgbClr val="000000">
+                                <a:alpha val="43137"/>
+                              </a:srgbClr>
+                            </a:outerShdw>
+                          </a:effectLst>
                           <a:latin typeface="Times New Roman" panose="02020603050405020304" pitchFamily="18" charset="0"/>
                           <a:ea typeface="Times New Roman" panose="02020603050405020304" pitchFamily="18" charset="0"/>
                           <a:cs typeface="Times New Roman" panose="02020603050405020304" pitchFamily="18" charset="0"/>
@@ -9214,7 +10898,13 @@
                         <a:t>Negative</a:t>
                       </a:r>
                       <a:endParaRPr lang="ru-RU" sz="1400" dirty="0">
-                        <a:effectLst/>
+                        <a:effectLst>
+                          <a:outerShdw blurRad="38100" dist="38100" dir="2700000" algn="tl">
+                            <a:srgbClr val="000000">
+                              <a:alpha val="43137"/>
+                            </a:srgbClr>
+                          </a:outerShdw>
+                        </a:effectLst>
                         <a:latin typeface="Times New Roman" panose="02020603050405020304" pitchFamily="18" charset="0"/>
                         <a:ea typeface="Times New Roman" panose="02020603050405020304" pitchFamily="18" charset="0"/>
                         <a:cs typeface="Times New Roman" panose="02020603050405020304" pitchFamily="18" charset="0"/>
@@ -9275,7 +10965,13 @@
                       </a:pPr>
                       <a:r>
                         <a:rPr lang="en-US" sz="1400" dirty="0">
-                          <a:effectLst/>
+                          <a:effectLst>
+                            <a:outerShdw blurRad="38100" dist="38100" dir="2700000" algn="tl">
+                              <a:srgbClr val="000000">
+                                <a:alpha val="43137"/>
+                              </a:srgbClr>
+                            </a:outerShdw>
+                          </a:effectLst>
                           <a:latin typeface="Times New Roman" panose="02020603050405020304" pitchFamily="18" charset="0"/>
                           <a:ea typeface="Times New Roman" panose="02020603050405020304" pitchFamily="18" charset="0"/>
                           <a:cs typeface="Times New Roman" panose="02020603050405020304" pitchFamily="18" charset="0"/>
@@ -9283,7 +10979,13 @@
                         <a:t>True Negative</a:t>
                       </a:r>
                       <a:endParaRPr lang="ru-RU" sz="1400" dirty="0">
-                        <a:effectLst/>
+                        <a:effectLst>
+                          <a:outerShdw blurRad="38100" dist="38100" dir="2700000" algn="tl">
+                            <a:srgbClr val="000000">
+                              <a:alpha val="43137"/>
+                            </a:srgbClr>
+                          </a:outerShdw>
+                        </a:effectLst>
                         <a:latin typeface="Times New Roman" panose="02020603050405020304" pitchFamily="18" charset="0"/>
                         <a:ea typeface="Times New Roman" panose="02020603050405020304" pitchFamily="18" charset="0"/>
                         <a:cs typeface="Times New Roman" panose="02020603050405020304" pitchFamily="18" charset="0"/>
@@ -9354,7 +11056,7 @@
         <p:spPr>
           <a:xfrm>
             <a:off x="2448757" y="1282437"/>
-            <a:ext cx="1536959" cy="307777"/>
+            <a:ext cx="1789272" cy="307777"/>
           </a:xfrm>
           <a:prstGeom prst="rect">
             <a:avLst/>
@@ -9367,14 +11069,22 @@
           <a:lstStyle/>
           <a:p>
             <a:r>
-              <a:rPr lang="ru-RU" sz="1400" b="1" dirty="0"/>
+              <a:rPr lang="ru-RU" sz="1400" b="1" dirty="0">
+                <a:effectLst>
+                  <a:outerShdw blurRad="38100" dist="38100" dir="2700000" algn="tl">
+                    <a:srgbClr val="000000">
+                      <a:alpha val="43137"/>
+                    </a:srgbClr>
+                  </a:outerShdw>
+                </a:effectLst>
+              </a:rPr>
               <a:t>Матрица ошибок</a:t>
             </a:r>
           </a:p>
         </p:txBody>
       </p:sp>
-      <mc:AlternateContent xmlns:mc="http://schemas.openxmlformats.org/markup-compatibility/2006" xmlns:a14="http://schemas.microsoft.com/office/drawing/2010/main">
-        <mc:Choice Requires="a14">
+      <mc:AlternateContent xmlns:mc="http://schemas.openxmlformats.org/markup-compatibility/2006">
+        <mc:Choice xmlns:a14="http://schemas.microsoft.com/office/drawing/2010/main" Requires="a14">
           <p:sp>
             <p:nvSpPr>
               <p:cNvPr id="14" name="Прямоугольник 13"/>
@@ -9384,7 +11094,7 @@
             <p:spPr>
               <a:xfrm>
                 <a:off x="5993993" y="1296739"/>
-                <a:ext cx="5511452" cy="1790234"/>
+                <a:ext cx="6079638" cy="1790234"/>
               </a:xfrm>
               <a:prstGeom prst="rect">
                 <a:avLst/>
@@ -9408,29 +11118,57 @@
                   </a:spcAft>
                 </a:pPr>
                 <a:r>
-                  <a:rPr lang="ru-RU" i="1" dirty="0" smtClean="0">
-                    <a:latin typeface="Cambria Math" panose="02040503050406030204" pitchFamily="18" charset="0"/>
+                  <a:rPr lang="ru-RU" dirty="0" smtClean="0">
+                    <a:effectLst>
+                      <a:outerShdw blurRad="38100" dist="38100" dir="2700000" algn="tl">
+                        <a:srgbClr val="000000">
+                          <a:alpha val="43137"/>
+                        </a:srgbClr>
+                      </a:outerShdw>
+                    </a:effectLst>
+                    <a:latin typeface="Century Gothic" panose="020B0502020202020204" pitchFamily="34" charset="0"/>
                     <a:ea typeface="Times New Roman" panose="02020603050405020304" pitchFamily="18" charset="0"/>
                   </a:rPr>
                   <a:t>Точность (</a:t>
                 </a:r>
                 <a:r>
-                  <a:rPr lang="en-US" i="1" dirty="0" smtClean="0">
-                    <a:latin typeface="Cambria Math" panose="02040503050406030204" pitchFamily="18" charset="0"/>
+                  <a:rPr lang="en-US" dirty="0" smtClean="0">
+                    <a:effectLst>
+                      <a:outerShdw blurRad="38100" dist="38100" dir="2700000" algn="tl">
+                        <a:srgbClr val="000000">
+                          <a:alpha val="43137"/>
+                        </a:srgbClr>
+                      </a:outerShdw>
+                    </a:effectLst>
+                    <a:latin typeface="Century Gothic" panose="020B0502020202020204" pitchFamily="34" charset="0"/>
                     <a:ea typeface="Times New Roman" panose="02020603050405020304" pitchFamily="18" charset="0"/>
                   </a:rPr>
                   <a:t>precision) </a:t>
                 </a:r>
                 <a:r>
-                  <a:rPr lang="ru-RU" i="1" dirty="0" smtClean="0">
-                    <a:latin typeface="Cambria Math" panose="02040503050406030204" pitchFamily="18" charset="0"/>
+                  <a:rPr lang="ru-RU" dirty="0" smtClean="0">
+                    <a:effectLst>
+                      <a:outerShdw blurRad="38100" dist="38100" dir="2700000" algn="tl">
+                        <a:srgbClr val="000000">
+                          <a:alpha val="43137"/>
+                        </a:srgbClr>
+                      </a:outerShdw>
+                    </a:effectLst>
+                    <a:latin typeface="Century Gothic" panose="020B0502020202020204" pitchFamily="34" charset="0"/>
                     <a:ea typeface="Times New Roman" panose="02020603050405020304" pitchFamily="18" charset="0"/>
                   </a:rPr>
                   <a:t>и полнота </a:t>
                 </a:r>
                 <a:r>
-                  <a:rPr lang="en-US" i="1" dirty="0" smtClean="0">
-                    <a:latin typeface="Cambria Math" panose="02040503050406030204" pitchFamily="18" charset="0"/>
+                  <a:rPr lang="en-US" dirty="0" smtClean="0">
+                    <a:effectLst>
+                      <a:outerShdw blurRad="38100" dist="38100" dir="2700000" algn="tl">
+                        <a:srgbClr val="000000">
+                          <a:alpha val="43137"/>
+                        </a:srgbClr>
+                      </a:outerShdw>
+                    </a:effectLst>
+                    <a:latin typeface="Century Gothic" panose="020B0502020202020204" pitchFamily="34" charset="0"/>
                     <a:ea typeface="Times New Roman" panose="02020603050405020304" pitchFamily="18" charset="0"/>
                   </a:rPr>
                   <a:t>(recall)</a:t>
@@ -9452,6 +11190,13 @@
                   <m:oMath xmlns:m="http://schemas.openxmlformats.org/officeDocument/2006/math">
                     <m:r>
                       <a:rPr lang="ru-RU" i="1">
+                        <a:effectLst>
+                          <a:outerShdw blurRad="38100" dist="38100" dir="2700000" algn="tl">
+                            <a:srgbClr val="000000">
+                              <a:alpha val="43137"/>
+                            </a:srgbClr>
+                          </a:outerShdw>
+                        </a:effectLst>
                         <a:latin typeface="Cambria Math" panose="02040503050406030204" pitchFamily="18" charset="0"/>
                         <a:ea typeface="Times New Roman" panose="02020603050405020304" pitchFamily="18" charset="0"/>
                       </a:rPr>
@@ -9459,6 +11204,13 @@
                     </m:r>
                     <m:r>
                       <a:rPr lang="ru-RU" i="1">
+                        <a:effectLst>
+                          <a:outerShdw blurRad="38100" dist="38100" dir="2700000" algn="tl">
+                            <a:srgbClr val="000000">
+                              <a:alpha val="43137"/>
+                            </a:srgbClr>
+                          </a:outerShdw>
+                        </a:effectLst>
                         <a:latin typeface="Cambria Math" panose="02040503050406030204" pitchFamily="18" charset="0"/>
                         <a:ea typeface="Times New Roman" panose="02020603050405020304" pitchFamily="18" charset="0"/>
                       </a:rPr>
@@ -9468,6 +11220,13 @@
                       <m:fPr>
                         <m:ctrlPr>
                           <a:rPr lang="ru-RU" i="1">
+                            <a:effectLst>
+                              <a:outerShdw blurRad="38100" dist="38100" dir="2700000" algn="tl">
+                                <a:srgbClr val="000000">
+                                  <a:alpha val="43137"/>
+                                </a:srgbClr>
+                              </a:outerShdw>
+                            </a:effectLst>
                             <a:latin typeface="Cambria Math" panose="02040503050406030204" pitchFamily="18" charset="0"/>
                             <a:ea typeface="Times New Roman" panose="02020603050405020304" pitchFamily="18" charset="0"/>
                           </a:rPr>
@@ -9476,6 +11235,13 @@
                       <m:num>
                         <m:r>
                           <a:rPr lang="ru-RU" i="1">
+                            <a:effectLst>
+                              <a:outerShdw blurRad="38100" dist="38100" dir="2700000" algn="tl">
+                                <a:srgbClr val="000000">
+                                  <a:alpha val="43137"/>
+                                </a:srgbClr>
+                              </a:outerShdw>
+                            </a:effectLst>
                             <a:latin typeface="Cambria Math" panose="02040503050406030204" pitchFamily="18" charset="0"/>
                             <a:ea typeface="Times New Roman" panose="02020603050405020304" pitchFamily="18" charset="0"/>
                           </a:rPr>
@@ -9485,6 +11251,13 @@
                       <m:den>
                         <m:r>
                           <a:rPr lang="ru-RU" i="1">
+                            <a:effectLst>
+                              <a:outerShdw blurRad="38100" dist="38100" dir="2700000" algn="tl">
+                                <a:srgbClr val="000000">
+                                  <a:alpha val="43137"/>
+                                </a:srgbClr>
+                              </a:outerShdw>
+                            </a:effectLst>
                             <a:latin typeface="Cambria Math" panose="02040503050406030204" pitchFamily="18" charset="0"/>
                             <a:ea typeface="Times New Roman" panose="02020603050405020304" pitchFamily="18" charset="0"/>
                           </a:rPr>
@@ -9492,6 +11265,13 @@
                         </m:r>
                         <m:r>
                           <a:rPr lang="ru-RU" i="1">
+                            <a:effectLst>
+                              <a:outerShdw blurRad="38100" dist="38100" dir="2700000" algn="tl">
+                                <a:srgbClr val="000000">
+                                  <a:alpha val="43137"/>
+                                </a:srgbClr>
+                              </a:outerShdw>
+                            </a:effectLst>
                             <a:latin typeface="Cambria Math" panose="02040503050406030204" pitchFamily="18" charset="0"/>
                             <a:ea typeface="Times New Roman" panose="02020603050405020304" pitchFamily="18" charset="0"/>
                           </a:rPr>
@@ -9499,6 +11279,13 @@
                         </m:r>
                         <m:r>
                           <a:rPr lang="ru-RU" i="1">
+                            <a:effectLst>
+                              <a:outerShdw blurRad="38100" dist="38100" dir="2700000" algn="tl">
+                                <a:srgbClr val="000000">
+                                  <a:alpha val="43137"/>
+                                </a:srgbClr>
+                              </a:outerShdw>
+                            </a:effectLst>
                             <a:latin typeface="Cambria Math" panose="02040503050406030204" pitchFamily="18" charset="0"/>
                             <a:ea typeface="Times New Roman" panose="02020603050405020304" pitchFamily="18" charset="0"/>
                           </a:rPr>
@@ -9510,13 +11297,26 @@
                 </a14:m>
                 <a:r>
                   <a:rPr lang="en-US" dirty="0">
+                    <a:effectLst>
+                      <a:outerShdw blurRad="38100" dist="38100" dir="2700000" algn="tl">
+                        <a:srgbClr val="000000">
+                          <a:alpha val="43137"/>
+                        </a:srgbClr>
+                      </a:outerShdw>
+                    </a:effectLst>
                     <a:latin typeface="Times New Roman" panose="02020603050405020304" pitchFamily="18" charset="0"/>
                     <a:ea typeface="Times New Roman" panose="02020603050405020304" pitchFamily="18" charset="0"/>
                   </a:rPr>
                   <a:t>,</a:t>
                 </a:r>
                 <a:endParaRPr lang="ru-RU" sz="1600" dirty="0">
-                  <a:effectLst/>
+                  <a:effectLst>
+                    <a:outerShdw blurRad="38100" dist="38100" dir="2700000" algn="tl">
+                      <a:srgbClr val="000000">
+                        <a:alpha val="43137"/>
+                      </a:srgbClr>
+                    </a:outerShdw>
+                  </a:effectLst>
                   <a:latin typeface="Times New Roman" panose="02020603050405020304" pitchFamily="18" charset="0"/>
                   <a:ea typeface="Times New Roman" panose="02020603050405020304" pitchFamily="18" charset="0"/>
                 </a:endParaRPr>
@@ -9537,6 +11337,13 @@
                   <m:oMath xmlns:m="http://schemas.openxmlformats.org/officeDocument/2006/math">
                     <m:r>
                       <a:rPr lang="ru-RU" i="1">
+                        <a:effectLst>
+                          <a:outerShdw blurRad="38100" dist="38100" dir="2700000" algn="tl">
+                            <a:srgbClr val="000000">
+                              <a:alpha val="43137"/>
+                            </a:srgbClr>
+                          </a:outerShdw>
+                        </a:effectLst>
                         <a:latin typeface="Cambria Math" panose="02040503050406030204" pitchFamily="18" charset="0"/>
                         <a:ea typeface="Times New Roman" panose="02020603050405020304" pitchFamily="18" charset="0"/>
                       </a:rPr>
@@ -9544,6 +11351,13 @@
                     </m:r>
                     <m:r>
                       <a:rPr lang="ru-RU" i="1">
+                        <a:effectLst>
+                          <a:outerShdw blurRad="38100" dist="38100" dir="2700000" algn="tl">
+                            <a:srgbClr val="000000">
+                              <a:alpha val="43137"/>
+                            </a:srgbClr>
+                          </a:outerShdw>
+                        </a:effectLst>
                         <a:latin typeface="Cambria Math" panose="02040503050406030204" pitchFamily="18" charset="0"/>
                         <a:ea typeface="Times New Roman" panose="02020603050405020304" pitchFamily="18" charset="0"/>
                       </a:rPr>
@@ -9553,6 +11367,13 @@
                       <m:fPr>
                         <m:ctrlPr>
                           <a:rPr lang="ru-RU" i="1">
+                            <a:effectLst>
+                              <a:outerShdw blurRad="38100" dist="38100" dir="2700000" algn="tl">
+                                <a:srgbClr val="000000">
+                                  <a:alpha val="43137"/>
+                                </a:srgbClr>
+                              </a:outerShdw>
+                            </a:effectLst>
                             <a:latin typeface="Cambria Math" panose="02040503050406030204" pitchFamily="18" charset="0"/>
                             <a:ea typeface="Times New Roman" panose="02020603050405020304" pitchFamily="18" charset="0"/>
                           </a:rPr>
@@ -9561,6 +11382,13 @@
                       <m:num>
                         <m:r>
                           <a:rPr lang="ru-RU" i="1">
+                            <a:effectLst>
+                              <a:outerShdw blurRad="38100" dist="38100" dir="2700000" algn="tl">
+                                <a:srgbClr val="000000">
+                                  <a:alpha val="43137"/>
+                                </a:srgbClr>
+                              </a:outerShdw>
+                            </a:effectLst>
                             <a:latin typeface="Cambria Math" panose="02040503050406030204" pitchFamily="18" charset="0"/>
                             <a:ea typeface="Times New Roman" panose="02020603050405020304" pitchFamily="18" charset="0"/>
                           </a:rPr>
@@ -9570,6 +11398,13 @@
                       <m:den>
                         <m:r>
                           <a:rPr lang="ru-RU" i="1">
+                            <a:effectLst>
+                              <a:outerShdw blurRad="38100" dist="38100" dir="2700000" algn="tl">
+                                <a:srgbClr val="000000">
+                                  <a:alpha val="43137"/>
+                                </a:srgbClr>
+                              </a:outerShdw>
+                            </a:effectLst>
                             <a:latin typeface="Cambria Math" panose="02040503050406030204" pitchFamily="18" charset="0"/>
                             <a:ea typeface="Times New Roman" panose="02020603050405020304" pitchFamily="18" charset="0"/>
                           </a:rPr>
@@ -9577,6 +11412,13 @@
                         </m:r>
                         <m:r>
                           <a:rPr lang="ru-RU" i="1">
+                            <a:effectLst>
+                              <a:outerShdw blurRad="38100" dist="38100" dir="2700000" algn="tl">
+                                <a:srgbClr val="000000">
+                                  <a:alpha val="43137"/>
+                                </a:srgbClr>
+                              </a:outerShdw>
+                            </a:effectLst>
                             <a:latin typeface="Cambria Math" panose="02040503050406030204" pitchFamily="18" charset="0"/>
                             <a:ea typeface="Times New Roman" panose="02020603050405020304" pitchFamily="18" charset="0"/>
                           </a:rPr>
@@ -9584,6 +11426,13 @@
                         </m:r>
                         <m:r>
                           <a:rPr lang="ru-RU" i="1">
+                            <a:effectLst>
+                              <a:outerShdw blurRad="38100" dist="38100" dir="2700000" algn="tl">
+                                <a:srgbClr val="000000">
+                                  <a:alpha val="43137"/>
+                                </a:srgbClr>
+                              </a:outerShdw>
+                            </a:effectLst>
                             <a:latin typeface="Cambria Math" panose="02040503050406030204" pitchFamily="18" charset="0"/>
                             <a:ea typeface="Times New Roman" panose="02020603050405020304" pitchFamily="18" charset="0"/>
                           </a:rPr>
@@ -9595,13 +11444,26 @@
                 </a14:m>
                 <a:r>
                   <a:rPr lang="en-US" i="1" dirty="0">
+                    <a:effectLst>
+                      <a:outerShdw blurRad="38100" dist="38100" dir="2700000" algn="tl">
+                        <a:srgbClr val="000000">
+                          <a:alpha val="43137"/>
+                        </a:srgbClr>
+                      </a:outerShdw>
+                    </a:effectLst>
                     <a:latin typeface="Times New Roman" panose="02020603050405020304" pitchFamily="18" charset="0"/>
                     <a:ea typeface="Times New Roman" panose="02020603050405020304" pitchFamily="18" charset="0"/>
                   </a:rPr>
                   <a:t>.</a:t>
                 </a:r>
                 <a:endParaRPr lang="ru-RU" sz="1600" dirty="0">
-                  <a:effectLst/>
+                  <a:effectLst>
+                    <a:outerShdw blurRad="38100" dist="38100" dir="2700000" algn="tl">
+                      <a:srgbClr val="000000">
+                        <a:alpha val="43137"/>
+                      </a:srgbClr>
+                    </a:outerShdw>
+                  </a:effectLst>
                   <a:latin typeface="Times New Roman" panose="02020603050405020304" pitchFamily="18" charset="0"/>
                   <a:ea typeface="Times New Roman" panose="02020603050405020304" pitchFamily="18" charset="0"/>
                 </a:endParaRPr>
@@ -9609,7 +11471,7 @@
             </p:txBody>
           </p:sp>
         </mc:Choice>
-        <mc:Fallback xmlns="">
+        <mc:Fallback>
           <p:sp>
             <p:nvSpPr>
               <p:cNvPr id="14" name="Прямоугольник 13"/>
@@ -9621,7 +11483,7 @@
             <p:spPr>
               <a:xfrm>
                 <a:off x="5993993" y="1296739"/>
-                <a:ext cx="5511452" cy="1790234"/>
+                <a:ext cx="6079638" cy="1790234"/>
               </a:xfrm>
               <a:prstGeom prst="rect">
                 <a:avLst/>
@@ -9629,7 +11491,7 @@
               <a:blipFill>
                 <a:blip r:embed="rId3"/>
                 <a:stretch>
-                  <a:fillRect/>
+                  <a:fillRect b="-341"/>
                 </a:stretch>
               </a:blipFill>
             </p:spPr>
@@ -9664,16 +11526,23 @@
         </p:blipFill>
         <p:spPr>
           <a:xfrm>
-            <a:off x="6974171" y="3443840"/>
+            <a:off x="7258264" y="3381696"/>
             <a:ext cx="3551095" cy="2776751"/>
           </a:xfrm>
           <a:prstGeom prst="rect">
             <a:avLst/>
           </a:prstGeom>
+          <a:effectLst>
+            <a:outerShdw blurRad="50800" dist="38100" dir="2700000" algn="tl" rotWithShape="0">
+              <a:prstClr val="black">
+                <a:alpha val="40000"/>
+              </a:prstClr>
+            </a:outerShdw>
+          </a:effectLst>
         </p:spPr>
       </p:pic>
-      <mc:AlternateContent xmlns:mc="http://schemas.openxmlformats.org/markup-compatibility/2006" xmlns:a14="http://schemas.microsoft.com/office/drawing/2010/main">
-        <mc:Choice Requires="a14">
+      <mc:AlternateContent xmlns:mc="http://schemas.openxmlformats.org/markup-compatibility/2006">
+        <mc:Choice xmlns:a14="http://schemas.microsoft.com/office/drawing/2010/main" Requires="a14">
           <p:sp>
             <p:nvSpPr>
               <p:cNvPr id="16" name="Прямоугольник 15"/>
@@ -9682,8 +11551,8 @@
             </p:nvSpPr>
             <p:spPr>
               <a:xfrm>
-                <a:off x="558316" y="5061373"/>
-                <a:ext cx="5124249" cy="749757"/>
+                <a:off x="292042" y="5061373"/>
+                <a:ext cx="6526009" cy="1213089"/>
               </a:xfrm>
               <a:prstGeom prst="rect">
                 <a:avLst/>
@@ -9703,16 +11572,76 @@
                     <a:spcPts val="795"/>
                   </a:spcBef>
                 </a:pPr>
+                <a:r>
+                  <a:rPr lang="ru-RU" dirty="0" smtClean="0">
+                    <a:effectLst>
+                      <a:outerShdw blurRad="38100" dist="38100" dir="2700000" algn="tl">
+                        <a:srgbClr val="000000">
+                          <a:alpha val="43137"/>
+                        </a:srgbClr>
+                      </a:outerShdw>
+                    </a:effectLst>
+                    <a:latin typeface="Century Gothic" panose="020B0502020202020204" pitchFamily="34" charset="0"/>
+                  </a:rPr>
+                  <a:t>Для задачи семантической сегментации</a:t>
+                </a:r>
+                <a:r>
+                  <a:rPr lang="en-US" dirty="0" smtClean="0">
+                    <a:effectLst>
+                      <a:outerShdw blurRad="38100" dist="38100" dir="2700000" algn="tl">
+                        <a:srgbClr val="000000">
+                          <a:alpha val="43137"/>
+                        </a:srgbClr>
+                      </a:outerShdw>
+                    </a:effectLst>
+                    <a:latin typeface="Century Gothic" panose="020B0502020202020204" pitchFamily="34" charset="0"/>
+                  </a:rPr>
+                  <a:t>:</a:t>
+                </a:r>
+                <a:endParaRPr lang="en-US" dirty="0" smtClean="0">
+                  <a:effectLst>
+                    <a:outerShdw blurRad="38100" dist="38100" dir="2700000" algn="tl">
+                      <a:srgbClr val="000000">
+                        <a:alpha val="43137"/>
+                      </a:srgbClr>
+                    </a:outerShdw>
+                  </a:effectLst>
+                  <a:latin typeface="Century Gothic" panose="020B0502020202020204" pitchFamily="34" charset="0"/>
+                </a:endParaRPr>
+              </a:p>
+              <a:p>
+                <a:pPr marL="432435" marR="788670" algn="ctr">
+                  <a:lnSpc>
+                    <a:spcPct val="150000"/>
+                  </a:lnSpc>
+                  <a:spcBef>
+                    <a:spcPts val="795"/>
+                  </a:spcBef>
+                </a:pPr>
                 <a14:m>
                   <m:oMath xmlns:m="http://schemas.openxmlformats.org/officeDocument/2006/math">
                     <m:r>
                       <a:rPr lang="ru-RU" i="1" smtClean="0">
+                        <a:effectLst>
+                          <a:outerShdw blurRad="38100" dist="38100" dir="2700000" algn="tl">
+                            <a:srgbClr val="000000">
+                              <a:alpha val="43137"/>
+                            </a:srgbClr>
+                          </a:outerShdw>
+                        </a:effectLst>
                         <a:latin typeface="Cambria Math" panose="02040503050406030204" pitchFamily="18" charset="0"/>
                       </a:rPr>
                       <m:t>𝐷𝐼𝐶𝐸</m:t>
                     </m:r>
                     <m:r>
                       <a:rPr lang="ru-RU" i="1" smtClean="0">
+                        <a:effectLst>
+                          <a:outerShdw blurRad="38100" dist="38100" dir="2700000" algn="tl">
+                            <a:srgbClr val="000000">
+                              <a:alpha val="43137"/>
+                            </a:srgbClr>
+                          </a:outerShdw>
+                        </a:effectLst>
                         <a:latin typeface="Cambria Math" panose="02040503050406030204" pitchFamily="18" charset="0"/>
                       </a:rPr>
                       <m:t>=</m:t>
@@ -9721,6 +11650,13 @@
                       <m:fPr>
                         <m:ctrlPr>
                           <a:rPr lang="ru-RU" i="1">
+                            <a:effectLst>
+                              <a:outerShdw blurRad="38100" dist="38100" dir="2700000" algn="tl">
+                                <a:srgbClr val="000000">
+                                  <a:alpha val="43137"/>
+                                </a:srgbClr>
+                              </a:outerShdw>
+                            </a:effectLst>
                             <a:latin typeface="Cambria Math" panose="02040503050406030204" pitchFamily="18" charset="0"/>
                           </a:rPr>
                         </m:ctrlPr>
@@ -9728,30 +11664,65 @@
                       <m:num>
                         <m:r>
                           <a:rPr lang="ru-RU" i="1">
+                            <a:effectLst>
+                              <a:outerShdw blurRad="38100" dist="38100" dir="2700000" algn="tl">
+                                <a:srgbClr val="000000">
+                                  <a:alpha val="43137"/>
+                                </a:srgbClr>
+                              </a:outerShdw>
+                            </a:effectLst>
                             <a:latin typeface="Cambria Math" panose="02040503050406030204" pitchFamily="18" charset="0"/>
                           </a:rPr>
                           <m:t>2|</m:t>
                         </m:r>
                         <m:r>
                           <a:rPr lang="ru-RU" i="1">
+                            <a:effectLst>
+                              <a:outerShdw blurRad="38100" dist="38100" dir="2700000" algn="tl">
+                                <a:srgbClr val="000000">
+                                  <a:alpha val="43137"/>
+                                </a:srgbClr>
+                              </a:outerShdw>
+                            </a:effectLst>
                             <a:latin typeface="Cambria Math" panose="02040503050406030204" pitchFamily="18" charset="0"/>
                           </a:rPr>
                           <m:t>𝐴</m:t>
                         </m:r>
                         <m:r>
                           <a:rPr lang="ru-RU" i="1">
+                            <a:effectLst>
+                              <a:outerShdw blurRad="38100" dist="38100" dir="2700000" algn="tl">
+                                <a:srgbClr val="000000">
+                                  <a:alpha val="43137"/>
+                                </a:srgbClr>
+                              </a:outerShdw>
+                            </a:effectLst>
                             <a:latin typeface="Cambria Math" panose="02040503050406030204" pitchFamily="18" charset="0"/>
                           </a:rPr>
                           <m:t>∩</m:t>
                         </m:r>
                         <m:r>
                           <a:rPr lang="ru-RU" i="1">
+                            <a:effectLst>
+                              <a:outerShdw blurRad="38100" dist="38100" dir="2700000" algn="tl">
+                                <a:srgbClr val="000000">
+                                  <a:alpha val="43137"/>
+                                </a:srgbClr>
+                              </a:outerShdw>
+                            </a:effectLst>
                             <a:latin typeface="Cambria Math" panose="02040503050406030204" pitchFamily="18" charset="0"/>
                           </a:rPr>
                           <m:t>𝐵</m:t>
                         </m:r>
                         <m:r>
                           <a:rPr lang="ru-RU" i="1">
+                            <a:effectLst>
+                              <a:outerShdw blurRad="38100" dist="38100" dir="2700000" algn="tl">
+                                <a:srgbClr val="000000">
+                                  <a:alpha val="43137"/>
+                                </a:srgbClr>
+                              </a:outerShdw>
+                            </a:effectLst>
                             <a:latin typeface="Cambria Math" panose="02040503050406030204" pitchFamily="18" charset="0"/>
                           </a:rPr>
                           <m:t>|</m:t>
@@ -9760,30 +11731,65 @@
                       <m:den>
                         <m:r>
                           <a:rPr lang="ru-RU" i="1">
+                            <a:effectLst>
+                              <a:outerShdw blurRad="38100" dist="38100" dir="2700000" algn="tl">
+                                <a:srgbClr val="000000">
+                                  <a:alpha val="43137"/>
+                                </a:srgbClr>
+                              </a:outerShdw>
+                            </a:effectLst>
                             <a:latin typeface="Cambria Math" panose="02040503050406030204" pitchFamily="18" charset="0"/>
                           </a:rPr>
                           <m:t>|</m:t>
                         </m:r>
                         <m:r>
                           <a:rPr lang="ru-RU" i="1">
+                            <a:effectLst>
+                              <a:outerShdw blurRad="38100" dist="38100" dir="2700000" algn="tl">
+                                <a:srgbClr val="000000">
+                                  <a:alpha val="43137"/>
+                                </a:srgbClr>
+                              </a:outerShdw>
+                            </a:effectLst>
                             <a:latin typeface="Cambria Math" panose="02040503050406030204" pitchFamily="18" charset="0"/>
                           </a:rPr>
                           <m:t>𝐴</m:t>
                         </m:r>
                         <m:r>
                           <a:rPr lang="ru-RU" i="1">
+                            <a:effectLst>
+                              <a:outerShdw blurRad="38100" dist="38100" dir="2700000" algn="tl">
+                                <a:srgbClr val="000000">
+                                  <a:alpha val="43137"/>
+                                </a:srgbClr>
+                              </a:outerShdw>
+                            </a:effectLst>
                             <a:latin typeface="Cambria Math" panose="02040503050406030204" pitchFamily="18" charset="0"/>
                           </a:rPr>
                           <m:t>∪</m:t>
                         </m:r>
                         <m:r>
                           <a:rPr lang="ru-RU" i="1">
+                            <a:effectLst>
+                              <a:outerShdw blurRad="38100" dist="38100" dir="2700000" algn="tl">
+                                <a:srgbClr val="000000">
+                                  <a:alpha val="43137"/>
+                                </a:srgbClr>
+                              </a:outerShdw>
+                            </a:effectLst>
                             <a:latin typeface="Cambria Math" panose="02040503050406030204" pitchFamily="18" charset="0"/>
                           </a:rPr>
                           <m:t>𝐵</m:t>
                         </m:r>
                         <m:r>
                           <a:rPr lang="ru-RU" i="1">
+                            <a:effectLst>
+                              <a:outerShdw blurRad="38100" dist="38100" dir="2700000" algn="tl">
+                                <a:srgbClr val="000000">
+                                  <a:alpha val="43137"/>
+                                </a:srgbClr>
+                              </a:outerShdw>
+                            </a:effectLst>
                             <a:latin typeface="Cambria Math" panose="02040503050406030204" pitchFamily="18" charset="0"/>
                           </a:rPr>
                           <m:t>|</m:t>
@@ -9792,12 +11798,26 @@
                     </m:f>
                     <m:r>
                       <a:rPr lang="en-US" b="0" i="0" smtClean="0">
+                        <a:effectLst>
+                          <a:outerShdw blurRad="38100" dist="38100" dir="2700000" algn="tl">
+                            <a:srgbClr val="000000">
+                              <a:alpha val="43137"/>
+                            </a:srgbClr>
+                          </a:outerShdw>
+                        </a:effectLst>
                         <a:latin typeface="Cambria Math" panose="02040503050406030204" pitchFamily="18" charset="0"/>
                       </a:rPr>
                       <m:t> →</m:t>
                     </m:r>
                     <m:r>
                       <a:rPr lang="ru-RU" i="1">
+                        <a:effectLst>
+                          <a:outerShdw blurRad="38100" dist="38100" dir="2700000" algn="tl">
+                            <a:srgbClr val="000000">
+                              <a:alpha val="43137"/>
+                            </a:srgbClr>
+                          </a:outerShdw>
+                        </a:effectLst>
                         <a:latin typeface="Cambria Math" panose="02040503050406030204" pitchFamily="18" charset="0"/>
                         <a:ea typeface="Times New Roman" panose="02020603050405020304" pitchFamily="18" charset="0"/>
                       </a:rPr>
@@ -9805,6 +11825,13 @@
                     </m:r>
                     <m:r>
                       <a:rPr lang="ru-RU" i="1">
+                        <a:effectLst>
+                          <a:outerShdw blurRad="38100" dist="38100" dir="2700000" algn="tl">
+                            <a:srgbClr val="000000">
+                              <a:alpha val="43137"/>
+                            </a:srgbClr>
+                          </a:outerShdw>
+                        </a:effectLst>
                         <a:latin typeface="Cambria Math" panose="02040503050406030204" pitchFamily="18" charset="0"/>
                         <a:ea typeface="Times New Roman" panose="02020603050405020304" pitchFamily="18" charset="0"/>
                       </a:rPr>
@@ -9814,6 +11841,13 @@
                       <m:fPr>
                         <m:ctrlPr>
                           <a:rPr lang="ru-RU" i="1">
+                            <a:effectLst>
+                              <a:outerShdw blurRad="38100" dist="38100" dir="2700000" algn="tl">
+                                <a:srgbClr val="000000">
+                                  <a:alpha val="43137"/>
+                                </a:srgbClr>
+                              </a:outerShdw>
+                            </a:effectLst>
                             <a:latin typeface="Cambria Math" panose="02040503050406030204" pitchFamily="18" charset="0"/>
                             <a:ea typeface="Times New Roman" panose="02020603050405020304" pitchFamily="18" charset="0"/>
                           </a:rPr>
@@ -9822,6 +11856,13 @@
                       <m:num>
                         <m:r>
                           <a:rPr lang="ru-RU" i="1">
+                            <a:effectLst>
+                              <a:outerShdw blurRad="38100" dist="38100" dir="2700000" algn="tl">
+                                <a:srgbClr val="000000">
+                                  <a:alpha val="43137"/>
+                                </a:srgbClr>
+                              </a:outerShdw>
+                            </a:effectLst>
                             <a:latin typeface="Cambria Math" panose="02040503050406030204" pitchFamily="18" charset="0"/>
                             <a:ea typeface="Times New Roman" panose="02020603050405020304" pitchFamily="18" charset="0"/>
                           </a:rPr>
@@ -9829,6 +11870,13 @@
                         </m:r>
                         <m:r>
                           <a:rPr lang="ru-RU" i="1">
+                            <a:effectLst>
+                              <a:outerShdw blurRad="38100" dist="38100" dir="2700000" algn="tl">
+                                <a:srgbClr val="000000">
+                                  <a:alpha val="43137"/>
+                                </a:srgbClr>
+                              </a:outerShdw>
+                            </a:effectLst>
                             <a:latin typeface="Cambria Math" panose="02040503050406030204" pitchFamily="18" charset="0"/>
                             <a:ea typeface="Times New Roman" panose="02020603050405020304" pitchFamily="18" charset="0"/>
                           </a:rPr>
@@ -9838,6 +11886,13 @@
                       <m:den>
                         <m:r>
                           <a:rPr lang="ru-RU" i="1">
+                            <a:effectLst>
+                              <a:outerShdw blurRad="38100" dist="38100" dir="2700000" algn="tl">
+                                <a:srgbClr val="000000">
+                                  <a:alpha val="43137"/>
+                                </a:srgbClr>
+                              </a:outerShdw>
+                            </a:effectLst>
                             <a:latin typeface="Cambria Math" panose="02040503050406030204" pitchFamily="18" charset="0"/>
                             <a:ea typeface="Times New Roman" panose="02020603050405020304" pitchFamily="18" charset="0"/>
                           </a:rPr>
@@ -9845,6 +11900,13 @@
                         </m:r>
                         <m:r>
                           <a:rPr lang="ru-RU" i="1">
+                            <a:effectLst>
+                              <a:outerShdw blurRad="38100" dist="38100" dir="2700000" algn="tl">
+                                <a:srgbClr val="000000">
+                                  <a:alpha val="43137"/>
+                                </a:srgbClr>
+                              </a:outerShdw>
+                            </a:effectLst>
                             <a:latin typeface="Cambria Math" panose="02040503050406030204" pitchFamily="18" charset="0"/>
                             <a:ea typeface="Times New Roman" panose="02020603050405020304" pitchFamily="18" charset="0"/>
                           </a:rPr>
@@ -9852,6 +11914,13 @@
                         </m:r>
                         <m:r>
                           <a:rPr lang="ru-RU" i="1">
+                            <a:effectLst>
+                              <a:outerShdw blurRad="38100" dist="38100" dir="2700000" algn="tl">
+                                <a:srgbClr val="000000">
+                                  <a:alpha val="43137"/>
+                                </a:srgbClr>
+                              </a:outerShdw>
+                            </a:effectLst>
                             <a:latin typeface="Cambria Math" panose="02040503050406030204" pitchFamily="18" charset="0"/>
                             <a:ea typeface="Times New Roman" panose="02020603050405020304" pitchFamily="18" charset="0"/>
                           </a:rPr>
@@ -9859,6 +11928,13 @@
                         </m:r>
                         <m:r>
                           <a:rPr lang="ru-RU" i="1">
+                            <a:effectLst>
+                              <a:outerShdw blurRad="38100" dist="38100" dir="2700000" algn="tl">
+                                <a:srgbClr val="000000">
+                                  <a:alpha val="43137"/>
+                                </a:srgbClr>
+                              </a:outerShdw>
+                            </a:effectLst>
                             <a:latin typeface="Cambria Math" panose="02040503050406030204" pitchFamily="18" charset="0"/>
                             <a:ea typeface="Times New Roman" panose="02020603050405020304" pitchFamily="18" charset="0"/>
                           </a:rPr>
@@ -9866,6 +11942,13 @@
                         </m:r>
                         <m:r>
                           <a:rPr lang="ru-RU" i="1">
+                            <a:effectLst>
+                              <a:outerShdw blurRad="38100" dist="38100" dir="2700000" algn="tl">
+                                <a:srgbClr val="000000">
+                                  <a:alpha val="43137"/>
+                                </a:srgbClr>
+                              </a:outerShdw>
+                            </a:effectLst>
                             <a:latin typeface="Cambria Math" panose="02040503050406030204" pitchFamily="18" charset="0"/>
                             <a:ea typeface="Times New Roman" panose="02020603050405020304" pitchFamily="18" charset="0"/>
                           </a:rPr>
@@ -9873,6 +11956,13 @@
                         </m:r>
                         <m:r>
                           <a:rPr lang="ru-RU" i="1">
+                            <a:effectLst>
+                              <a:outerShdw blurRad="38100" dist="38100" dir="2700000" algn="tl">
+                                <a:srgbClr val="000000">
+                                  <a:alpha val="43137"/>
+                                </a:srgbClr>
+                              </a:outerShdw>
+                            </a:effectLst>
                             <a:latin typeface="Cambria Math" panose="02040503050406030204" pitchFamily="18" charset="0"/>
                             <a:ea typeface="Times New Roman" panose="02020603050405020304" pitchFamily="18" charset="0"/>
                           </a:rPr>
@@ -9884,6 +11974,13 @@
                 </a14:m>
                 <a:r>
                   <a:rPr lang="ru-RU" dirty="0">
+                    <a:effectLst>
+                      <a:outerShdw blurRad="38100" dist="38100" dir="2700000" algn="tl">
+                        <a:srgbClr val="000000">
+                          <a:alpha val="43137"/>
+                        </a:srgbClr>
+                      </a:outerShdw>
+                    </a:effectLst>
                     <a:latin typeface="Times New Roman" panose="02020603050405020304" pitchFamily="18" charset="0"/>
                     <a:ea typeface="Times New Roman" panose="02020603050405020304" pitchFamily="18" charset="0"/>
                   </a:rPr>
@@ -9893,7 +11990,7 @@
             </p:txBody>
           </p:sp>
         </mc:Choice>
-        <mc:Fallback xmlns="">
+        <mc:Fallback>
           <p:sp>
             <p:nvSpPr>
               <p:cNvPr id="16" name="Прямоугольник 15"/>
@@ -9904,8 +12001,8 @@
             </p:nvSpPr>
             <p:spPr>
               <a:xfrm>
-                <a:off x="558316" y="5061373"/>
-                <a:ext cx="5124249" cy="749757"/>
+                <a:off x="292042" y="5061373"/>
+                <a:ext cx="6526009" cy="1213089"/>
               </a:xfrm>
               <a:prstGeom prst="rect">
                 <a:avLst/>
@@ -9913,7 +12010,7 @@
               <a:blipFill>
                 <a:blip r:embed="rId5"/>
                 <a:stretch>
-                  <a:fillRect/>
+                  <a:fillRect b="-4523"/>
                 </a:stretch>
               </a:blipFill>
             </p:spPr>
@@ -9988,7 +12085,7 @@
         <p:spPr>
           <a:xfrm>
             <a:off x="747515" y="338666"/>
-            <a:ext cx="11038546" cy="1507067"/>
+            <a:ext cx="11038546" cy="984107"/>
           </a:xfrm>
         </p:spPr>
         <p:txBody>
@@ -10036,380 +12133,1288 @@
           </a:p>
         </p:txBody>
       </p:sp>
-      <p:sp>
-        <p:nvSpPr>
-          <p:cNvPr id="17" name="Прямоугольник 16"/>
-          <p:cNvSpPr/>
-          <p:nvPr/>
-        </p:nvSpPr>
-        <p:spPr>
-          <a:xfrm>
-            <a:off x="501041" y="1605253"/>
-            <a:ext cx="11436263" cy="3139321"/>
-          </a:xfrm>
-          <a:prstGeom prst="rect">
-            <a:avLst/>
-          </a:prstGeom>
-        </p:spPr>
-        <p:txBody>
-          <a:bodyPr wrap="square">
-            <a:spAutoFit/>
-          </a:bodyPr>
-          <a:lstStyle/>
-          <a:p>
-            <a:pPr marL="800100" lvl="1" indent="-342900" defTabSz="914400" eaLnBrk="0" fontAlgn="base" hangingPunct="0">
-              <a:spcBef>
-                <a:spcPct val="0"/>
-              </a:spcBef>
-              <a:spcAft>
-                <a:spcPct val="0"/>
-              </a:spcAft>
-              <a:buFont typeface="+mj-lt"/>
-              <a:buAutoNum type="arabicPeriod"/>
-              <a:tabLst>
-                <a:tab pos="1222375" algn="l"/>
-              </a:tabLst>
-            </a:pPr>
-            <a:r>
-              <a:rPr lang="ru-RU" altLang="ru-RU" dirty="0">
-                <a:ea typeface="Times New Roman" panose="02020603050405020304" pitchFamily="18" charset="0"/>
-              </a:rPr>
-              <a:t>Классификация</a:t>
-            </a:r>
-            <a:r>
-              <a:rPr lang="en-US" altLang="ru-RU" dirty="0">
-                <a:ea typeface="Times New Roman" panose="02020603050405020304" pitchFamily="18" charset="0"/>
-              </a:rPr>
-              <a:t>:</a:t>
-            </a:r>
-            <a:endParaRPr lang="ru-RU" altLang="ru-RU" dirty="0">
-              <a:ea typeface="Times New Roman" panose="02020603050405020304" pitchFamily="18" charset="0"/>
-            </a:endParaRPr>
-          </a:p>
-          <a:p>
-            <a:pPr lvl="2" indent="450850" defTabSz="914400" eaLnBrk="0" fontAlgn="base" hangingPunct="0">
-              <a:spcBef>
-                <a:spcPct val="0"/>
-              </a:spcBef>
-              <a:spcAft>
-                <a:spcPct val="0"/>
-              </a:spcAft>
-              <a:tabLst>
-                <a:tab pos="1222375" algn="l"/>
-              </a:tabLst>
-            </a:pPr>
-            <a:r>
-              <a:rPr lang="ru-RU" altLang="ru-RU" dirty="0">
-                <a:ea typeface="Times New Roman" panose="02020603050405020304" pitchFamily="18" charset="0"/>
-              </a:rPr>
-              <a:t>Есть выборка изображений </a:t>
-            </a:r>
-            <a:r>
-              <a:rPr lang="ru-RU" altLang="ru-RU" dirty="0">
-                <a:ea typeface="Cambria Math" panose="02040503050406030204" pitchFamily="18" charset="0"/>
-              </a:rPr>
-              <a:t>𝑋 </a:t>
-            </a:r>
-            <a:r>
-              <a:rPr lang="ru-RU" altLang="ru-RU" dirty="0">
-                <a:ea typeface="Times New Roman" panose="02020603050405020304" pitchFamily="18" charset="0"/>
-              </a:rPr>
-              <a:t>и выборка правильных ответов </a:t>
-            </a:r>
-            <a:r>
-              <a:rPr lang="ru-RU" altLang="ru-RU" dirty="0">
-                <a:ea typeface="Cambria Math" panose="02040503050406030204" pitchFamily="18" charset="0"/>
-              </a:rPr>
-              <a:t>𝑌</a:t>
-            </a:r>
-            <a:r>
-              <a:rPr lang="ru-RU" altLang="ru-RU" dirty="0">
-                <a:ea typeface="Times New Roman" panose="02020603050405020304" pitchFamily="18" charset="0"/>
-              </a:rPr>
-              <a:t>. Пусть </a:t>
-            </a:r>
-            <a:r>
-              <a:rPr lang="ru-RU" altLang="ru-RU" dirty="0">
-                <a:ea typeface="Cambria Math" panose="02040503050406030204" pitchFamily="18" charset="0"/>
-              </a:rPr>
-              <a:t>𝜉: 𝛺 → 𝑥 </a:t>
-            </a:r>
-            <a:r>
-              <a:rPr lang="ru-RU" altLang="ru-RU" dirty="0">
-                <a:ea typeface="Times New Roman" panose="02020603050405020304" pitchFamily="18" charset="0"/>
-              </a:rPr>
-              <a:t>– случайная величина, представляющая собой случайное изображение из </a:t>
-            </a:r>
-            <a:r>
-              <a:rPr lang="ru-RU" altLang="ru-RU" dirty="0">
-                <a:ea typeface="Cambria Math" panose="02040503050406030204" pitchFamily="18" charset="0"/>
-              </a:rPr>
-              <a:t>𝑋</a:t>
-            </a:r>
-            <a:r>
-              <a:rPr lang="ru-RU" altLang="ru-RU" dirty="0">
-                <a:ea typeface="Times New Roman" panose="02020603050405020304" pitchFamily="18" charset="0"/>
-              </a:rPr>
-              <a:t>. И пусть </a:t>
-            </a:r>
-            <a:r>
-              <a:rPr lang="ru-RU" altLang="ru-RU" dirty="0">
-                <a:ea typeface="Cambria Math" panose="02040503050406030204" pitchFamily="18" charset="0"/>
-              </a:rPr>
-              <a:t>𝜂: 𝛺 → 𝑦 </a:t>
-            </a:r>
-            <a:r>
-              <a:rPr lang="ru-RU" altLang="ru-RU" dirty="0">
-                <a:ea typeface="Times New Roman" panose="02020603050405020304" pitchFamily="18" charset="0"/>
-              </a:rPr>
-              <a:t>– случайная величина, представляющая собой</a:t>
-            </a:r>
-            <a:endParaRPr lang="ru-RU" altLang="ru-RU" dirty="0"/>
-          </a:p>
-          <a:p>
-            <a:pPr lvl="2" indent="450850" defTabSz="914400" eaLnBrk="0" fontAlgn="base" hangingPunct="0">
-              <a:spcBef>
-                <a:spcPct val="0"/>
-              </a:spcBef>
-              <a:spcAft>
-                <a:spcPct val="0"/>
-              </a:spcAft>
-              <a:tabLst>
-                <a:tab pos="1222375" algn="l"/>
-              </a:tabLst>
-            </a:pPr>
-            <a:r>
-              <a:rPr lang="ru-RU" altLang="ru-RU" dirty="0">
-                <a:ea typeface="Times New Roman" panose="02020603050405020304" pitchFamily="18" charset="0"/>
-              </a:rPr>
-              <a:t>случайный правильный ответ из </a:t>
-            </a:r>
-            <a:r>
-              <a:rPr lang="ru-RU" altLang="ru-RU" dirty="0">
-                <a:ea typeface="Cambria Math" panose="02040503050406030204" pitchFamily="18" charset="0"/>
-              </a:rPr>
-              <a:t>𝑌</a:t>
-            </a:r>
-            <a:r>
-              <a:rPr lang="ru-RU" altLang="ru-RU" dirty="0">
-                <a:ea typeface="Times New Roman" panose="02020603050405020304" pitchFamily="18" charset="0"/>
-              </a:rPr>
-              <a:t>. Тогда определим случайную величину </a:t>
-            </a:r>
-            <a:r>
-              <a:rPr lang="ru-RU" altLang="ru-RU" dirty="0">
-                <a:ea typeface="Cambria Math" panose="02040503050406030204" pitchFamily="18" charset="0"/>
-              </a:rPr>
-              <a:t>(𝜉, 𝜂) ∶ 𝛺 → (𝑋, 𝑌) </a:t>
-            </a:r>
-            <a:r>
-              <a:rPr lang="ru-RU" altLang="ru-RU" dirty="0">
-                <a:ea typeface="Times New Roman" panose="02020603050405020304" pitchFamily="18" charset="0"/>
-              </a:rPr>
-              <a:t>c распределением </a:t>
-            </a:r>
-            <a:r>
-              <a:rPr lang="ru-RU" altLang="ru-RU" dirty="0">
-                <a:ea typeface="Cambria Math" panose="02040503050406030204" pitchFamily="18" charset="0"/>
-              </a:rPr>
-              <a:t>𝑝(𝑥|𝑦)</a:t>
-            </a:r>
-            <a:r>
-              <a:rPr lang="ru-RU" altLang="ru-RU" dirty="0">
-                <a:ea typeface="Times New Roman" panose="02020603050405020304" pitchFamily="18" charset="0"/>
-              </a:rPr>
-              <a:t>, которое является совместным распределением объектов и их классов. Тогда размеченная    выборка    –    это    элементы  из распределения </a:t>
-            </a:r>
-            <a:r>
-              <a:rPr lang="ru-RU" altLang="ru-RU" dirty="0">
-                <a:ea typeface="Cambria Math" panose="02040503050406030204" pitchFamily="18" charset="0"/>
-              </a:rPr>
-              <a:t>(𝑥𝑖, 𝑦𝑖) ~ 𝑝(𝑥|𝑦)</a:t>
-            </a:r>
-            <a:r>
-              <a:rPr lang="ru-RU" altLang="ru-RU" dirty="0">
-                <a:ea typeface="Times New Roman" panose="02020603050405020304" pitchFamily="18" charset="0"/>
-              </a:rPr>
-              <a:t>. Все элементы независимо и одинаково распределены. Тогда задачей классификации будет являться нахождение </a:t>
-            </a:r>
-            <a:r>
-              <a:rPr lang="ru-RU" altLang="ru-RU" dirty="0">
-                <a:ea typeface="Cambria Math" panose="02040503050406030204" pitchFamily="18" charset="0"/>
-              </a:rPr>
-              <a:t>𝑝(𝑥|𝑦) </a:t>
-            </a:r>
-            <a:r>
-              <a:rPr lang="ru-RU" altLang="ru-RU" dirty="0">
-                <a:ea typeface="Times New Roman" panose="02020603050405020304" pitchFamily="18" charset="0"/>
-              </a:rPr>
-              <a:t>и заданном наборе элементов </a:t>
-            </a:r>
-            <a:r>
-              <a:rPr lang="ru-RU" altLang="ru-RU" dirty="0">
-                <a:ea typeface="Cambria Math" panose="02040503050406030204" pitchFamily="18" charset="0"/>
-              </a:rPr>
-              <a:t>𝐷 =</a:t>
-            </a:r>
-            <a:r>
-              <a:rPr lang="ru-RU" altLang="ru-RU" dirty="0">
-                <a:ea typeface="Cambria Math" panose="02040503050406030204" pitchFamily="18" charset="0"/>
-                <a:cs typeface="Times New Roman" panose="02020603050405020304" pitchFamily="18" charset="0"/>
-              </a:rPr>
-              <a:t> </a:t>
-            </a:r>
-            <a:r>
-              <a:rPr lang="ru-RU" altLang="ru-RU" dirty="0">
-                <a:ea typeface="Cambria Math" panose="02040503050406030204" pitchFamily="18" charset="0"/>
-              </a:rPr>
-              <a:t>{(𝑥𝑖 , 𝑦𝑖) ~ 𝑝(𝑥|𝑦), 𝑖 = </a:t>
-            </a:r>
-            <a:r>
-              <a:rPr lang="ru-RU" altLang="ru-RU" i="1" dirty="0">
-                <a:latin typeface="Cambria Math" panose="02040503050406030204" pitchFamily="18" charset="0"/>
-                <a:ea typeface="Times New Roman" panose="02020603050405020304" pitchFamily="18" charset="0"/>
-              </a:rPr>
-              <a:t>1, </a:t>
-            </a:r>
-            <a:r>
-              <a:rPr lang="en-US" altLang="ru-RU" i="1" dirty="0">
-                <a:latin typeface="Cambria Math" panose="02040503050406030204" pitchFamily="18" charset="0"/>
-                <a:ea typeface="Times New Roman" panose="02020603050405020304" pitchFamily="18" charset="0"/>
-              </a:rPr>
-              <a:t>N</a:t>
-            </a:r>
-            <a:r>
-              <a:rPr lang="en-US" altLang="ru-RU" dirty="0" smtClean="0">
-                <a:ea typeface="Times New Roman" panose="02020603050405020304" pitchFamily="18" charset="0"/>
-              </a:rPr>
-              <a:t>.</a:t>
-            </a:r>
-            <a:endParaRPr lang="en-US" altLang="ru-RU" dirty="0">
-              <a:ea typeface="Times New Roman" panose="02020603050405020304" pitchFamily="18" charset="0"/>
-            </a:endParaRPr>
-          </a:p>
-          <a:p>
-            <a:pPr lvl="1" indent="450850" defTabSz="914400" eaLnBrk="0" fontAlgn="base" hangingPunct="0">
-              <a:spcBef>
-                <a:spcPct val="0"/>
-              </a:spcBef>
-              <a:spcAft>
-                <a:spcPct val="0"/>
-              </a:spcAft>
-              <a:tabLst>
-                <a:tab pos="1222375" algn="l"/>
-              </a:tabLst>
-            </a:pPr>
-            <a:endParaRPr lang="en-US" altLang="ru-RU" dirty="0" smtClean="0"/>
-          </a:p>
-        </p:txBody>
-      </p:sp>
-      <p:sp>
-        <p:nvSpPr>
-          <p:cNvPr id="18" name="Прямоугольник 17"/>
-          <p:cNvSpPr/>
-          <p:nvPr/>
-        </p:nvSpPr>
-        <p:spPr>
-          <a:xfrm>
-            <a:off x="501040" y="4744574"/>
-            <a:ext cx="11523945" cy="923330"/>
-          </a:xfrm>
-          <a:prstGeom prst="rect">
-            <a:avLst/>
-          </a:prstGeom>
-        </p:spPr>
-        <p:txBody>
-          <a:bodyPr wrap="square">
-            <a:spAutoFit/>
-          </a:bodyPr>
-          <a:lstStyle/>
-          <a:p>
-            <a:pPr marL="800100" lvl="1" indent="-342900" defTabSz="914400" eaLnBrk="0" fontAlgn="base" hangingPunct="0">
-              <a:spcBef>
-                <a:spcPct val="0"/>
-              </a:spcBef>
-              <a:spcAft>
-                <a:spcPct val="0"/>
-              </a:spcAft>
-              <a:buFont typeface="+mj-lt"/>
-              <a:buAutoNum type="arabicPeriod" startAt="2"/>
-              <a:tabLst>
-                <a:tab pos="1222375" algn="l"/>
-              </a:tabLst>
-            </a:pPr>
-            <a:r>
-              <a:rPr lang="ru-RU" altLang="ru-RU" dirty="0" smtClean="0">
-                <a:ea typeface="Times New Roman" panose="02020603050405020304" pitchFamily="18" charset="0"/>
-              </a:rPr>
-              <a:t>Сегментация</a:t>
-            </a:r>
-            <a:r>
-              <a:rPr lang="en-US" altLang="ru-RU" dirty="0" smtClean="0">
-                <a:ea typeface="Times New Roman" panose="02020603050405020304" pitchFamily="18" charset="0"/>
-              </a:rPr>
-              <a:t>:</a:t>
-            </a:r>
-          </a:p>
-          <a:p>
-            <a:pPr lvl="2" defTabSz="914400" eaLnBrk="0" fontAlgn="base" hangingPunct="0">
-              <a:spcBef>
-                <a:spcPct val="0"/>
-              </a:spcBef>
-              <a:spcAft>
-                <a:spcPct val="0"/>
-              </a:spcAft>
-              <a:tabLst>
-                <a:tab pos="1222375" algn="l"/>
-              </a:tabLst>
-            </a:pPr>
-            <a:r>
-              <a:rPr lang="ru-RU" altLang="ru-RU" dirty="0" smtClean="0">
-                <a:ea typeface="Times New Roman" panose="02020603050405020304" pitchFamily="18" charset="0"/>
-              </a:rPr>
-              <a:t>Постановка задачи классификации, где</a:t>
-            </a:r>
-            <a:r>
-              <a:rPr lang="en-US" altLang="ru-RU" dirty="0" smtClean="0">
-                <a:ea typeface="Times New Roman" panose="02020603050405020304" pitchFamily="18" charset="0"/>
-              </a:rPr>
-              <a:t> </a:t>
-            </a:r>
-            <a:r>
-              <a:rPr lang="ru-RU" altLang="ru-RU" dirty="0" smtClean="0">
-                <a:ea typeface="Cambria Math" panose="02040503050406030204" pitchFamily="18" charset="0"/>
-              </a:rPr>
-              <a:t>𝑦</a:t>
-            </a:r>
-            <a:r>
-              <a:rPr lang="en-US" altLang="ru-RU" dirty="0" smtClean="0">
-                <a:ea typeface="Cambria Math" panose="02040503050406030204" pitchFamily="18" charset="0"/>
-              </a:rPr>
-              <a:t> – </a:t>
-            </a:r>
-            <a:r>
-              <a:rPr lang="ru-RU" altLang="ru-RU" dirty="0" smtClean="0">
-                <a:ea typeface="Cambria Math" panose="02040503050406030204" pitchFamily="18" charset="0"/>
-              </a:rPr>
-              <a:t>матрица правильных ответов для одного изображения.</a:t>
-            </a:r>
-            <a:r>
-              <a:rPr lang="en-US" altLang="ru-RU" dirty="0" smtClean="0">
-                <a:ea typeface="Cambria Math" panose="02040503050406030204" pitchFamily="18" charset="0"/>
-              </a:rPr>
-              <a:t> </a:t>
-            </a:r>
-            <a:r>
-              <a:rPr lang="ru-RU" altLang="ru-RU" dirty="0" smtClean="0">
-                <a:ea typeface="Times New Roman" panose="02020603050405020304" pitchFamily="18" charset="0"/>
-              </a:rPr>
-              <a:t> </a:t>
-            </a:r>
-            <a:endParaRPr lang="ru-RU" altLang="ru-RU" dirty="0">
-              <a:ea typeface="Times New Roman" panose="02020603050405020304" pitchFamily="18" charset="0"/>
-            </a:endParaRPr>
-          </a:p>
-        </p:txBody>
-      </p:sp>
+      <mc:AlternateContent xmlns:mc="http://schemas.openxmlformats.org/markup-compatibility/2006">
+        <mc:Choice xmlns:a14="http://schemas.microsoft.com/office/drawing/2010/main" Requires="a14">
+          <p:sp>
+            <p:nvSpPr>
+              <p:cNvPr id="17" name="Прямоугольник 16"/>
+              <p:cNvSpPr/>
+              <p:nvPr/>
+            </p:nvSpPr>
+            <p:spPr>
+              <a:xfrm>
+                <a:off x="501041" y="1605253"/>
+                <a:ext cx="11436263" cy="3139321"/>
+              </a:xfrm>
+              <a:prstGeom prst="rect">
+                <a:avLst/>
+              </a:prstGeom>
+            </p:spPr>
+            <p:txBody>
+              <a:bodyPr wrap="square">
+                <a:spAutoFit/>
+              </a:bodyPr>
+              <a:lstStyle/>
+              <a:p>
+                <a:pPr marL="800100" lvl="1" indent="-342900" defTabSz="914400" eaLnBrk="0" fontAlgn="base" hangingPunct="0">
+                  <a:spcBef>
+                    <a:spcPct val="0"/>
+                  </a:spcBef>
+                  <a:spcAft>
+                    <a:spcPct val="0"/>
+                  </a:spcAft>
+                  <a:buFont typeface="+mj-lt"/>
+                  <a:buAutoNum type="arabicPeriod"/>
+                  <a:tabLst>
+                    <a:tab pos="1222375" algn="l"/>
+                  </a:tabLst>
+                </a:pPr>
+                <a:r>
+                  <a:rPr lang="ru-RU" altLang="ru-RU" dirty="0" smtClean="0">
+                    <a:effectLst>
+                      <a:outerShdw blurRad="38100" dist="38100" dir="2700000" algn="tl">
+                        <a:srgbClr val="000000">
+                          <a:alpha val="43137"/>
+                        </a:srgbClr>
+                      </a:outerShdw>
+                    </a:effectLst>
+                    <a:ea typeface="Times New Roman" panose="02020603050405020304" pitchFamily="18" charset="0"/>
+                  </a:rPr>
+                  <a:t>Классификация</a:t>
+                </a:r>
+                <a:r>
+                  <a:rPr lang="en-US" altLang="ru-RU" dirty="0">
+                    <a:effectLst>
+                      <a:outerShdw blurRad="38100" dist="38100" dir="2700000" algn="tl">
+                        <a:srgbClr val="000000">
+                          <a:alpha val="43137"/>
+                        </a:srgbClr>
+                      </a:outerShdw>
+                    </a:effectLst>
+                    <a:ea typeface="Times New Roman" panose="02020603050405020304" pitchFamily="18" charset="0"/>
+                  </a:rPr>
+                  <a:t>:</a:t>
+                </a:r>
+                <a:endParaRPr lang="ru-RU" altLang="ru-RU" dirty="0">
+                  <a:effectLst>
+                    <a:outerShdw blurRad="38100" dist="38100" dir="2700000" algn="tl">
+                      <a:srgbClr val="000000">
+                        <a:alpha val="43137"/>
+                      </a:srgbClr>
+                    </a:outerShdw>
+                  </a:effectLst>
+                  <a:ea typeface="Times New Roman" panose="02020603050405020304" pitchFamily="18" charset="0"/>
+                </a:endParaRPr>
+              </a:p>
+              <a:p>
+                <a:pPr lvl="2" indent="450850" defTabSz="914400" eaLnBrk="0" fontAlgn="base" hangingPunct="0">
+                  <a:spcBef>
+                    <a:spcPct val="0"/>
+                  </a:spcBef>
+                  <a:spcAft>
+                    <a:spcPct val="0"/>
+                  </a:spcAft>
+                  <a:tabLst>
+                    <a:tab pos="1222375" algn="l"/>
+                  </a:tabLst>
+                </a:pPr>
+                <a:r>
+                  <a:rPr lang="ru-RU" altLang="ru-RU" dirty="0">
+                    <a:effectLst>
+                      <a:outerShdw blurRad="38100" dist="38100" dir="2700000" algn="tl">
+                        <a:srgbClr val="000000">
+                          <a:alpha val="43137"/>
+                        </a:srgbClr>
+                      </a:outerShdw>
+                    </a:effectLst>
+                    <a:ea typeface="Times New Roman" panose="02020603050405020304" pitchFamily="18" charset="0"/>
+                  </a:rPr>
+                  <a:t>Есть выборка изображений </a:t>
+                </a:r>
+                <a:r>
+                  <a:rPr lang="ru-RU" altLang="ru-RU" dirty="0">
+                    <a:effectLst>
+                      <a:outerShdw blurRad="38100" dist="38100" dir="2700000" algn="tl">
+                        <a:srgbClr val="000000">
+                          <a:alpha val="43137"/>
+                        </a:srgbClr>
+                      </a:outerShdw>
+                    </a:effectLst>
+                    <a:ea typeface="Cambria Math" panose="02040503050406030204" pitchFamily="18" charset="0"/>
+                  </a:rPr>
+                  <a:t>𝑋 </a:t>
+                </a:r>
+                <a:r>
+                  <a:rPr lang="ru-RU" altLang="ru-RU" dirty="0">
+                    <a:effectLst>
+                      <a:outerShdw blurRad="38100" dist="38100" dir="2700000" algn="tl">
+                        <a:srgbClr val="000000">
+                          <a:alpha val="43137"/>
+                        </a:srgbClr>
+                      </a:outerShdw>
+                    </a:effectLst>
+                    <a:ea typeface="Times New Roman" panose="02020603050405020304" pitchFamily="18" charset="0"/>
+                  </a:rPr>
+                  <a:t>и выборка правильных ответов </a:t>
+                </a:r>
+                <a:r>
+                  <a:rPr lang="ru-RU" altLang="ru-RU" dirty="0">
+                    <a:effectLst>
+                      <a:outerShdw blurRad="38100" dist="38100" dir="2700000" algn="tl">
+                        <a:srgbClr val="000000">
+                          <a:alpha val="43137"/>
+                        </a:srgbClr>
+                      </a:outerShdw>
+                    </a:effectLst>
+                    <a:ea typeface="Cambria Math" panose="02040503050406030204" pitchFamily="18" charset="0"/>
+                  </a:rPr>
+                  <a:t>𝑌</a:t>
+                </a:r>
+                <a:r>
+                  <a:rPr lang="ru-RU" altLang="ru-RU" dirty="0">
+                    <a:effectLst>
+                      <a:outerShdw blurRad="38100" dist="38100" dir="2700000" algn="tl">
+                        <a:srgbClr val="000000">
+                          <a:alpha val="43137"/>
+                        </a:srgbClr>
+                      </a:outerShdw>
+                    </a:effectLst>
+                    <a:ea typeface="Times New Roman" panose="02020603050405020304" pitchFamily="18" charset="0"/>
+                  </a:rPr>
+                  <a:t>. Пусть </a:t>
+                </a:r>
+                <a:r>
+                  <a:rPr lang="ru-RU" altLang="ru-RU" dirty="0">
+                    <a:effectLst>
+                      <a:outerShdw blurRad="38100" dist="38100" dir="2700000" algn="tl">
+                        <a:srgbClr val="000000">
+                          <a:alpha val="43137"/>
+                        </a:srgbClr>
+                      </a:outerShdw>
+                    </a:effectLst>
+                    <a:ea typeface="Cambria Math" panose="02040503050406030204" pitchFamily="18" charset="0"/>
+                  </a:rPr>
+                  <a:t>𝜉: 𝛺 → 𝑥 </a:t>
+                </a:r>
+                <a:r>
+                  <a:rPr lang="ru-RU" altLang="ru-RU" dirty="0">
+                    <a:effectLst>
+                      <a:outerShdw blurRad="38100" dist="38100" dir="2700000" algn="tl">
+                        <a:srgbClr val="000000">
+                          <a:alpha val="43137"/>
+                        </a:srgbClr>
+                      </a:outerShdw>
+                    </a:effectLst>
+                    <a:ea typeface="Times New Roman" panose="02020603050405020304" pitchFamily="18" charset="0"/>
+                  </a:rPr>
+                  <a:t>– случайная величина, представляющая собой случайное изображение из </a:t>
+                </a:r>
+                <a:r>
+                  <a:rPr lang="ru-RU" altLang="ru-RU" dirty="0">
+                    <a:effectLst>
+                      <a:outerShdw blurRad="38100" dist="38100" dir="2700000" algn="tl">
+                        <a:srgbClr val="000000">
+                          <a:alpha val="43137"/>
+                        </a:srgbClr>
+                      </a:outerShdw>
+                    </a:effectLst>
+                    <a:ea typeface="Cambria Math" panose="02040503050406030204" pitchFamily="18" charset="0"/>
+                  </a:rPr>
+                  <a:t>𝑋</a:t>
+                </a:r>
+                <a:r>
+                  <a:rPr lang="ru-RU" altLang="ru-RU" dirty="0">
+                    <a:effectLst>
+                      <a:outerShdw blurRad="38100" dist="38100" dir="2700000" algn="tl">
+                        <a:srgbClr val="000000">
+                          <a:alpha val="43137"/>
+                        </a:srgbClr>
+                      </a:outerShdw>
+                    </a:effectLst>
+                    <a:ea typeface="Times New Roman" panose="02020603050405020304" pitchFamily="18" charset="0"/>
+                  </a:rPr>
+                  <a:t>. И пусть </a:t>
+                </a:r>
+                <a:r>
+                  <a:rPr lang="ru-RU" altLang="ru-RU" dirty="0">
+                    <a:effectLst>
+                      <a:outerShdw blurRad="38100" dist="38100" dir="2700000" algn="tl">
+                        <a:srgbClr val="000000">
+                          <a:alpha val="43137"/>
+                        </a:srgbClr>
+                      </a:outerShdw>
+                    </a:effectLst>
+                    <a:ea typeface="Cambria Math" panose="02040503050406030204" pitchFamily="18" charset="0"/>
+                  </a:rPr>
+                  <a:t>𝜂: 𝛺 → 𝑦 </a:t>
+                </a:r>
+                <a:r>
+                  <a:rPr lang="ru-RU" altLang="ru-RU" dirty="0">
+                    <a:effectLst>
+                      <a:outerShdw blurRad="38100" dist="38100" dir="2700000" algn="tl">
+                        <a:srgbClr val="000000">
+                          <a:alpha val="43137"/>
+                        </a:srgbClr>
+                      </a:outerShdw>
+                    </a:effectLst>
+                    <a:ea typeface="Times New Roman" panose="02020603050405020304" pitchFamily="18" charset="0"/>
+                  </a:rPr>
+                  <a:t>– случайная величина, представляющая </a:t>
+                </a:r>
+                <a:r>
+                  <a:rPr lang="ru-RU" altLang="ru-RU" dirty="0" smtClean="0">
+                    <a:effectLst>
+                      <a:outerShdw blurRad="38100" dist="38100" dir="2700000" algn="tl">
+                        <a:srgbClr val="000000">
+                          <a:alpha val="43137"/>
+                        </a:srgbClr>
+                      </a:outerShdw>
+                    </a:effectLst>
+                    <a:ea typeface="Times New Roman" panose="02020603050405020304" pitchFamily="18" charset="0"/>
+                  </a:rPr>
+                  <a:t>собой</a:t>
+                </a:r>
+                <a:r>
+                  <a:rPr lang="ru-RU" altLang="ru-RU" dirty="0">
+                    <a:effectLst>
+                      <a:outerShdw blurRad="38100" dist="38100" dir="2700000" algn="tl">
+                        <a:srgbClr val="000000">
+                          <a:alpha val="43137"/>
+                        </a:srgbClr>
+                      </a:outerShdw>
+                    </a:effectLst>
+                  </a:rPr>
+                  <a:t> </a:t>
+                </a:r>
+                <a:r>
+                  <a:rPr lang="ru-RU" altLang="ru-RU" dirty="0" smtClean="0">
+                    <a:effectLst>
+                      <a:outerShdw blurRad="38100" dist="38100" dir="2700000" algn="tl">
+                        <a:srgbClr val="000000">
+                          <a:alpha val="43137"/>
+                        </a:srgbClr>
+                      </a:outerShdw>
+                    </a:effectLst>
+                    <a:ea typeface="Times New Roman" panose="02020603050405020304" pitchFamily="18" charset="0"/>
+                  </a:rPr>
+                  <a:t>случайный </a:t>
+                </a:r>
+                <a:r>
+                  <a:rPr lang="ru-RU" altLang="ru-RU" dirty="0">
+                    <a:effectLst>
+                      <a:outerShdw blurRad="38100" dist="38100" dir="2700000" algn="tl">
+                        <a:srgbClr val="000000">
+                          <a:alpha val="43137"/>
+                        </a:srgbClr>
+                      </a:outerShdw>
+                    </a:effectLst>
+                    <a:ea typeface="Times New Roman" panose="02020603050405020304" pitchFamily="18" charset="0"/>
+                  </a:rPr>
+                  <a:t>правильный ответ из </a:t>
+                </a:r>
+                <a:r>
+                  <a:rPr lang="ru-RU" altLang="ru-RU" dirty="0">
+                    <a:effectLst>
+                      <a:outerShdw blurRad="38100" dist="38100" dir="2700000" algn="tl">
+                        <a:srgbClr val="000000">
+                          <a:alpha val="43137"/>
+                        </a:srgbClr>
+                      </a:outerShdw>
+                    </a:effectLst>
+                    <a:ea typeface="Cambria Math" panose="02040503050406030204" pitchFamily="18" charset="0"/>
+                  </a:rPr>
+                  <a:t>𝑌</a:t>
+                </a:r>
+                <a:r>
+                  <a:rPr lang="ru-RU" altLang="ru-RU" dirty="0">
+                    <a:effectLst>
+                      <a:outerShdw blurRad="38100" dist="38100" dir="2700000" algn="tl">
+                        <a:srgbClr val="000000">
+                          <a:alpha val="43137"/>
+                        </a:srgbClr>
+                      </a:outerShdw>
+                    </a:effectLst>
+                    <a:ea typeface="Times New Roman" panose="02020603050405020304" pitchFamily="18" charset="0"/>
+                  </a:rPr>
+                  <a:t>. Тогда определим случайную величину </a:t>
+                </a:r>
+                <a:r>
+                  <a:rPr lang="ru-RU" altLang="ru-RU" dirty="0">
+                    <a:effectLst>
+                      <a:outerShdw blurRad="38100" dist="38100" dir="2700000" algn="tl">
+                        <a:srgbClr val="000000">
+                          <a:alpha val="43137"/>
+                        </a:srgbClr>
+                      </a:outerShdw>
+                    </a:effectLst>
+                    <a:ea typeface="Cambria Math" panose="02040503050406030204" pitchFamily="18" charset="0"/>
+                  </a:rPr>
+                  <a:t>(𝜉, 𝜂) ∶ 𝛺 → (𝑋, 𝑌) </a:t>
+                </a:r>
+                <a:r>
+                  <a:rPr lang="ru-RU" altLang="ru-RU" dirty="0">
+                    <a:effectLst>
+                      <a:outerShdw blurRad="38100" dist="38100" dir="2700000" algn="tl">
+                        <a:srgbClr val="000000">
+                          <a:alpha val="43137"/>
+                        </a:srgbClr>
+                      </a:outerShdw>
+                    </a:effectLst>
+                    <a:ea typeface="Times New Roman" panose="02020603050405020304" pitchFamily="18" charset="0"/>
+                  </a:rPr>
+                  <a:t>c распределением </a:t>
+                </a:r>
+                <a:r>
+                  <a:rPr lang="ru-RU" altLang="ru-RU" dirty="0">
+                    <a:effectLst>
+                      <a:outerShdw blurRad="38100" dist="38100" dir="2700000" algn="tl">
+                        <a:srgbClr val="000000">
+                          <a:alpha val="43137"/>
+                        </a:srgbClr>
+                      </a:outerShdw>
+                    </a:effectLst>
+                    <a:ea typeface="Cambria Math" panose="02040503050406030204" pitchFamily="18" charset="0"/>
+                  </a:rPr>
+                  <a:t>𝑝(𝑥|𝑦)</a:t>
+                </a:r>
+                <a:r>
+                  <a:rPr lang="ru-RU" altLang="ru-RU" dirty="0">
+                    <a:effectLst>
+                      <a:outerShdw blurRad="38100" dist="38100" dir="2700000" algn="tl">
+                        <a:srgbClr val="000000">
+                          <a:alpha val="43137"/>
+                        </a:srgbClr>
+                      </a:outerShdw>
+                    </a:effectLst>
+                    <a:ea typeface="Times New Roman" panose="02020603050405020304" pitchFamily="18" charset="0"/>
+                  </a:rPr>
+                  <a:t>, которое является совместным распределением объектов и их классов. Тогда размеченная    выборка    –    это    элементы  из распределения </a:t>
+                </a:r>
+                <a14:m>
+                  <m:oMath xmlns:m="http://schemas.openxmlformats.org/officeDocument/2006/math">
+                    <m:r>
+                      <a:rPr lang="ru-RU" altLang="ru-RU" i="1" dirty="0" smtClean="0">
+                        <a:effectLst>
+                          <a:outerShdw blurRad="38100" dist="38100" dir="2700000" algn="tl">
+                            <a:srgbClr val="000000">
+                              <a:alpha val="43137"/>
+                            </a:srgbClr>
+                          </a:outerShdw>
+                        </a:effectLst>
+                        <a:latin typeface="Cambria Math" panose="02040503050406030204" pitchFamily="18" charset="0"/>
+                        <a:ea typeface="Cambria Math" panose="02040503050406030204" pitchFamily="18" charset="0"/>
+                      </a:rPr>
+                      <m:t>(</m:t>
+                    </m:r>
+                    <m:sSub>
+                      <m:sSubPr>
+                        <m:ctrlPr>
+                          <a:rPr lang="ru-RU" altLang="ru-RU" b="0" i="1" dirty="0" smtClean="0">
+                            <a:effectLst>
+                              <a:outerShdw blurRad="38100" dist="38100" dir="2700000" algn="tl">
+                                <a:srgbClr val="000000">
+                                  <a:alpha val="43137"/>
+                                </a:srgbClr>
+                              </a:outerShdw>
+                            </a:effectLst>
+                            <a:latin typeface="Cambria Math" panose="02040503050406030204" pitchFamily="18" charset="0"/>
+                            <a:ea typeface="Cambria Math" panose="02040503050406030204" pitchFamily="18" charset="0"/>
+                          </a:rPr>
+                        </m:ctrlPr>
+                      </m:sSubPr>
+                      <m:e>
+                        <m:r>
+                          <a:rPr lang="ru-RU" altLang="ru-RU" i="1" dirty="0" smtClean="0">
+                            <a:effectLst>
+                              <a:outerShdw blurRad="38100" dist="38100" dir="2700000" algn="tl">
+                                <a:srgbClr val="000000">
+                                  <a:alpha val="43137"/>
+                                </a:srgbClr>
+                              </a:outerShdw>
+                            </a:effectLst>
+                            <a:latin typeface="Cambria Math" panose="02040503050406030204" pitchFamily="18" charset="0"/>
+                            <a:ea typeface="Cambria Math" panose="02040503050406030204" pitchFamily="18" charset="0"/>
+                          </a:rPr>
+                          <m:t>𝑥</m:t>
+                        </m:r>
+                      </m:e>
+                      <m:sub>
+                        <m:r>
+                          <a:rPr lang="ru-RU" altLang="ru-RU" i="1" dirty="0" smtClean="0">
+                            <a:effectLst>
+                              <a:outerShdw blurRad="38100" dist="38100" dir="2700000" algn="tl">
+                                <a:srgbClr val="000000">
+                                  <a:alpha val="43137"/>
+                                </a:srgbClr>
+                              </a:outerShdw>
+                            </a:effectLst>
+                            <a:latin typeface="Cambria Math" panose="02040503050406030204" pitchFamily="18" charset="0"/>
+                            <a:ea typeface="Cambria Math" panose="02040503050406030204" pitchFamily="18" charset="0"/>
+                          </a:rPr>
+                          <m:t>𝑖</m:t>
+                        </m:r>
+                      </m:sub>
+                    </m:sSub>
+                    <m:r>
+                      <a:rPr lang="ru-RU" altLang="ru-RU" i="1" dirty="0" smtClean="0">
+                        <a:effectLst>
+                          <a:outerShdw blurRad="38100" dist="38100" dir="2700000" algn="tl">
+                            <a:srgbClr val="000000">
+                              <a:alpha val="43137"/>
+                            </a:srgbClr>
+                          </a:outerShdw>
+                        </a:effectLst>
+                        <a:latin typeface="Cambria Math" panose="02040503050406030204" pitchFamily="18" charset="0"/>
+                        <a:ea typeface="Cambria Math" panose="02040503050406030204" pitchFamily="18" charset="0"/>
+                      </a:rPr>
+                      <m:t>, </m:t>
+                    </m:r>
+                    <m:sSub>
+                      <m:sSubPr>
+                        <m:ctrlPr>
+                          <a:rPr lang="ru-RU" altLang="ru-RU" b="0" i="1" dirty="0" smtClean="0">
+                            <a:effectLst>
+                              <a:outerShdw blurRad="38100" dist="38100" dir="2700000" algn="tl">
+                                <a:srgbClr val="000000">
+                                  <a:alpha val="43137"/>
+                                </a:srgbClr>
+                              </a:outerShdw>
+                            </a:effectLst>
+                            <a:latin typeface="Cambria Math" panose="02040503050406030204" pitchFamily="18" charset="0"/>
+                            <a:ea typeface="Cambria Math" panose="02040503050406030204" pitchFamily="18" charset="0"/>
+                          </a:rPr>
+                        </m:ctrlPr>
+                      </m:sSubPr>
+                      <m:e>
+                        <m:r>
+                          <a:rPr lang="ru-RU" altLang="ru-RU" i="1" dirty="0" smtClean="0">
+                            <a:effectLst>
+                              <a:outerShdw blurRad="38100" dist="38100" dir="2700000" algn="tl">
+                                <a:srgbClr val="000000">
+                                  <a:alpha val="43137"/>
+                                </a:srgbClr>
+                              </a:outerShdw>
+                            </a:effectLst>
+                            <a:latin typeface="Cambria Math" panose="02040503050406030204" pitchFamily="18" charset="0"/>
+                            <a:ea typeface="Cambria Math" panose="02040503050406030204" pitchFamily="18" charset="0"/>
+                          </a:rPr>
+                          <m:t>𝑦</m:t>
+                        </m:r>
+                      </m:e>
+                      <m:sub>
+                        <m:r>
+                          <a:rPr lang="ru-RU" altLang="ru-RU" i="1" dirty="0" smtClean="0">
+                            <a:effectLst>
+                              <a:outerShdw blurRad="38100" dist="38100" dir="2700000" algn="tl">
+                                <a:srgbClr val="000000">
+                                  <a:alpha val="43137"/>
+                                </a:srgbClr>
+                              </a:outerShdw>
+                            </a:effectLst>
+                            <a:latin typeface="Cambria Math" panose="02040503050406030204" pitchFamily="18" charset="0"/>
+                            <a:ea typeface="Cambria Math" panose="02040503050406030204" pitchFamily="18" charset="0"/>
+                          </a:rPr>
+                          <m:t>𝑖</m:t>
+                        </m:r>
+                      </m:sub>
+                    </m:sSub>
+                    <m:r>
+                      <a:rPr lang="ru-RU" altLang="ru-RU" i="1" dirty="0" smtClean="0">
+                        <a:effectLst>
+                          <a:outerShdw blurRad="38100" dist="38100" dir="2700000" algn="tl">
+                            <a:srgbClr val="000000">
+                              <a:alpha val="43137"/>
+                            </a:srgbClr>
+                          </a:outerShdw>
+                        </a:effectLst>
+                        <a:latin typeface="Cambria Math" panose="02040503050406030204" pitchFamily="18" charset="0"/>
+                        <a:ea typeface="Cambria Math" panose="02040503050406030204" pitchFamily="18" charset="0"/>
+                      </a:rPr>
+                      <m:t>) ~ </m:t>
+                    </m:r>
+                    <m:r>
+                      <a:rPr lang="ru-RU" altLang="ru-RU" i="1" dirty="0" smtClean="0">
+                        <a:effectLst>
+                          <a:outerShdw blurRad="38100" dist="38100" dir="2700000" algn="tl">
+                            <a:srgbClr val="000000">
+                              <a:alpha val="43137"/>
+                            </a:srgbClr>
+                          </a:outerShdw>
+                        </a:effectLst>
+                        <a:latin typeface="Cambria Math" panose="02040503050406030204" pitchFamily="18" charset="0"/>
+                        <a:ea typeface="Cambria Math" panose="02040503050406030204" pitchFamily="18" charset="0"/>
+                      </a:rPr>
+                      <m:t>𝑝</m:t>
+                    </m:r>
+                    <m:r>
+                      <a:rPr lang="ru-RU" altLang="ru-RU" i="1" dirty="0" smtClean="0">
+                        <a:effectLst>
+                          <a:outerShdw blurRad="38100" dist="38100" dir="2700000" algn="tl">
+                            <a:srgbClr val="000000">
+                              <a:alpha val="43137"/>
+                            </a:srgbClr>
+                          </a:outerShdw>
+                        </a:effectLst>
+                        <a:latin typeface="Cambria Math" panose="02040503050406030204" pitchFamily="18" charset="0"/>
+                        <a:ea typeface="Cambria Math" panose="02040503050406030204" pitchFamily="18" charset="0"/>
+                      </a:rPr>
+                      <m:t>(</m:t>
+                    </m:r>
+                    <m:r>
+                      <a:rPr lang="ru-RU" altLang="ru-RU" i="1" dirty="0" smtClean="0">
+                        <a:effectLst>
+                          <a:outerShdw blurRad="38100" dist="38100" dir="2700000" algn="tl">
+                            <a:srgbClr val="000000">
+                              <a:alpha val="43137"/>
+                            </a:srgbClr>
+                          </a:outerShdw>
+                        </a:effectLst>
+                        <a:latin typeface="Cambria Math" panose="02040503050406030204" pitchFamily="18" charset="0"/>
+                        <a:ea typeface="Cambria Math" panose="02040503050406030204" pitchFamily="18" charset="0"/>
+                      </a:rPr>
+                      <m:t>𝑥</m:t>
+                    </m:r>
+                    <m:r>
+                      <a:rPr lang="ru-RU" altLang="ru-RU" i="1" dirty="0" smtClean="0">
+                        <a:effectLst>
+                          <a:outerShdw blurRad="38100" dist="38100" dir="2700000" algn="tl">
+                            <a:srgbClr val="000000">
+                              <a:alpha val="43137"/>
+                            </a:srgbClr>
+                          </a:outerShdw>
+                        </a:effectLst>
+                        <a:latin typeface="Cambria Math" panose="02040503050406030204" pitchFamily="18" charset="0"/>
+                        <a:ea typeface="Cambria Math" panose="02040503050406030204" pitchFamily="18" charset="0"/>
+                      </a:rPr>
+                      <m:t>|</m:t>
+                    </m:r>
+                    <m:r>
+                      <a:rPr lang="ru-RU" altLang="ru-RU" i="1" dirty="0" smtClean="0">
+                        <a:effectLst>
+                          <a:outerShdw blurRad="38100" dist="38100" dir="2700000" algn="tl">
+                            <a:srgbClr val="000000">
+                              <a:alpha val="43137"/>
+                            </a:srgbClr>
+                          </a:outerShdw>
+                        </a:effectLst>
+                        <a:latin typeface="Cambria Math" panose="02040503050406030204" pitchFamily="18" charset="0"/>
+                        <a:ea typeface="Cambria Math" panose="02040503050406030204" pitchFamily="18" charset="0"/>
+                      </a:rPr>
+                      <m:t>𝑦</m:t>
+                    </m:r>
+                    <m:r>
+                      <a:rPr lang="ru-RU" altLang="ru-RU" i="1" dirty="0" smtClean="0">
+                        <a:effectLst>
+                          <a:outerShdw blurRad="38100" dist="38100" dir="2700000" algn="tl">
+                            <a:srgbClr val="000000">
+                              <a:alpha val="43137"/>
+                            </a:srgbClr>
+                          </a:outerShdw>
+                        </a:effectLst>
+                        <a:latin typeface="Cambria Math" panose="02040503050406030204" pitchFamily="18" charset="0"/>
+                        <a:ea typeface="Cambria Math" panose="02040503050406030204" pitchFamily="18" charset="0"/>
+                      </a:rPr>
+                      <m:t>). </m:t>
+                    </m:r>
+                  </m:oMath>
+                </a14:m>
+                <a:r>
+                  <a:rPr lang="ru-RU" altLang="ru-RU" dirty="0">
+                    <a:effectLst>
+                      <a:outerShdw blurRad="38100" dist="38100" dir="2700000" algn="tl">
+                        <a:srgbClr val="000000">
+                          <a:alpha val="43137"/>
+                        </a:srgbClr>
+                      </a:outerShdw>
+                    </a:effectLst>
+                    <a:ea typeface="Times New Roman" panose="02020603050405020304" pitchFamily="18" charset="0"/>
+                  </a:rPr>
+                  <a:t>Все элементы независимо и одинаково распределены. Тогда задачей классификации будет являться нахождение </a:t>
+                </a:r>
+                <a:r>
+                  <a:rPr lang="ru-RU" altLang="ru-RU" dirty="0">
+                    <a:effectLst>
+                      <a:outerShdw blurRad="38100" dist="38100" dir="2700000" algn="tl">
+                        <a:srgbClr val="000000">
+                          <a:alpha val="43137"/>
+                        </a:srgbClr>
+                      </a:outerShdw>
+                    </a:effectLst>
+                    <a:ea typeface="Cambria Math" panose="02040503050406030204" pitchFamily="18" charset="0"/>
+                  </a:rPr>
+                  <a:t>𝑝(𝑥|𝑦) </a:t>
+                </a:r>
+                <a:r>
+                  <a:rPr lang="ru-RU" altLang="ru-RU" dirty="0">
+                    <a:effectLst>
+                      <a:outerShdw blurRad="38100" dist="38100" dir="2700000" algn="tl">
+                        <a:srgbClr val="000000">
+                          <a:alpha val="43137"/>
+                        </a:srgbClr>
+                      </a:outerShdw>
+                    </a:effectLst>
+                    <a:ea typeface="Times New Roman" panose="02020603050405020304" pitchFamily="18" charset="0"/>
+                  </a:rPr>
+                  <a:t>и заданном наборе элементов </a:t>
+                </a:r>
+                <a:r>
+                  <a:rPr lang="ru-RU" altLang="ru-RU" dirty="0">
+                    <a:effectLst>
+                      <a:outerShdw blurRad="38100" dist="38100" dir="2700000" algn="tl">
+                        <a:srgbClr val="000000">
+                          <a:alpha val="43137"/>
+                        </a:srgbClr>
+                      </a:outerShdw>
+                    </a:effectLst>
+                    <a:ea typeface="Times New Roman" panose="02020603050405020304" pitchFamily="18" charset="0"/>
+                  </a:rPr>
+                  <a:t> </a:t>
+                </a:r>
+                <a:r>
+                  <a:rPr lang="ru-RU" altLang="ru-RU" dirty="0" smtClean="0">
+                    <a:effectLst>
+                      <a:outerShdw blurRad="38100" dist="38100" dir="2700000" algn="tl">
+                        <a:srgbClr val="000000">
+                          <a:alpha val="43137"/>
+                        </a:srgbClr>
+                      </a:outerShdw>
+                    </a:effectLst>
+                    <a:ea typeface="Times New Roman" panose="02020603050405020304" pitchFamily="18" charset="0"/>
+                  </a:rPr>
+                  <a:t>                                    </a:t>
+                </a:r>
+                <a14:m>
+                  <m:oMath xmlns:m="http://schemas.openxmlformats.org/officeDocument/2006/math">
+                    <m:r>
+                      <a:rPr lang="ru-RU" altLang="ru-RU" i="1" dirty="0" smtClean="0">
+                        <a:effectLst>
+                          <a:outerShdw blurRad="38100" dist="38100" dir="2700000" algn="tl">
+                            <a:srgbClr val="000000">
+                              <a:alpha val="43137"/>
+                            </a:srgbClr>
+                          </a:outerShdw>
+                        </a:effectLst>
+                        <a:latin typeface="Cambria Math" panose="02040503050406030204" pitchFamily="18" charset="0"/>
+                        <a:ea typeface="Cambria Math" panose="02040503050406030204" pitchFamily="18" charset="0"/>
+                      </a:rPr>
+                      <m:t>𝐷</m:t>
+                    </m:r>
+                    <m:r>
+                      <a:rPr lang="ru-RU" altLang="ru-RU" i="1" dirty="0" smtClean="0">
+                        <a:effectLst>
+                          <a:outerShdw blurRad="38100" dist="38100" dir="2700000" algn="tl">
+                            <a:srgbClr val="000000">
+                              <a:alpha val="43137"/>
+                            </a:srgbClr>
+                          </a:outerShdw>
+                        </a:effectLst>
+                        <a:latin typeface="Cambria Math" panose="02040503050406030204" pitchFamily="18" charset="0"/>
+                        <a:ea typeface="Cambria Math" panose="02040503050406030204" pitchFamily="18" charset="0"/>
+                      </a:rPr>
+                      <m:t> = {(</m:t>
+                    </m:r>
+                    <m:sSub>
+                      <m:sSubPr>
+                        <m:ctrlPr>
+                          <a:rPr lang="ru-RU" altLang="ru-RU" b="0" i="1" dirty="0" smtClean="0">
+                            <a:effectLst>
+                              <a:outerShdw blurRad="38100" dist="38100" dir="2700000" algn="tl">
+                                <a:srgbClr val="000000">
+                                  <a:alpha val="43137"/>
+                                </a:srgbClr>
+                              </a:outerShdw>
+                            </a:effectLst>
+                            <a:latin typeface="Cambria Math" panose="02040503050406030204" pitchFamily="18" charset="0"/>
+                            <a:ea typeface="Cambria Math" panose="02040503050406030204" pitchFamily="18" charset="0"/>
+                          </a:rPr>
+                        </m:ctrlPr>
+                      </m:sSubPr>
+                      <m:e>
+                        <m:r>
+                          <a:rPr lang="ru-RU" altLang="ru-RU" i="1" dirty="0">
+                            <a:effectLst>
+                              <a:outerShdw blurRad="38100" dist="38100" dir="2700000" algn="tl">
+                                <a:srgbClr val="000000">
+                                  <a:alpha val="43137"/>
+                                </a:srgbClr>
+                              </a:outerShdw>
+                            </a:effectLst>
+                            <a:latin typeface="Cambria Math" panose="02040503050406030204" pitchFamily="18" charset="0"/>
+                            <a:ea typeface="Cambria Math" panose="02040503050406030204" pitchFamily="18" charset="0"/>
+                          </a:rPr>
+                          <m:t>𝑥</m:t>
+                        </m:r>
+                      </m:e>
+                      <m:sub>
+                        <m:r>
+                          <a:rPr lang="ru-RU" altLang="ru-RU" i="1" dirty="0">
+                            <a:effectLst>
+                              <a:outerShdw blurRad="38100" dist="38100" dir="2700000" algn="tl">
+                                <a:srgbClr val="000000">
+                                  <a:alpha val="43137"/>
+                                </a:srgbClr>
+                              </a:outerShdw>
+                            </a:effectLst>
+                            <a:latin typeface="Cambria Math" panose="02040503050406030204" pitchFamily="18" charset="0"/>
+                            <a:ea typeface="Cambria Math" panose="02040503050406030204" pitchFamily="18" charset="0"/>
+                          </a:rPr>
+                          <m:t>𝑖</m:t>
+                        </m:r>
+                      </m:sub>
+                    </m:sSub>
+                    <m:r>
+                      <a:rPr lang="ru-RU" altLang="ru-RU" i="1" dirty="0">
+                        <a:effectLst>
+                          <a:outerShdw blurRad="38100" dist="38100" dir="2700000" algn="tl">
+                            <a:srgbClr val="000000">
+                              <a:alpha val="43137"/>
+                            </a:srgbClr>
+                          </a:outerShdw>
+                        </a:effectLst>
+                        <a:latin typeface="Cambria Math" panose="02040503050406030204" pitchFamily="18" charset="0"/>
+                        <a:ea typeface="Cambria Math" panose="02040503050406030204" pitchFamily="18" charset="0"/>
+                      </a:rPr>
+                      <m:t> , </m:t>
+                    </m:r>
+                    <m:sSub>
+                      <m:sSubPr>
+                        <m:ctrlPr>
+                          <a:rPr lang="ru-RU" altLang="ru-RU" b="0" i="1" dirty="0" smtClean="0">
+                            <a:effectLst>
+                              <a:outerShdw blurRad="38100" dist="38100" dir="2700000" algn="tl">
+                                <a:srgbClr val="000000">
+                                  <a:alpha val="43137"/>
+                                </a:srgbClr>
+                              </a:outerShdw>
+                            </a:effectLst>
+                            <a:latin typeface="Cambria Math" panose="02040503050406030204" pitchFamily="18" charset="0"/>
+                            <a:ea typeface="Cambria Math" panose="02040503050406030204" pitchFamily="18" charset="0"/>
+                          </a:rPr>
+                        </m:ctrlPr>
+                      </m:sSubPr>
+                      <m:e>
+                        <m:r>
+                          <a:rPr lang="ru-RU" altLang="ru-RU" i="1" dirty="0">
+                            <a:effectLst>
+                              <a:outerShdw blurRad="38100" dist="38100" dir="2700000" algn="tl">
+                                <a:srgbClr val="000000">
+                                  <a:alpha val="43137"/>
+                                </a:srgbClr>
+                              </a:outerShdw>
+                            </a:effectLst>
+                            <a:latin typeface="Cambria Math" panose="02040503050406030204" pitchFamily="18" charset="0"/>
+                            <a:ea typeface="Cambria Math" panose="02040503050406030204" pitchFamily="18" charset="0"/>
+                          </a:rPr>
+                          <m:t>𝑦</m:t>
+                        </m:r>
+                      </m:e>
+                      <m:sub>
+                        <m:r>
+                          <a:rPr lang="ru-RU" altLang="ru-RU" i="1" dirty="0">
+                            <a:effectLst>
+                              <a:outerShdw blurRad="38100" dist="38100" dir="2700000" algn="tl">
+                                <a:srgbClr val="000000">
+                                  <a:alpha val="43137"/>
+                                </a:srgbClr>
+                              </a:outerShdw>
+                            </a:effectLst>
+                            <a:latin typeface="Cambria Math" panose="02040503050406030204" pitchFamily="18" charset="0"/>
+                            <a:ea typeface="Cambria Math" panose="02040503050406030204" pitchFamily="18" charset="0"/>
+                          </a:rPr>
+                          <m:t>𝑖</m:t>
+                        </m:r>
+                      </m:sub>
+                    </m:sSub>
+                    <m:r>
+                      <a:rPr lang="ru-RU" altLang="ru-RU" i="1" dirty="0">
+                        <a:effectLst>
+                          <a:outerShdw blurRad="38100" dist="38100" dir="2700000" algn="tl">
+                            <a:srgbClr val="000000">
+                              <a:alpha val="43137"/>
+                            </a:srgbClr>
+                          </a:outerShdw>
+                        </a:effectLst>
+                        <a:latin typeface="Cambria Math" panose="02040503050406030204" pitchFamily="18" charset="0"/>
+                        <a:ea typeface="Cambria Math" panose="02040503050406030204" pitchFamily="18" charset="0"/>
+                      </a:rPr>
+                      <m:t>) ~ </m:t>
+                    </m:r>
+                    <m:r>
+                      <a:rPr lang="ru-RU" altLang="ru-RU" i="1" dirty="0">
+                        <a:effectLst>
+                          <a:outerShdw blurRad="38100" dist="38100" dir="2700000" algn="tl">
+                            <a:srgbClr val="000000">
+                              <a:alpha val="43137"/>
+                            </a:srgbClr>
+                          </a:outerShdw>
+                        </a:effectLst>
+                        <a:latin typeface="Cambria Math" panose="02040503050406030204" pitchFamily="18" charset="0"/>
+                        <a:ea typeface="Cambria Math" panose="02040503050406030204" pitchFamily="18" charset="0"/>
+                      </a:rPr>
+                      <m:t>𝑝</m:t>
+                    </m:r>
+                    <m:r>
+                      <a:rPr lang="ru-RU" altLang="ru-RU" i="1" dirty="0">
+                        <a:effectLst>
+                          <a:outerShdw blurRad="38100" dist="38100" dir="2700000" algn="tl">
+                            <a:srgbClr val="000000">
+                              <a:alpha val="43137"/>
+                            </a:srgbClr>
+                          </a:outerShdw>
+                        </a:effectLst>
+                        <a:latin typeface="Cambria Math" panose="02040503050406030204" pitchFamily="18" charset="0"/>
+                        <a:ea typeface="Cambria Math" panose="02040503050406030204" pitchFamily="18" charset="0"/>
+                      </a:rPr>
+                      <m:t>(</m:t>
+                    </m:r>
+                    <m:r>
+                      <a:rPr lang="ru-RU" altLang="ru-RU" i="1" dirty="0">
+                        <a:effectLst>
+                          <a:outerShdw blurRad="38100" dist="38100" dir="2700000" algn="tl">
+                            <a:srgbClr val="000000">
+                              <a:alpha val="43137"/>
+                            </a:srgbClr>
+                          </a:outerShdw>
+                        </a:effectLst>
+                        <a:latin typeface="Cambria Math" panose="02040503050406030204" pitchFamily="18" charset="0"/>
+                        <a:ea typeface="Cambria Math" panose="02040503050406030204" pitchFamily="18" charset="0"/>
+                      </a:rPr>
+                      <m:t>𝑥</m:t>
+                    </m:r>
+                    <m:r>
+                      <a:rPr lang="ru-RU" altLang="ru-RU" i="1" dirty="0">
+                        <a:effectLst>
+                          <a:outerShdw blurRad="38100" dist="38100" dir="2700000" algn="tl">
+                            <a:srgbClr val="000000">
+                              <a:alpha val="43137"/>
+                            </a:srgbClr>
+                          </a:outerShdw>
+                        </a:effectLst>
+                        <a:latin typeface="Cambria Math" panose="02040503050406030204" pitchFamily="18" charset="0"/>
+                        <a:ea typeface="Cambria Math" panose="02040503050406030204" pitchFamily="18" charset="0"/>
+                      </a:rPr>
+                      <m:t>|</m:t>
+                    </m:r>
+                    <m:r>
+                      <a:rPr lang="ru-RU" altLang="ru-RU" i="1" dirty="0">
+                        <a:effectLst>
+                          <a:outerShdw blurRad="38100" dist="38100" dir="2700000" algn="tl">
+                            <a:srgbClr val="000000">
+                              <a:alpha val="43137"/>
+                            </a:srgbClr>
+                          </a:outerShdw>
+                        </a:effectLst>
+                        <a:latin typeface="Cambria Math" panose="02040503050406030204" pitchFamily="18" charset="0"/>
+                        <a:ea typeface="Cambria Math" panose="02040503050406030204" pitchFamily="18" charset="0"/>
+                      </a:rPr>
+                      <m:t>𝑦</m:t>
+                    </m:r>
+                    <m:r>
+                      <a:rPr lang="ru-RU" altLang="ru-RU" i="1" dirty="0">
+                        <a:effectLst>
+                          <a:outerShdw blurRad="38100" dist="38100" dir="2700000" algn="tl">
+                            <a:srgbClr val="000000">
+                              <a:alpha val="43137"/>
+                            </a:srgbClr>
+                          </a:outerShdw>
+                        </a:effectLst>
+                        <a:latin typeface="Cambria Math" panose="02040503050406030204" pitchFamily="18" charset="0"/>
+                        <a:ea typeface="Cambria Math" panose="02040503050406030204" pitchFamily="18" charset="0"/>
+                      </a:rPr>
+                      <m:t>), </m:t>
+                    </m:r>
+                    <m:r>
+                      <a:rPr lang="ru-RU" altLang="ru-RU" i="1" dirty="0">
+                        <a:effectLst>
+                          <a:outerShdw blurRad="38100" dist="38100" dir="2700000" algn="tl">
+                            <a:srgbClr val="000000">
+                              <a:alpha val="43137"/>
+                            </a:srgbClr>
+                          </a:outerShdw>
+                        </a:effectLst>
+                        <a:latin typeface="Cambria Math" panose="02040503050406030204" pitchFamily="18" charset="0"/>
+                        <a:ea typeface="Cambria Math" panose="02040503050406030204" pitchFamily="18" charset="0"/>
+                      </a:rPr>
+                      <m:t>𝑖</m:t>
+                    </m:r>
+                    <m:r>
+                      <a:rPr lang="ru-RU" altLang="ru-RU" i="1" dirty="0">
+                        <a:effectLst>
+                          <a:outerShdw blurRad="38100" dist="38100" dir="2700000" algn="tl">
+                            <a:srgbClr val="000000">
+                              <a:alpha val="43137"/>
+                            </a:srgbClr>
+                          </a:outerShdw>
+                        </a:effectLst>
+                        <a:latin typeface="Cambria Math" panose="02040503050406030204" pitchFamily="18" charset="0"/>
+                        <a:ea typeface="Cambria Math" panose="02040503050406030204" pitchFamily="18" charset="0"/>
+                      </a:rPr>
+                      <m:t> = 1, </m:t>
+                    </m:r>
+                    <m:r>
+                      <a:rPr lang="en-US" altLang="ru-RU" i="1" dirty="0">
+                        <a:effectLst>
+                          <a:outerShdw blurRad="38100" dist="38100" dir="2700000" algn="tl">
+                            <a:srgbClr val="000000">
+                              <a:alpha val="43137"/>
+                            </a:srgbClr>
+                          </a:outerShdw>
+                        </a:effectLst>
+                        <a:latin typeface="Cambria Math" panose="02040503050406030204" pitchFamily="18" charset="0"/>
+                        <a:ea typeface="Times New Roman" panose="02020603050405020304" pitchFamily="18" charset="0"/>
+                      </a:rPr>
+                      <m:t>𝑁</m:t>
+                    </m:r>
+                    <m:r>
+                      <a:rPr lang="en-US" altLang="ru-RU" i="1" dirty="0" smtClean="0">
+                        <a:effectLst>
+                          <a:outerShdw blurRad="38100" dist="38100" dir="2700000" algn="tl">
+                            <a:srgbClr val="000000">
+                              <a:alpha val="43137"/>
+                            </a:srgbClr>
+                          </a:outerShdw>
+                        </a:effectLst>
+                        <a:latin typeface="Cambria Math" panose="02040503050406030204" pitchFamily="18" charset="0"/>
+                        <a:ea typeface="Times New Roman" panose="02020603050405020304" pitchFamily="18" charset="0"/>
+                      </a:rPr>
+                      <m:t>.</m:t>
+                    </m:r>
+                  </m:oMath>
+                </a14:m>
+                <a:endParaRPr lang="en-US" altLang="ru-RU" dirty="0">
+                  <a:effectLst>
+                    <a:outerShdw blurRad="38100" dist="38100" dir="2700000" algn="tl">
+                      <a:srgbClr val="000000">
+                        <a:alpha val="43137"/>
+                      </a:srgbClr>
+                    </a:outerShdw>
+                  </a:effectLst>
+                  <a:ea typeface="Times New Roman" panose="02020603050405020304" pitchFamily="18" charset="0"/>
+                </a:endParaRPr>
+              </a:p>
+              <a:p>
+                <a:pPr lvl="1" indent="450850" defTabSz="914400" eaLnBrk="0" fontAlgn="base" hangingPunct="0">
+                  <a:spcBef>
+                    <a:spcPct val="0"/>
+                  </a:spcBef>
+                  <a:spcAft>
+                    <a:spcPct val="0"/>
+                  </a:spcAft>
+                  <a:tabLst>
+                    <a:tab pos="1222375" algn="l"/>
+                  </a:tabLst>
+                </a:pPr>
+                <a:endParaRPr lang="en-US" altLang="ru-RU" dirty="0" smtClean="0">
+                  <a:effectLst>
+                    <a:outerShdw blurRad="38100" dist="38100" dir="2700000" algn="tl">
+                      <a:srgbClr val="000000">
+                        <a:alpha val="43137"/>
+                      </a:srgbClr>
+                    </a:outerShdw>
+                  </a:effectLst>
+                </a:endParaRPr>
+              </a:p>
+            </p:txBody>
+          </p:sp>
+        </mc:Choice>
+        <mc:Fallback>
+          <p:sp>
+            <p:nvSpPr>
+              <p:cNvPr id="17" name="Прямоугольник 16"/>
+              <p:cNvSpPr>
+                <a:spLocks noRot="1" noChangeAspect="1" noMove="1" noResize="1" noEditPoints="1" noAdjustHandles="1" noChangeArrowheads="1" noChangeShapeType="1" noTextEdit="1"/>
+              </p:cNvSpPr>
+              <p:nvPr/>
+            </p:nvSpPr>
+            <p:spPr>
+              <a:xfrm>
+                <a:off x="501041" y="1605253"/>
+                <a:ext cx="11436263" cy="3139321"/>
+              </a:xfrm>
+              <a:prstGeom prst="rect">
+                <a:avLst/>
+              </a:prstGeom>
+              <a:blipFill>
+                <a:blip r:embed="rId2"/>
+                <a:stretch>
+                  <a:fillRect t="-1165"/>
+                </a:stretch>
+              </a:blipFill>
+            </p:spPr>
+            <p:txBody>
+              <a:bodyPr/>
+              <a:lstStyle/>
+              <a:p>
+                <a:r>
+                  <a:rPr lang="ru-RU">
+                    <a:noFill/>
+                  </a:rPr>
+                  <a:t> </a:t>
+                </a:r>
+              </a:p>
+            </p:txBody>
+          </p:sp>
+        </mc:Fallback>
+      </mc:AlternateContent>
+      <mc:AlternateContent xmlns:mc="http://schemas.openxmlformats.org/markup-compatibility/2006">
+        <mc:Choice xmlns:a14="http://schemas.microsoft.com/office/drawing/2010/main" Requires="a14">
+          <p:sp>
+            <p:nvSpPr>
+              <p:cNvPr id="18" name="Прямоугольник 17"/>
+              <p:cNvSpPr/>
+              <p:nvPr/>
+            </p:nvSpPr>
+            <p:spPr>
+              <a:xfrm>
+                <a:off x="413359" y="4614707"/>
+                <a:ext cx="11523945" cy="923330"/>
+              </a:xfrm>
+              <a:prstGeom prst="rect">
+                <a:avLst/>
+              </a:prstGeom>
+            </p:spPr>
+            <p:txBody>
+              <a:bodyPr wrap="square">
+                <a:spAutoFit/>
+              </a:bodyPr>
+              <a:lstStyle/>
+              <a:p>
+                <a:pPr marL="800100" lvl="1" indent="-342900" defTabSz="914400" eaLnBrk="0" fontAlgn="base" hangingPunct="0">
+                  <a:spcBef>
+                    <a:spcPct val="0"/>
+                  </a:spcBef>
+                  <a:spcAft>
+                    <a:spcPct val="0"/>
+                  </a:spcAft>
+                  <a:buFont typeface="+mj-lt"/>
+                  <a:buAutoNum type="arabicPeriod" startAt="2"/>
+                  <a:tabLst>
+                    <a:tab pos="1222375" algn="l"/>
+                  </a:tabLst>
+                </a:pPr>
+                <a:r>
+                  <a:rPr lang="ru-RU" altLang="ru-RU" dirty="0" smtClean="0">
+                    <a:effectLst>
+                      <a:outerShdw blurRad="38100" dist="38100" dir="2700000" algn="tl">
+                        <a:srgbClr val="000000">
+                          <a:alpha val="43137"/>
+                        </a:srgbClr>
+                      </a:outerShdw>
+                    </a:effectLst>
+                    <a:ea typeface="Times New Roman" panose="02020603050405020304" pitchFamily="18" charset="0"/>
+                  </a:rPr>
+                  <a:t>Сегментация</a:t>
+                </a:r>
+                <a:r>
+                  <a:rPr lang="en-US" altLang="ru-RU" dirty="0" smtClean="0">
+                    <a:effectLst>
+                      <a:outerShdw blurRad="38100" dist="38100" dir="2700000" algn="tl">
+                        <a:srgbClr val="000000">
+                          <a:alpha val="43137"/>
+                        </a:srgbClr>
+                      </a:outerShdw>
+                    </a:effectLst>
+                    <a:ea typeface="Times New Roman" panose="02020603050405020304" pitchFamily="18" charset="0"/>
+                  </a:rPr>
+                  <a:t>:</a:t>
+                </a:r>
+              </a:p>
+              <a:p>
+                <a:pPr lvl="2" defTabSz="914400" eaLnBrk="0" fontAlgn="base" hangingPunct="0">
+                  <a:spcBef>
+                    <a:spcPct val="0"/>
+                  </a:spcBef>
+                  <a:spcAft>
+                    <a:spcPct val="0"/>
+                  </a:spcAft>
+                  <a:tabLst>
+                    <a:tab pos="1222375" algn="l"/>
+                  </a:tabLst>
+                </a:pPr>
+                <a:r>
+                  <a:rPr lang="ru-RU" altLang="ru-RU" dirty="0" smtClean="0">
+                    <a:effectLst>
+                      <a:outerShdw blurRad="38100" dist="38100" dir="2700000" algn="tl">
+                        <a:srgbClr val="000000">
+                          <a:alpha val="43137"/>
+                        </a:srgbClr>
+                      </a:outerShdw>
+                    </a:effectLst>
+                    <a:ea typeface="Times New Roman" panose="02020603050405020304" pitchFamily="18" charset="0"/>
+                  </a:rPr>
+                  <a:t>Постановка задачи классификации, где</a:t>
+                </a:r>
+                <a:r>
+                  <a:rPr lang="en-US" altLang="ru-RU" dirty="0" smtClean="0">
+                    <a:effectLst>
+                      <a:outerShdw blurRad="38100" dist="38100" dir="2700000" algn="tl">
+                        <a:srgbClr val="000000">
+                          <a:alpha val="43137"/>
+                        </a:srgbClr>
+                      </a:outerShdw>
+                    </a:effectLst>
+                    <a:ea typeface="Times New Roman" panose="02020603050405020304" pitchFamily="18" charset="0"/>
+                  </a:rPr>
+                  <a:t> </a:t>
+                </a:r>
+                <a14:m>
+                  <m:oMath xmlns:m="http://schemas.openxmlformats.org/officeDocument/2006/math">
+                    <m:sSub>
+                      <m:sSubPr>
+                        <m:ctrlPr>
+                          <a:rPr lang="ru-RU" altLang="ru-RU" i="1" dirty="0">
+                            <a:effectLst>
+                              <a:outerShdw blurRad="38100" dist="38100" dir="2700000" algn="tl">
+                                <a:srgbClr val="000000">
+                                  <a:alpha val="43137"/>
+                                </a:srgbClr>
+                              </a:outerShdw>
+                            </a:effectLst>
+                            <a:latin typeface="Cambria Math" panose="02040503050406030204" pitchFamily="18" charset="0"/>
+                            <a:ea typeface="Cambria Math" panose="02040503050406030204" pitchFamily="18" charset="0"/>
+                          </a:rPr>
+                        </m:ctrlPr>
+                      </m:sSubPr>
+                      <m:e>
+                        <m:r>
+                          <a:rPr lang="ru-RU" altLang="ru-RU" i="1" dirty="0">
+                            <a:effectLst>
+                              <a:outerShdw blurRad="38100" dist="38100" dir="2700000" algn="tl">
+                                <a:srgbClr val="000000">
+                                  <a:alpha val="43137"/>
+                                </a:srgbClr>
+                              </a:outerShdw>
+                            </a:effectLst>
+                            <a:latin typeface="Cambria Math" panose="02040503050406030204" pitchFamily="18" charset="0"/>
+                            <a:ea typeface="Cambria Math" panose="02040503050406030204" pitchFamily="18" charset="0"/>
+                          </a:rPr>
+                          <m:t>𝑦</m:t>
+                        </m:r>
+                      </m:e>
+                      <m:sub>
+                        <m:r>
+                          <a:rPr lang="ru-RU" altLang="ru-RU" i="1" dirty="0">
+                            <a:effectLst>
+                              <a:outerShdw blurRad="38100" dist="38100" dir="2700000" algn="tl">
+                                <a:srgbClr val="000000">
+                                  <a:alpha val="43137"/>
+                                </a:srgbClr>
+                              </a:outerShdw>
+                            </a:effectLst>
+                            <a:latin typeface="Cambria Math" panose="02040503050406030204" pitchFamily="18" charset="0"/>
+                            <a:ea typeface="Cambria Math" panose="02040503050406030204" pitchFamily="18" charset="0"/>
+                          </a:rPr>
+                          <m:t>𝑖</m:t>
+                        </m:r>
+                      </m:sub>
+                    </m:sSub>
+                  </m:oMath>
+                </a14:m>
+                <a:r>
+                  <a:rPr lang="en-US" altLang="ru-RU" dirty="0" smtClean="0">
+                    <a:effectLst>
+                      <a:outerShdw blurRad="38100" dist="38100" dir="2700000" algn="tl">
+                        <a:srgbClr val="000000">
+                          <a:alpha val="43137"/>
+                        </a:srgbClr>
+                      </a:outerShdw>
+                    </a:effectLst>
+                    <a:ea typeface="Cambria Math" panose="02040503050406030204" pitchFamily="18" charset="0"/>
+                  </a:rPr>
+                  <a:t> – </a:t>
+                </a:r>
+                <a:r>
+                  <a:rPr lang="ru-RU" altLang="ru-RU" dirty="0" smtClean="0">
+                    <a:effectLst>
+                      <a:outerShdw blurRad="38100" dist="38100" dir="2700000" algn="tl">
+                        <a:srgbClr val="000000">
+                          <a:alpha val="43137"/>
+                        </a:srgbClr>
+                      </a:outerShdw>
+                    </a:effectLst>
+                    <a:ea typeface="Cambria Math" panose="02040503050406030204" pitchFamily="18" charset="0"/>
+                  </a:rPr>
+                  <a:t>матрица правильных ответов для одного изображения.</a:t>
+                </a:r>
+                <a:r>
+                  <a:rPr lang="en-US" altLang="ru-RU" dirty="0" smtClean="0">
+                    <a:effectLst>
+                      <a:outerShdw blurRad="38100" dist="38100" dir="2700000" algn="tl">
+                        <a:srgbClr val="000000">
+                          <a:alpha val="43137"/>
+                        </a:srgbClr>
+                      </a:outerShdw>
+                    </a:effectLst>
+                    <a:ea typeface="Cambria Math" panose="02040503050406030204" pitchFamily="18" charset="0"/>
+                  </a:rPr>
+                  <a:t> </a:t>
+                </a:r>
+                <a:r>
+                  <a:rPr lang="ru-RU" altLang="ru-RU" dirty="0" smtClean="0">
+                    <a:effectLst>
+                      <a:outerShdw blurRad="38100" dist="38100" dir="2700000" algn="tl">
+                        <a:srgbClr val="000000">
+                          <a:alpha val="43137"/>
+                        </a:srgbClr>
+                      </a:outerShdw>
+                    </a:effectLst>
+                    <a:ea typeface="Times New Roman" panose="02020603050405020304" pitchFamily="18" charset="0"/>
+                  </a:rPr>
+                  <a:t> </a:t>
+                </a:r>
+                <a:endParaRPr lang="ru-RU" altLang="ru-RU" dirty="0">
+                  <a:effectLst>
+                    <a:outerShdw blurRad="38100" dist="38100" dir="2700000" algn="tl">
+                      <a:srgbClr val="000000">
+                        <a:alpha val="43137"/>
+                      </a:srgbClr>
+                    </a:outerShdw>
+                  </a:effectLst>
+                  <a:ea typeface="Times New Roman" panose="02020603050405020304" pitchFamily="18" charset="0"/>
+                </a:endParaRPr>
+              </a:p>
+            </p:txBody>
+          </p:sp>
+        </mc:Choice>
+        <mc:Fallback>
+          <p:sp>
+            <p:nvSpPr>
+              <p:cNvPr id="18" name="Прямоугольник 17"/>
+              <p:cNvSpPr>
+                <a:spLocks noRot="1" noChangeAspect="1" noMove="1" noResize="1" noEditPoints="1" noAdjustHandles="1" noChangeArrowheads="1" noChangeShapeType="1" noTextEdit="1"/>
+              </p:cNvSpPr>
+              <p:nvPr/>
+            </p:nvSpPr>
+            <p:spPr>
+              <a:xfrm>
+                <a:off x="413359" y="4614707"/>
+                <a:ext cx="11523945" cy="923330"/>
+              </a:xfrm>
+              <a:prstGeom prst="rect">
+                <a:avLst/>
+              </a:prstGeom>
+              <a:blipFill>
+                <a:blip r:embed="rId3"/>
+                <a:stretch>
+                  <a:fillRect t="-3974" b="-12583"/>
+                </a:stretch>
+              </a:blipFill>
+            </p:spPr>
+            <p:txBody>
+              <a:bodyPr/>
+              <a:lstStyle/>
+              <a:p>
+                <a:r>
+                  <a:rPr lang="ru-RU">
+                    <a:noFill/>
+                  </a:rPr>
+                  <a:t> </a:t>
+                </a:r>
+              </a:p>
+            </p:txBody>
+          </p:sp>
+        </mc:Fallback>
+      </mc:AlternateContent>
     </p:spTree>
     <p:extLst>
       <p:ext uri="{BB962C8B-B14F-4D97-AF65-F5344CB8AC3E}">
@@ -10599,7 +13604,31 @@
           <a:p>
             <a:r>
               <a:rPr lang="ru-RU" sz="2400" dirty="0" smtClean="0"/>
-              <a:t>Определение необходимого и достаточного уровня метрик качества для задачи классификации, результат исследования</a:t>
+              <a:t>Определение необходимого и достаточного уровня метрик качества для задачи </a:t>
+            </a:r>
+            <a:r>
+              <a:rPr lang="ru-RU" sz="2400" dirty="0" smtClean="0"/>
+              <a:t>классификации</a:t>
+            </a:r>
+            <a:r>
+              <a:rPr lang="en-US" sz="2400" dirty="0" smtClean="0"/>
+              <a:t> </a:t>
+            </a:r>
+            <a:r>
+              <a:rPr lang="ru-RU" sz="2400" dirty="0" smtClean="0"/>
+              <a:t>и </a:t>
+            </a:r>
+            <a:r>
+              <a:rPr lang="ru-RU" sz="2400" dirty="0" smtClean="0"/>
+              <a:t>результат </a:t>
+            </a:r>
+            <a:r>
+              <a:rPr lang="ru-RU" sz="2400" dirty="0" smtClean="0"/>
+              <a:t>исследования модели </a:t>
+            </a:r>
+            <a:r>
+              <a:rPr lang="en-US" sz="2400" dirty="0" smtClean="0"/>
+              <a:t>VGG16</a:t>
             </a:r>
             <a:endParaRPr lang="ru-RU" sz="2400" dirty="0"/>
           </a:p>
@@ -10613,7 +13642,7 @@
         </p:nvSpPr>
         <p:spPr>
           <a:xfrm>
-            <a:off x="337512" y="3500396"/>
+            <a:off x="337512" y="3367632"/>
             <a:ext cx="5575062" cy="369332"/>
           </a:xfrm>
           <a:prstGeom prst="rect">
@@ -10628,10 +13657,26 @@
           <a:lstStyle/>
           <a:p>
             <a:r>
-              <a:rPr lang="ru-RU" dirty="0" smtClean="0"/>
+              <a:rPr lang="ru-RU" dirty="0" smtClean="0">
+                <a:effectLst>
+                  <a:outerShdw blurRad="38100" dist="38100" dir="2700000" algn="tl">
+                    <a:srgbClr val="000000">
+                      <a:alpha val="43137"/>
+                    </a:srgbClr>
+                  </a:outerShdw>
+                </a:effectLst>
+              </a:rPr>
               <a:t>Решение с помощью подбрасывания монеты</a:t>
             </a:r>
-            <a:endParaRPr lang="ru-RU" dirty="0"/>
+            <a:endParaRPr lang="ru-RU" dirty="0">
+              <a:effectLst>
+                <a:outerShdw blurRad="38100" dist="38100" dir="2700000" algn="tl">
+                  <a:srgbClr val="000000">
+                    <a:alpha val="43137"/>
+                  </a:srgbClr>
+                </a:outerShdw>
+              </a:effectLst>
+            </a:endParaRPr>
           </a:p>
         </p:txBody>
       </p:sp>
@@ -10742,7 +13787,7 @@
         </p:nvSpPr>
         <p:spPr>
           <a:xfrm>
-            <a:off x="7247757" y="3370211"/>
+            <a:off x="7247757" y="3309543"/>
             <a:ext cx="3557392" cy="646331"/>
           </a:xfrm>
           <a:prstGeom prst="rect">
@@ -10758,10 +13803,26 @@
           <a:p>
             <a:pPr algn="ctr"/>
             <a:r>
-              <a:rPr lang="ru-RU" dirty="0" smtClean="0"/>
+              <a:rPr lang="ru-RU" dirty="0" smtClean="0">
+                <a:effectLst>
+                  <a:outerShdw blurRad="38100" dist="38100" dir="2700000" algn="tl">
+                    <a:srgbClr val="000000">
+                      <a:alpha val="43137"/>
+                    </a:srgbClr>
+                  </a:outerShdw>
+                </a:effectLst>
+              </a:rPr>
               <a:t>Решение с использованием человеческих ресурсов</a:t>
             </a:r>
-            <a:endParaRPr lang="ru-RU" dirty="0"/>
+            <a:endParaRPr lang="ru-RU" dirty="0">
+              <a:effectLst>
+                <a:outerShdw blurRad="38100" dist="38100" dir="2700000" algn="tl">
+                  <a:srgbClr val="000000">
+                    <a:alpha val="43137"/>
+                  </a:srgbClr>
+                </a:outerShdw>
+              </a:effectLst>
+            </a:endParaRPr>
           </a:p>
         </p:txBody>
       </p:sp>
@@ -10774,7 +13835,7 @@
         <p:spPr>
           <a:xfrm>
             <a:off x="319703" y="4473050"/>
-            <a:ext cx="9713645" cy="646331"/>
+            <a:ext cx="10191458" cy="646331"/>
           </a:xfrm>
           <a:prstGeom prst="rect">
             <a:avLst/>
@@ -10792,30 +13853,86 @@
               <a:buChar char="•"/>
             </a:pPr>
             <a:r>
-              <a:rPr lang="ru-RU" dirty="0" smtClean="0"/>
+              <a:rPr lang="ru-RU" dirty="0" smtClean="0">
+                <a:effectLst>
+                  <a:outerShdw blurRad="38100" dist="38100" dir="2700000" algn="tl">
+                    <a:srgbClr val="000000">
+                      <a:alpha val="43137"/>
+                    </a:srgbClr>
+                  </a:outerShdw>
+                </a:effectLst>
+              </a:rPr>
               <a:t>Во время исследования сети </a:t>
             </a:r>
             <a:r>
-              <a:rPr lang="en-US" dirty="0" smtClean="0"/>
+              <a:rPr lang="en-US" dirty="0" smtClean="0">
+                <a:effectLst>
+                  <a:outerShdw blurRad="38100" dist="38100" dir="2700000" algn="tl">
+                    <a:srgbClr val="000000">
+                      <a:alpha val="43137"/>
+                    </a:srgbClr>
+                  </a:outerShdw>
+                </a:effectLst>
+              </a:rPr>
               <a:t>VGG16 </a:t>
             </a:r>
             <a:r>
-              <a:rPr lang="ru-RU" dirty="0" smtClean="0"/>
+              <a:rPr lang="ru-RU" dirty="0" smtClean="0">
+                <a:effectLst>
+                  <a:outerShdw blurRad="38100" dist="38100" dir="2700000" algn="tl">
+                    <a:srgbClr val="000000">
+                      <a:alpha val="43137"/>
+                    </a:srgbClr>
+                  </a:outerShdw>
+                </a:effectLst>
+              </a:rPr>
               <a:t>удалось достичь значений метрики </a:t>
             </a:r>
             <a:r>
-              <a:rPr lang="en-US" dirty="0" smtClean="0"/>
+              <a:rPr lang="en-US" dirty="0" smtClean="0">
+                <a:effectLst>
+                  <a:outerShdw blurRad="38100" dist="38100" dir="2700000" algn="tl">
+                    <a:srgbClr val="000000">
+                      <a:alpha val="43137"/>
+                    </a:srgbClr>
+                  </a:outerShdw>
+                </a:effectLst>
+              </a:rPr>
               <a:t>accuracy </a:t>
             </a:r>
             <a:r>
-              <a:rPr lang="ru-RU" dirty="0" smtClean="0"/>
+              <a:rPr lang="ru-RU" dirty="0" smtClean="0">
+                <a:effectLst>
+                  <a:outerShdw blurRad="38100" dist="38100" dir="2700000" algn="tl">
+                    <a:srgbClr val="000000">
+                      <a:alpha val="43137"/>
+                    </a:srgbClr>
+                  </a:outerShdw>
+                </a:effectLst>
+              </a:rPr>
               <a:t>равное </a:t>
             </a:r>
             <a:r>
-              <a:rPr lang="ru-RU" i="1" dirty="0" smtClean="0"/>
+              <a:rPr lang="ru-RU" i="1" dirty="0" smtClean="0">
+                <a:effectLst>
+                  <a:outerShdw blurRad="38100" dist="38100" dir="2700000" algn="tl">
+                    <a:srgbClr val="000000">
+                      <a:alpha val="43137"/>
+                    </a:srgbClr>
+                  </a:outerShdw>
+                </a:effectLst>
+              </a:rPr>
               <a:t>0.927 </a:t>
             </a:r>
-            <a:endParaRPr lang="ru-RU" i="1" dirty="0"/>
+            <a:endParaRPr lang="ru-RU" i="1" dirty="0">
+              <a:effectLst>
+                <a:outerShdw blurRad="38100" dist="38100" dir="2700000" algn="tl">
+                  <a:srgbClr val="000000">
+                    <a:alpha val="43137"/>
+                  </a:srgbClr>
+                </a:outerShdw>
+              </a:effectLst>
+            </a:endParaRPr>
           </a:p>
         </p:txBody>
       </p:sp>
@@ -10961,43 +14078,29 @@
           <a:lstStyle/>
           <a:p>
             <a:r>
-              <a:rPr lang="en-US" dirty="0" smtClean="0"/>
+              <a:rPr lang="en-US" dirty="0" smtClean="0">
+                <a:effectLst>
+                  <a:outerShdw blurRad="38100" dist="38100" dir="2700000" algn="tl">
+                    <a:srgbClr val="000000">
+                      <a:alpha val="43137"/>
+                    </a:srgbClr>
+                  </a:outerShdw>
+                </a:effectLst>
+              </a:rPr>
               <a:t>U - Net</a:t>
             </a:r>
-            <a:endParaRPr lang="ru-RU" dirty="0"/>
-          </a:p>
-        </p:txBody>
-      </p:sp>
-      <p:pic>
-        <p:nvPicPr>
-          <p:cNvPr id="7" name="Рисунок 6"/>
-          <p:cNvPicPr>
-            <a:picLocks noChangeAspect="1"/>
-          </p:cNvPicPr>
-          <p:nvPr/>
-        </p:nvPicPr>
-        <p:blipFill>
-          <a:blip r:embed="rId3">
-            <a:extLst>
-              <a:ext uri="{28A0092B-C50C-407E-A947-70E740481C1C}">
-                <a14:useLocalDpi xmlns:a14="http://schemas.microsoft.com/office/drawing/2010/main" val="0"/>
-              </a:ext>
-            </a:extLst>
-          </a:blip>
-          <a:stretch>
-            <a:fillRect/>
-          </a:stretch>
-        </p:blipFill>
-        <p:spPr>
-          <a:xfrm>
-            <a:off x="4396143" y="799273"/>
-            <a:ext cx="2608690" cy="4785266"/>
-          </a:xfrm>
-          <a:prstGeom prst="rect">
-            <a:avLst/>
-          </a:prstGeom>
-        </p:spPr>
-      </p:pic>
+            <a:endParaRPr lang="ru-RU" dirty="0">
+              <a:effectLst>
+                <a:outerShdw blurRad="38100" dist="38100" dir="2700000" algn="tl">
+                  <a:srgbClr val="000000">
+                    <a:alpha val="43137"/>
+                  </a:srgbClr>
+                </a:outerShdw>
+              </a:effectLst>
+            </a:endParaRPr>
+          </a:p>
+        </p:txBody>
+      </p:sp>
       <p:sp>
         <p:nvSpPr>
           <p:cNvPr id="3" name="TextBox 2"/>
@@ -11006,7 +14109,7 @@
         </p:nvSpPr>
         <p:spPr>
           <a:xfrm>
-            <a:off x="5124537" y="5578475"/>
+            <a:off x="5609674" y="5597112"/>
             <a:ext cx="1152395" cy="369332"/>
           </a:xfrm>
           <a:prstGeom prst="rect">
@@ -11021,10 +14124,26 @@
           <a:lstStyle/>
           <a:p>
             <a:r>
-              <a:rPr lang="en-US" dirty="0" err="1" smtClean="0"/>
+              <a:rPr lang="en-US" dirty="0" err="1" smtClean="0">
+                <a:effectLst>
+                  <a:outerShdw blurRad="38100" dist="38100" dir="2700000" algn="tl">
+                    <a:srgbClr val="000000">
+                      <a:alpha val="43137"/>
+                    </a:srgbClr>
+                  </a:outerShdw>
+                </a:effectLst>
+              </a:rPr>
               <a:t>SegNet</a:t>
             </a:r>
-            <a:endParaRPr lang="ru-RU" dirty="0"/>
+            <a:endParaRPr lang="ru-RU" dirty="0">
+              <a:effectLst>
+                <a:outerShdw blurRad="38100" dist="38100" dir="2700000" algn="tl">
+                  <a:srgbClr val="000000">
+                    <a:alpha val="43137"/>
+                  </a:srgbClr>
+                </a:outerShdw>
+              </a:effectLst>
+            </a:endParaRPr>
           </a:p>
         </p:txBody>
       </p:sp>
@@ -11037,7 +14156,7 @@
           <p:nvPr/>
         </p:nvPicPr>
         <p:blipFill rotWithShape="1">
-          <a:blip r:embed="rId4"/>
+          <a:blip r:embed="rId3"/>
           <a:srcRect t="2858" r="-68"/>
           <a:stretch/>
         </p:blipFill>
@@ -11082,13 +14201,59 @@
           <a:lstStyle/>
           <a:p>
             <a:r>
-              <a:rPr lang="en-US" dirty="0" smtClean="0"/>
+              <a:rPr lang="en-US" dirty="0" smtClean="0">
+                <a:effectLst>
+                  <a:outerShdw blurRad="38100" dist="38100" dir="2700000" algn="tl">
+                    <a:srgbClr val="000000">
+                      <a:alpha val="43137"/>
+                    </a:srgbClr>
+                  </a:outerShdw>
+                </a:effectLst>
+              </a:rPr>
               <a:t>FCN VGG16</a:t>
             </a:r>
-            <a:endParaRPr lang="ru-RU" dirty="0"/>
-          </a:p>
-        </p:txBody>
-      </p:sp>
+            <a:endParaRPr lang="ru-RU" dirty="0">
+              <a:effectLst>
+                <a:outerShdw blurRad="38100" dist="38100" dir="2700000" algn="tl">
+                  <a:srgbClr val="000000">
+                    <a:alpha val="43137"/>
+                  </a:srgbClr>
+                </a:outerShdw>
+              </a:effectLst>
+            </a:endParaRPr>
+          </a:p>
+        </p:txBody>
+      </p:sp>
+      <p:pic>
+        <p:nvPicPr>
+          <p:cNvPr id="10" name="Рисунок 9"/>
+          <p:cNvPicPr>
+            <a:picLocks noChangeAspect="1"/>
+          </p:cNvPicPr>
+          <p:nvPr/>
+        </p:nvPicPr>
+        <p:blipFill>
+          <a:blip r:embed="rId4">
+            <a:extLst>
+              <a:ext uri="{28A0092B-C50C-407E-A947-70E740481C1C}">
+                <a14:useLocalDpi xmlns:a14="http://schemas.microsoft.com/office/drawing/2010/main" val="0"/>
+              </a:ext>
+            </a:extLst>
+          </a:blip>
+          <a:stretch>
+            <a:fillRect/>
+          </a:stretch>
+        </p:blipFill>
+        <p:spPr>
+          <a:xfrm>
+            <a:off x="4638863" y="799269"/>
+            <a:ext cx="2600688" cy="4793268"/>
+          </a:xfrm>
+          <a:prstGeom prst="rect">
+            <a:avLst/>
+          </a:prstGeom>
+        </p:spPr>
+      </p:pic>
     </p:spTree>
     <p:extLst>
       <p:ext uri="{BB962C8B-B14F-4D97-AF65-F5344CB8AC3E}">

--- a/Отчет/ВКР презентация.pptx
+++ b/Отчет/ВКР презентация.pptx
@@ -6386,8 +6386,8 @@
         </p:nvSpPr>
         <p:spPr>
           <a:xfrm>
-            <a:off x="483570" y="586776"/>
-            <a:ext cx="12100897" cy="461665"/>
+            <a:off x="387282" y="471951"/>
+            <a:ext cx="11514104" cy="461665"/>
           </a:xfrm>
           <a:prstGeom prst="rect">
             <a:avLst/>
@@ -6410,7 +6410,15 @@
             </a:r>
             <a:r>
               <a:rPr lang="ru-RU" sz="2400" dirty="0" smtClean="0"/>
-              <a:t>обработки сетей сегментации изображений</a:t>
+              <a:t>обработки </a:t>
+            </a:r>
+            <a:r>
+              <a:rPr lang="ru-RU" sz="2400" dirty="0" smtClean="0"/>
+              <a:t>сетей для </a:t>
+            </a:r>
+            <a:r>
+              <a:rPr lang="ru-RU" sz="2400" dirty="0" smtClean="0"/>
+              <a:t>сегментации изображений</a:t>
             </a:r>
             <a:endParaRPr lang="ru-RU" sz="2400" dirty="0"/>
           </a:p>
@@ -7205,71 +7213,7 @@
                 </a:effectLst>
                 <a:ea typeface="Times New Roman" panose="02020603050405020304" pitchFamily="18" charset="0"/>
               </a:rPr>
-              <a:t> и </a:t>
-            </a:r>
-            <a:r>
-              <a:rPr lang="ru-RU" sz="2400" dirty="0" smtClean="0">
-                <a:solidFill>
-                  <a:schemeClr val="tx1"/>
-                </a:solidFill>
-                <a:effectLst>
-                  <a:outerShdw blurRad="38100" dist="38100" dir="2700000" algn="tl">
-                    <a:srgbClr val="000000">
-                      <a:alpha val="43137"/>
-                    </a:srgbClr>
-                  </a:outerShdw>
-                </a:effectLst>
-                <a:ea typeface="Times New Roman" panose="02020603050405020304" pitchFamily="18" charset="0"/>
-              </a:rPr>
-              <a:t>результаты ее обучения для данной задачи были </a:t>
-            </a:r>
-            <a:r>
-              <a:rPr lang="ru-RU" sz="2400" dirty="0" smtClean="0">
-                <a:solidFill>
-                  <a:schemeClr val="tx1"/>
-                </a:solidFill>
-                <a:effectLst>
-                  <a:outerShdw blurRad="38100" dist="38100" dir="2700000" algn="tl">
-                    <a:srgbClr val="000000">
-                      <a:alpha val="43137"/>
-                    </a:srgbClr>
-                  </a:outerShdw>
-                </a:effectLst>
-                <a:ea typeface="Times New Roman" panose="02020603050405020304" pitchFamily="18" charset="0"/>
-              </a:rPr>
-              <a:t>улучшены </a:t>
-            </a:r>
-            <a:r>
-              <a:rPr lang="ru-RU" sz="2400" dirty="0" smtClean="0">
-                <a:solidFill>
-                  <a:schemeClr val="tx1"/>
-                </a:solidFill>
-                <a:effectLst>
-                  <a:outerShdw blurRad="38100" dist="38100" dir="2700000" algn="tl">
-                    <a:srgbClr val="000000">
-                      <a:alpha val="43137"/>
-                    </a:srgbClr>
-                  </a:outerShdw>
-                </a:effectLst>
-                <a:ea typeface="Times New Roman" panose="02020603050405020304" pitchFamily="18" charset="0"/>
-              </a:rPr>
-              <a:t>путем использования метода инициализации </a:t>
-            </a:r>
-            <a:r>
-              <a:rPr lang="ru-RU" sz="2400" dirty="0" smtClean="0">
-                <a:solidFill>
-                  <a:schemeClr val="tx1"/>
-                </a:solidFill>
-                <a:effectLst>
-                  <a:outerShdw blurRad="38100" dist="38100" dir="2700000" algn="tl">
-                    <a:srgbClr val="000000">
-                      <a:alpha val="43137"/>
-                    </a:srgbClr>
-                  </a:outerShdw>
-                </a:effectLst>
-                <a:ea typeface="Times New Roman" panose="02020603050405020304" pitchFamily="18" charset="0"/>
-              </a:rPr>
-              <a:t>весов для слоев </a:t>
+              <a:t> и результаты ее обучения для данной задачи были улучшены путем использования метода инициализации весов для слоев </a:t>
             </a:r>
             <a:r>
               <a:rPr lang="ru-RU" sz="2400" dirty="0" err="1" smtClean="0">
@@ -9742,8 +9686,8 @@
           </a:p>
         </p:txBody>
       </p:sp>
-      <mc:AlternateContent xmlns:mc="http://schemas.openxmlformats.org/markup-compatibility/2006">
-        <mc:Choice xmlns:a14="http://schemas.microsoft.com/office/drawing/2010/main" Requires="a14">
+      <mc:AlternateContent xmlns:mc="http://schemas.openxmlformats.org/markup-compatibility/2006" xmlns:a14="http://schemas.microsoft.com/office/drawing/2010/main">
+        <mc:Choice Requires="a14">
           <p:sp>
             <p:nvSpPr>
               <p:cNvPr id="6" name="Прямоугольник 5">
@@ -10110,7 +10054,7 @@
             </p:txBody>
           </p:sp>
         </mc:Choice>
-        <mc:Fallback>
+        <mc:Fallback xmlns="">
           <p:sp>
             <p:nvSpPr>
               <p:cNvPr id="6" name="Прямоугольник 5">
@@ -11083,8 +11027,8 @@
           </a:p>
         </p:txBody>
       </p:sp>
-      <mc:AlternateContent xmlns:mc="http://schemas.openxmlformats.org/markup-compatibility/2006">
-        <mc:Choice xmlns:a14="http://schemas.microsoft.com/office/drawing/2010/main" Requires="a14">
+      <mc:AlternateContent xmlns:mc="http://schemas.openxmlformats.org/markup-compatibility/2006" xmlns:a14="http://schemas.microsoft.com/office/drawing/2010/main">
+        <mc:Choice Requires="a14">
           <p:sp>
             <p:nvSpPr>
               <p:cNvPr id="14" name="Прямоугольник 13"/>
@@ -11471,7 +11415,7 @@
             </p:txBody>
           </p:sp>
         </mc:Choice>
-        <mc:Fallback>
+        <mc:Fallback xmlns="">
           <p:sp>
             <p:nvSpPr>
               <p:cNvPr id="14" name="Прямоугольник 13"/>
@@ -11541,8 +11485,8 @@
           </a:effectLst>
         </p:spPr>
       </p:pic>
-      <mc:AlternateContent xmlns:mc="http://schemas.openxmlformats.org/markup-compatibility/2006">
-        <mc:Choice xmlns:a14="http://schemas.microsoft.com/office/drawing/2010/main" Requires="a14">
+      <mc:AlternateContent xmlns:mc="http://schemas.openxmlformats.org/markup-compatibility/2006" xmlns:a14="http://schemas.microsoft.com/office/drawing/2010/main">
+        <mc:Choice Requires="a14">
           <p:sp>
             <p:nvSpPr>
               <p:cNvPr id="16" name="Прямоугольник 15"/>
@@ -11598,16 +11542,6 @@
                   </a:rPr>
                   <a:t>:</a:t>
                 </a:r>
-                <a:endParaRPr lang="en-US" dirty="0" smtClean="0">
-                  <a:effectLst>
-                    <a:outerShdw blurRad="38100" dist="38100" dir="2700000" algn="tl">
-                      <a:srgbClr val="000000">
-                        <a:alpha val="43137"/>
-                      </a:srgbClr>
-                    </a:outerShdw>
-                  </a:effectLst>
-                  <a:latin typeface="Century Gothic" panose="020B0502020202020204" pitchFamily="34" charset="0"/>
-                </a:endParaRPr>
               </a:p>
               <a:p>
                 <a:pPr marL="432435" marR="788670" algn="ctr">
@@ -11990,7 +11924,7 @@
             </p:txBody>
           </p:sp>
         </mc:Choice>
-        <mc:Fallback>
+        <mc:Fallback xmlns="">
           <p:sp>
             <p:nvSpPr>
               <p:cNvPr id="16" name="Прямоугольник 15"/>
@@ -12133,8 +12067,8 @@
           </a:p>
         </p:txBody>
       </p:sp>
-      <mc:AlternateContent xmlns:mc="http://schemas.openxmlformats.org/markup-compatibility/2006">
-        <mc:Choice xmlns:a14="http://schemas.microsoft.com/office/drawing/2010/main" Requires="a14">
+      <mc:AlternateContent xmlns:mc="http://schemas.openxmlformats.org/markup-compatibility/2006" xmlns:a14="http://schemas.microsoft.com/office/drawing/2010/main">
+        <mc:Choice Requires="a14">
           <p:sp>
             <p:nvSpPr>
               <p:cNvPr id="17" name="Прямоугольник 16"/>
@@ -12755,20 +12689,7 @@
                     </a:effectLst>
                     <a:ea typeface="Times New Roman" panose="02020603050405020304" pitchFamily="18" charset="0"/>
                   </a:rPr>
-                  <a:t>и заданном наборе элементов </a:t>
-                </a:r>
-                <a:r>
-                  <a:rPr lang="ru-RU" altLang="ru-RU" dirty="0">
-                    <a:effectLst>
-                      <a:outerShdw blurRad="38100" dist="38100" dir="2700000" algn="tl">
-                        <a:srgbClr val="000000">
-                          <a:alpha val="43137"/>
-                        </a:srgbClr>
-                      </a:outerShdw>
-                    </a:effectLst>
-                    <a:ea typeface="Times New Roman" panose="02020603050405020304" pitchFamily="18" charset="0"/>
-                  </a:rPr>
-                  <a:t> </a:t>
+                  <a:t>и заданном наборе элементов  </a:t>
                 </a:r>
                 <a:r>
                   <a:rPr lang="ru-RU" altLang="ru-RU" dirty="0" smtClean="0">
@@ -13117,7 +13038,7 @@
             </p:txBody>
           </p:sp>
         </mc:Choice>
-        <mc:Fallback>
+        <mc:Fallback xmlns="">
           <p:sp>
             <p:nvSpPr>
               <p:cNvPr id="17" name="Прямоугольник 16"/>
@@ -13156,8 +13077,8 @@
           </p:sp>
         </mc:Fallback>
       </mc:AlternateContent>
-      <mc:AlternateContent xmlns:mc="http://schemas.openxmlformats.org/markup-compatibility/2006">
-        <mc:Choice xmlns:a14="http://schemas.microsoft.com/office/drawing/2010/main" Requires="a14">
+      <mc:AlternateContent xmlns:mc="http://schemas.openxmlformats.org/markup-compatibility/2006" xmlns:a14="http://schemas.microsoft.com/office/drawing/2010/main">
+        <mc:Choice Requires="a14">
           <p:sp>
             <p:nvSpPr>
               <p:cNvPr id="18" name="Прямоугольник 17"/>
@@ -13376,7 +13297,7 @@
             </p:txBody>
           </p:sp>
         </mc:Choice>
-        <mc:Fallback>
+        <mc:Fallback xmlns="">
           <p:sp>
             <p:nvSpPr>
               <p:cNvPr id="18" name="Прямоугольник 17"/>
@@ -13604,11 +13525,7 @@
           <a:p>
             <a:r>
               <a:rPr lang="ru-RU" sz="2400" dirty="0" smtClean="0"/>
-              <a:t>Определение необходимого и достаточного уровня метрик качества для задачи </a:t>
-            </a:r>
-            <a:r>
-              <a:rPr lang="ru-RU" sz="2400" dirty="0" smtClean="0"/>
-              <a:t>классификации</a:t>
+              <a:t>Определение необходимого и достаточного уровня метрик качества для задачи классификации</a:t>
             </a:r>
             <a:r>
               <a:rPr lang="en-US" sz="2400" dirty="0" smtClean="0"/>
@@ -13616,15 +13533,7 @@
             </a:r>
             <a:r>
               <a:rPr lang="ru-RU" sz="2400" dirty="0" smtClean="0"/>
-              <a:t>и </a:t>
-            </a:r>
-            <a:r>
-              <a:rPr lang="ru-RU" sz="2400" dirty="0" smtClean="0"/>
-              <a:t>результат </a:t>
-            </a:r>
-            <a:r>
-              <a:rPr lang="ru-RU" sz="2400" dirty="0" smtClean="0"/>
-              <a:t>исследования модели </a:t>
+              <a:t>и результат исследования модели </a:t>
             </a:r>
             <a:r>
               <a:rPr lang="en-US" sz="2400" dirty="0" smtClean="0"/>
@@ -14010,7 +13919,7 @@
         </p:nvSpPr>
         <p:spPr>
           <a:xfrm>
-            <a:off x="319703" y="200416"/>
+            <a:off x="593000" y="199104"/>
             <a:ext cx="11185742" cy="461665"/>
           </a:xfrm>
           <a:prstGeom prst="rect">
@@ -14026,7 +13935,15 @@
           <a:p>
             <a:r>
               <a:rPr lang="ru-RU" sz="2400" dirty="0" smtClean="0"/>
-              <a:t>Сравнение результатов метрик сетей сегментации изображений</a:t>
+              <a:t>Сравнение результатов метрик сетей </a:t>
+            </a:r>
+            <a:r>
+              <a:rPr lang="ru-RU" sz="2400" dirty="0" smtClean="0"/>
+              <a:t>для сегментации </a:t>
+            </a:r>
+            <a:r>
+              <a:rPr lang="ru-RU" sz="2400" dirty="0" smtClean="0"/>
+              <a:t>изображений</a:t>
             </a:r>
             <a:endParaRPr lang="ru-RU" sz="2400" dirty="0"/>
           </a:p>

--- a/Отчет/ВКР презентация.pptx
+++ b/Отчет/ВКР презентация.pptx
@@ -238,7 +238,7 @@
           <a:p>
             <a:fld id="{A7330053-4594-4EF0-A624-A7743D5CE3F2}" type="datetimeFigureOut">
               <a:rPr lang="ru-RU" smtClean="0"/>
-              <a:t>14.06.2021</a:t>
+              <a:t>15.06.2021</a:t>
             </a:fld>
             <a:endParaRPr lang="ru-RU"/>
           </a:p>
@@ -696,7 +696,7 @@
           <a:p>
             <a:fld id="{91AD58AA-AB18-43F0-9D13-6890393342C7}" type="datetime1">
               <a:rPr lang="ru-RU" smtClean="0"/>
-              <a:t>14.06.2021</a:t>
+              <a:t>15.06.2021</a:t>
             </a:fld>
             <a:endParaRPr lang="ru-RU"/>
           </a:p>
@@ -1132,7 +1132,7 @@
           <a:p>
             <a:fld id="{E81BD1FD-DA80-4FA8-97C3-1C1FE38AC961}" type="datetime1">
               <a:rPr lang="ru-RU" smtClean="0"/>
-              <a:t>14.06.2021</a:t>
+              <a:t>15.06.2021</a:t>
             </a:fld>
             <a:endParaRPr lang="ru-RU"/>
           </a:p>
@@ -1383,7 +1383,7 @@
           <a:p>
             <a:fld id="{E81BD1FD-DA80-4FA8-97C3-1C1FE38AC961}" type="datetime1">
               <a:rPr lang="ru-RU" smtClean="0"/>
-              <a:t>14.06.2021</a:t>
+              <a:t>15.06.2021</a:t>
             </a:fld>
             <a:endParaRPr lang="ru-RU"/>
           </a:p>
@@ -1692,7 +1692,7 @@
           <a:p>
             <a:fld id="{E81BD1FD-DA80-4FA8-97C3-1C1FE38AC961}" type="datetime1">
               <a:rPr lang="ru-RU" smtClean="0"/>
-              <a:t>14.06.2021</a:t>
+              <a:t>15.06.2021</a:t>
             </a:fld>
             <a:endParaRPr lang="ru-RU"/>
           </a:p>
@@ -2011,7 +2011,7 @@
           <a:p>
             <a:fld id="{E81BD1FD-DA80-4FA8-97C3-1C1FE38AC961}" type="datetime1">
               <a:rPr lang="ru-RU" smtClean="0"/>
-              <a:t>14.06.2021</a:t>
+              <a:t>15.06.2021</a:t>
             </a:fld>
             <a:endParaRPr lang="ru-RU"/>
           </a:p>
@@ -2314,7 +2314,7 @@
           <a:p>
             <a:fld id="{E81BD1FD-DA80-4FA8-97C3-1C1FE38AC961}" type="datetime1">
               <a:rPr lang="ru-RU" smtClean="0"/>
-              <a:t>14.06.2021</a:t>
+              <a:t>15.06.2021</a:t>
             </a:fld>
             <a:endParaRPr lang="ru-RU"/>
           </a:p>
@@ -2682,7 +2682,7 @@
           <a:p>
             <a:fld id="{E81BD1FD-DA80-4FA8-97C3-1C1FE38AC961}" type="datetime1">
               <a:rPr lang="ru-RU" smtClean="0"/>
-              <a:t>14.06.2021</a:t>
+              <a:t>15.06.2021</a:t>
             </a:fld>
             <a:endParaRPr lang="ru-RU"/>
           </a:p>
@@ -2857,7 +2857,7 @@
           <a:p>
             <a:fld id="{574BEDB4-4E46-4D7F-AB67-CFE556E60C5B}" type="datetime1">
               <a:rPr lang="ru-RU" smtClean="0"/>
-              <a:t>14.06.2021</a:t>
+              <a:t>15.06.2021</a:t>
             </a:fld>
             <a:endParaRPr lang="ru-RU"/>
           </a:p>
@@ -3037,7 +3037,7 @@
           <a:p>
             <a:fld id="{F4341E52-93B4-4DBE-8FA9-3FE7D7ACA5AE}" type="datetime1">
               <a:rPr lang="ru-RU" smtClean="0"/>
-              <a:t>14.06.2021</a:t>
+              <a:t>15.06.2021</a:t>
             </a:fld>
             <a:endParaRPr lang="ru-RU"/>
           </a:p>
@@ -3207,7 +3207,7 @@
           <a:p>
             <a:fld id="{65B308FD-C0D5-4D99-8CF9-584A53B93F4C}" type="datetime1">
               <a:rPr lang="ru-RU" smtClean="0"/>
-              <a:t>14.06.2021</a:t>
+              <a:t>15.06.2021</a:t>
             </a:fld>
             <a:endParaRPr lang="ru-RU"/>
           </a:p>
@@ -3457,7 +3457,7 @@
           <a:p>
             <a:fld id="{452272BB-91C1-484A-8EA2-89DA24B6DDEB}" type="datetime1">
               <a:rPr lang="ru-RU" smtClean="0"/>
-              <a:t>14.06.2021</a:t>
+              <a:t>15.06.2021</a:t>
             </a:fld>
             <a:endParaRPr lang="ru-RU"/>
           </a:p>
@@ -3693,7 +3693,7 @@
           <a:p>
             <a:fld id="{17FC9375-F314-4DA4-8571-4F359A6F3935}" type="datetime1">
               <a:rPr lang="ru-RU" smtClean="0"/>
-              <a:t>14.06.2021</a:t>
+              <a:t>15.06.2021</a:t>
             </a:fld>
             <a:endParaRPr lang="ru-RU"/>
           </a:p>
@@ -4075,7 +4075,7 @@
           <a:p>
             <a:fld id="{A441BDA7-ED74-4141-9BF8-C6132750F56B}" type="datetime1">
               <a:rPr lang="ru-RU" smtClean="0"/>
-              <a:t>14.06.2021</a:t>
+              <a:t>15.06.2021</a:t>
             </a:fld>
             <a:endParaRPr lang="ru-RU"/>
           </a:p>
@@ -4193,7 +4193,7 @@
           <a:p>
             <a:fld id="{35237187-31C8-4DBA-8617-408CF0A7CD49}" type="datetime1">
               <a:rPr lang="ru-RU" smtClean="0"/>
-              <a:t>14.06.2021</a:t>
+              <a:t>15.06.2021</a:t>
             </a:fld>
             <a:endParaRPr lang="ru-RU"/>
           </a:p>
@@ -4288,7 +4288,7 @@
           <a:p>
             <a:fld id="{53474F57-7475-4E03-BCC4-0C12527C8437}" type="datetime1">
               <a:rPr lang="ru-RU" smtClean="0"/>
-              <a:t>14.06.2021</a:t>
+              <a:t>15.06.2021</a:t>
             </a:fld>
             <a:endParaRPr lang="ru-RU"/>
           </a:p>
@@ -4543,7 +4543,7 @@
           <a:p>
             <a:fld id="{43A1043A-02FF-4B0D-9AF7-CD3D6817282F}" type="datetime1">
               <a:rPr lang="ru-RU" smtClean="0"/>
-              <a:t>14.06.2021</a:t>
+              <a:t>15.06.2021</a:t>
             </a:fld>
             <a:endParaRPr lang="ru-RU"/>
           </a:p>
@@ -4826,7 +4826,7 @@
           <a:p>
             <a:fld id="{E452ECC8-1CF5-450E-8954-4667E039F486}" type="datetime1">
               <a:rPr lang="ru-RU" smtClean="0"/>
-              <a:t>14.06.2021</a:t>
+              <a:t>15.06.2021</a:t>
             </a:fld>
             <a:endParaRPr lang="ru-RU"/>
           </a:p>
@@ -5232,7 +5232,7 @@
           <a:p>
             <a:fld id="{E81BD1FD-DA80-4FA8-97C3-1C1FE38AC961}" type="datetime1">
               <a:rPr lang="ru-RU" smtClean="0"/>
-              <a:t>14.06.2021</a:t>
+              <a:t>15.06.2021</a:t>
             </a:fld>
             <a:endParaRPr lang="ru-RU"/>
           </a:p>
@@ -6410,15 +6410,7 @@
             </a:r>
             <a:r>
               <a:rPr lang="ru-RU" sz="2400" dirty="0" smtClean="0"/>
-              <a:t>обработки </a:t>
-            </a:r>
-            <a:r>
-              <a:rPr lang="ru-RU" sz="2400" dirty="0" smtClean="0"/>
-              <a:t>сетей для </a:t>
-            </a:r>
-            <a:r>
-              <a:rPr lang="ru-RU" sz="2400" dirty="0" smtClean="0"/>
-              <a:t>сегментации изображений</a:t>
+              <a:t>обработки сетей для сегментации изображений</a:t>
             </a:r>
             <a:endParaRPr lang="ru-RU" sz="2400" dirty="0"/>
           </a:p>
@@ -13935,15 +13927,7 @@
           <a:p>
             <a:r>
               <a:rPr lang="ru-RU" sz="2400" dirty="0" smtClean="0"/>
-              <a:t>Сравнение результатов метрик сетей </a:t>
-            </a:r>
-            <a:r>
-              <a:rPr lang="ru-RU" sz="2400" dirty="0" smtClean="0"/>
-              <a:t>для сегментации </a:t>
-            </a:r>
-            <a:r>
-              <a:rPr lang="ru-RU" sz="2400" dirty="0" smtClean="0"/>
-              <a:t>изображений</a:t>
+              <a:t>Сравнение результатов метрик сетей для сегментации изображений</a:t>
             </a:r>
             <a:endParaRPr lang="ru-RU" sz="2400" dirty="0"/>
           </a:p>

--- a/Отчет/ВКР презентация.pptx
+++ b/Отчет/ВКР презентация.pptx
@@ -5248,8 +5248,8 @@
           </a:p>
         </p:txBody>
       </p:sp>
-      <mc:AlternateContent xmlns:mc="http://schemas.openxmlformats.org/markup-compatibility/2006">
-        <mc:Choice xmlns:a14="http://schemas.microsoft.com/office/drawing/2010/main" Requires="a14">
+      <mc:AlternateContent xmlns:mc="http://schemas.openxmlformats.org/markup-compatibility/2006" xmlns:a14="http://schemas.microsoft.com/office/drawing/2010/main">
+        <mc:Choice Requires="a14">
           <p:sp>
             <p:nvSpPr>
               <p:cNvPr id="7" name="TextBox 6"/>
@@ -5472,7 +5472,7 @@
             </p:txBody>
           </p:sp>
         </mc:Choice>
-        <mc:Fallback>
+        <mc:Fallback xmlns="">
           <p:sp>
             <p:nvSpPr>
               <p:cNvPr id="7" name="TextBox 6"/>
@@ -5511,8 +5511,8 @@
           </p:sp>
         </mc:Fallback>
       </mc:AlternateContent>
-      <mc:AlternateContent xmlns:mc="http://schemas.openxmlformats.org/markup-compatibility/2006">
-        <mc:Choice xmlns:a14="http://schemas.microsoft.com/office/drawing/2010/main" Requires="a14">
+      <mc:AlternateContent xmlns:mc="http://schemas.openxmlformats.org/markup-compatibility/2006" xmlns:a14="http://schemas.microsoft.com/office/drawing/2010/main">
+        <mc:Choice Requires="a14">
           <p:sp>
             <p:nvSpPr>
               <p:cNvPr id="8" name="TextBox 7"/>
@@ -5763,7 +5763,7 @@
             </p:txBody>
           </p:sp>
         </mc:Choice>
-        <mc:Fallback>
+        <mc:Fallback xmlns="">
           <p:sp>
             <p:nvSpPr>
               <p:cNvPr id="8" name="TextBox 7"/>
@@ -5804,10 +5804,10 @@
       </mc:AlternateContent>
       <p:pic>
         <p:nvPicPr>
-          <p:cNvPr id="9" name="Рисунок 8">
+          <p:cNvPr id="10" name="Рисунок 9">
             <a:extLst>
               <a:ext uri="{FF2B5EF4-FFF2-40B4-BE49-F238E27FC236}">
-                <a16:creationId xmlns:a16="http://schemas.microsoft.com/office/drawing/2014/main" id="{371EC33B-FB16-4ACD-BFD3-ACFA123649B9}"/>
+                <a16:creationId xmlns:a16="http://schemas.microsoft.com/office/drawing/2014/main" id="{AECB14B8-2963-4C37-A119-EC74B261E826}"/>
               </a:ext>
             </a:extLst>
           </p:cNvPr>
@@ -5824,8 +5824,8 @@
         </p:blipFill>
         <p:spPr>
           <a:xfrm>
-            <a:off x="6200537" y="1136978"/>
-            <a:ext cx="5532974" cy="3672000"/>
+            <a:off x="441039" y="1136978"/>
+            <a:ext cx="5492418" cy="3672000"/>
           </a:xfrm>
           <a:prstGeom prst="rect">
             <a:avLst/>
@@ -5834,10 +5834,10 @@
       </p:pic>
       <p:pic>
         <p:nvPicPr>
-          <p:cNvPr id="11" name="Рисунок 10">
+          <p:cNvPr id="13" name="Рисунок 12">
             <a:extLst>
               <a:ext uri="{FF2B5EF4-FFF2-40B4-BE49-F238E27FC236}">
-                <a16:creationId xmlns:a16="http://schemas.microsoft.com/office/drawing/2014/main" id="{12945B7D-2F61-4069-BDF9-1AFEF6D4BAB4}"/>
+                <a16:creationId xmlns:a16="http://schemas.microsoft.com/office/drawing/2014/main" id="{EB0A0D85-471F-40FE-BADF-BFB2C461BA6F}"/>
               </a:ext>
             </a:extLst>
           </p:cNvPr>
@@ -5854,8 +5854,8 @@
         </p:blipFill>
         <p:spPr>
           <a:xfrm>
-            <a:off x="514695" y="1136978"/>
-            <a:ext cx="5476769" cy="3672000"/>
+            <a:off x="6267941" y="1136978"/>
+            <a:ext cx="5483020" cy="3672000"/>
           </a:xfrm>
           <a:prstGeom prst="rect">
             <a:avLst/>

--- a/Отчет/ВКР презентация.pptx
+++ b/Отчет/ВКР презентация.pptx
@@ -240,7 +240,7 @@
           <a:p>
             <a:fld id="{A7330053-4594-4EF0-A624-A7743D5CE3F2}" type="datetimeFigureOut">
               <a:rPr lang="ru-RU" smtClean="0"/>
-              <a:t>15.06.2021</a:t>
+              <a:t>16.06.2021</a:t>
             </a:fld>
             <a:endParaRPr lang="ru-RU"/>
           </a:p>
@@ -1538,7 +1538,7 @@
           <a:p>
             <a:fld id="{91AD58AA-AB18-43F0-9D13-6890393342C7}" type="datetime1">
               <a:rPr lang="ru-RU" smtClean="0"/>
-              <a:t>15.06.2021</a:t>
+              <a:t>16.06.2021</a:t>
             </a:fld>
             <a:endParaRPr lang="ru-RU"/>
           </a:p>
@@ -1706,7 +1706,7 @@
           <a:p>
             <a:fld id="{574BEDB4-4E46-4D7F-AB67-CFE556E60C5B}" type="datetime1">
               <a:rPr lang="ru-RU" smtClean="0"/>
-              <a:t>15.06.2021</a:t>
+              <a:t>16.06.2021</a:t>
             </a:fld>
             <a:endParaRPr lang="ru-RU"/>
           </a:p>
@@ -1884,7 +1884,7 @@
           <a:p>
             <a:fld id="{F4341E52-93B4-4DBE-8FA9-3FE7D7ACA5AE}" type="datetime1">
               <a:rPr lang="ru-RU" smtClean="0"/>
-              <a:t>15.06.2021</a:t>
+              <a:t>16.06.2021</a:t>
             </a:fld>
             <a:endParaRPr lang="ru-RU"/>
           </a:p>
@@ -2052,7 +2052,7 @@
           <a:p>
             <a:fld id="{65B308FD-C0D5-4D99-8CF9-584A53B93F4C}" type="datetime1">
               <a:rPr lang="ru-RU" smtClean="0"/>
-              <a:t>15.06.2021</a:t>
+              <a:t>16.06.2021</a:t>
             </a:fld>
             <a:endParaRPr lang="ru-RU"/>
           </a:p>
@@ -2297,7 +2297,7 @@
           <a:p>
             <a:fld id="{452272BB-91C1-484A-8EA2-89DA24B6DDEB}" type="datetime1">
               <a:rPr lang="ru-RU" smtClean="0"/>
-              <a:t>15.06.2021</a:t>
+              <a:t>16.06.2021</a:t>
             </a:fld>
             <a:endParaRPr lang="ru-RU"/>
           </a:p>
@@ -2526,7 +2526,7 @@
           <a:p>
             <a:fld id="{17FC9375-F314-4DA4-8571-4F359A6F3935}" type="datetime1">
               <a:rPr lang="ru-RU" smtClean="0"/>
-              <a:t>15.06.2021</a:t>
+              <a:t>16.06.2021</a:t>
             </a:fld>
             <a:endParaRPr lang="ru-RU"/>
           </a:p>
@@ -2890,7 +2890,7 @@
           <a:p>
             <a:fld id="{A441BDA7-ED74-4141-9BF8-C6132750F56B}" type="datetime1">
               <a:rPr lang="ru-RU" smtClean="0"/>
-              <a:t>15.06.2021</a:t>
+              <a:t>16.06.2021</a:t>
             </a:fld>
             <a:endParaRPr lang="ru-RU"/>
           </a:p>
@@ -3007,7 +3007,7 @@
           <a:p>
             <a:fld id="{35237187-31C8-4DBA-8617-408CF0A7CD49}" type="datetime1">
               <a:rPr lang="ru-RU" smtClean="0"/>
-              <a:t>15.06.2021</a:t>
+              <a:t>16.06.2021</a:t>
             </a:fld>
             <a:endParaRPr lang="ru-RU"/>
           </a:p>
@@ -3102,7 +3102,7 @@
           <a:p>
             <a:fld id="{53474F57-7475-4E03-BCC4-0C12527C8437}" type="datetime1">
               <a:rPr lang="ru-RU" smtClean="0"/>
-              <a:t>15.06.2021</a:t>
+              <a:t>16.06.2021</a:t>
             </a:fld>
             <a:endParaRPr lang="ru-RU"/>
           </a:p>
@@ -3377,7 +3377,7 @@
           <a:p>
             <a:fld id="{43A1043A-02FF-4B0D-9AF7-CD3D6817282F}" type="datetime1">
               <a:rPr lang="ru-RU" smtClean="0"/>
-              <a:t>15.06.2021</a:t>
+              <a:t>16.06.2021</a:t>
             </a:fld>
             <a:endParaRPr lang="ru-RU"/>
           </a:p>
@@ -3629,7 +3629,7 @@
           <a:p>
             <a:fld id="{E452ECC8-1CF5-450E-8954-4667E039F486}" type="datetime1">
               <a:rPr lang="ru-RU" smtClean="0"/>
-              <a:t>15.06.2021</a:t>
+              <a:t>16.06.2021</a:t>
             </a:fld>
             <a:endParaRPr lang="ru-RU"/>
           </a:p>
@@ -3840,7 +3840,7 @@
           <a:p>
             <a:fld id="{E81BD1FD-DA80-4FA8-97C3-1C1FE38AC961}" type="datetime1">
               <a:rPr lang="ru-RU" smtClean="0"/>
-              <a:t>15.06.2021</a:t>
+              <a:t>16.06.2021</a:t>
             </a:fld>
             <a:endParaRPr lang="ru-RU"/>
           </a:p>
@@ -5804,10 +5804,10 @@
       </mc:AlternateContent>
       <p:pic>
         <p:nvPicPr>
-          <p:cNvPr id="10" name="Рисунок 9">
+          <p:cNvPr id="12" name="Рисунок 11">
             <a:extLst>
               <a:ext uri="{FF2B5EF4-FFF2-40B4-BE49-F238E27FC236}">
-                <a16:creationId xmlns:a16="http://schemas.microsoft.com/office/drawing/2014/main" id="{AECB14B8-2963-4C37-A119-EC74B261E826}"/>
+                <a16:creationId xmlns:a16="http://schemas.microsoft.com/office/drawing/2014/main" id="{0BF4D161-06EA-4C62-B52E-835D317EA72C}"/>
               </a:ext>
             </a:extLst>
           </p:cNvPr>
@@ -5825,7 +5825,7 @@
         <p:spPr>
           <a:xfrm>
             <a:off x="441039" y="1136978"/>
-            <a:ext cx="5492418" cy="3672000"/>
+            <a:ext cx="5464581" cy="3672000"/>
           </a:xfrm>
           <a:prstGeom prst="rect">
             <a:avLst/>
@@ -5834,10 +5834,10 @@
       </p:pic>
       <p:pic>
         <p:nvPicPr>
-          <p:cNvPr id="13" name="Рисунок 12">
+          <p:cNvPr id="15" name="Рисунок 14">
             <a:extLst>
               <a:ext uri="{FF2B5EF4-FFF2-40B4-BE49-F238E27FC236}">
-                <a16:creationId xmlns:a16="http://schemas.microsoft.com/office/drawing/2014/main" id="{EB0A0D85-471F-40FE-BADF-BFB2C461BA6F}"/>
+                <a16:creationId xmlns:a16="http://schemas.microsoft.com/office/drawing/2014/main" id="{99B940A0-16B5-43CC-ABEF-6773BFA0682B}"/>
               </a:ext>
             </a:extLst>
           </p:cNvPr>
@@ -5854,8 +5854,8 @@
         </p:blipFill>
         <p:spPr>
           <a:xfrm>
-            <a:off x="6267941" y="1136978"/>
-            <a:ext cx="5483020" cy="3672000"/>
+            <a:off x="6277134" y="1136978"/>
+            <a:ext cx="5473827" cy="3672000"/>
           </a:xfrm>
           <a:prstGeom prst="rect">
             <a:avLst/>

--- a/Отчет/ВКР презентация.pptx
+++ b/Отчет/ВКР презентация.pptx
@@ -6165,8 +6165,8 @@
         </p:nvSpPr>
         <p:spPr>
           <a:xfrm>
-            <a:off x="414721" y="637098"/>
-            <a:ext cx="8534400" cy="1111803"/>
+            <a:off x="414721" y="199777"/>
+            <a:ext cx="8534400" cy="825942"/>
           </a:xfrm>
         </p:spPr>
         <p:txBody>
@@ -6198,8 +6198,8 @@
         </p:nvSpPr>
         <p:spPr>
           <a:xfrm>
-            <a:off x="414721" y="1748901"/>
-            <a:ext cx="11152884" cy="3829574"/>
+            <a:off x="414721" y="961721"/>
+            <a:ext cx="11152884" cy="4607449"/>
           </a:xfrm>
           <a:ln>
             <a:noFill/>
@@ -6379,25 +6379,7 @@
                 </a:solidFill>
                 <a:ea typeface="Times New Roman" panose="02020603050405020304" pitchFamily="18" charset="0"/>
               </a:rPr>
-              <a:t> нейронной сети методом </a:t>
-            </a:r>
-            <a:r>
-              <a:rPr lang="ru-RU" sz="2400" dirty="0" err="1">
-                <a:solidFill>
-                  <a:schemeClr val="tx1"/>
-                </a:solidFill>
-                <a:ea typeface="Times New Roman" panose="02020603050405020304" pitchFamily="18" charset="0"/>
-              </a:rPr>
-              <a:t>Ксавье</a:t>
-            </a:r>
-            <a:r>
-              <a:rPr lang="ru-RU" sz="2400" dirty="0">
-                <a:solidFill>
-                  <a:schemeClr val="tx1"/>
-                </a:solidFill>
-                <a:ea typeface="Times New Roman" panose="02020603050405020304" pitchFamily="18" charset="0"/>
-              </a:rPr>
-              <a:t>, что увеличило значение метрики качества с 0,0054 до 0,25.</a:t>
+              <a:t> нейронной сети методом Ксавье, что увеличило значение метрики качества с 0,0054 до 0,25. А после увеличения обучающей выборки метрика качества достигла значения 0.56</a:t>
             </a:r>
           </a:p>
         </p:txBody>
@@ -7527,7 +7509,7 @@
             <a:pPr algn="just"/>
             <a:r>
               <a:rPr lang="ru-RU" dirty="0"/>
-              <a:t>Решение данной задачи, позволяющее вести независимое наблюдение за потоком кораблей, позволит избежать застоя кораблей, как это было недавно в Суэцком канале. Данный инцидент стоил компаниям в совокупности 400 млн </a:t>
+              <a:t>Решение данной задачи, позволяющее вести независимое наблюдение за потоком кораблей, позволит избежать застоя морских судов, как это было недавно в Суэцком канале. Данный инцидент стоил компаниям в совокупности 400 млн </a:t>
             </a:r>
             <a:r>
               <a:rPr lang="en-US" dirty="0"/>
@@ -8015,7 +7997,7 @@
             <a:pPr algn="ctr"/>
             <a:r>
               <a:rPr lang="ru-RU" dirty="0"/>
-              <a:t>Образец с помеченными пикселями истинных ответов из табличных данных</a:t>
+              <a:t>Образец с декодированными пикселями истинных ответов из табличных данных</a:t>
             </a:r>
           </a:p>
         </p:txBody>
@@ -10254,8 +10236,8 @@
           </a:p>
         </p:txBody>
       </p:sp>
-      <mc:AlternateContent xmlns:mc="http://schemas.openxmlformats.org/markup-compatibility/2006" xmlns:a14="http://schemas.microsoft.com/office/drawing/2010/main">
-        <mc:Choice Requires="a14">
+      <mc:AlternateContent xmlns:mc="http://schemas.openxmlformats.org/markup-compatibility/2006">
+        <mc:Choice xmlns:a14="http://schemas.microsoft.com/office/drawing/2010/main" Requires="a14">
           <p:sp>
             <p:nvSpPr>
               <p:cNvPr id="17" name="Прямоугольник 16"/>
@@ -10462,10 +10444,16 @@
                 </a:r>
                 <a:r>
                   <a:rPr lang="ru-RU" altLang="ru-RU" dirty="0">
+                    <a:ea typeface="Cambria Math" panose="02040503050406030204" pitchFamily="18" charset="0"/>
+                  </a:rPr>
+                  <a:t>на</a:t>
+                </a:r>
+                <a:r>
+                  <a:rPr lang="ru-RU" altLang="ru-RU" dirty="0">
                     <a:effectLst/>
                     <a:ea typeface="Times New Roman" panose="02020603050405020304" pitchFamily="18" charset="0"/>
                   </a:rPr>
-                  <a:t>и заданном наборе элементов </a:t>
+                  <a:t> заданном наборе элементов </a:t>
                 </a:r>
                 <a14:m>
                   <m:oMath xmlns:m="http://schemas.openxmlformats.org/officeDocument/2006/math">
@@ -10677,7 +10665,7 @@
             </p:txBody>
           </p:sp>
         </mc:Choice>
-        <mc:Fallback xmlns="">
+        <mc:Fallback>
           <p:sp>
             <p:nvSpPr>
               <p:cNvPr id="17" name="Прямоугольник 16"/>
@@ -11138,7 +11126,15 @@
             </a:r>
             <a:r>
               <a:rPr lang="ru-RU" i="1" dirty="0"/>
-              <a:t>0.9175 </a:t>
+              <a:t>0.9</a:t>
+            </a:r>
+            <a:r>
+              <a:rPr lang="en-US" i="1" dirty="0"/>
+              <a:t>2</a:t>
+            </a:r>
+            <a:r>
+              <a:rPr lang="ru-RU" i="1" dirty="0"/>
+              <a:t> </a:t>
             </a:r>
           </a:p>
         </p:txBody>

--- a/Отчет/ВКР презентация.pptx
+++ b/Отчет/ВКР презентация.pptx
@@ -6315,7 +6315,7 @@
                 </a:solidFill>
                 <a:ea typeface="Times New Roman" panose="02020603050405020304" pitchFamily="18" charset="0"/>
               </a:rPr>
-              <a:t>, что позволило достичь точности классификации в 92.7% случаев. </a:t>
+              <a:t>, что позволило достичь точности классификации в 92% случаев. </a:t>
             </a:r>
             <a:endParaRPr lang="en-US" sz="2400" dirty="0">
               <a:solidFill>
@@ -10236,8 +10236,8 @@
           </a:p>
         </p:txBody>
       </p:sp>
-      <mc:AlternateContent xmlns:mc="http://schemas.openxmlformats.org/markup-compatibility/2006">
-        <mc:Choice xmlns:a14="http://schemas.microsoft.com/office/drawing/2010/main" Requires="a14">
+      <mc:AlternateContent xmlns:mc="http://schemas.openxmlformats.org/markup-compatibility/2006" xmlns:a14="http://schemas.microsoft.com/office/drawing/2010/main">
+        <mc:Choice Requires="a14">
           <p:sp>
             <p:nvSpPr>
               <p:cNvPr id="17" name="Прямоугольник 16"/>
@@ -10665,7 +10665,7 @@
             </p:txBody>
           </p:sp>
         </mc:Choice>
-        <mc:Fallback>
+        <mc:Fallback xmlns="">
           <p:sp>
             <p:nvSpPr>
               <p:cNvPr id="17" name="Прямоугольник 16"/>

--- a/Отчет/ВКР презентация.pptx
+++ b/Отчет/ВКР презентация.pptx
@@ -4700,6 +4700,13 @@
   <p:clrMapOvr>
     <a:masterClrMapping/>
   </p:clrMapOvr>
+  <p:timing>
+    <p:tnLst>
+      <p:par>
+        <p:cTn id="1" dur="indefinite" restart="never" nodeType="tmRoot"/>
+      </p:par>
+    </p:tnLst>
+  </p:timing>
 </p:sld>
 </file>
 
@@ -7532,6 +7539,13 @@
   <p:clrMapOvr>
     <a:masterClrMapping/>
   </p:clrMapOvr>
+  <p:timing>
+    <p:tnLst>
+      <p:par>
+        <p:cTn id="1" dur="indefinite" restart="never" nodeType="tmRoot"/>
+      </p:par>
+    </p:tnLst>
+  </p:timing>
 </p:sld>
 </file>
 
@@ -7796,6 +7810,13 @@
   <p:clrMapOvr>
     <a:masterClrMapping/>
   </p:clrMapOvr>
+  <p:timing>
+    <p:tnLst>
+      <p:par>
+        <p:cTn id="1" dur="indefinite" restart="never" nodeType="tmRoot"/>
+      </p:par>
+    </p:tnLst>
+  </p:timing>
 </p:sld>
 </file>
 
@@ -8012,6 +8033,13 @@
   <p:clrMapOvr>
     <a:masterClrMapping/>
   </p:clrMapOvr>
+  <p:timing>
+    <p:tnLst>
+      <p:par>
+        <p:cTn id="1" dur="indefinite" restart="never" nodeType="tmRoot"/>
+      </p:par>
+    </p:tnLst>
+  </p:timing>
 </p:sld>
 </file>
 
@@ -8218,6 +8246,13 @@
   <p:clrMapOvr>
     <a:masterClrMapping/>
   </p:clrMapOvr>
+  <p:timing>
+    <p:tnLst>
+      <p:par>
+        <p:cTn id="1" dur="indefinite" restart="never" nodeType="tmRoot"/>
+      </p:par>
+    </p:tnLst>
+  </p:timing>
 </p:sld>
 </file>
 
@@ -10154,6 +10189,13 @@
   <p:clrMapOvr>
     <a:masterClrMapping/>
   </p:clrMapOvr>
+  <p:timing>
+    <p:tnLst>
+      <p:par>
+        <p:cTn id="1" dur="indefinite" restart="never" nodeType="tmRoot"/>
+      </p:par>
+    </p:tnLst>
+  </p:timing>
 </p:sld>
 </file>
 
@@ -10236,8 +10278,8 @@
           </a:p>
         </p:txBody>
       </p:sp>
-      <mc:AlternateContent xmlns:mc="http://schemas.openxmlformats.org/markup-compatibility/2006" xmlns:a14="http://schemas.microsoft.com/office/drawing/2010/main">
-        <mc:Choice Requires="a14">
+      <mc:AlternateContent xmlns:mc="http://schemas.openxmlformats.org/markup-compatibility/2006">
+        <mc:Choice xmlns:a14="http://schemas.microsoft.com/office/drawing/2010/main" Requires="a14">
           <p:sp>
             <p:nvSpPr>
               <p:cNvPr id="17" name="Прямоугольник 16"/>
@@ -10343,14 +10385,27 @@
                     <a:effectLst/>
                     <a:ea typeface="Cambria Math" panose="02040503050406030204" pitchFamily="18" charset="0"/>
                   </a:rPr>
-                  <a:t>𝜉: 𝛺 → 𝑥 </a:t>
+                  <a:t>𝜉: 𝛺 → </a:t>
+                </a:r>
+                <a:r>
+                  <a:rPr lang="ru-RU" altLang="ru-RU" dirty="0">
+                    <a:ea typeface="Cambria Math" panose="02040503050406030204" pitchFamily="18" charset="0"/>
+                  </a:rPr>
+                  <a:t>𝑋 </a:t>
+                </a:r>
+                <a:r>
+                  <a:rPr lang="ru-RU" altLang="ru-RU" dirty="0" smtClean="0">
+                    <a:effectLst/>
+                    <a:ea typeface="Times New Roman" panose="02020603050405020304" pitchFamily="18" charset="0"/>
+                  </a:rPr>
+                  <a:t>– случайное </a:t>
                 </a:r>
                 <a:r>
                   <a:rPr lang="ru-RU" altLang="ru-RU" dirty="0">
                     <a:effectLst/>
                     <a:ea typeface="Times New Roman" panose="02020603050405020304" pitchFamily="18" charset="0"/>
                   </a:rPr>
-                  <a:t>–случайное изображение из </a:t>
+                  <a:t>изображение из </a:t>
                 </a:r>
                 <a:r>
                   <a:rPr lang="ru-RU" altLang="ru-RU" dirty="0">
@@ -10371,7 +10426,13 @@
                     <a:effectLst/>
                     <a:ea typeface="Cambria Math" panose="02040503050406030204" pitchFamily="18" charset="0"/>
                   </a:rPr>
-                  <a:t>𝜂: 𝛺 → 𝑦 </a:t>
+                  <a:t>𝜂: 𝛺 → </a:t>
+                </a:r>
+                <a:r>
+                  <a:rPr lang="ru-RU" altLang="ru-RU" dirty="0">
+                    <a:ea typeface="Cambria Math" panose="02040503050406030204" pitchFamily="18" charset="0"/>
+                  </a:rPr>
+                  <a:t>𝑌 </a:t>
                 </a:r>
                 <a:r>
                   <a:rPr lang="ru-RU" altLang="ru-RU" dirty="0">
@@ -10443,17 +10504,24 @@
                   <a:t>𝑝(𝑥|𝑦) </a:t>
                 </a:r>
                 <a:r>
-                  <a:rPr lang="ru-RU" altLang="ru-RU" dirty="0">
+                  <a:rPr lang="ru-RU" altLang="ru-RU" dirty="0" smtClean="0">
                     <a:ea typeface="Cambria Math" panose="02040503050406030204" pitchFamily="18" charset="0"/>
                   </a:rPr>
-                  <a:t>на</a:t>
+                  <a:t>при</a:t>
+                </a:r>
+                <a:r>
+                  <a:rPr lang="ru-RU" altLang="ru-RU" dirty="0" smtClean="0">
+                    <a:effectLst/>
+                    <a:ea typeface="Times New Roman" panose="02020603050405020304" pitchFamily="18" charset="0"/>
+                  </a:rPr>
+                  <a:t> </a:t>
                 </a:r>
                 <a:r>
                   <a:rPr lang="ru-RU" altLang="ru-RU" dirty="0">
                     <a:effectLst/>
                     <a:ea typeface="Times New Roman" panose="02020603050405020304" pitchFamily="18" charset="0"/>
                   </a:rPr>
-                  <a:t> заданном наборе элементов </a:t>
+                  <a:t>заданном наборе элементов </a:t>
                 </a:r>
                 <a14:m>
                   <m:oMath xmlns:m="http://schemas.openxmlformats.org/officeDocument/2006/math">
@@ -10665,7 +10733,7 @@
             </p:txBody>
           </p:sp>
         </mc:Choice>
-        <mc:Fallback xmlns="">
+        <mc:Fallback>
           <p:sp>
             <p:nvSpPr>
               <p:cNvPr id="17" name="Прямоугольник 16"/>
@@ -10897,6 +10965,13 @@
   <p:clrMapOvr>
     <a:masterClrMapping/>
   </p:clrMapOvr>
+  <p:timing>
+    <p:tnLst>
+      <p:par>
+        <p:cTn id="1" dur="indefinite" restart="never" nodeType="tmRoot"/>
+      </p:par>
+    </p:tnLst>
+  </p:timing>
 </p:sld>
 </file>
 
@@ -11171,6 +11246,13 @@
   <p:clrMapOvr>
     <a:masterClrMapping/>
   </p:clrMapOvr>
+  <p:timing>
+    <p:tnLst>
+      <p:par>
+        <p:cTn id="1" dur="indefinite" restart="never" nodeType="tmRoot"/>
+      </p:par>
+    </p:tnLst>
+  </p:timing>
 </p:sld>
 </file>
 
@@ -11433,6 +11515,13 @@
   <p:clrMapOvr>
     <a:masterClrMapping/>
   </p:clrMapOvr>
+  <p:timing>
+    <p:tnLst>
+      <p:par>
+        <p:cTn id="1" dur="indefinite" restart="never" nodeType="tmRoot"/>
+      </p:par>
+    </p:tnLst>
+  </p:timing>
 </p:sld>
 </file>
 

--- a/Отчет/ВКР презентация.pptx
+++ b/Отчет/ВКР презентация.pptx
@@ -10278,8 +10278,8 @@
           </a:p>
         </p:txBody>
       </p:sp>
-      <mc:AlternateContent xmlns:mc="http://schemas.openxmlformats.org/markup-compatibility/2006">
-        <mc:Choice xmlns:a14="http://schemas.microsoft.com/office/drawing/2010/main" Requires="a14">
+      <mc:AlternateContent xmlns:mc="http://schemas.openxmlformats.org/markup-compatibility/2006" xmlns:a14="http://schemas.microsoft.com/office/drawing/2010/main">
+        <mc:Choice Requires="a14">
           <p:sp>
             <p:nvSpPr>
               <p:cNvPr id="17" name="Прямоугольник 16"/>
@@ -10733,7 +10733,7 @@
             </p:txBody>
           </p:sp>
         </mc:Choice>
-        <mc:Fallback>
+        <mc:Fallback xmlns="">
           <p:sp>
             <p:nvSpPr>
               <p:cNvPr id="17" name="Прямоугольник 16"/>

--- a/Отчет/ВКР презентация.pptx
+++ b/Отчет/ВКР презентация.pptx
@@ -5,7 +5,7 @@
     <p:sldMasterId id="2147483804" r:id="rId1"/>
   </p:sldMasterIdLst>
   <p:notesMasterIdLst>
-    <p:notesMasterId r:id="rId20"/>
+    <p:notesMasterId r:id="rId22"/>
   </p:notesMasterIdLst>
   <p:sldIdLst>
     <p:sldId id="256" r:id="rId2"/>
@@ -18,14 +18,16 @@
     <p:sldId id="327" r:id="rId9"/>
     <p:sldId id="342" r:id="rId10"/>
     <p:sldId id="343" r:id="rId11"/>
-    <p:sldId id="349" r:id="rId12"/>
-    <p:sldId id="344" r:id="rId13"/>
-    <p:sldId id="341" r:id="rId14"/>
-    <p:sldId id="284" r:id="rId15"/>
-    <p:sldId id="345" r:id="rId16"/>
-    <p:sldId id="346" r:id="rId17"/>
-    <p:sldId id="348" r:id="rId18"/>
-    <p:sldId id="347" r:id="rId19"/>
+    <p:sldId id="351" r:id="rId12"/>
+    <p:sldId id="350" r:id="rId13"/>
+    <p:sldId id="349" r:id="rId14"/>
+    <p:sldId id="344" r:id="rId15"/>
+    <p:sldId id="341" r:id="rId16"/>
+    <p:sldId id="284" r:id="rId17"/>
+    <p:sldId id="345" r:id="rId18"/>
+    <p:sldId id="346" r:id="rId19"/>
+    <p:sldId id="348" r:id="rId20"/>
+    <p:sldId id="347" r:id="rId21"/>
   </p:sldIdLst>
   <p:sldSz cx="12192000" cy="6858000"/>
   <p:notesSz cx="6858000" cy="9144000"/>
@@ -139,6 +141,8 @@
             <p14:sldId id="327"/>
             <p14:sldId id="342"/>
             <p14:sldId id="343"/>
+            <p14:sldId id="351"/>
+            <p14:sldId id="350"/>
             <p14:sldId id="349"/>
             <p14:sldId id="344"/>
             <p14:sldId id="341"/>
@@ -4788,8 +4792,17 @@
             </a:r>
             <a:r>
               <a:rPr lang="ru-RU" sz="2400" dirty="0"/>
-              <a:t>обработки сетей для сегментации изображений</a:t>
-            </a:r>
+              <a:t>обработки сетей для сегментации </a:t>
+            </a:r>
+            <a:r>
+              <a:rPr lang="ru-RU" sz="2400" dirty="0" smtClean="0"/>
+              <a:t>изображений</a:t>
+            </a:r>
+            <a:r>
+              <a:rPr lang="en-US" sz="2400" dirty="0" smtClean="0"/>
+              <a:t> - 1</a:t>
+            </a:r>
+            <a:endParaRPr lang="ru-RU" sz="2400" dirty="0"/>
           </a:p>
         </p:txBody>
       </p:sp>
@@ -4801,7 +4814,7 @@
         </p:nvSpPr>
         <p:spPr>
           <a:xfrm>
-            <a:off x="1308022" y="5993917"/>
+            <a:off x="4924059" y="6171684"/>
             <a:ext cx="2200990" cy="369332"/>
           </a:xfrm>
           <a:prstGeom prst="rect">
@@ -4826,342 +4839,24 @@
           </a:p>
         </p:txBody>
       </p:sp>
-      <p:sp>
-        <p:nvSpPr>
-          <p:cNvPr id="3" name="TextBox 2"/>
-          <p:cNvSpPr txBox="1"/>
-          <p:nvPr/>
-        </p:nvSpPr>
-        <p:spPr>
-          <a:xfrm>
-            <a:off x="4928107" y="6060108"/>
-            <a:ext cx="2030013" cy="369332"/>
-          </a:xfrm>
-          <a:prstGeom prst="rect">
-            <a:avLst/>
-          </a:prstGeom>
-          <a:noFill/>
-        </p:spPr>
-        <p:txBody>
-          <a:bodyPr wrap="square" rtlCol="0">
-            <a:spAutoFit/>
-          </a:bodyPr>
-          <a:lstStyle/>
-          <a:p>
-            <a:r>
-              <a:rPr lang="en-US" dirty="0" err="1"/>
-              <a:t>SegNet</a:t>
-            </a:r>
-            <a:r>
-              <a:rPr lang="ru-RU" dirty="0"/>
-              <a:t> – 100 эпох</a:t>
-            </a:r>
-          </a:p>
-        </p:txBody>
-      </p:sp>
-      <p:sp>
-        <p:nvSpPr>
-          <p:cNvPr id="8" name="TextBox 7"/>
-          <p:cNvSpPr txBox="1"/>
-          <p:nvPr/>
-        </p:nvSpPr>
-        <p:spPr>
-          <a:xfrm>
-            <a:off x="8591808" y="5985314"/>
-            <a:ext cx="2328440" cy="369332"/>
-          </a:xfrm>
-          <a:prstGeom prst="rect">
-            <a:avLst/>
-          </a:prstGeom>
-          <a:noFill/>
-        </p:spPr>
-        <p:txBody>
-          <a:bodyPr wrap="square" rtlCol="0">
-            <a:spAutoFit/>
-          </a:bodyPr>
-          <a:lstStyle/>
-          <a:p>
-            <a:r>
-              <a:rPr lang="en-US" dirty="0"/>
-              <a:t>FCN VGG16</a:t>
-            </a:r>
-            <a:r>
-              <a:rPr lang="ru-RU" dirty="0"/>
-              <a:t> – 50 эпох</a:t>
-            </a:r>
-          </a:p>
-        </p:txBody>
-      </p:sp>
       <p:pic>
         <p:nvPicPr>
-          <p:cNvPr id="10" name="Рисунок 9"/>
+          <p:cNvPr id="31" name="Рисунок 30"/>
           <p:cNvPicPr>
             <a:picLocks noChangeAspect="1"/>
           </p:cNvPicPr>
           <p:nvPr/>
         </p:nvPicPr>
-        <p:blipFill rotWithShape="1">
+        <p:blipFill>
           <a:blip r:embed="rId2"/>
-          <a:srcRect r="49437" b="74663"/>
-          <a:stretch/>
+          <a:stretch>
+            <a:fillRect/>
+          </a:stretch>
         </p:blipFill>
         <p:spPr>
           <a:xfrm>
-            <a:off x="937279" y="427245"/>
-            <a:ext cx="2692218" cy="1350600"/>
-          </a:xfrm>
-          <a:prstGeom prst="rect">
-            <a:avLst/>
-          </a:prstGeom>
-        </p:spPr>
-      </p:pic>
-      <p:pic>
-        <p:nvPicPr>
-          <p:cNvPr id="11" name="Рисунок 10"/>
-          <p:cNvPicPr>
-            <a:picLocks noChangeAspect="1"/>
-          </p:cNvPicPr>
-          <p:nvPr/>
-        </p:nvPicPr>
-        <p:blipFill rotWithShape="1">
-          <a:blip r:embed="rId3"/>
-          <a:srcRect t="49104" r="49132" b="25431"/>
-          <a:stretch/>
-        </p:blipFill>
-        <p:spPr>
-          <a:xfrm>
-            <a:off x="4623170" y="427245"/>
-            <a:ext cx="2639891" cy="1350000"/>
-          </a:xfrm>
-          <a:prstGeom prst="rect">
-            <a:avLst/>
-          </a:prstGeom>
-        </p:spPr>
-      </p:pic>
-      <p:pic>
-        <p:nvPicPr>
-          <p:cNvPr id="13" name="Рисунок 12"/>
-          <p:cNvPicPr>
-            <a:picLocks noChangeAspect="1"/>
-          </p:cNvPicPr>
-          <p:nvPr/>
-        </p:nvPicPr>
-        <p:blipFill rotWithShape="1">
-          <a:blip r:embed="rId4"/>
-          <a:srcRect t="-1" r="49449" b="74036"/>
-          <a:stretch/>
-        </p:blipFill>
-        <p:spPr>
-          <a:xfrm>
-            <a:off x="8338296" y="390812"/>
-            <a:ext cx="2639415" cy="1350000"/>
-          </a:xfrm>
-          <a:prstGeom prst="rect">
-            <a:avLst/>
-          </a:prstGeom>
-        </p:spPr>
-      </p:pic>
-      <p:pic>
-        <p:nvPicPr>
-          <p:cNvPr id="15" name="Рисунок 14"/>
-          <p:cNvPicPr>
-            <a:picLocks noChangeAspect="1"/>
-          </p:cNvPicPr>
-          <p:nvPr/>
-        </p:nvPicPr>
-        <p:blipFill rotWithShape="1">
-          <a:blip r:embed="rId2"/>
-          <a:srcRect t="25013" r="49206" b="49666"/>
-          <a:stretch/>
-        </p:blipFill>
-        <p:spPr>
-          <a:xfrm>
-            <a:off x="932079" y="3363090"/>
-            <a:ext cx="2702616" cy="1348809"/>
-          </a:xfrm>
-          <a:prstGeom prst="rect">
-            <a:avLst/>
-          </a:prstGeom>
-        </p:spPr>
-      </p:pic>
-      <p:pic>
-        <p:nvPicPr>
-          <p:cNvPr id="16" name="Рисунок 15"/>
-          <p:cNvPicPr>
-            <a:picLocks noChangeAspect="1"/>
-          </p:cNvPicPr>
-          <p:nvPr/>
-        </p:nvPicPr>
-        <p:blipFill rotWithShape="1">
-          <a:blip r:embed="rId2"/>
-          <a:srcRect l="51064" b="74663"/>
-          <a:stretch/>
-        </p:blipFill>
-        <p:spPr>
-          <a:xfrm>
-            <a:off x="981184" y="1691218"/>
-            <a:ext cx="2604407" cy="1350000"/>
-          </a:xfrm>
-          <a:prstGeom prst="rect">
-            <a:avLst/>
-          </a:prstGeom>
-        </p:spPr>
-      </p:pic>
-      <p:pic>
-        <p:nvPicPr>
-          <p:cNvPr id="17" name="Рисунок 16"/>
-          <p:cNvPicPr>
-            <a:picLocks noChangeAspect="1"/>
-          </p:cNvPicPr>
-          <p:nvPr/>
-        </p:nvPicPr>
-        <p:blipFill rotWithShape="1">
-          <a:blip r:embed="rId2"/>
-          <a:srcRect l="51230" t="25013" b="49666"/>
-          <a:stretch/>
-        </p:blipFill>
-        <p:spPr>
-          <a:xfrm>
-            <a:off x="957009" y="4626463"/>
-            <a:ext cx="2597134" cy="1350000"/>
-          </a:xfrm>
-          <a:prstGeom prst="rect">
-            <a:avLst/>
-          </a:prstGeom>
-        </p:spPr>
-      </p:pic>
-      <p:pic>
-        <p:nvPicPr>
-          <p:cNvPr id="18" name="Рисунок 17"/>
-          <p:cNvPicPr>
-            <a:picLocks noChangeAspect="1"/>
-          </p:cNvPicPr>
-          <p:nvPr/>
-        </p:nvPicPr>
-        <p:blipFill rotWithShape="1">
-          <a:blip r:embed="rId3"/>
-          <a:srcRect t="74803" r="49157" b="626"/>
-          <a:stretch/>
-        </p:blipFill>
-        <p:spPr>
-          <a:xfrm>
-            <a:off x="4629693" y="3353296"/>
-            <a:ext cx="2734490" cy="1350000"/>
-          </a:xfrm>
-          <a:prstGeom prst="rect">
-            <a:avLst/>
-          </a:prstGeom>
-        </p:spPr>
-      </p:pic>
-      <p:pic>
-        <p:nvPicPr>
-          <p:cNvPr id="19" name="Рисунок 18"/>
-          <p:cNvPicPr>
-            <a:picLocks noChangeAspect="1"/>
-          </p:cNvPicPr>
-          <p:nvPr/>
-        </p:nvPicPr>
-        <p:blipFill rotWithShape="1">
-          <a:blip r:embed="rId3"/>
-          <a:srcRect l="50098" t="49104" b="25431"/>
-          <a:stretch/>
-        </p:blipFill>
-        <p:spPr>
-          <a:xfrm>
-            <a:off x="4593593" y="1725036"/>
-            <a:ext cx="2589768" cy="1350000"/>
-          </a:xfrm>
-          <a:prstGeom prst="rect">
-            <a:avLst/>
-          </a:prstGeom>
-        </p:spPr>
-      </p:pic>
-      <p:pic>
-        <p:nvPicPr>
-          <p:cNvPr id="20" name="Рисунок 19"/>
-          <p:cNvPicPr>
-            <a:picLocks noChangeAspect="1"/>
-          </p:cNvPicPr>
-          <p:nvPr/>
-        </p:nvPicPr>
-        <p:blipFill rotWithShape="1">
-          <a:blip r:embed="rId3"/>
-          <a:srcRect l="49816" t="74803" b="626"/>
-          <a:stretch/>
-        </p:blipFill>
-        <p:spPr>
-          <a:xfrm>
-            <a:off x="4593593" y="4710108"/>
-            <a:ext cx="2699043" cy="1350000"/>
-          </a:xfrm>
-          <a:prstGeom prst="rect">
-            <a:avLst/>
-          </a:prstGeom>
-        </p:spPr>
-      </p:pic>
-      <p:pic>
-        <p:nvPicPr>
-          <p:cNvPr id="21" name="Рисунок 20"/>
-          <p:cNvPicPr>
-            <a:picLocks noChangeAspect="1"/>
-          </p:cNvPicPr>
-          <p:nvPr/>
-        </p:nvPicPr>
-        <p:blipFill rotWithShape="1">
-          <a:blip r:embed="rId4"/>
-          <a:srcRect t="25613" r="49878" b="48886"/>
-          <a:stretch/>
-        </p:blipFill>
-        <p:spPr>
-          <a:xfrm>
-            <a:off x="8339304" y="3337516"/>
-            <a:ext cx="2664671" cy="1350000"/>
-          </a:xfrm>
-          <a:prstGeom prst="rect">
-            <a:avLst/>
-          </a:prstGeom>
-        </p:spPr>
-      </p:pic>
-      <p:pic>
-        <p:nvPicPr>
-          <p:cNvPr id="22" name="Рисунок 21"/>
-          <p:cNvPicPr>
-            <a:picLocks noChangeAspect="1"/>
-          </p:cNvPicPr>
-          <p:nvPr/>
-        </p:nvPicPr>
-        <p:blipFill rotWithShape="1">
-          <a:blip r:embed="rId4"/>
-          <a:srcRect l="50550" t="-1" b="74036"/>
-          <a:stretch/>
-        </p:blipFill>
-        <p:spPr>
-          <a:xfrm>
-            <a:off x="8338296" y="1740812"/>
-            <a:ext cx="2581952" cy="1350000"/>
-          </a:xfrm>
-          <a:prstGeom prst="rect">
-            <a:avLst/>
-          </a:prstGeom>
-        </p:spPr>
-      </p:pic>
-      <p:pic>
-        <p:nvPicPr>
-          <p:cNvPr id="23" name="Рисунок 22"/>
-          <p:cNvPicPr>
-            <a:picLocks noChangeAspect="1"/>
-          </p:cNvPicPr>
-          <p:nvPr/>
-        </p:nvPicPr>
-        <p:blipFill rotWithShape="1">
-          <a:blip r:embed="rId4"/>
-          <a:srcRect l="50626" t="25613" b="48886"/>
-          <a:stretch/>
-        </p:blipFill>
-        <p:spPr>
-          <a:xfrm>
-            <a:off x="8359181" y="4656201"/>
-            <a:ext cx="2624916" cy="1350000"/>
+            <a:off x="3166855" y="420432"/>
+            <a:ext cx="5567423" cy="5688000"/>
           </a:xfrm>
           <a:prstGeom prst="rect">
             <a:avLst/>
@@ -5178,6 +4873,13 @@
   <p:clrMapOvr>
     <a:masterClrMapping/>
   </p:clrMapOvr>
+  <p:timing>
+    <p:tnLst>
+      <p:par>
+        <p:cTn id="1" dur="indefinite" restart="never" nodeType="tmRoot"/>
+      </p:par>
+    </p:tnLst>
+  </p:timing>
 </p:sld>
 </file>
 
@@ -5200,6 +4902,326 @@
       </p:grpSpPr>
       <p:sp>
         <p:nvSpPr>
+          <p:cNvPr id="4" name="Номер слайда 3">
+            <a:extLst>
+              <a:ext uri="{FF2B5EF4-FFF2-40B4-BE49-F238E27FC236}">
+                <a16:creationId xmlns:a16="http://schemas.microsoft.com/office/drawing/2014/main" id="{C07D80C0-1D58-4647-B7DB-742E14215E9D}"/>
+              </a:ext>
+            </a:extLst>
+          </p:cNvPr>
+          <p:cNvSpPr>
+            <a:spLocks noGrp="1"/>
+          </p:cNvSpPr>
+          <p:nvPr>
+            <p:ph type="sldNum" sz="quarter" idx="12"/>
+          </p:nvPr>
+        </p:nvSpPr>
+        <p:spPr/>
+        <p:txBody>
+          <a:bodyPr/>
+          <a:lstStyle/>
+          <a:p>
+            <a:fld id="{215F4EE3-9A7A-4F14-9A4C-17DDDD407085}" type="slidenum">
+              <a:rPr lang="ru-RU" sz="1600" smtClean="0"/>
+              <a:t>11</a:t>
+            </a:fld>
+            <a:endParaRPr lang="ru-RU" sz="1600" dirty="0"/>
+          </a:p>
+        </p:txBody>
+      </p:sp>
+      <p:sp>
+        <p:nvSpPr>
+          <p:cNvPr id="12" name="TextBox 11"/>
+          <p:cNvSpPr txBox="1"/>
+          <p:nvPr/>
+        </p:nvSpPr>
+        <p:spPr>
+          <a:xfrm>
+            <a:off x="387282" y="-41232"/>
+            <a:ext cx="11514104" cy="461665"/>
+          </a:xfrm>
+          <a:prstGeom prst="rect">
+            <a:avLst/>
+          </a:prstGeom>
+          <a:noFill/>
+        </p:spPr>
+        <p:txBody>
+          <a:bodyPr wrap="square" rtlCol="0">
+            <a:spAutoFit/>
+          </a:bodyPr>
+          <a:lstStyle/>
+          <a:p>
+            <a:r>
+              <a:rPr lang="ru-RU" sz="2400" dirty="0"/>
+              <a:t>Сравнение результатов</a:t>
+            </a:r>
+            <a:r>
+              <a:rPr lang="en-US" sz="2400" dirty="0"/>
+              <a:t> </a:t>
+            </a:r>
+            <a:r>
+              <a:rPr lang="ru-RU" sz="2400" dirty="0"/>
+              <a:t>обработки сетей для сегментации изображений</a:t>
+            </a:r>
+          </a:p>
+        </p:txBody>
+      </p:sp>
+      <p:sp>
+        <p:nvSpPr>
+          <p:cNvPr id="3" name="TextBox 2"/>
+          <p:cNvSpPr txBox="1"/>
+          <p:nvPr/>
+        </p:nvSpPr>
+        <p:spPr>
+          <a:xfrm>
+            <a:off x="5687634" y="6169580"/>
+            <a:ext cx="913400" cy="369332"/>
+          </a:xfrm>
+          <a:prstGeom prst="rect">
+            <a:avLst/>
+          </a:prstGeom>
+          <a:noFill/>
+        </p:spPr>
+        <p:txBody>
+          <a:bodyPr wrap="square" rtlCol="0">
+            <a:spAutoFit/>
+          </a:bodyPr>
+          <a:lstStyle/>
+          <a:p>
+            <a:r>
+              <a:rPr lang="en-US" dirty="0" err="1"/>
+              <a:t>SegNet</a:t>
+            </a:r>
+            <a:r>
+              <a:rPr lang="ru-RU" dirty="0"/>
+              <a:t> </a:t>
+            </a:r>
+          </a:p>
+        </p:txBody>
+      </p:sp>
+      <p:pic>
+        <p:nvPicPr>
+          <p:cNvPr id="24" name="Рисунок 23"/>
+          <p:cNvPicPr>
+            <a:picLocks noChangeAspect="1"/>
+          </p:cNvPicPr>
+          <p:nvPr/>
+        </p:nvPicPr>
+        <p:blipFill>
+          <a:blip r:embed="rId2"/>
+          <a:stretch>
+            <a:fillRect/>
+          </a:stretch>
+        </p:blipFill>
+        <p:spPr>
+          <a:xfrm>
+            <a:off x="3360544" y="420433"/>
+            <a:ext cx="5567579" cy="5688000"/>
+          </a:xfrm>
+          <a:prstGeom prst="rect">
+            <a:avLst/>
+          </a:prstGeom>
+        </p:spPr>
+      </p:pic>
+    </p:spTree>
+    <p:extLst>
+      <p:ext uri="{BB962C8B-B14F-4D97-AF65-F5344CB8AC3E}">
+        <p14:creationId xmlns:p14="http://schemas.microsoft.com/office/powerpoint/2010/main" val="1271842467"/>
+      </p:ext>
+    </p:extLst>
+  </p:cSld>
+  <p:clrMapOvr>
+    <a:masterClrMapping/>
+  </p:clrMapOvr>
+  <p:timing>
+    <p:tnLst>
+      <p:par>
+        <p:cTn id="1" dur="indefinite" restart="never" nodeType="tmRoot"/>
+      </p:par>
+    </p:tnLst>
+  </p:timing>
+</p:sld>
+</file>
+
+<file path=ppt/slides/slide12.xml><?xml version="1.0" encoding="utf-8"?>
+<p:sld xmlns:a="http://schemas.openxmlformats.org/drawingml/2006/main" xmlns:r="http://schemas.openxmlformats.org/officeDocument/2006/relationships" xmlns:p="http://schemas.openxmlformats.org/presentationml/2006/main">
+  <p:cSld>
+    <p:spTree>
+      <p:nvGrpSpPr>
+        <p:cNvPr id="1" name=""/>
+        <p:cNvGrpSpPr/>
+        <p:nvPr/>
+      </p:nvGrpSpPr>
+      <p:grpSpPr>
+        <a:xfrm>
+          <a:off x="0" y="0"/>
+          <a:ext cx="0" cy="0"/>
+          <a:chOff x="0" y="0"/>
+          <a:chExt cx="0" cy="0"/>
+        </a:xfrm>
+      </p:grpSpPr>
+      <p:sp>
+        <p:nvSpPr>
+          <p:cNvPr id="4" name="Номер слайда 3">
+            <a:extLst>
+              <a:ext uri="{FF2B5EF4-FFF2-40B4-BE49-F238E27FC236}">
+                <a16:creationId xmlns:a16="http://schemas.microsoft.com/office/drawing/2014/main" id="{C07D80C0-1D58-4647-B7DB-742E14215E9D}"/>
+              </a:ext>
+            </a:extLst>
+          </p:cNvPr>
+          <p:cNvSpPr>
+            <a:spLocks noGrp="1"/>
+          </p:cNvSpPr>
+          <p:nvPr>
+            <p:ph type="sldNum" sz="quarter" idx="12"/>
+          </p:nvPr>
+        </p:nvSpPr>
+        <p:spPr/>
+        <p:txBody>
+          <a:bodyPr/>
+          <a:lstStyle/>
+          <a:p>
+            <a:fld id="{215F4EE3-9A7A-4F14-9A4C-17DDDD407085}" type="slidenum">
+              <a:rPr lang="ru-RU" sz="1600" smtClean="0"/>
+              <a:t>12</a:t>
+            </a:fld>
+            <a:endParaRPr lang="ru-RU" sz="1600" dirty="0"/>
+          </a:p>
+        </p:txBody>
+      </p:sp>
+      <p:sp>
+        <p:nvSpPr>
+          <p:cNvPr id="12" name="TextBox 11"/>
+          <p:cNvSpPr txBox="1"/>
+          <p:nvPr/>
+        </p:nvSpPr>
+        <p:spPr>
+          <a:xfrm>
+            <a:off x="387282" y="-41232"/>
+            <a:ext cx="11514104" cy="461665"/>
+          </a:xfrm>
+          <a:prstGeom prst="rect">
+            <a:avLst/>
+          </a:prstGeom>
+          <a:noFill/>
+        </p:spPr>
+        <p:txBody>
+          <a:bodyPr wrap="square" rtlCol="0">
+            <a:spAutoFit/>
+          </a:bodyPr>
+          <a:lstStyle/>
+          <a:p>
+            <a:r>
+              <a:rPr lang="ru-RU" sz="2400" dirty="0"/>
+              <a:t>Сравнение результатов</a:t>
+            </a:r>
+            <a:r>
+              <a:rPr lang="en-US" sz="2400" dirty="0"/>
+              <a:t> </a:t>
+            </a:r>
+            <a:r>
+              <a:rPr lang="ru-RU" sz="2400" dirty="0"/>
+              <a:t>обработки сетей для сегментации изображений</a:t>
+            </a:r>
+          </a:p>
+        </p:txBody>
+      </p:sp>
+      <p:sp>
+        <p:nvSpPr>
+          <p:cNvPr id="8" name="TextBox 7"/>
+          <p:cNvSpPr txBox="1"/>
+          <p:nvPr/>
+        </p:nvSpPr>
+        <p:spPr>
+          <a:xfrm>
+            <a:off x="5482060" y="6173726"/>
+            <a:ext cx="1324548" cy="369332"/>
+          </a:xfrm>
+          <a:prstGeom prst="rect">
+            <a:avLst/>
+          </a:prstGeom>
+          <a:noFill/>
+        </p:spPr>
+        <p:txBody>
+          <a:bodyPr wrap="square" rtlCol="0">
+            <a:spAutoFit/>
+          </a:bodyPr>
+          <a:lstStyle/>
+          <a:p>
+            <a:r>
+              <a:rPr lang="en-US" dirty="0"/>
+              <a:t>FCN VGG16</a:t>
+            </a:r>
+            <a:r>
+              <a:rPr lang="ru-RU" dirty="0"/>
+              <a:t> </a:t>
+            </a:r>
+          </a:p>
+        </p:txBody>
+      </p:sp>
+      <p:pic>
+        <p:nvPicPr>
+          <p:cNvPr id="32" name="Рисунок 31"/>
+          <p:cNvPicPr>
+            <a:picLocks noChangeAspect="1"/>
+          </p:cNvPicPr>
+          <p:nvPr/>
+        </p:nvPicPr>
+        <p:blipFill>
+          <a:blip r:embed="rId2"/>
+          <a:stretch>
+            <a:fillRect/>
+          </a:stretch>
+        </p:blipFill>
+        <p:spPr>
+          <a:xfrm>
+            <a:off x="3239950" y="485726"/>
+            <a:ext cx="5711838" cy="5688000"/>
+          </a:xfrm>
+          <a:prstGeom prst="rect">
+            <a:avLst/>
+          </a:prstGeom>
+        </p:spPr>
+      </p:pic>
+    </p:spTree>
+    <p:extLst>
+      <p:ext uri="{BB962C8B-B14F-4D97-AF65-F5344CB8AC3E}">
+        <p14:creationId xmlns:p14="http://schemas.microsoft.com/office/powerpoint/2010/main" val="2252141585"/>
+      </p:ext>
+    </p:extLst>
+  </p:cSld>
+  <p:clrMapOvr>
+    <a:masterClrMapping/>
+  </p:clrMapOvr>
+  <p:timing>
+    <p:tnLst>
+      <p:par>
+        <p:cTn id="1" dur="indefinite" restart="never" nodeType="tmRoot"/>
+      </p:par>
+    </p:tnLst>
+  </p:timing>
+</p:sld>
+</file>
+
+<file path=ppt/slides/slide13.xml><?xml version="1.0" encoding="utf-8"?>
+<p:sld xmlns:a="http://schemas.openxmlformats.org/drawingml/2006/main" xmlns:r="http://schemas.openxmlformats.org/officeDocument/2006/relationships" xmlns:p="http://schemas.openxmlformats.org/presentationml/2006/main">
+  <p:cSld>
+    <p:spTree>
+      <p:nvGrpSpPr>
+        <p:cNvPr id="1" name=""/>
+        <p:cNvGrpSpPr/>
+        <p:nvPr/>
+      </p:nvGrpSpPr>
+      <p:grpSpPr>
+        <a:xfrm>
+          <a:off x="0" y="0"/>
+          <a:ext cx="0" cy="0"/>
+          <a:chOff x="0" y="0"/>
+          <a:chExt cx="0" cy="0"/>
+        </a:xfrm>
+      </p:grpSpPr>
+      <p:sp>
+        <p:nvSpPr>
           <p:cNvPr id="2" name="Заголовок 1"/>
           <p:cNvSpPr>
             <a:spLocks noGrp="1"/>
@@ -5249,7 +5271,7 @@
           <a:p>
             <a:fld id="{215F4EE3-9A7A-4F14-9A4C-17DDDD407085}" type="slidenum">
               <a:rPr lang="ru-RU" smtClean="0"/>
-              <a:t>11</a:t>
+              <a:t>13</a:t>
             </a:fld>
             <a:endParaRPr lang="ru-RU"/>
           </a:p>
@@ -5811,28 +5833,21 @@
       </mc:AlternateContent>
       <p:pic>
         <p:nvPicPr>
-          <p:cNvPr id="12" name="Рисунок 11">
-            <a:extLst>
-              <a:ext uri="{FF2B5EF4-FFF2-40B4-BE49-F238E27FC236}">
-                <a16:creationId xmlns:a16="http://schemas.microsoft.com/office/drawing/2014/main" id="{0BF4D161-06EA-4C62-B52E-835D317EA72C}"/>
-              </a:ext>
-            </a:extLst>
-          </p:cNvPr>
+          <p:cNvPr id="3" name="Рисунок 2"/>
           <p:cNvPicPr>
             <a:picLocks noChangeAspect="1"/>
           </p:cNvPicPr>
           <p:nvPr/>
         </p:nvPicPr>
-        <p:blipFill>
+        <p:blipFill rotWithShape="1">
           <a:blip r:embed="rId4"/>
-          <a:stretch>
-            <a:fillRect/>
-          </a:stretch>
+          <a:srcRect l="2820" t="2302" b="1740"/>
+          <a:stretch/>
         </p:blipFill>
         <p:spPr>
           <a:xfrm>
-            <a:off x="441039" y="1136978"/>
-            <a:ext cx="5464581" cy="3672000"/>
+            <a:off x="612558" y="781235"/>
+            <a:ext cx="5178810" cy="3600000"/>
           </a:xfrm>
           <a:prstGeom prst="rect">
             <a:avLst/>
@@ -5841,28 +5856,21 @@
       </p:pic>
       <p:pic>
         <p:nvPicPr>
-          <p:cNvPr id="15" name="Рисунок 14">
-            <a:extLst>
-              <a:ext uri="{FF2B5EF4-FFF2-40B4-BE49-F238E27FC236}">
-                <a16:creationId xmlns:a16="http://schemas.microsoft.com/office/drawing/2014/main" id="{99B940A0-16B5-43CC-ABEF-6773BFA0682B}"/>
-              </a:ext>
-            </a:extLst>
-          </p:cNvPr>
+          <p:cNvPr id="5" name="Рисунок 4"/>
           <p:cNvPicPr>
             <a:picLocks noChangeAspect="1"/>
           </p:cNvPicPr>
           <p:nvPr/>
         </p:nvPicPr>
-        <p:blipFill>
+        <p:blipFill rotWithShape="1">
           <a:blip r:embed="rId5"/>
-          <a:stretch>
-            <a:fillRect/>
-          </a:stretch>
+          <a:srcRect l="1396" t="2735" r="1361" b="1747"/>
+          <a:stretch/>
         </p:blipFill>
         <p:spPr>
           <a:xfrm>
-            <a:off x="6277134" y="1136978"/>
-            <a:ext cx="5473827" cy="3672000"/>
+            <a:off x="6403801" y="781235"/>
+            <a:ext cx="5154185" cy="3600000"/>
           </a:xfrm>
           <a:prstGeom prst="rect">
             <a:avLst/>
@@ -5879,10 +5887,17 @@
   <p:clrMapOvr>
     <a:masterClrMapping/>
   </p:clrMapOvr>
+  <p:timing>
+    <p:tnLst>
+      <p:par>
+        <p:cTn id="1" dur="indefinite" restart="never" nodeType="tmRoot"/>
+      </p:par>
+    </p:tnLst>
+  </p:timing>
 </p:sld>
 </file>
 
-<file path=ppt/slides/slide12.xml><?xml version="1.0" encoding="utf-8"?>
+<file path=ppt/slides/slide14.xml><?xml version="1.0" encoding="utf-8"?>
 <p:sld xmlns:a="http://schemas.openxmlformats.org/drawingml/2006/main" xmlns:r="http://schemas.openxmlformats.org/officeDocument/2006/relationships" xmlns:p="http://schemas.openxmlformats.org/presentationml/2006/main">
   <p:cSld>
     <p:spTree>
@@ -5953,7 +5968,7 @@
           <a:p>
             <a:fld id="{215F4EE3-9A7A-4F14-9A4C-17DDDD407085}" type="slidenum">
               <a:rPr lang="ru-RU" smtClean="0"/>
-              <a:t>12</a:t>
+              <a:t>14</a:t>
             </a:fld>
             <a:endParaRPr lang="ru-RU"/>
           </a:p>
@@ -6134,394 +6149,13 @@
   <p:clrMapOvr>
     <a:masterClrMapping/>
   </p:clrMapOvr>
-</p:sld>
-</file>
-
-<file path=ppt/slides/slide13.xml><?xml version="1.0" encoding="utf-8"?>
-<p:sld xmlns:a="http://schemas.openxmlformats.org/drawingml/2006/main" xmlns:r="http://schemas.openxmlformats.org/officeDocument/2006/relationships" xmlns:p="http://schemas.openxmlformats.org/presentationml/2006/main">
-  <p:cSld>
-    <p:spTree>
-      <p:nvGrpSpPr>
-        <p:cNvPr id="1" name=""/>
-        <p:cNvGrpSpPr/>
-        <p:nvPr/>
-      </p:nvGrpSpPr>
-      <p:grpSpPr>
-        <a:xfrm>
-          <a:off x="0" y="0"/>
-          <a:ext cx="0" cy="0"/>
-          <a:chOff x="0" y="0"/>
-          <a:chExt cx="0" cy="0"/>
-        </a:xfrm>
-      </p:grpSpPr>
-      <p:sp>
-        <p:nvSpPr>
-          <p:cNvPr id="2" name="Заголовок 1">
-            <a:extLst>
-              <a:ext uri="{FF2B5EF4-FFF2-40B4-BE49-F238E27FC236}">
-                <a16:creationId xmlns:a16="http://schemas.microsoft.com/office/drawing/2014/main" id="{EEA62469-E1D0-499B-8036-5C2BC5365567}"/>
-              </a:ext>
-            </a:extLst>
-          </p:cNvPr>
-          <p:cNvSpPr>
-            <a:spLocks noGrp="1"/>
-          </p:cNvSpPr>
-          <p:nvPr>
-            <p:ph type="title"/>
-          </p:nvPr>
-        </p:nvSpPr>
-        <p:spPr>
-          <a:xfrm>
-            <a:off x="414721" y="199777"/>
-            <a:ext cx="8534400" cy="825942"/>
-          </a:xfrm>
-        </p:spPr>
-        <p:txBody>
-          <a:bodyPr/>
-          <a:lstStyle/>
-          <a:p>
-            <a:r>
-              <a:rPr lang="ru-RU" dirty="0"/>
-              <a:t>Заключение</a:t>
-            </a:r>
-          </a:p>
-        </p:txBody>
-      </p:sp>
-      <p:sp>
-        <p:nvSpPr>
-          <p:cNvPr id="3" name="Объект 2">
-            <a:extLst>
-              <a:ext uri="{FF2B5EF4-FFF2-40B4-BE49-F238E27FC236}">
-                <a16:creationId xmlns:a16="http://schemas.microsoft.com/office/drawing/2014/main" id="{CFD8D553-0ACA-4B5F-A972-4822CA8AA5D7}"/>
-              </a:ext>
-            </a:extLst>
-          </p:cNvPr>
-          <p:cNvSpPr>
-            <a:spLocks noGrp="1"/>
-          </p:cNvSpPr>
-          <p:nvPr>
-            <p:ph idx="1"/>
-          </p:nvPr>
-        </p:nvSpPr>
-        <p:spPr>
-          <a:xfrm>
-            <a:off x="414721" y="961721"/>
-            <a:ext cx="11152884" cy="4607449"/>
-          </a:xfrm>
-          <a:ln>
-            <a:noFill/>
-          </a:ln>
-        </p:spPr>
-        <p:txBody>
-          <a:bodyPr>
-            <a:noAutofit/>
-          </a:bodyPr>
-          <a:lstStyle/>
-          <a:p>
-            <a:pPr marL="0" indent="0" algn="just">
-              <a:lnSpc>
-                <a:spcPct val="100000"/>
-              </a:lnSpc>
-              <a:spcBef>
-                <a:spcPts val="0"/>
-              </a:spcBef>
-              <a:spcAft>
-                <a:spcPts val="600"/>
-              </a:spcAft>
-              <a:buNone/>
-            </a:pPr>
-            <a:r>
-              <a:rPr lang="ru-RU" sz="2400" dirty="0">
-                <a:solidFill>
-                  <a:schemeClr val="tx1"/>
-                </a:solidFill>
-                <a:ea typeface="Times New Roman" panose="02020603050405020304" pitchFamily="18" charset="0"/>
-              </a:rPr>
-              <a:t>В данной работе была решена задача распознавания морских судов методами компьютерного зрения. Были приведены результаты работы метода бинарной классификации и метода семантической сегментации изображения.</a:t>
-            </a:r>
-            <a:endParaRPr lang="en-US" sz="2400" dirty="0">
-              <a:solidFill>
-                <a:schemeClr val="tx1"/>
-              </a:solidFill>
-              <a:ea typeface="Times New Roman" panose="02020603050405020304" pitchFamily="18" charset="0"/>
-            </a:endParaRPr>
-          </a:p>
-          <a:p>
-            <a:pPr algn="just">
-              <a:lnSpc>
-                <a:spcPct val="100000"/>
-              </a:lnSpc>
-              <a:spcBef>
-                <a:spcPts val="0"/>
-              </a:spcBef>
-              <a:spcAft>
-                <a:spcPts val="600"/>
-              </a:spcAft>
-            </a:pPr>
-            <a:r>
-              <a:rPr lang="ru-RU" sz="2400" dirty="0">
-                <a:solidFill>
-                  <a:schemeClr val="tx1"/>
-                </a:solidFill>
-                <a:ea typeface="Times New Roman" panose="02020603050405020304" pitchFamily="18" charset="0"/>
-              </a:rPr>
-              <a:t> Для метода бинарной классификации были подобраны оптимальные </a:t>
-            </a:r>
-            <a:r>
-              <a:rPr lang="ru-RU" sz="2400" dirty="0" err="1">
-                <a:solidFill>
-                  <a:schemeClr val="tx1"/>
-                </a:solidFill>
-                <a:ea typeface="Times New Roman" panose="02020603050405020304" pitchFamily="18" charset="0"/>
-              </a:rPr>
-              <a:t>гиперпараметры</a:t>
-            </a:r>
-            <a:r>
-              <a:rPr lang="ru-RU" sz="2400" dirty="0">
-                <a:solidFill>
-                  <a:schemeClr val="tx1"/>
-                </a:solidFill>
-                <a:ea typeface="Times New Roman" panose="02020603050405020304" pitchFamily="18" charset="0"/>
-              </a:rPr>
-              <a:t> для данной задачи</a:t>
-            </a:r>
-            <a:r>
-              <a:rPr lang="en-US" sz="2400" dirty="0">
-                <a:ea typeface="Times New Roman" panose="02020603050405020304" pitchFamily="18" charset="0"/>
-              </a:rPr>
-              <a:t> </a:t>
-            </a:r>
-            <a:r>
-              <a:rPr lang="ru-RU" sz="2400" dirty="0">
-                <a:ea typeface="Times New Roman" panose="02020603050405020304" pitchFamily="18" charset="0"/>
-              </a:rPr>
-              <a:t>у</a:t>
-            </a:r>
-            <a:r>
-              <a:rPr lang="ru-RU" sz="2400" dirty="0">
-                <a:solidFill>
-                  <a:schemeClr val="tx1"/>
-                </a:solidFill>
-                <a:ea typeface="Times New Roman" panose="02020603050405020304" pitchFamily="18" charset="0"/>
-              </a:rPr>
-              <a:t> модели </a:t>
-            </a:r>
-            <a:r>
-              <a:rPr lang="en-US" sz="2400" dirty="0">
-                <a:solidFill>
-                  <a:schemeClr val="tx1"/>
-                </a:solidFill>
-                <a:ea typeface="Times New Roman" panose="02020603050405020304" pitchFamily="18" charset="0"/>
-              </a:rPr>
-              <a:t>VGG16</a:t>
-            </a:r>
-            <a:r>
-              <a:rPr lang="ru-RU" sz="2400" dirty="0">
-                <a:solidFill>
-                  <a:schemeClr val="tx1"/>
-                </a:solidFill>
-                <a:ea typeface="Times New Roman" panose="02020603050405020304" pitchFamily="18" charset="0"/>
-              </a:rPr>
-              <a:t>, что позволило достичь точности классификации в 92% случаев. </a:t>
-            </a:r>
-            <a:endParaRPr lang="en-US" sz="2400" dirty="0">
-              <a:solidFill>
-                <a:schemeClr val="tx1"/>
-              </a:solidFill>
-              <a:ea typeface="Times New Roman" panose="02020603050405020304" pitchFamily="18" charset="0"/>
-            </a:endParaRPr>
-          </a:p>
-          <a:p>
-            <a:pPr algn="just">
-              <a:lnSpc>
-                <a:spcPct val="100000"/>
-              </a:lnSpc>
-              <a:spcBef>
-                <a:spcPts val="0"/>
-              </a:spcBef>
-              <a:spcAft>
-                <a:spcPts val="600"/>
-              </a:spcAft>
-            </a:pPr>
-            <a:r>
-              <a:rPr lang="ru-RU" sz="2400" dirty="0">
-                <a:solidFill>
-                  <a:schemeClr val="tx1"/>
-                </a:solidFill>
-                <a:ea typeface="Times New Roman" panose="02020603050405020304" pitchFamily="18" charset="0"/>
-              </a:rPr>
-              <a:t>Для метода семантической сегментации была определена лучшая модель – это </a:t>
-            </a:r>
-            <a:r>
-              <a:rPr lang="en-US" sz="2400" dirty="0">
-                <a:solidFill>
-                  <a:schemeClr val="tx1"/>
-                </a:solidFill>
-                <a:ea typeface="Times New Roman" panose="02020603050405020304" pitchFamily="18" charset="0"/>
-              </a:rPr>
-              <a:t>U – Net</a:t>
-            </a:r>
-            <a:r>
-              <a:rPr lang="ru-RU" sz="2400" dirty="0">
-                <a:solidFill>
-                  <a:schemeClr val="tx1"/>
-                </a:solidFill>
-                <a:ea typeface="Times New Roman" panose="02020603050405020304" pitchFamily="18" charset="0"/>
-              </a:rPr>
-              <a:t> и результаты ее обучения для данной задачи были улучшены путем использования метода инициализации весов для слоев </a:t>
-            </a:r>
-            <a:r>
-              <a:rPr lang="ru-RU" sz="2400" dirty="0" err="1">
-                <a:solidFill>
-                  <a:schemeClr val="tx1"/>
-                </a:solidFill>
-                <a:ea typeface="Times New Roman" panose="02020603050405020304" pitchFamily="18" charset="0"/>
-              </a:rPr>
-              <a:t>сверточной</a:t>
-            </a:r>
-            <a:r>
-              <a:rPr lang="ru-RU" sz="2400" dirty="0">
-                <a:solidFill>
-                  <a:schemeClr val="tx1"/>
-                </a:solidFill>
-                <a:ea typeface="Times New Roman" panose="02020603050405020304" pitchFamily="18" charset="0"/>
-              </a:rPr>
-              <a:t> нейронной сети методом Ксавье, что увеличило значение метрики качества с 0,0054 до 0,25. А после увеличения обучающей выборки метрика качества достигла значения 0.56</a:t>
-            </a:r>
-          </a:p>
-        </p:txBody>
-      </p:sp>
-      <p:sp>
-        <p:nvSpPr>
-          <p:cNvPr id="4" name="Номер слайда 3">
-            <a:extLst>
-              <a:ext uri="{FF2B5EF4-FFF2-40B4-BE49-F238E27FC236}">
-                <a16:creationId xmlns:a16="http://schemas.microsoft.com/office/drawing/2014/main" id="{F5751FB5-B8CF-4E87-BEBB-445A30784354}"/>
-              </a:ext>
-            </a:extLst>
-          </p:cNvPr>
-          <p:cNvSpPr>
-            <a:spLocks noGrp="1"/>
-          </p:cNvSpPr>
-          <p:nvPr>
-            <p:ph type="sldNum" sz="quarter" idx="12"/>
-          </p:nvPr>
-        </p:nvSpPr>
-        <p:spPr/>
-        <p:txBody>
-          <a:bodyPr/>
-          <a:lstStyle/>
-          <a:p>
-            <a:fld id="{215F4EE3-9A7A-4F14-9A4C-17DDDD407085}" type="slidenum">
-              <a:rPr lang="ru-RU" sz="1600" smtClean="0"/>
-              <a:t>13</a:t>
-            </a:fld>
-            <a:endParaRPr lang="ru-RU" sz="1600" dirty="0"/>
-          </a:p>
-        </p:txBody>
-      </p:sp>
-    </p:spTree>
-    <p:extLst>
-      <p:ext uri="{BB962C8B-B14F-4D97-AF65-F5344CB8AC3E}">
-        <p14:creationId xmlns:p14="http://schemas.microsoft.com/office/powerpoint/2010/main" val="2273475074"/>
-      </p:ext>
-    </p:extLst>
-  </p:cSld>
-  <p:clrMapOvr>
-    <a:masterClrMapping/>
-  </p:clrMapOvr>
-</p:sld>
-</file>
-
-<file path=ppt/slides/slide14.xml><?xml version="1.0" encoding="utf-8"?>
-<p:sld xmlns:a="http://schemas.openxmlformats.org/drawingml/2006/main" xmlns:r="http://schemas.openxmlformats.org/officeDocument/2006/relationships" xmlns:p="http://schemas.openxmlformats.org/presentationml/2006/main">
-  <p:cSld>
-    <p:spTree>
-      <p:nvGrpSpPr>
-        <p:cNvPr id="1" name=""/>
-        <p:cNvGrpSpPr/>
-        <p:nvPr/>
-      </p:nvGrpSpPr>
-      <p:grpSpPr>
-        <a:xfrm>
-          <a:off x="0" y="0"/>
-          <a:ext cx="0" cy="0"/>
-          <a:chOff x="0" y="0"/>
-          <a:chExt cx="0" cy="0"/>
-        </a:xfrm>
-      </p:grpSpPr>
-      <p:sp>
-        <p:nvSpPr>
-          <p:cNvPr id="2" name="Заголовок 1">
-            <a:extLst>
-              <a:ext uri="{FF2B5EF4-FFF2-40B4-BE49-F238E27FC236}">
-                <a16:creationId xmlns:a16="http://schemas.microsoft.com/office/drawing/2014/main" id="{38CAA637-3F6B-4E0B-8FCE-8352F3D5AF84}"/>
-              </a:ext>
-            </a:extLst>
-          </p:cNvPr>
-          <p:cNvSpPr>
-            <a:spLocks noGrp="1"/>
-          </p:cNvSpPr>
-          <p:nvPr>
-            <p:ph type="title"/>
-          </p:nvPr>
-        </p:nvSpPr>
-        <p:spPr>
-          <a:xfrm>
-            <a:off x="2904739" y="2248270"/>
-            <a:ext cx="6434572" cy="1752599"/>
-          </a:xfrm>
-        </p:spPr>
-        <p:txBody>
-          <a:bodyPr/>
-          <a:lstStyle/>
-          <a:p>
-            <a:r>
-              <a:rPr lang="ru-RU" dirty="0"/>
-              <a:t>Спасибо за внимание!</a:t>
-            </a:r>
-          </a:p>
-        </p:txBody>
-      </p:sp>
-      <p:sp>
-        <p:nvSpPr>
-          <p:cNvPr id="4" name="Номер слайда 3">
-            <a:extLst>
-              <a:ext uri="{FF2B5EF4-FFF2-40B4-BE49-F238E27FC236}">
-                <a16:creationId xmlns:a16="http://schemas.microsoft.com/office/drawing/2014/main" id="{951D9478-5EF5-4270-8271-04DE65F57F30}"/>
-              </a:ext>
-            </a:extLst>
-          </p:cNvPr>
-          <p:cNvSpPr>
-            <a:spLocks noGrp="1"/>
-          </p:cNvSpPr>
-          <p:nvPr>
-            <p:ph type="sldNum" sz="quarter" idx="12"/>
-          </p:nvPr>
-        </p:nvSpPr>
-        <p:spPr/>
-        <p:txBody>
-          <a:bodyPr/>
-          <a:lstStyle/>
-          <a:p>
-            <a:fld id="{215F4EE3-9A7A-4F14-9A4C-17DDDD407085}" type="slidenum">
-              <a:rPr lang="ru-RU" sz="1600" smtClean="0"/>
-              <a:t>14</a:t>
-            </a:fld>
-            <a:endParaRPr lang="ru-RU" sz="1600" dirty="0"/>
-          </a:p>
-        </p:txBody>
-      </p:sp>
-    </p:spTree>
-    <p:extLst>
-      <p:ext uri="{BB962C8B-B14F-4D97-AF65-F5344CB8AC3E}">
-        <p14:creationId xmlns:p14="http://schemas.microsoft.com/office/powerpoint/2010/main" val="2328152923"/>
-      </p:ext>
-    </p:extLst>
-  </p:cSld>
-  <p:clrMapOvr>
-    <a:masterClrMapping/>
-  </p:clrMapOvr>
+  <p:timing>
+    <p:tnLst>
+      <p:par>
+        <p:cTn id="1" dur="indefinite" restart="never" nodeType="tmRoot"/>
+      </p:par>
+    </p:tnLst>
+  </p:timing>
 </p:sld>
 </file>
 
@@ -6547,6 +6181,309 @@
           <p:cNvPr id="2" name="Заголовок 1">
             <a:extLst>
               <a:ext uri="{FF2B5EF4-FFF2-40B4-BE49-F238E27FC236}">
+                <a16:creationId xmlns:a16="http://schemas.microsoft.com/office/drawing/2014/main" id="{EEA62469-E1D0-499B-8036-5C2BC5365567}"/>
+              </a:ext>
+            </a:extLst>
+          </p:cNvPr>
+          <p:cNvSpPr>
+            <a:spLocks noGrp="1"/>
+          </p:cNvSpPr>
+          <p:nvPr>
+            <p:ph type="title"/>
+          </p:nvPr>
+        </p:nvSpPr>
+        <p:spPr>
+          <a:xfrm>
+            <a:off x="414721" y="199777"/>
+            <a:ext cx="8534400" cy="825942"/>
+          </a:xfrm>
+        </p:spPr>
+        <p:txBody>
+          <a:bodyPr/>
+          <a:lstStyle/>
+          <a:p>
+            <a:r>
+              <a:rPr lang="ru-RU" dirty="0"/>
+              <a:t>Заключение</a:t>
+            </a:r>
+          </a:p>
+        </p:txBody>
+      </p:sp>
+      <p:sp>
+        <p:nvSpPr>
+          <p:cNvPr id="3" name="Объект 2">
+            <a:extLst>
+              <a:ext uri="{FF2B5EF4-FFF2-40B4-BE49-F238E27FC236}">
+                <a16:creationId xmlns:a16="http://schemas.microsoft.com/office/drawing/2014/main" id="{CFD8D553-0ACA-4B5F-A972-4822CA8AA5D7}"/>
+              </a:ext>
+            </a:extLst>
+          </p:cNvPr>
+          <p:cNvSpPr>
+            <a:spLocks noGrp="1"/>
+          </p:cNvSpPr>
+          <p:nvPr>
+            <p:ph idx="1"/>
+          </p:nvPr>
+        </p:nvSpPr>
+        <p:spPr>
+          <a:xfrm>
+            <a:off x="414721" y="961721"/>
+            <a:ext cx="11152884" cy="4607449"/>
+          </a:xfrm>
+          <a:ln>
+            <a:noFill/>
+          </a:ln>
+        </p:spPr>
+        <p:txBody>
+          <a:bodyPr>
+            <a:noAutofit/>
+          </a:bodyPr>
+          <a:lstStyle/>
+          <a:p>
+            <a:pPr marL="0" indent="0" algn="just">
+              <a:lnSpc>
+                <a:spcPct val="100000"/>
+              </a:lnSpc>
+              <a:spcBef>
+                <a:spcPts val="0"/>
+              </a:spcBef>
+              <a:spcAft>
+                <a:spcPts val="600"/>
+              </a:spcAft>
+              <a:buNone/>
+            </a:pPr>
+            <a:r>
+              <a:rPr lang="ru-RU" sz="2400" dirty="0">
+                <a:solidFill>
+                  <a:schemeClr val="tx1"/>
+                </a:solidFill>
+                <a:ea typeface="Times New Roman" panose="02020603050405020304" pitchFamily="18" charset="0"/>
+              </a:rPr>
+              <a:t>В данной работе была решена задача распознавания морских судов методами компьютерного зрения. Были приведены результаты работы метода бинарной классификации и метода семантической сегментации изображения.</a:t>
+            </a:r>
+            <a:endParaRPr lang="en-US" sz="2400" dirty="0">
+              <a:solidFill>
+                <a:schemeClr val="tx1"/>
+              </a:solidFill>
+              <a:ea typeface="Times New Roman" panose="02020603050405020304" pitchFamily="18" charset="0"/>
+            </a:endParaRPr>
+          </a:p>
+          <a:p>
+            <a:pPr algn="just">
+              <a:lnSpc>
+                <a:spcPct val="100000"/>
+              </a:lnSpc>
+              <a:spcBef>
+                <a:spcPts val="0"/>
+              </a:spcBef>
+              <a:spcAft>
+                <a:spcPts val="600"/>
+              </a:spcAft>
+            </a:pPr>
+            <a:r>
+              <a:rPr lang="ru-RU" sz="2400" dirty="0">
+                <a:solidFill>
+                  <a:schemeClr val="tx1"/>
+                </a:solidFill>
+                <a:ea typeface="Times New Roman" panose="02020603050405020304" pitchFamily="18" charset="0"/>
+              </a:rPr>
+              <a:t> Для метода бинарной классификации были подобраны оптимальные </a:t>
+            </a:r>
+            <a:r>
+              <a:rPr lang="ru-RU" sz="2400" dirty="0" err="1">
+                <a:solidFill>
+                  <a:schemeClr val="tx1"/>
+                </a:solidFill>
+                <a:ea typeface="Times New Roman" panose="02020603050405020304" pitchFamily="18" charset="0"/>
+              </a:rPr>
+              <a:t>гиперпараметры</a:t>
+            </a:r>
+            <a:r>
+              <a:rPr lang="ru-RU" sz="2400" dirty="0">
+                <a:solidFill>
+                  <a:schemeClr val="tx1"/>
+                </a:solidFill>
+                <a:ea typeface="Times New Roman" panose="02020603050405020304" pitchFamily="18" charset="0"/>
+              </a:rPr>
+              <a:t> для данной задачи</a:t>
+            </a:r>
+            <a:r>
+              <a:rPr lang="en-US" sz="2400" dirty="0">
+                <a:ea typeface="Times New Roman" panose="02020603050405020304" pitchFamily="18" charset="0"/>
+              </a:rPr>
+              <a:t> </a:t>
+            </a:r>
+            <a:r>
+              <a:rPr lang="ru-RU" sz="2400" dirty="0">
+                <a:ea typeface="Times New Roman" panose="02020603050405020304" pitchFamily="18" charset="0"/>
+              </a:rPr>
+              <a:t>у</a:t>
+            </a:r>
+            <a:r>
+              <a:rPr lang="ru-RU" sz="2400" dirty="0">
+                <a:solidFill>
+                  <a:schemeClr val="tx1"/>
+                </a:solidFill>
+                <a:ea typeface="Times New Roman" panose="02020603050405020304" pitchFamily="18" charset="0"/>
+              </a:rPr>
+              <a:t> модели </a:t>
+            </a:r>
+            <a:r>
+              <a:rPr lang="en-US" sz="2400" dirty="0">
+                <a:solidFill>
+                  <a:schemeClr val="tx1"/>
+                </a:solidFill>
+                <a:ea typeface="Times New Roman" panose="02020603050405020304" pitchFamily="18" charset="0"/>
+              </a:rPr>
+              <a:t>VGG16</a:t>
+            </a:r>
+            <a:r>
+              <a:rPr lang="ru-RU" sz="2400" dirty="0">
+                <a:solidFill>
+                  <a:schemeClr val="tx1"/>
+                </a:solidFill>
+                <a:ea typeface="Times New Roman" panose="02020603050405020304" pitchFamily="18" charset="0"/>
+              </a:rPr>
+              <a:t>, что позволило достичь точности классификации в 92% случаев. </a:t>
+            </a:r>
+            <a:endParaRPr lang="en-US" sz="2400" dirty="0">
+              <a:solidFill>
+                <a:schemeClr val="tx1"/>
+              </a:solidFill>
+              <a:ea typeface="Times New Roman" panose="02020603050405020304" pitchFamily="18" charset="0"/>
+            </a:endParaRPr>
+          </a:p>
+          <a:p>
+            <a:pPr algn="just">
+              <a:lnSpc>
+                <a:spcPct val="100000"/>
+              </a:lnSpc>
+              <a:spcBef>
+                <a:spcPts val="0"/>
+              </a:spcBef>
+              <a:spcAft>
+                <a:spcPts val="600"/>
+              </a:spcAft>
+            </a:pPr>
+            <a:r>
+              <a:rPr lang="ru-RU" sz="2400" dirty="0">
+                <a:solidFill>
+                  <a:schemeClr val="tx1"/>
+                </a:solidFill>
+                <a:ea typeface="Times New Roman" panose="02020603050405020304" pitchFamily="18" charset="0"/>
+              </a:rPr>
+              <a:t>Для метода семантической сегментации была определена лучшая модель – это </a:t>
+            </a:r>
+            <a:r>
+              <a:rPr lang="en-US" sz="2400" dirty="0">
+                <a:solidFill>
+                  <a:schemeClr val="tx1"/>
+                </a:solidFill>
+                <a:ea typeface="Times New Roman" panose="02020603050405020304" pitchFamily="18" charset="0"/>
+              </a:rPr>
+              <a:t>U – Net</a:t>
+            </a:r>
+            <a:r>
+              <a:rPr lang="ru-RU" sz="2400" dirty="0">
+                <a:solidFill>
+                  <a:schemeClr val="tx1"/>
+                </a:solidFill>
+                <a:ea typeface="Times New Roman" panose="02020603050405020304" pitchFamily="18" charset="0"/>
+              </a:rPr>
+              <a:t> и результаты ее обучения для данной задачи были улучшены путем использования метода инициализации весов для слоев </a:t>
+            </a:r>
+            <a:r>
+              <a:rPr lang="ru-RU" sz="2400" dirty="0" err="1">
+                <a:solidFill>
+                  <a:schemeClr val="tx1"/>
+                </a:solidFill>
+                <a:ea typeface="Times New Roman" panose="02020603050405020304" pitchFamily="18" charset="0"/>
+              </a:rPr>
+              <a:t>сверточной</a:t>
+            </a:r>
+            <a:r>
+              <a:rPr lang="ru-RU" sz="2400" dirty="0">
+                <a:solidFill>
+                  <a:schemeClr val="tx1"/>
+                </a:solidFill>
+                <a:ea typeface="Times New Roman" panose="02020603050405020304" pitchFamily="18" charset="0"/>
+              </a:rPr>
+              <a:t> нейронной сети методом Ксавье, что увеличило значение метрики качества с 0,0054 до 0,25. А после увеличения обучающей выборки метрика качества достигла значения 0.56</a:t>
+            </a:r>
+          </a:p>
+        </p:txBody>
+      </p:sp>
+      <p:sp>
+        <p:nvSpPr>
+          <p:cNvPr id="4" name="Номер слайда 3">
+            <a:extLst>
+              <a:ext uri="{FF2B5EF4-FFF2-40B4-BE49-F238E27FC236}">
+                <a16:creationId xmlns:a16="http://schemas.microsoft.com/office/drawing/2014/main" id="{F5751FB5-B8CF-4E87-BEBB-445A30784354}"/>
+              </a:ext>
+            </a:extLst>
+          </p:cNvPr>
+          <p:cNvSpPr>
+            <a:spLocks noGrp="1"/>
+          </p:cNvSpPr>
+          <p:nvPr>
+            <p:ph type="sldNum" sz="quarter" idx="12"/>
+          </p:nvPr>
+        </p:nvSpPr>
+        <p:spPr/>
+        <p:txBody>
+          <a:bodyPr/>
+          <a:lstStyle/>
+          <a:p>
+            <a:fld id="{215F4EE3-9A7A-4F14-9A4C-17DDDD407085}" type="slidenum">
+              <a:rPr lang="ru-RU" sz="1600" smtClean="0"/>
+              <a:t>15</a:t>
+            </a:fld>
+            <a:endParaRPr lang="ru-RU" sz="1600" dirty="0"/>
+          </a:p>
+        </p:txBody>
+      </p:sp>
+    </p:spTree>
+    <p:extLst>
+      <p:ext uri="{BB962C8B-B14F-4D97-AF65-F5344CB8AC3E}">
+        <p14:creationId xmlns:p14="http://schemas.microsoft.com/office/powerpoint/2010/main" val="2273475074"/>
+      </p:ext>
+    </p:extLst>
+  </p:cSld>
+  <p:clrMapOvr>
+    <a:masterClrMapping/>
+  </p:clrMapOvr>
+  <p:timing>
+    <p:tnLst>
+      <p:par>
+        <p:cTn id="1" dur="indefinite" restart="never" nodeType="tmRoot"/>
+      </p:par>
+    </p:tnLst>
+  </p:timing>
+</p:sld>
+</file>
+
+<file path=ppt/slides/slide16.xml><?xml version="1.0" encoding="utf-8"?>
+<p:sld xmlns:a="http://schemas.openxmlformats.org/drawingml/2006/main" xmlns:r="http://schemas.openxmlformats.org/officeDocument/2006/relationships" xmlns:p="http://schemas.openxmlformats.org/presentationml/2006/main">
+  <p:cSld>
+    <p:spTree>
+      <p:nvGrpSpPr>
+        <p:cNvPr id="1" name=""/>
+        <p:cNvGrpSpPr/>
+        <p:nvPr/>
+      </p:nvGrpSpPr>
+      <p:grpSpPr>
+        <a:xfrm>
+          <a:off x="0" y="0"/>
+          <a:ext cx="0" cy="0"/>
+          <a:chOff x="0" y="0"/>
+          <a:chExt cx="0" cy="0"/>
+        </a:xfrm>
+      </p:grpSpPr>
+      <p:sp>
+        <p:nvSpPr>
+          <p:cNvPr id="2" name="Заголовок 1">
+            <a:extLst>
+              <a:ext uri="{FF2B5EF4-FFF2-40B4-BE49-F238E27FC236}">
                 <a16:creationId xmlns:a16="http://schemas.microsoft.com/office/drawing/2014/main" id="{38CAA637-3F6B-4E0B-8FCE-8352F3D5AF84}"/>
               </a:ext>
             </a:extLst>
@@ -6560,25 +6497,18 @@
         </p:nvSpPr>
         <p:spPr>
           <a:xfrm>
-            <a:off x="3845770" y="674703"/>
-            <a:ext cx="4392706" cy="627354"/>
+            <a:off x="2904739" y="2248270"/>
+            <a:ext cx="6434572" cy="1752599"/>
           </a:xfrm>
         </p:spPr>
         <p:txBody>
-          <a:bodyPr>
-            <a:normAutofit fontScale="90000"/>
-          </a:bodyPr>
+          <a:bodyPr/>
           <a:lstStyle/>
           <a:p>
             <a:r>
               <a:rPr lang="ru-RU" dirty="0"/>
-              <a:t>Архитектура </a:t>
-            </a:r>
-            <a:r>
-              <a:rPr lang="en-US" dirty="0"/>
-              <a:t>u - net</a:t>
-            </a:r>
-            <a:endParaRPr lang="ru-RU" dirty="0"/>
+              <a:t>Спасибо за внимание!</a:t>
+            </a:r>
           </a:p>
         </p:txBody>
       </p:sp>
@@ -6605,7 +6535,125 @@
           <a:p>
             <a:fld id="{215F4EE3-9A7A-4F14-9A4C-17DDDD407085}" type="slidenum">
               <a:rPr lang="ru-RU" sz="1600" smtClean="0"/>
-              <a:t>15</a:t>
+              <a:t>16</a:t>
+            </a:fld>
+            <a:endParaRPr lang="ru-RU" sz="1600" dirty="0"/>
+          </a:p>
+        </p:txBody>
+      </p:sp>
+    </p:spTree>
+    <p:extLst>
+      <p:ext uri="{BB962C8B-B14F-4D97-AF65-F5344CB8AC3E}">
+        <p14:creationId xmlns:p14="http://schemas.microsoft.com/office/powerpoint/2010/main" val="2328152923"/>
+      </p:ext>
+    </p:extLst>
+  </p:cSld>
+  <p:clrMapOvr>
+    <a:masterClrMapping/>
+  </p:clrMapOvr>
+  <p:timing>
+    <p:tnLst>
+      <p:par>
+        <p:cTn id="1" dur="indefinite" restart="never" nodeType="tmRoot"/>
+      </p:par>
+    </p:tnLst>
+  </p:timing>
+</p:sld>
+</file>
+
+<file path=ppt/slides/slide17.xml><?xml version="1.0" encoding="utf-8"?>
+<p:sld xmlns:a="http://schemas.openxmlformats.org/drawingml/2006/main" xmlns:r="http://schemas.openxmlformats.org/officeDocument/2006/relationships" xmlns:p="http://schemas.openxmlformats.org/presentationml/2006/main">
+  <p:cSld>
+    <p:spTree>
+      <p:nvGrpSpPr>
+        <p:cNvPr id="1" name=""/>
+        <p:cNvGrpSpPr/>
+        <p:nvPr/>
+      </p:nvGrpSpPr>
+      <p:grpSpPr>
+        <a:xfrm>
+          <a:off x="0" y="0"/>
+          <a:ext cx="0" cy="0"/>
+          <a:chOff x="0" y="0"/>
+          <a:chExt cx="0" cy="0"/>
+        </a:xfrm>
+      </p:grpSpPr>
+      <p:sp>
+        <p:nvSpPr>
+          <p:cNvPr id="2" name="Заголовок 1">
+            <a:extLst>
+              <a:ext uri="{FF2B5EF4-FFF2-40B4-BE49-F238E27FC236}">
+                <a16:creationId xmlns:a16="http://schemas.microsoft.com/office/drawing/2014/main" id="{38CAA637-3F6B-4E0B-8FCE-8352F3D5AF84}"/>
+              </a:ext>
+            </a:extLst>
+          </p:cNvPr>
+          <p:cNvSpPr>
+            <a:spLocks noGrp="1"/>
+          </p:cNvSpPr>
+          <p:nvPr>
+            <p:ph type="title"/>
+          </p:nvPr>
+        </p:nvSpPr>
+        <p:spPr>
+          <a:xfrm>
+            <a:off x="3845770" y="674703"/>
+            <a:ext cx="4392706" cy="627354"/>
+          </a:xfrm>
+        </p:spPr>
+        <p:txBody>
+          <a:bodyPr>
+            <a:normAutofit fontScale="90000"/>
+          </a:bodyPr>
+          <a:lstStyle/>
+          <a:p>
+            <a:r>
+              <a:rPr lang="ru-RU" dirty="0"/>
+              <a:t>Архитектура </a:t>
+            </a:r>
+            <a:r>
+              <a:rPr lang="en-US" dirty="0"/>
+              <a:t>U</a:t>
+            </a:r>
+            <a:r>
+              <a:rPr lang="en-US" dirty="0" smtClean="0"/>
+              <a:t> </a:t>
+            </a:r>
+            <a:r>
+              <a:rPr lang="en-US" dirty="0"/>
+              <a:t>- </a:t>
+            </a:r>
+            <a:r>
+              <a:rPr lang="en-US" dirty="0" smtClean="0"/>
+              <a:t>Net</a:t>
+            </a:r>
+            <a:endParaRPr lang="ru-RU" dirty="0"/>
+          </a:p>
+        </p:txBody>
+      </p:sp>
+      <p:sp>
+        <p:nvSpPr>
+          <p:cNvPr id="4" name="Номер слайда 3">
+            <a:extLst>
+              <a:ext uri="{FF2B5EF4-FFF2-40B4-BE49-F238E27FC236}">
+                <a16:creationId xmlns:a16="http://schemas.microsoft.com/office/drawing/2014/main" id="{951D9478-5EF5-4270-8271-04DE65F57F30}"/>
+              </a:ext>
+            </a:extLst>
+          </p:cNvPr>
+          <p:cNvSpPr>
+            <a:spLocks noGrp="1"/>
+          </p:cNvSpPr>
+          <p:nvPr>
+            <p:ph type="sldNum" sz="quarter" idx="12"/>
+          </p:nvPr>
+        </p:nvSpPr>
+        <p:spPr/>
+        <p:txBody>
+          <a:bodyPr/>
+          <a:lstStyle/>
+          <a:p>
+            <a:fld id="{215F4EE3-9A7A-4F14-9A4C-17DDDD407085}" type="slidenum">
+              <a:rPr lang="ru-RU" sz="1600" smtClean="0"/>
+              <a:t>17</a:t>
             </a:fld>
             <a:endParaRPr lang="ru-RU" sz="1600" dirty="0"/>
           </a:p>
@@ -6694,10 +6742,17 @@
   <p:clrMapOvr>
     <a:masterClrMapping/>
   </p:clrMapOvr>
+  <p:timing>
+    <p:tnLst>
+      <p:par>
+        <p:cTn id="1" dur="indefinite" restart="never" nodeType="tmRoot"/>
+      </p:par>
+    </p:tnLst>
+  </p:timing>
 </p:sld>
 </file>
 
-<file path=ppt/slides/slide16.xml><?xml version="1.0" encoding="utf-8"?>
+<file path=ppt/slides/slide18.xml><?xml version="1.0" encoding="utf-8"?>
 <p:sld xmlns:a="http://schemas.openxmlformats.org/drawingml/2006/main" xmlns:r="http://schemas.openxmlformats.org/officeDocument/2006/relationships" xmlns:p="http://schemas.openxmlformats.org/presentationml/2006/main">
   <p:cSld>
     <p:spTree>
@@ -6777,7 +6832,7 @@
           <a:p>
             <a:fld id="{215F4EE3-9A7A-4F14-9A4C-17DDDD407085}" type="slidenum">
               <a:rPr lang="ru-RU" sz="1600" smtClean="0"/>
-              <a:t>16</a:t>
+              <a:t>18</a:t>
             </a:fld>
             <a:endParaRPr lang="ru-RU" sz="1600" dirty="0"/>
           </a:p>
@@ -6929,10 +6984,17 @@
   <p:clrMapOvr>
     <a:masterClrMapping/>
   </p:clrMapOvr>
+  <p:timing>
+    <p:tnLst>
+      <p:par>
+        <p:cTn id="1" dur="indefinite" restart="never" nodeType="tmRoot"/>
+      </p:par>
+    </p:tnLst>
+  </p:timing>
 </p:sld>
 </file>
 
-<file path=ppt/slides/slide17.xml><?xml version="1.0" encoding="utf-8"?>
+<file path=ppt/slides/slide19.xml><?xml version="1.0" encoding="utf-8"?>
 <p:sld xmlns:a="http://schemas.openxmlformats.org/drawingml/2006/main" xmlns:r="http://schemas.openxmlformats.org/officeDocument/2006/relationships" xmlns:p="http://schemas.openxmlformats.org/presentationml/2006/main">
   <p:cSld>
     <p:spTree>
@@ -7012,7 +7074,7 @@
           <a:p>
             <a:fld id="{215F4EE3-9A7A-4F14-9A4C-17DDDD407085}" type="slidenum">
               <a:rPr lang="ru-RU" sz="1600" smtClean="0"/>
-              <a:t>17</a:t>
+              <a:t>19</a:t>
             </a:fld>
             <a:endParaRPr lang="ru-RU" sz="1600" dirty="0"/>
           </a:p>
@@ -7115,192 +7177,13 @@
   <p:clrMapOvr>
     <a:masterClrMapping/>
   </p:clrMapOvr>
-</p:sld>
-</file>
-
-<file path=ppt/slides/slide18.xml><?xml version="1.0" encoding="utf-8"?>
-<p:sld xmlns:a="http://schemas.openxmlformats.org/drawingml/2006/main" xmlns:r="http://schemas.openxmlformats.org/officeDocument/2006/relationships" xmlns:p="http://schemas.openxmlformats.org/presentationml/2006/main">
-  <p:cSld>
-    <p:spTree>
-      <p:nvGrpSpPr>
-        <p:cNvPr id="1" name=""/>
-        <p:cNvGrpSpPr/>
-        <p:nvPr/>
-      </p:nvGrpSpPr>
-      <p:grpSpPr>
-        <a:xfrm>
-          <a:off x="0" y="0"/>
-          <a:ext cx="0" cy="0"/>
-          <a:chOff x="0" y="0"/>
-          <a:chExt cx="0" cy="0"/>
-        </a:xfrm>
-      </p:grpSpPr>
-      <p:sp>
-        <p:nvSpPr>
-          <p:cNvPr id="2" name="Заголовок 1">
-            <a:extLst>
-              <a:ext uri="{FF2B5EF4-FFF2-40B4-BE49-F238E27FC236}">
-                <a16:creationId xmlns:a16="http://schemas.microsoft.com/office/drawing/2014/main" id="{38CAA637-3F6B-4E0B-8FCE-8352F3D5AF84}"/>
-              </a:ext>
-            </a:extLst>
-          </p:cNvPr>
-          <p:cNvSpPr>
-            <a:spLocks noGrp="1"/>
-          </p:cNvSpPr>
-          <p:nvPr>
-            <p:ph type="title"/>
-          </p:nvPr>
-        </p:nvSpPr>
-        <p:spPr>
-          <a:xfrm>
-            <a:off x="3402966" y="870013"/>
-            <a:ext cx="5617825" cy="627354"/>
-          </a:xfrm>
-        </p:spPr>
-        <p:txBody>
-          <a:bodyPr>
-            <a:normAutofit fontScale="90000"/>
-          </a:bodyPr>
-          <a:lstStyle/>
-          <a:p>
-            <a:r>
-              <a:rPr lang="ru-RU" dirty="0"/>
-              <a:t>Архитектура </a:t>
-            </a:r>
-            <a:r>
-              <a:rPr lang="en-US" dirty="0"/>
-              <a:t>fcn-vgg16</a:t>
-            </a:r>
-            <a:endParaRPr lang="ru-RU" dirty="0"/>
-          </a:p>
-        </p:txBody>
-      </p:sp>
-      <p:sp>
-        <p:nvSpPr>
-          <p:cNvPr id="4" name="Номер слайда 3">
-            <a:extLst>
-              <a:ext uri="{FF2B5EF4-FFF2-40B4-BE49-F238E27FC236}">
-                <a16:creationId xmlns:a16="http://schemas.microsoft.com/office/drawing/2014/main" id="{951D9478-5EF5-4270-8271-04DE65F57F30}"/>
-              </a:ext>
-            </a:extLst>
-          </p:cNvPr>
-          <p:cNvSpPr>
-            <a:spLocks noGrp="1"/>
-          </p:cNvSpPr>
-          <p:nvPr>
-            <p:ph type="sldNum" sz="quarter" idx="12"/>
-          </p:nvPr>
-        </p:nvSpPr>
-        <p:spPr/>
-        <p:txBody>
-          <a:bodyPr/>
-          <a:lstStyle/>
-          <a:p>
-            <a:fld id="{215F4EE3-9A7A-4F14-9A4C-17DDDD407085}" type="slidenum">
-              <a:rPr lang="ru-RU" sz="1600" smtClean="0"/>
-              <a:t>18</a:t>
-            </a:fld>
-            <a:endParaRPr lang="ru-RU" sz="1600" dirty="0"/>
-          </a:p>
-        </p:txBody>
-      </p:sp>
-      <p:pic>
-        <p:nvPicPr>
-          <p:cNvPr id="5" name="Рисунок 4"/>
-          <p:cNvPicPr>
-            <a:picLocks noChangeAspect="1"/>
-          </p:cNvPicPr>
-          <p:nvPr/>
-        </p:nvPicPr>
-        <p:blipFill>
-          <a:blip r:embed="rId2"/>
-          <a:stretch>
-            <a:fillRect/>
-          </a:stretch>
-        </p:blipFill>
-        <p:spPr>
-          <a:xfrm>
-            <a:off x="3402966" y="1671992"/>
-            <a:ext cx="5668928" cy="3482636"/>
-          </a:xfrm>
-          <a:prstGeom prst="rect">
-            <a:avLst/>
-          </a:prstGeom>
-        </p:spPr>
-      </p:pic>
-      <p:sp>
-        <p:nvSpPr>
-          <p:cNvPr id="3" name="Прямоугольник 2"/>
-          <p:cNvSpPr/>
-          <p:nvPr/>
-        </p:nvSpPr>
-        <p:spPr>
-          <a:xfrm>
-            <a:off x="2106893" y="5255309"/>
-            <a:ext cx="8209970" cy="646331"/>
-          </a:xfrm>
-          <a:prstGeom prst="rect">
-            <a:avLst/>
-          </a:prstGeom>
-        </p:spPr>
-        <p:txBody>
-          <a:bodyPr wrap="square">
-            <a:spAutoFit/>
-          </a:bodyPr>
-          <a:lstStyle/>
-          <a:p>
-            <a:pPr marL="342900" marR="428625" lvl="0" indent="-342900" algn="just">
-              <a:spcBef>
-                <a:spcPts val="910"/>
-              </a:spcBef>
-              <a:spcAft>
-                <a:spcPts val="0"/>
-              </a:spcAft>
-              <a:buSzPts val="1400"/>
-              <a:buFont typeface="+mj-lt"/>
-              <a:buAutoNum type="arabicPeriod" startAt="8"/>
-              <a:tabLst>
-                <a:tab pos="614045" algn="l"/>
-              </a:tabLst>
-            </a:pPr>
-            <a:r>
-              <a:rPr lang="en-US" dirty="0">
-                <a:latin typeface="Times New Roman" panose="02020603050405020304" pitchFamily="18" charset="0"/>
-                <a:ea typeface="Times New Roman" panose="02020603050405020304" pitchFamily="18" charset="0"/>
-              </a:rPr>
-              <a:t>Fully Convolutional </a:t>
-            </a:r>
-            <a:r>
-              <a:rPr lang="en-US" dirty="0" err="1">
-                <a:latin typeface="Times New Roman" panose="02020603050405020304" pitchFamily="18" charset="0"/>
-                <a:ea typeface="Times New Roman" panose="02020603050405020304" pitchFamily="18" charset="0"/>
-              </a:rPr>
-              <a:t>Networksfor</a:t>
-            </a:r>
-            <a:r>
-              <a:rPr lang="en-US" dirty="0">
-                <a:latin typeface="Times New Roman" panose="02020603050405020304" pitchFamily="18" charset="0"/>
-                <a:ea typeface="Times New Roman" panose="02020603050405020304" pitchFamily="18" charset="0"/>
-              </a:rPr>
-              <a:t> Semantic Segmentation. arXiv:1605.06211v1 [cs.CV] 20 May 2016</a:t>
-            </a:r>
-            <a:endParaRPr lang="ru-RU" dirty="0">
-              <a:latin typeface="Times New Roman" panose="02020603050405020304" pitchFamily="18" charset="0"/>
-              <a:ea typeface="Times New Roman" panose="02020603050405020304" pitchFamily="18" charset="0"/>
-            </a:endParaRPr>
-          </a:p>
-        </p:txBody>
-      </p:sp>
-    </p:spTree>
-    <p:extLst>
-      <p:ext uri="{BB962C8B-B14F-4D97-AF65-F5344CB8AC3E}">
-        <p14:creationId xmlns:p14="http://schemas.microsoft.com/office/powerpoint/2010/main" val="3246548895"/>
-      </p:ext>
-    </p:extLst>
-  </p:cSld>
-  <p:clrMapOvr>
-    <a:masterClrMapping/>
-  </p:clrMapOvr>
+  <p:timing>
+    <p:tnLst>
+      <p:par>
+        <p:cTn id="1" dur="indefinite" restart="never" nodeType="tmRoot"/>
+      </p:par>
+    </p:tnLst>
+  </p:timing>
 </p:sld>
 </file>
 
@@ -7533,6 +7416,199 @@
     <p:extLst>
       <p:ext uri="{BB962C8B-B14F-4D97-AF65-F5344CB8AC3E}">
         <p14:creationId xmlns:p14="http://schemas.microsoft.com/office/powerpoint/2010/main" val="1319830523"/>
+      </p:ext>
+    </p:extLst>
+  </p:cSld>
+  <p:clrMapOvr>
+    <a:masterClrMapping/>
+  </p:clrMapOvr>
+  <p:timing>
+    <p:tnLst>
+      <p:par>
+        <p:cTn id="1" dur="indefinite" restart="never" nodeType="tmRoot"/>
+      </p:par>
+    </p:tnLst>
+  </p:timing>
+</p:sld>
+</file>
+
+<file path=ppt/slides/slide20.xml><?xml version="1.0" encoding="utf-8"?>
+<p:sld xmlns:a="http://schemas.openxmlformats.org/drawingml/2006/main" xmlns:r="http://schemas.openxmlformats.org/officeDocument/2006/relationships" xmlns:p="http://schemas.openxmlformats.org/presentationml/2006/main">
+  <p:cSld>
+    <p:spTree>
+      <p:nvGrpSpPr>
+        <p:cNvPr id="1" name=""/>
+        <p:cNvGrpSpPr/>
+        <p:nvPr/>
+      </p:nvGrpSpPr>
+      <p:grpSpPr>
+        <a:xfrm>
+          <a:off x="0" y="0"/>
+          <a:ext cx="0" cy="0"/>
+          <a:chOff x="0" y="0"/>
+          <a:chExt cx="0" cy="0"/>
+        </a:xfrm>
+      </p:grpSpPr>
+      <p:sp>
+        <p:nvSpPr>
+          <p:cNvPr id="2" name="Заголовок 1">
+            <a:extLst>
+              <a:ext uri="{FF2B5EF4-FFF2-40B4-BE49-F238E27FC236}">
+                <a16:creationId xmlns:a16="http://schemas.microsoft.com/office/drawing/2014/main" id="{38CAA637-3F6B-4E0B-8FCE-8352F3D5AF84}"/>
+              </a:ext>
+            </a:extLst>
+          </p:cNvPr>
+          <p:cNvSpPr>
+            <a:spLocks noGrp="1"/>
+          </p:cNvSpPr>
+          <p:nvPr>
+            <p:ph type="title"/>
+          </p:nvPr>
+        </p:nvSpPr>
+        <p:spPr>
+          <a:xfrm>
+            <a:off x="3402966" y="870013"/>
+            <a:ext cx="5617825" cy="627354"/>
+          </a:xfrm>
+        </p:spPr>
+        <p:txBody>
+          <a:bodyPr>
+            <a:normAutofit fontScale="90000"/>
+          </a:bodyPr>
+          <a:lstStyle/>
+          <a:p>
+            <a:r>
+              <a:rPr lang="ru-RU" dirty="0"/>
+              <a:t>Архитектура </a:t>
+            </a:r>
+            <a:r>
+              <a:rPr lang="en-US" dirty="0"/>
+              <a:t>fcn-vgg16</a:t>
+            </a:r>
+            <a:endParaRPr lang="ru-RU" dirty="0"/>
+          </a:p>
+        </p:txBody>
+      </p:sp>
+      <p:sp>
+        <p:nvSpPr>
+          <p:cNvPr id="4" name="Номер слайда 3">
+            <a:extLst>
+              <a:ext uri="{FF2B5EF4-FFF2-40B4-BE49-F238E27FC236}">
+                <a16:creationId xmlns:a16="http://schemas.microsoft.com/office/drawing/2014/main" id="{951D9478-5EF5-4270-8271-04DE65F57F30}"/>
+              </a:ext>
+            </a:extLst>
+          </p:cNvPr>
+          <p:cNvSpPr>
+            <a:spLocks noGrp="1"/>
+          </p:cNvSpPr>
+          <p:nvPr>
+            <p:ph type="sldNum" sz="quarter" idx="12"/>
+          </p:nvPr>
+        </p:nvSpPr>
+        <p:spPr/>
+        <p:txBody>
+          <a:bodyPr/>
+          <a:lstStyle/>
+          <a:p>
+            <a:fld id="{215F4EE3-9A7A-4F14-9A4C-17DDDD407085}" type="slidenum">
+              <a:rPr lang="ru-RU" sz="1600" smtClean="0"/>
+              <a:t>20</a:t>
+            </a:fld>
+            <a:endParaRPr lang="ru-RU" sz="1600" dirty="0"/>
+          </a:p>
+        </p:txBody>
+      </p:sp>
+      <p:pic>
+        <p:nvPicPr>
+          <p:cNvPr id="5" name="Рисунок 4"/>
+          <p:cNvPicPr>
+            <a:picLocks noChangeAspect="1"/>
+          </p:cNvPicPr>
+          <p:nvPr/>
+        </p:nvPicPr>
+        <p:blipFill>
+          <a:blip r:embed="rId2"/>
+          <a:stretch>
+            <a:fillRect/>
+          </a:stretch>
+        </p:blipFill>
+        <p:spPr>
+          <a:xfrm>
+            <a:off x="3402966" y="1671992"/>
+            <a:ext cx="5668928" cy="3482636"/>
+          </a:xfrm>
+          <a:prstGeom prst="rect">
+            <a:avLst/>
+          </a:prstGeom>
+        </p:spPr>
+      </p:pic>
+      <p:sp>
+        <p:nvSpPr>
+          <p:cNvPr id="3" name="Прямоугольник 2"/>
+          <p:cNvSpPr/>
+          <p:nvPr/>
+        </p:nvSpPr>
+        <p:spPr>
+          <a:xfrm>
+            <a:off x="2106893" y="5255309"/>
+            <a:ext cx="8209970" cy="646331"/>
+          </a:xfrm>
+          <a:prstGeom prst="rect">
+            <a:avLst/>
+          </a:prstGeom>
+        </p:spPr>
+        <p:txBody>
+          <a:bodyPr wrap="square">
+            <a:spAutoFit/>
+          </a:bodyPr>
+          <a:lstStyle/>
+          <a:p>
+            <a:pPr marL="342900" marR="428625" lvl="0" indent="-342900" algn="just">
+              <a:spcBef>
+                <a:spcPts val="910"/>
+              </a:spcBef>
+              <a:spcAft>
+                <a:spcPts val="0"/>
+              </a:spcAft>
+              <a:buSzPts val="1400"/>
+              <a:buFont typeface="+mj-lt"/>
+              <a:buAutoNum type="arabicPeriod" startAt="8"/>
+              <a:tabLst>
+                <a:tab pos="614045" algn="l"/>
+              </a:tabLst>
+            </a:pPr>
+            <a:r>
+              <a:rPr lang="en-US" dirty="0">
+                <a:latin typeface="Times New Roman" panose="02020603050405020304" pitchFamily="18" charset="0"/>
+                <a:ea typeface="Times New Roman" panose="02020603050405020304" pitchFamily="18" charset="0"/>
+              </a:rPr>
+              <a:t>Fully Convolutional </a:t>
+            </a:r>
+            <a:r>
+              <a:rPr lang="en-US" dirty="0" err="1">
+                <a:latin typeface="Times New Roman" panose="02020603050405020304" pitchFamily="18" charset="0"/>
+                <a:ea typeface="Times New Roman" panose="02020603050405020304" pitchFamily="18" charset="0"/>
+              </a:rPr>
+              <a:t>Networksfor</a:t>
+            </a:r>
+            <a:r>
+              <a:rPr lang="en-US" dirty="0">
+                <a:latin typeface="Times New Roman" panose="02020603050405020304" pitchFamily="18" charset="0"/>
+                <a:ea typeface="Times New Roman" panose="02020603050405020304" pitchFamily="18" charset="0"/>
+              </a:rPr>
+              <a:t> Semantic Segmentation. arXiv:1605.06211v1 [cs.CV] 20 May 2016</a:t>
+            </a:r>
+            <a:endParaRPr lang="ru-RU" dirty="0">
+              <a:latin typeface="Times New Roman" panose="02020603050405020304" pitchFamily="18" charset="0"/>
+              <a:ea typeface="Times New Roman" panose="02020603050405020304" pitchFamily="18" charset="0"/>
+            </a:endParaRPr>
+          </a:p>
+        </p:txBody>
+      </p:sp>
+    </p:spTree>
+    <p:extLst>
+      <p:ext uri="{BB962C8B-B14F-4D97-AF65-F5344CB8AC3E}">
+        <p14:creationId xmlns:p14="http://schemas.microsoft.com/office/powerpoint/2010/main" val="3246548895"/>
       </p:ext>
     </p:extLst>
   </p:cSld>
@@ -11228,8 +11304,32 @@
         </p:blipFill>
         <p:spPr>
           <a:xfrm>
-            <a:off x="3762566" y="2851563"/>
+            <a:off x="1490039" y="2836311"/>
             <a:ext cx="4300015" cy="2888960"/>
+          </a:xfrm>
+          <a:prstGeom prst="rect">
+            <a:avLst/>
+          </a:prstGeom>
+        </p:spPr>
+      </p:pic>
+      <p:pic>
+        <p:nvPicPr>
+          <p:cNvPr id="8" name="image28.png"/>
+          <p:cNvPicPr>
+            <a:picLocks noChangeAspect="1"/>
+          </p:cNvPicPr>
+          <p:nvPr/>
+        </p:nvPicPr>
+        <p:blipFill>
+          <a:blip r:embed="rId3" cstate="print"/>
+          <a:stretch>
+            <a:fillRect/>
+          </a:stretch>
+        </p:blipFill>
+        <p:spPr>
+          <a:xfrm>
+            <a:off x="6409880" y="2836311"/>
+            <a:ext cx="4401440" cy="2880000"/>
           </a:xfrm>
           <a:prstGeom prst="rect">
             <a:avLst/>

--- a/Отчет/ВКР презентация.pptx
+++ b/Отчет/ВКР презентация.pptx
@@ -5,7 +5,7 @@
     <p:sldMasterId id="2147483804" r:id="rId1"/>
   </p:sldMasterIdLst>
   <p:notesMasterIdLst>
-    <p:notesMasterId r:id="rId22"/>
+    <p:notesMasterId r:id="rId23"/>
   </p:notesMasterIdLst>
   <p:sldIdLst>
     <p:sldId id="256" r:id="rId2"/>
@@ -15,19 +15,20 @@
     <p:sldId id="321" r:id="rId6"/>
     <p:sldId id="322" r:id="rId7"/>
     <p:sldId id="326" r:id="rId8"/>
-    <p:sldId id="327" r:id="rId9"/>
-    <p:sldId id="342" r:id="rId10"/>
-    <p:sldId id="343" r:id="rId11"/>
-    <p:sldId id="351" r:id="rId12"/>
-    <p:sldId id="350" r:id="rId13"/>
-    <p:sldId id="349" r:id="rId14"/>
-    <p:sldId id="344" r:id="rId15"/>
-    <p:sldId id="341" r:id="rId16"/>
-    <p:sldId id="284" r:id="rId17"/>
-    <p:sldId id="345" r:id="rId18"/>
-    <p:sldId id="346" r:id="rId19"/>
-    <p:sldId id="348" r:id="rId20"/>
-    <p:sldId id="347" r:id="rId21"/>
+    <p:sldId id="352" r:id="rId9"/>
+    <p:sldId id="327" r:id="rId10"/>
+    <p:sldId id="342" r:id="rId11"/>
+    <p:sldId id="343" r:id="rId12"/>
+    <p:sldId id="351" r:id="rId13"/>
+    <p:sldId id="350" r:id="rId14"/>
+    <p:sldId id="349" r:id="rId15"/>
+    <p:sldId id="344" r:id="rId16"/>
+    <p:sldId id="341" r:id="rId17"/>
+    <p:sldId id="284" r:id="rId18"/>
+    <p:sldId id="345" r:id="rId19"/>
+    <p:sldId id="346" r:id="rId20"/>
+    <p:sldId id="348" r:id="rId21"/>
+    <p:sldId id="347" r:id="rId22"/>
   </p:sldIdLst>
   <p:sldSz cx="12192000" cy="6858000"/>
   <p:notesSz cx="6858000" cy="9144000"/>
@@ -138,6 +139,7 @@
             <p14:sldId id="321"/>
             <p14:sldId id="322"/>
             <p14:sldId id="326"/>
+            <p14:sldId id="352"/>
             <p14:sldId id="327"/>
             <p14:sldId id="342"/>
             <p14:sldId id="343"/>
@@ -244,7 +246,7 @@
           <a:p>
             <a:fld id="{A7330053-4594-4EF0-A624-A7743D5CE3F2}" type="datetimeFigureOut">
               <a:rPr lang="ru-RU" smtClean="0"/>
-              <a:t>16.06.2021</a:t>
+              <a:t>19.06.2021</a:t>
             </a:fld>
             <a:endParaRPr lang="ru-RU"/>
           </a:p>
@@ -1540,9 +1542,9 @@
           <a:bodyPr/>
           <a:lstStyle/>
           <a:p>
-            <a:fld id="{91AD58AA-AB18-43F0-9D13-6890393342C7}" type="datetime1">
+            <a:fld id="{9E716150-71A7-4266-A1B1-89B7A7A501AF}" type="datetime1">
               <a:rPr lang="ru-RU" smtClean="0"/>
-              <a:t>16.06.2021</a:t>
+              <a:t>19.06.2021</a:t>
             </a:fld>
             <a:endParaRPr lang="ru-RU"/>
           </a:p>
@@ -1708,9 +1710,9 @@
           <a:bodyPr/>
           <a:lstStyle/>
           <a:p>
-            <a:fld id="{574BEDB4-4E46-4D7F-AB67-CFE556E60C5B}" type="datetime1">
+            <a:fld id="{D4AA585B-07C4-418F-94B9-07BC92CB1457}" type="datetime1">
               <a:rPr lang="ru-RU" smtClean="0"/>
-              <a:t>16.06.2021</a:t>
+              <a:t>19.06.2021</a:t>
             </a:fld>
             <a:endParaRPr lang="ru-RU"/>
           </a:p>
@@ -1886,9 +1888,9 @@
           <a:bodyPr/>
           <a:lstStyle/>
           <a:p>
-            <a:fld id="{F4341E52-93B4-4DBE-8FA9-3FE7D7ACA5AE}" type="datetime1">
+            <a:fld id="{D564531E-CF93-420D-8E63-3F5E3E5E2B2A}" type="datetime1">
               <a:rPr lang="ru-RU" smtClean="0"/>
-              <a:t>16.06.2021</a:t>
+              <a:t>19.06.2021</a:t>
             </a:fld>
             <a:endParaRPr lang="ru-RU"/>
           </a:p>
@@ -2054,9 +2056,9 @@
           <a:bodyPr/>
           <a:lstStyle/>
           <a:p>
-            <a:fld id="{65B308FD-C0D5-4D99-8CF9-584A53B93F4C}" type="datetime1">
+            <a:fld id="{DDF05E32-D00C-4DAF-ABDC-855F97B462C3}" type="datetime1">
               <a:rPr lang="ru-RU" smtClean="0"/>
-              <a:t>16.06.2021</a:t>
+              <a:t>19.06.2021</a:t>
             </a:fld>
             <a:endParaRPr lang="ru-RU"/>
           </a:p>
@@ -2299,9 +2301,9 @@
           <a:bodyPr/>
           <a:lstStyle/>
           <a:p>
-            <a:fld id="{452272BB-91C1-484A-8EA2-89DA24B6DDEB}" type="datetime1">
+            <a:fld id="{372D2FF8-661F-49E2-AA96-ADA2890F8EF5}" type="datetime1">
               <a:rPr lang="ru-RU" smtClean="0"/>
-              <a:t>16.06.2021</a:t>
+              <a:t>19.06.2021</a:t>
             </a:fld>
             <a:endParaRPr lang="ru-RU"/>
           </a:p>
@@ -2528,9 +2530,9 @@
           <a:bodyPr/>
           <a:lstStyle/>
           <a:p>
-            <a:fld id="{17FC9375-F314-4DA4-8571-4F359A6F3935}" type="datetime1">
+            <a:fld id="{66D52D05-88D3-426D-A012-BF5BFB2C1558}" type="datetime1">
               <a:rPr lang="ru-RU" smtClean="0"/>
-              <a:t>16.06.2021</a:t>
+              <a:t>19.06.2021</a:t>
             </a:fld>
             <a:endParaRPr lang="ru-RU"/>
           </a:p>
@@ -2892,9 +2894,9 @@
           <a:bodyPr/>
           <a:lstStyle/>
           <a:p>
-            <a:fld id="{A441BDA7-ED74-4141-9BF8-C6132750F56B}" type="datetime1">
+            <a:fld id="{5693CED8-6BF2-4FA1-9600-206B11BEC4D7}" type="datetime1">
               <a:rPr lang="ru-RU" smtClean="0"/>
-              <a:t>16.06.2021</a:t>
+              <a:t>19.06.2021</a:t>
             </a:fld>
             <a:endParaRPr lang="ru-RU"/>
           </a:p>
@@ -3009,9 +3011,9 @@
           <a:bodyPr/>
           <a:lstStyle/>
           <a:p>
-            <a:fld id="{35237187-31C8-4DBA-8617-408CF0A7CD49}" type="datetime1">
+            <a:fld id="{80D08160-B2D1-4935-8E7C-762D6E52A99A}" type="datetime1">
               <a:rPr lang="ru-RU" smtClean="0"/>
-              <a:t>16.06.2021</a:t>
+              <a:t>19.06.2021</a:t>
             </a:fld>
             <a:endParaRPr lang="ru-RU"/>
           </a:p>
@@ -3104,9 +3106,9 @@
           <a:bodyPr/>
           <a:lstStyle/>
           <a:p>
-            <a:fld id="{53474F57-7475-4E03-BCC4-0C12527C8437}" type="datetime1">
+            <a:fld id="{F9BB3B2D-BE2D-458E-A14A-C4183E765050}" type="datetime1">
               <a:rPr lang="ru-RU" smtClean="0"/>
-              <a:t>16.06.2021</a:t>
+              <a:t>19.06.2021</a:t>
             </a:fld>
             <a:endParaRPr lang="ru-RU"/>
           </a:p>
@@ -3379,9 +3381,9 @@
           <a:bodyPr/>
           <a:lstStyle/>
           <a:p>
-            <a:fld id="{43A1043A-02FF-4B0D-9AF7-CD3D6817282F}" type="datetime1">
+            <a:fld id="{0D22EEE0-A399-4E37-BF14-8F0215C9C9D4}" type="datetime1">
               <a:rPr lang="ru-RU" smtClean="0"/>
-              <a:t>16.06.2021</a:t>
+              <a:t>19.06.2021</a:t>
             </a:fld>
             <a:endParaRPr lang="ru-RU"/>
           </a:p>
@@ -3631,9 +3633,9 @@
           <a:bodyPr/>
           <a:lstStyle/>
           <a:p>
-            <a:fld id="{E452ECC8-1CF5-450E-8954-4667E039F486}" type="datetime1">
+            <a:fld id="{C18F82EF-F7F7-4AB2-B78A-4BB4B0FCD014}" type="datetime1">
               <a:rPr lang="ru-RU" smtClean="0"/>
-              <a:t>16.06.2021</a:t>
+              <a:t>19.06.2021</a:t>
             </a:fld>
             <a:endParaRPr lang="ru-RU"/>
           </a:p>
@@ -3842,9 +3844,9 @@
             </a:lvl1pPr>
           </a:lstStyle>
           <a:p>
-            <a:fld id="{E81BD1FD-DA80-4FA8-97C3-1C1FE38AC961}" type="datetime1">
+            <a:fld id="{881B0267-0101-464E-998A-304AD914C788}" type="datetime1">
               <a:rPr lang="ru-RU" smtClean="0"/>
-              <a:t>16.06.2021</a:t>
+              <a:t>19.06.2021</a:t>
             </a:fld>
             <a:endParaRPr lang="ru-RU"/>
           </a:p>
@@ -4747,16 +4749,327 @@
             <p:ph type="sldNum" sz="quarter" idx="12"/>
           </p:nvPr>
         </p:nvSpPr>
-        <p:spPr/>
+        <p:spPr>
+          <a:xfrm>
+            <a:off x="11105990" y="6122748"/>
+            <a:ext cx="672752" cy="365125"/>
+          </a:xfrm>
+        </p:spPr>
         <p:txBody>
           <a:bodyPr/>
           <a:lstStyle/>
           <a:p>
             <a:fld id="{215F4EE3-9A7A-4F14-9A4C-17DDDD407085}" type="slidenum">
-              <a:rPr lang="ru-RU" sz="1600" smtClean="0"/>
+              <a:rPr lang="ru-RU" sz="3200" smtClean="0">
+                <a:solidFill>
+                  <a:schemeClr val="tx1"/>
+                </a:solidFill>
+              </a:rPr>
               <a:t>10</a:t>
             </a:fld>
-            <a:endParaRPr lang="ru-RU" sz="1600" dirty="0"/>
+            <a:endParaRPr lang="ru-RU" sz="3200" dirty="0">
+              <a:solidFill>
+                <a:schemeClr val="tx1"/>
+              </a:solidFill>
+            </a:endParaRPr>
+          </a:p>
+        </p:txBody>
+      </p:sp>
+      <p:sp>
+        <p:nvSpPr>
+          <p:cNvPr id="12" name="TextBox 11"/>
+          <p:cNvSpPr txBox="1"/>
+          <p:nvPr/>
+        </p:nvSpPr>
+        <p:spPr>
+          <a:xfrm>
+            <a:off x="593000" y="199104"/>
+            <a:ext cx="11185742" cy="461665"/>
+          </a:xfrm>
+          <a:prstGeom prst="rect">
+            <a:avLst/>
+          </a:prstGeom>
+          <a:noFill/>
+        </p:spPr>
+        <p:txBody>
+          <a:bodyPr wrap="square" rtlCol="0">
+            <a:spAutoFit/>
+          </a:bodyPr>
+          <a:lstStyle/>
+          <a:p>
+            <a:r>
+              <a:rPr lang="ru-RU" sz="2400" dirty="0"/>
+              <a:t>Сравнение результатов </a:t>
+            </a:r>
+            <a:r>
+              <a:rPr lang="ru-RU" sz="2400" dirty="0" smtClean="0"/>
+              <a:t>метрик</a:t>
+            </a:r>
+            <a:r>
+              <a:rPr lang="ru-RU" sz="2400" dirty="0"/>
+              <a:t>и</a:t>
+            </a:r>
+            <a:r>
+              <a:rPr lang="ru-RU" sz="2400" dirty="0" smtClean="0"/>
+              <a:t> </a:t>
+            </a:r>
+            <a:r>
+              <a:rPr lang="ru-RU" sz="2400" dirty="0"/>
+              <a:t>сетей для сегментации изображений</a:t>
+            </a:r>
+          </a:p>
+        </p:txBody>
+      </p:sp>
+      <p:pic>
+        <p:nvPicPr>
+          <p:cNvPr id="6" name="Рисунок 5"/>
+          <p:cNvPicPr>
+            <a:picLocks noChangeAspect="1"/>
+          </p:cNvPicPr>
+          <p:nvPr/>
+        </p:nvPicPr>
+        <p:blipFill rotWithShape="1">
+          <a:blip r:embed="rId2"/>
+          <a:srcRect t="2667"/>
+          <a:stretch/>
+        </p:blipFill>
+        <p:spPr>
+          <a:xfrm>
+            <a:off x="943319" y="799273"/>
+            <a:ext cx="2648796" cy="4779202"/>
+          </a:xfrm>
+          <a:prstGeom prst="rect">
+            <a:avLst/>
+          </a:prstGeom>
+        </p:spPr>
+      </p:pic>
+      <p:sp>
+        <p:nvSpPr>
+          <p:cNvPr id="2" name="TextBox 1"/>
+          <p:cNvSpPr txBox="1"/>
+          <p:nvPr/>
+        </p:nvSpPr>
+        <p:spPr>
+          <a:xfrm>
+            <a:off x="1974809" y="5559352"/>
+            <a:ext cx="1083659" cy="369332"/>
+          </a:xfrm>
+          <a:prstGeom prst="rect">
+            <a:avLst/>
+          </a:prstGeom>
+          <a:noFill/>
+        </p:spPr>
+        <p:txBody>
+          <a:bodyPr wrap="square" rtlCol="0">
+            <a:spAutoFit/>
+          </a:bodyPr>
+          <a:lstStyle/>
+          <a:p>
+            <a:r>
+              <a:rPr lang="en-US" dirty="0"/>
+              <a:t>U - Net</a:t>
+            </a:r>
+            <a:endParaRPr lang="ru-RU" dirty="0"/>
+          </a:p>
+        </p:txBody>
+      </p:sp>
+      <p:sp>
+        <p:nvSpPr>
+          <p:cNvPr id="3" name="TextBox 2"/>
+          <p:cNvSpPr txBox="1"/>
+          <p:nvPr/>
+        </p:nvSpPr>
+        <p:spPr>
+          <a:xfrm>
+            <a:off x="5609674" y="5597112"/>
+            <a:ext cx="1152395" cy="369332"/>
+          </a:xfrm>
+          <a:prstGeom prst="rect">
+            <a:avLst/>
+          </a:prstGeom>
+          <a:noFill/>
+        </p:spPr>
+        <p:txBody>
+          <a:bodyPr wrap="square" rtlCol="0">
+            <a:spAutoFit/>
+          </a:bodyPr>
+          <a:lstStyle/>
+          <a:p>
+            <a:r>
+              <a:rPr lang="en-US" dirty="0" err="1"/>
+              <a:t>SegNet</a:t>
+            </a:r>
+            <a:endParaRPr lang="ru-RU" dirty="0"/>
+          </a:p>
+        </p:txBody>
+      </p:sp>
+      <p:pic>
+        <p:nvPicPr>
+          <p:cNvPr id="9" name="Рисунок 8"/>
+          <p:cNvPicPr>
+            <a:picLocks noChangeAspect="1"/>
+          </p:cNvPicPr>
+          <p:nvPr/>
+        </p:nvPicPr>
+        <p:blipFill rotWithShape="1">
+          <a:blip r:embed="rId3"/>
+          <a:srcRect t="2858" r="-68"/>
+          <a:stretch/>
+        </p:blipFill>
+        <p:spPr bwMode="auto">
+          <a:xfrm>
+            <a:off x="8286299" y="799273"/>
+            <a:ext cx="2617232" cy="4798234"/>
+          </a:xfrm>
+          <a:prstGeom prst="rect">
+            <a:avLst/>
+          </a:prstGeom>
+          <a:ln>
+            <a:noFill/>
+          </a:ln>
+          <a:extLst>
+            <a:ext uri="{53640926-AAD7-44D8-BBD7-CCE9431645EC}">
+              <a14:shadowObscured xmlns:a14="http://schemas.microsoft.com/office/drawing/2010/main"/>
+            </a:ext>
+          </a:extLst>
+        </p:spPr>
+      </p:pic>
+      <p:sp>
+        <p:nvSpPr>
+          <p:cNvPr id="8" name="TextBox 7"/>
+          <p:cNvSpPr txBox="1"/>
+          <p:nvPr/>
+        </p:nvSpPr>
+        <p:spPr>
+          <a:xfrm>
+            <a:off x="8839200" y="5597507"/>
+            <a:ext cx="1866900" cy="369332"/>
+          </a:xfrm>
+          <a:prstGeom prst="rect">
+            <a:avLst/>
+          </a:prstGeom>
+          <a:noFill/>
+        </p:spPr>
+        <p:txBody>
+          <a:bodyPr wrap="square" rtlCol="0">
+            <a:spAutoFit/>
+          </a:bodyPr>
+          <a:lstStyle/>
+          <a:p>
+            <a:r>
+              <a:rPr lang="en-US" dirty="0"/>
+              <a:t>FCN VGG16</a:t>
+            </a:r>
+            <a:endParaRPr lang="ru-RU" dirty="0"/>
+          </a:p>
+        </p:txBody>
+      </p:sp>
+      <p:pic>
+        <p:nvPicPr>
+          <p:cNvPr id="10" name="Рисунок 9"/>
+          <p:cNvPicPr>
+            <a:picLocks noChangeAspect="1"/>
+          </p:cNvPicPr>
+          <p:nvPr/>
+        </p:nvPicPr>
+        <p:blipFill>
+          <a:blip r:embed="rId4">
+            <a:extLst>
+              <a:ext uri="{28A0092B-C50C-407E-A947-70E740481C1C}">
+                <a14:useLocalDpi xmlns:a14="http://schemas.microsoft.com/office/drawing/2010/main" val="0"/>
+              </a:ext>
+            </a:extLst>
+          </a:blip>
+          <a:stretch>
+            <a:fillRect/>
+          </a:stretch>
+        </p:blipFill>
+        <p:spPr>
+          <a:xfrm>
+            <a:off x="4638863" y="799269"/>
+            <a:ext cx="2600688" cy="4793268"/>
+          </a:xfrm>
+          <a:prstGeom prst="rect">
+            <a:avLst/>
+          </a:prstGeom>
+        </p:spPr>
+      </p:pic>
+    </p:spTree>
+    <p:extLst>
+      <p:ext uri="{BB962C8B-B14F-4D97-AF65-F5344CB8AC3E}">
+        <p14:creationId xmlns:p14="http://schemas.microsoft.com/office/powerpoint/2010/main" val="2557102769"/>
+      </p:ext>
+    </p:extLst>
+  </p:cSld>
+  <p:clrMapOvr>
+    <a:masterClrMapping/>
+  </p:clrMapOvr>
+  <p:timing>
+    <p:tnLst>
+      <p:par>
+        <p:cTn id="1" dur="indefinite" restart="never" nodeType="tmRoot"/>
+      </p:par>
+    </p:tnLst>
+  </p:timing>
+</p:sld>
+</file>
+
+<file path=ppt/slides/slide11.xml><?xml version="1.0" encoding="utf-8"?>
+<p:sld xmlns:a="http://schemas.openxmlformats.org/drawingml/2006/main" xmlns:r="http://schemas.openxmlformats.org/officeDocument/2006/relationships" xmlns:p="http://schemas.openxmlformats.org/presentationml/2006/main">
+  <p:cSld>
+    <p:spTree>
+      <p:nvGrpSpPr>
+        <p:cNvPr id="1" name=""/>
+        <p:cNvGrpSpPr/>
+        <p:nvPr/>
+      </p:nvGrpSpPr>
+      <p:grpSpPr>
+        <a:xfrm>
+          <a:off x="0" y="0"/>
+          <a:ext cx="0" cy="0"/>
+          <a:chOff x="0" y="0"/>
+          <a:chExt cx="0" cy="0"/>
+        </a:xfrm>
+      </p:grpSpPr>
+      <p:sp>
+        <p:nvSpPr>
+          <p:cNvPr id="4" name="Номер слайда 3">
+            <a:extLst>
+              <a:ext uri="{FF2B5EF4-FFF2-40B4-BE49-F238E27FC236}">
+                <a16:creationId xmlns:a16="http://schemas.microsoft.com/office/drawing/2014/main" id="{C07D80C0-1D58-4647-B7DB-742E14215E9D}"/>
+              </a:ext>
+            </a:extLst>
+          </p:cNvPr>
+          <p:cNvSpPr>
+            <a:spLocks noGrp="1"/>
+          </p:cNvSpPr>
+          <p:nvPr>
+            <p:ph type="sldNum" sz="quarter" idx="12"/>
+          </p:nvPr>
+        </p:nvSpPr>
+        <p:spPr>
+          <a:xfrm>
+            <a:off x="9070504" y="6175891"/>
+            <a:ext cx="2743200" cy="365125"/>
+          </a:xfrm>
+        </p:spPr>
+        <p:txBody>
+          <a:bodyPr/>
+          <a:lstStyle/>
+          <a:p>
+            <a:fld id="{215F4EE3-9A7A-4F14-9A4C-17DDDD407085}" type="slidenum">
+              <a:rPr lang="ru-RU" sz="3200" smtClean="0">
+                <a:solidFill>
+                  <a:schemeClr val="tx1"/>
+                </a:solidFill>
+              </a:rPr>
+              <a:t>11</a:t>
+            </a:fld>
+            <a:endParaRPr lang="ru-RU" sz="3200" dirty="0">
+              <a:solidFill>
+                <a:schemeClr val="tx1"/>
+              </a:solidFill>
+            </a:endParaRPr>
           </a:p>
         </p:txBody>
       </p:sp>
@@ -4814,8 +5127,8 @@
         </p:nvSpPr>
         <p:spPr>
           <a:xfrm>
-            <a:off x="4924059" y="6171684"/>
-            <a:ext cx="2200990" cy="369332"/>
+            <a:off x="5600117" y="6171684"/>
+            <a:ext cx="1088434" cy="369332"/>
           </a:xfrm>
           <a:prstGeom prst="rect">
             <a:avLst/>
@@ -4830,12 +5143,9 @@
           <a:p>
             <a:r>
               <a:rPr lang="en-US" dirty="0"/>
-              <a:t>U – Net – 50 </a:t>
-            </a:r>
-            <a:r>
-              <a:rPr lang="ru-RU" dirty="0"/>
-              <a:t>эпох</a:t>
-            </a:r>
+              <a:t>U – Net </a:t>
+            </a:r>
+            <a:endParaRPr lang="ru-RU" dirty="0"/>
           </a:p>
         </p:txBody>
       </p:sp>
@@ -4883,7 +5193,7 @@
 </p:sld>
 </file>
 
-<file path=ppt/slides/slide11.xml><?xml version="1.0" encoding="utf-8"?>
+<file path=ppt/slides/slide12.xml><?xml version="1.0" encoding="utf-8"?>
 <p:sld xmlns:a="http://schemas.openxmlformats.org/drawingml/2006/main" xmlns:r="http://schemas.openxmlformats.org/officeDocument/2006/relationships" xmlns:p="http://schemas.openxmlformats.org/presentationml/2006/main">
   <p:cSld>
     <p:spTree>
@@ -4916,16 +5226,29 @@
             <p:ph type="sldNum" sz="quarter" idx="12"/>
           </p:nvPr>
         </p:nvSpPr>
-        <p:spPr/>
+        <p:spPr>
+          <a:xfrm>
+            <a:off x="9057978" y="6173787"/>
+            <a:ext cx="2743200" cy="365125"/>
+          </a:xfrm>
+        </p:spPr>
         <p:txBody>
           <a:bodyPr/>
           <a:lstStyle/>
           <a:p>
             <a:fld id="{215F4EE3-9A7A-4F14-9A4C-17DDDD407085}" type="slidenum">
-              <a:rPr lang="ru-RU" sz="1600" smtClean="0"/>
-              <a:t>11</a:t>
+              <a:rPr lang="ru-RU" sz="3200" smtClean="0">
+                <a:solidFill>
+                  <a:schemeClr val="tx1"/>
+                </a:solidFill>
+              </a:rPr>
+              <a:t>12</a:t>
             </a:fld>
-            <a:endParaRPr lang="ru-RU" sz="1600" dirty="0"/>
+            <a:endParaRPr lang="ru-RU" sz="3200" dirty="0">
+              <a:solidFill>
+                <a:schemeClr val="tx1"/>
+              </a:solidFill>
+            </a:endParaRPr>
           </a:p>
         </p:txBody>
       </p:sp>
@@ -4961,8 +5284,17 @@
             </a:r>
             <a:r>
               <a:rPr lang="ru-RU" sz="2400" dirty="0"/>
-              <a:t>обработки сетей для сегментации изображений</a:t>
-            </a:r>
+              <a:t>обработки сетей для сегментации </a:t>
+            </a:r>
+            <a:r>
+              <a:rPr lang="ru-RU" sz="2400" dirty="0" smtClean="0"/>
+              <a:t>изображений</a:t>
+            </a:r>
+            <a:r>
+              <a:rPr lang="en-US" sz="2400" dirty="0" smtClean="0"/>
+              <a:t> - 2</a:t>
+            </a:r>
+            <a:endParaRPr lang="ru-RU" sz="2400" dirty="0"/>
           </a:p>
         </p:txBody>
       </p:sp>
@@ -5043,7 +5375,7 @@
 </p:sld>
 </file>
 
-<file path=ppt/slides/slide12.xml><?xml version="1.0" encoding="utf-8"?>
+<file path=ppt/slides/slide13.xml><?xml version="1.0" encoding="utf-8"?>
 <p:sld xmlns:a="http://schemas.openxmlformats.org/drawingml/2006/main" xmlns:r="http://schemas.openxmlformats.org/officeDocument/2006/relationships" xmlns:p="http://schemas.openxmlformats.org/presentationml/2006/main">
   <p:cSld>
     <p:spTree>
@@ -5076,16 +5408,29 @@
             <p:ph type="sldNum" sz="quarter" idx="12"/>
           </p:nvPr>
         </p:nvSpPr>
-        <p:spPr/>
+        <p:spPr>
+          <a:xfrm>
+            <a:off x="9158186" y="6177933"/>
+            <a:ext cx="2743200" cy="365125"/>
+          </a:xfrm>
+        </p:spPr>
         <p:txBody>
           <a:bodyPr/>
           <a:lstStyle/>
           <a:p>
             <a:fld id="{215F4EE3-9A7A-4F14-9A4C-17DDDD407085}" type="slidenum">
-              <a:rPr lang="ru-RU" sz="1600" smtClean="0"/>
-              <a:t>12</a:t>
+              <a:rPr lang="ru-RU" sz="3200" smtClean="0">
+                <a:solidFill>
+                  <a:schemeClr val="tx1"/>
+                </a:solidFill>
+              </a:rPr>
+              <a:t>13</a:t>
             </a:fld>
-            <a:endParaRPr lang="ru-RU" sz="1600" dirty="0"/>
+            <a:endParaRPr lang="ru-RU" sz="3200" dirty="0">
+              <a:solidFill>
+                <a:schemeClr val="tx1"/>
+              </a:solidFill>
+            </a:endParaRPr>
           </a:p>
         </p:txBody>
       </p:sp>
@@ -5097,7 +5442,7 @@
         </p:nvSpPr>
         <p:spPr>
           <a:xfrm>
-            <a:off x="387282" y="-41232"/>
+            <a:off x="677896" y="0"/>
             <a:ext cx="11514104" cy="461665"/>
           </a:xfrm>
           <a:prstGeom prst="rect">
@@ -5121,8 +5466,17 @@
             </a:r>
             <a:r>
               <a:rPr lang="ru-RU" sz="2400" dirty="0"/>
-              <a:t>обработки сетей для сегментации изображений</a:t>
-            </a:r>
+              <a:t>обработки сетей для сегментации </a:t>
+            </a:r>
+            <a:r>
+              <a:rPr lang="ru-RU" sz="2400" dirty="0" smtClean="0"/>
+              <a:t>изображений</a:t>
+            </a:r>
+            <a:r>
+              <a:rPr lang="en-US" sz="2400" dirty="0" smtClean="0"/>
+              <a:t> - 3</a:t>
+            </a:r>
+            <a:endParaRPr lang="ru-RU" sz="2400" dirty="0"/>
           </a:p>
         </p:txBody>
       </p:sp>
@@ -5203,7 +5557,7 @@
 </p:sld>
 </file>
 
-<file path=ppt/slides/slide13.xml><?xml version="1.0" encoding="utf-8"?>
+<file path=ppt/slides/slide14.xml><?xml version="1.0" encoding="utf-8"?>
 <p:sld xmlns:a="http://schemas.openxmlformats.org/drawingml/2006/main" xmlns:r="http://schemas.openxmlformats.org/officeDocument/2006/relationships" xmlns:p="http://schemas.openxmlformats.org/presentationml/2006/main">
   <p:cSld>
     <p:spTree>
@@ -5238,19 +5592,25 @@
         </p:spPr>
         <p:txBody>
           <a:bodyPr>
-            <a:normAutofit/>
+            <a:noAutofit/>
           </a:bodyPr>
           <a:lstStyle/>
           <a:p>
             <a:r>
-              <a:rPr lang="ru-RU" sz="2000" dirty="0"/>
+              <a:rPr lang="ru-RU" sz="2400" dirty="0">
+                <a:latin typeface="+mn-lt"/>
+              </a:rPr>
               <a:t>Сравнение инициализации базовым методом (равномерным) и методом </a:t>
             </a:r>
             <a:r>
-              <a:rPr lang="ru-RU" sz="2000" dirty="0" err="1"/>
+              <a:rPr lang="ru-RU" sz="2400" dirty="0" err="1">
+                <a:latin typeface="+mn-lt"/>
+              </a:rPr>
               <a:t>Ксавье</a:t>
             </a:r>
-            <a:endParaRPr lang="ru-RU" sz="2000" dirty="0"/>
+            <a:endParaRPr lang="ru-RU" sz="2400" dirty="0">
+              <a:latin typeface="+mn-lt"/>
+            </a:endParaRPr>
           </a:p>
         </p:txBody>
       </p:sp>
@@ -5264,16 +5624,29 @@
             <p:ph type="sldNum" sz="quarter" idx="12"/>
           </p:nvPr>
         </p:nvSpPr>
-        <p:spPr/>
+        <p:spPr>
+          <a:xfrm>
+            <a:off x="9065038" y="6173787"/>
+            <a:ext cx="2743200" cy="365125"/>
+          </a:xfrm>
+        </p:spPr>
         <p:txBody>
           <a:bodyPr/>
           <a:lstStyle/>
           <a:p>
             <a:fld id="{215F4EE3-9A7A-4F14-9A4C-17DDDD407085}" type="slidenum">
-              <a:rPr lang="ru-RU" smtClean="0"/>
-              <a:t>13</a:t>
+              <a:rPr lang="ru-RU" sz="3200" smtClean="0">
+                <a:solidFill>
+                  <a:schemeClr val="tx1"/>
+                </a:solidFill>
+              </a:rPr>
+              <a:t>14</a:t>
             </a:fld>
-            <a:endParaRPr lang="ru-RU"/>
+            <a:endParaRPr lang="ru-RU" sz="3200" dirty="0">
+              <a:solidFill>
+                <a:schemeClr val="tx1"/>
+              </a:solidFill>
+            </a:endParaRPr>
           </a:p>
         </p:txBody>
       </p:sp>
@@ -5897,7 +6270,7 @@
 </p:sld>
 </file>
 
-<file path=ppt/slides/slide14.xml><?xml version="1.0" encoding="utf-8"?>
+<file path=ppt/slides/slide15.xml><?xml version="1.0" encoding="utf-8"?>
 <p:sld xmlns:a="http://schemas.openxmlformats.org/drawingml/2006/main" xmlns:r="http://schemas.openxmlformats.org/officeDocument/2006/relationships" xmlns:p="http://schemas.openxmlformats.org/presentationml/2006/main">
   <p:cSld>
     <p:spTree>
@@ -5926,26 +6299,32 @@
         </p:nvSpPr>
         <p:spPr>
           <a:xfrm>
-            <a:off x="3261754" y="188579"/>
-            <a:ext cx="7000833" cy="525242"/>
+            <a:off x="2262132" y="188579"/>
+            <a:ext cx="8986241" cy="525242"/>
           </a:xfrm>
         </p:spPr>
         <p:txBody>
           <a:bodyPr>
-            <a:normAutofit/>
+            <a:noAutofit/>
           </a:bodyPr>
           <a:lstStyle/>
           <a:p>
             <a:r>
-              <a:rPr lang="ru-RU" sz="2000" dirty="0"/>
+              <a:rPr lang="ru-RU" sz="2400" dirty="0">
+                <a:latin typeface="+mn-lt"/>
+              </a:rPr>
               <a:t>Результат улучшения </a:t>
             </a:r>
             <a:r>
-              <a:rPr lang="en-US" sz="2000" dirty="0"/>
+              <a:rPr lang="en-US" sz="2400" dirty="0">
+                <a:latin typeface="+mn-lt"/>
+              </a:rPr>
               <a:t>u – Net </a:t>
             </a:r>
             <a:r>
-              <a:rPr lang="ru-RU" sz="2000" dirty="0"/>
+              <a:rPr lang="ru-RU" sz="2400" dirty="0">
+                <a:latin typeface="+mn-lt"/>
+              </a:rPr>
               <a:t>и обучения на большей выборке</a:t>
             </a:r>
           </a:p>
@@ -5961,16 +6340,29 @@
             <p:ph type="sldNum" sz="quarter" idx="12"/>
           </p:nvPr>
         </p:nvSpPr>
-        <p:spPr/>
+        <p:spPr>
+          <a:xfrm>
+            <a:off x="9125179" y="6155933"/>
+            <a:ext cx="2743200" cy="365125"/>
+          </a:xfrm>
+        </p:spPr>
         <p:txBody>
           <a:bodyPr/>
           <a:lstStyle/>
           <a:p>
             <a:fld id="{215F4EE3-9A7A-4F14-9A4C-17DDDD407085}" type="slidenum">
-              <a:rPr lang="ru-RU" smtClean="0"/>
-              <a:t>14</a:t>
+              <a:rPr lang="ru-RU" sz="3200" smtClean="0">
+                <a:solidFill>
+                  <a:schemeClr val="tx1"/>
+                </a:solidFill>
+              </a:rPr>
+              <a:t>15</a:t>
             </a:fld>
-            <a:endParaRPr lang="ru-RU"/>
+            <a:endParaRPr lang="ru-RU" sz="3200" dirty="0">
+              <a:solidFill>
+                <a:schemeClr val="tx1"/>
+              </a:solidFill>
+            </a:endParaRPr>
           </a:p>
         </p:txBody>
       </p:sp>
@@ -6159,309 +6551,6 @@
 </p:sld>
 </file>
 
-<file path=ppt/slides/slide15.xml><?xml version="1.0" encoding="utf-8"?>
-<p:sld xmlns:a="http://schemas.openxmlformats.org/drawingml/2006/main" xmlns:r="http://schemas.openxmlformats.org/officeDocument/2006/relationships" xmlns:p="http://schemas.openxmlformats.org/presentationml/2006/main">
-  <p:cSld>
-    <p:spTree>
-      <p:nvGrpSpPr>
-        <p:cNvPr id="1" name=""/>
-        <p:cNvGrpSpPr/>
-        <p:nvPr/>
-      </p:nvGrpSpPr>
-      <p:grpSpPr>
-        <a:xfrm>
-          <a:off x="0" y="0"/>
-          <a:ext cx="0" cy="0"/>
-          <a:chOff x="0" y="0"/>
-          <a:chExt cx="0" cy="0"/>
-        </a:xfrm>
-      </p:grpSpPr>
-      <p:sp>
-        <p:nvSpPr>
-          <p:cNvPr id="2" name="Заголовок 1">
-            <a:extLst>
-              <a:ext uri="{FF2B5EF4-FFF2-40B4-BE49-F238E27FC236}">
-                <a16:creationId xmlns:a16="http://schemas.microsoft.com/office/drawing/2014/main" id="{EEA62469-E1D0-499B-8036-5C2BC5365567}"/>
-              </a:ext>
-            </a:extLst>
-          </p:cNvPr>
-          <p:cNvSpPr>
-            <a:spLocks noGrp="1"/>
-          </p:cNvSpPr>
-          <p:nvPr>
-            <p:ph type="title"/>
-          </p:nvPr>
-        </p:nvSpPr>
-        <p:spPr>
-          <a:xfrm>
-            <a:off x="414721" y="199777"/>
-            <a:ext cx="8534400" cy="825942"/>
-          </a:xfrm>
-        </p:spPr>
-        <p:txBody>
-          <a:bodyPr/>
-          <a:lstStyle/>
-          <a:p>
-            <a:r>
-              <a:rPr lang="ru-RU" dirty="0"/>
-              <a:t>Заключение</a:t>
-            </a:r>
-          </a:p>
-        </p:txBody>
-      </p:sp>
-      <p:sp>
-        <p:nvSpPr>
-          <p:cNvPr id="3" name="Объект 2">
-            <a:extLst>
-              <a:ext uri="{FF2B5EF4-FFF2-40B4-BE49-F238E27FC236}">
-                <a16:creationId xmlns:a16="http://schemas.microsoft.com/office/drawing/2014/main" id="{CFD8D553-0ACA-4B5F-A972-4822CA8AA5D7}"/>
-              </a:ext>
-            </a:extLst>
-          </p:cNvPr>
-          <p:cNvSpPr>
-            <a:spLocks noGrp="1"/>
-          </p:cNvSpPr>
-          <p:nvPr>
-            <p:ph idx="1"/>
-          </p:nvPr>
-        </p:nvSpPr>
-        <p:spPr>
-          <a:xfrm>
-            <a:off x="414721" y="961721"/>
-            <a:ext cx="11152884" cy="4607449"/>
-          </a:xfrm>
-          <a:ln>
-            <a:noFill/>
-          </a:ln>
-        </p:spPr>
-        <p:txBody>
-          <a:bodyPr>
-            <a:noAutofit/>
-          </a:bodyPr>
-          <a:lstStyle/>
-          <a:p>
-            <a:pPr marL="0" indent="0" algn="just">
-              <a:lnSpc>
-                <a:spcPct val="100000"/>
-              </a:lnSpc>
-              <a:spcBef>
-                <a:spcPts val="0"/>
-              </a:spcBef>
-              <a:spcAft>
-                <a:spcPts val="600"/>
-              </a:spcAft>
-              <a:buNone/>
-            </a:pPr>
-            <a:r>
-              <a:rPr lang="ru-RU" sz="2400" dirty="0">
-                <a:solidFill>
-                  <a:schemeClr val="tx1"/>
-                </a:solidFill>
-                <a:ea typeface="Times New Roman" panose="02020603050405020304" pitchFamily="18" charset="0"/>
-              </a:rPr>
-              <a:t>В данной работе была решена задача распознавания морских судов методами компьютерного зрения. Были приведены результаты работы метода бинарной классификации и метода семантической сегментации изображения.</a:t>
-            </a:r>
-            <a:endParaRPr lang="en-US" sz="2400" dirty="0">
-              <a:solidFill>
-                <a:schemeClr val="tx1"/>
-              </a:solidFill>
-              <a:ea typeface="Times New Roman" panose="02020603050405020304" pitchFamily="18" charset="0"/>
-            </a:endParaRPr>
-          </a:p>
-          <a:p>
-            <a:pPr algn="just">
-              <a:lnSpc>
-                <a:spcPct val="100000"/>
-              </a:lnSpc>
-              <a:spcBef>
-                <a:spcPts val="0"/>
-              </a:spcBef>
-              <a:spcAft>
-                <a:spcPts val="600"/>
-              </a:spcAft>
-            </a:pPr>
-            <a:r>
-              <a:rPr lang="ru-RU" sz="2400" dirty="0">
-                <a:solidFill>
-                  <a:schemeClr val="tx1"/>
-                </a:solidFill>
-                <a:ea typeface="Times New Roman" panose="02020603050405020304" pitchFamily="18" charset="0"/>
-              </a:rPr>
-              <a:t> Для метода бинарной классификации были подобраны оптимальные </a:t>
-            </a:r>
-            <a:r>
-              <a:rPr lang="ru-RU" sz="2400" dirty="0" err="1">
-                <a:solidFill>
-                  <a:schemeClr val="tx1"/>
-                </a:solidFill>
-                <a:ea typeface="Times New Roman" panose="02020603050405020304" pitchFamily="18" charset="0"/>
-              </a:rPr>
-              <a:t>гиперпараметры</a:t>
-            </a:r>
-            <a:r>
-              <a:rPr lang="ru-RU" sz="2400" dirty="0">
-                <a:solidFill>
-                  <a:schemeClr val="tx1"/>
-                </a:solidFill>
-                <a:ea typeface="Times New Roman" panose="02020603050405020304" pitchFamily="18" charset="0"/>
-              </a:rPr>
-              <a:t> для данной задачи</a:t>
-            </a:r>
-            <a:r>
-              <a:rPr lang="en-US" sz="2400" dirty="0">
-                <a:ea typeface="Times New Roman" panose="02020603050405020304" pitchFamily="18" charset="0"/>
-              </a:rPr>
-              <a:t> </a:t>
-            </a:r>
-            <a:r>
-              <a:rPr lang="ru-RU" sz="2400" dirty="0">
-                <a:ea typeface="Times New Roman" panose="02020603050405020304" pitchFamily="18" charset="0"/>
-              </a:rPr>
-              <a:t>у</a:t>
-            </a:r>
-            <a:r>
-              <a:rPr lang="ru-RU" sz="2400" dirty="0">
-                <a:solidFill>
-                  <a:schemeClr val="tx1"/>
-                </a:solidFill>
-                <a:ea typeface="Times New Roman" panose="02020603050405020304" pitchFamily="18" charset="0"/>
-              </a:rPr>
-              <a:t> модели </a:t>
-            </a:r>
-            <a:r>
-              <a:rPr lang="en-US" sz="2400" dirty="0">
-                <a:solidFill>
-                  <a:schemeClr val="tx1"/>
-                </a:solidFill>
-                <a:ea typeface="Times New Roman" panose="02020603050405020304" pitchFamily="18" charset="0"/>
-              </a:rPr>
-              <a:t>VGG16</a:t>
-            </a:r>
-            <a:r>
-              <a:rPr lang="ru-RU" sz="2400" dirty="0">
-                <a:solidFill>
-                  <a:schemeClr val="tx1"/>
-                </a:solidFill>
-                <a:ea typeface="Times New Roman" panose="02020603050405020304" pitchFamily="18" charset="0"/>
-              </a:rPr>
-              <a:t>, что позволило достичь точности классификации в 92% случаев. </a:t>
-            </a:r>
-            <a:endParaRPr lang="en-US" sz="2400" dirty="0">
-              <a:solidFill>
-                <a:schemeClr val="tx1"/>
-              </a:solidFill>
-              <a:ea typeface="Times New Roman" panose="02020603050405020304" pitchFamily="18" charset="0"/>
-            </a:endParaRPr>
-          </a:p>
-          <a:p>
-            <a:pPr algn="just">
-              <a:lnSpc>
-                <a:spcPct val="100000"/>
-              </a:lnSpc>
-              <a:spcBef>
-                <a:spcPts val="0"/>
-              </a:spcBef>
-              <a:spcAft>
-                <a:spcPts val="600"/>
-              </a:spcAft>
-            </a:pPr>
-            <a:r>
-              <a:rPr lang="ru-RU" sz="2400" dirty="0">
-                <a:solidFill>
-                  <a:schemeClr val="tx1"/>
-                </a:solidFill>
-                <a:ea typeface="Times New Roman" panose="02020603050405020304" pitchFamily="18" charset="0"/>
-              </a:rPr>
-              <a:t>Для метода семантической сегментации была определена лучшая модель – это </a:t>
-            </a:r>
-            <a:r>
-              <a:rPr lang="en-US" sz="2400" dirty="0">
-                <a:solidFill>
-                  <a:schemeClr val="tx1"/>
-                </a:solidFill>
-                <a:ea typeface="Times New Roman" panose="02020603050405020304" pitchFamily="18" charset="0"/>
-              </a:rPr>
-              <a:t>U – Net</a:t>
-            </a:r>
-            <a:r>
-              <a:rPr lang="ru-RU" sz="2400" dirty="0">
-                <a:solidFill>
-                  <a:schemeClr val="tx1"/>
-                </a:solidFill>
-                <a:ea typeface="Times New Roman" panose="02020603050405020304" pitchFamily="18" charset="0"/>
-              </a:rPr>
-              <a:t> и результаты ее обучения для данной задачи были улучшены путем использования метода инициализации весов для слоев </a:t>
-            </a:r>
-            <a:r>
-              <a:rPr lang="ru-RU" sz="2400" dirty="0" err="1">
-                <a:solidFill>
-                  <a:schemeClr val="tx1"/>
-                </a:solidFill>
-                <a:ea typeface="Times New Roman" panose="02020603050405020304" pitchFamily="18" charset="0"/>
-              </a:rPr>
-              <a:t>сверточной</a:t>
-            </a:r>
-            <a:r>
-              <a:rPr lang="ru-RU" sz="2400" dirty="0">
-                <a:solidFill>
-                  <a:schemeClr val="tx1"/>
-                </a:solidFill>
-                <a:ea typeface="Times New Roman" panose="02020603050405020304" pitchFamily="18" charset="0"/>
-              </a:rPr>
-              <a:t> нейронной сети методом Ксавье, что увеличило значение метрики качества с 0,0054 до 0,25. А после увеличения обучающей выборки метрика качества достигла значения 0.56</a:t>
-            </a:r>
-          </a:p>
-        </p:txBody>
-      </p:sp>
-      <p:sp>
-        <p:nvSpPr>
-          <p:cNvPr id="4" name="Номер слайда 3">
-            <a:extLst>
-              <a:ext uri="{FF2B5EF4-FFF2-40B4-BE49-F238E27FC236}">
-                <a16:creationId xmlns:a16="http://schemas.microsoft.com/office/drawing/2014/main" id="{F5751FB5-B8CF-4E87-BEBB-445A30784354}"/>
-              </a:ext>
-            </a:extLst>
-          </p:cNvPr>
-          <p:cNvSpPr>
-            <a:spLocks noGrp="1"/>
-          </p:cNvSpPr>
-          <p:nvPr>
-            <p:ph type="sldNum" sz="quarter" idx="12"/>
-          </p:nvPr>
-        </p:nvSpPr>
-        <p:spPr/>
-        <p:txBody>
-          <a:bodyPr/>
-          <a:lstStyle/>
-          <a:p>
-            <a:fld id="{215F4EE3-9A7A-4F14-9A4C-17DDDD407085}" type="slidenum">
-              <a:rPr lang="ru-RU" sz="1600" smtClean="0"/>
-              <a:t>15</a:t>
-            </a:fld>
-            <a:endParaRPr lang="ru-RU" sz="1600" dirty="0"/>
-          </a:p>
-        </p:txBody>
-      </p:sp>
-    </p:spTree>
-    <p:extLst>
-      <p:ext uri="{BB962C8B-B14F-4D97-AF65-F5344CB8AC3E}">
-        <p14:creationId xmlns:p14="http://schemas.microsoft.com/office/powerpoint/2010/main" val="2273475074"/>
-      </p:ext>
-    </p:extLst>
-  </p:cSld>
-  <p:clrMapOvr>
-    <a:masterClrMapping/>
-  </p:clrMapOvr>
-  <p:timing>
-    <p:tnLst>
-      <p:par>
-        <p:cTn id="1" dur="indefinite" restart="never" nodeType="tmRoot"/>
-      </p:par>
-    </p:tnLst>
-  </p:timing>
-</p:sld>
-</file>
-
 <file path=ppt/slides/slide16.xml><?xml version="1.0" encoding="utf-8"?>
 <p:sld xmlns:a="http://schemas.openxmlformats.org/drawingml/2006/main" xmlns:r="http://schemas.openxmlformats.org/officeDocument/2006/relationships" xmlns:p="http://schemas.openxmlformats.org/presentationml/2006/main">
   <p:cSld>
@@ -6484,7 +6573,7 @@
           <p:cNvPr id="2" name="Заголовок 1">
             <a:extLst>
               <a:ext uri="{FF2B5EF4-FFF2-40B4-BE49-F238E27FC236}">
-                <a16:creationId xmlns:a16="http://schemas.microsoft.com/office/drawing/2014/main" id="{38CAA637-3F6B-4E0B-8FCE-8352F3D5AF84}"/>
+                <a16:creationId xmlns:a16="http://schemas.microsoft.com/office/drawing/2014/main" id="{EEA62469-E1D0-499B-8036-5C2BC5365567}"/>
               </a:ext>
             </a:extLst>
           </p:cNvPr>
@@ -6497,8 +6586,8 @@
         </p:nvSpPr>
         <p:spPr>
           <a:xfrm>
-            <a:off x="2904739" y="2248270"/>
-            <a:ext cx="6434572" cy="1752599"/>
+            <a:off x="414721" y="199777"/>
+            <a:ext cx="8534400" cy="825942"/>
           </a:xfrm>
         </p:spPr>
         <p:txBody>
@@ -6507,7 +6596,211 @@
           <a:p>
             <a:r>
               <a:rPr lang="ru-RU" dirty="0"/>
-              <a:t>Спасибо за внимание!</a:t>
+              <a:t>Заключение</a:t>
+            </a:r>
+          </a:p>
+        </p:txBody>
+      </p:sp>
+      <p:sp>
+        <p:nvSpPr>
+          <p:cNvPr id="3" name="Объект 2">
+            <a:extLst>
+              <a:ext uri="{FF2B5EF4-FFF2-40B4-BE49-F238E27FC236}">
+                <a16:creationId xmlns:a16="http://schemas.microsoft.com/office/drawing/2014/main" id="{CFD8D553-0ACA-4B5F-A972-4822CA8AA5D7}"/>
+              </a:ext>
+            </a:extLst>
+          </p:cNvPr>
+          <p:cNvSpPr>
+            <a:spLocks noGrp="1"/>
+          </p:cNvSpPr>
+          <p:nvPr>
+            <p:ph idx="1"/>
+          </p:nvPr>
+        </p:nvSpPr>
+        <p:spPr>
+          <a:xfrm>
+            <a:off x="414721" y="961721"/>
+            <a:ext cx="11152884" cy="4607449"/>
+          </a:xfrm>
+          <a:ln>
+            <a:noFill/>
+          </a:ln>
+        </p:spPr>
+        <p:txBody>
+          <a:bodyPr>
+            <a:noAutofit/>
+          </a:bodyPr>
+          <a:lstStyle/>
+          <a:p>
+            <a:pPr marL="0" indent="0" algn="just">
+              <a:lnSpc>
+                <a:spcPct val="100000"/>
+              </a:lnSpc>
+              <a:spcBef>
+                <a:spcPts val="0"/>
+              </a:spcBef>
+              <a:spcAft>
+                <a:spcPts val="600"/>
+              </a:spcAft>
+              <a:buNone/>
+            </a:pPr>
+            <a:r>
+              <a:rPr lang="ru-RU" sz="2400" dirty="0">
+                <a:solidFill>
+                  <a:schemeClr val="tx1"/>
+                </a:solidFill>
+                <a:ea typeface="Times New Roman" panose="02020603050405020304" pitchFamily="18" charset="0"/>
+              </a:rPr>
+              <a:t>В данной работе была решена задача распознавания морских судов методами компьютерного зрения. Были приведены результаты работы метода бинарной классификации и метода семантической сегментации изображения.</a:t>
+            </a:r>
+            <a:endParaRPr lang="en-US" sz="2400" dirty="0">
+              <a:solidFill>
+                <a:schemeClr val="tx1"/>
+              </a:solidFill>
+              <a:ea typeface="Times New Roman" panose="02020603050405020304" pitchFamily="18" charset="0"/>
+            </a:endParaRPr>
+          </a:p>
+          <a:p>
+            <a:pPr algn="just">
+              <a:lnSpc>
+                <a:spcPct val="100000"/>
+              </a:lnSpc>
+              <a:spcBef>
+                <a:spcPts val="0"/>
+              </a:spcBef>
+              <a:spcAft>
+                <a:spcPts val="600"/>
+              </a:spcAft>
+            </a:pPr>
+            <a:r>
+              <a:rPr lang="ru-RU" sz="2400" dirty="0">
+                <a:solidFill>
+                  <a:schemeClr val="tx1"/>
+                </a:solidFill>
+                <a:ea typeface="Times New Roman" panose="02020603050405020304" pitchFamily="18" charset="0"/>
+              </a:rPr>
+              <a:t> Для метода бинарной классификации были подобраны оптимальные </a:t>
+            </a:r>
+            <a:r>
+              <a:rPr lang="ru-RU" sz="2400" dirty="0" err="1">
+                <a:solidFill>
+                  <a:schemeClr val="tx1"/>
+                </a:solidFill>
+                <a:ea typeface="Times New Roman" panose="02020603050405020304" pitchFamily="18" charset="0"/>
+              </a:rPr>
+              <a:t>гиперпараметры</a:t>
+            </a:r>
+            <a:r>
+              <a:rPr lang="ru-RU" sz="2400" dirty="0">
+                <a:solidFill>
+                  <a:schemeClr val="tx1"/>
+                </a:solidFill>
+                <a:ea typeface="Times New Roman" panose="02020603050405020304" pitchFamily="18" charset="0"/>
+              </a:rPr>
+              <a:t> для данной задачи</a:t>
+            </a:r>
+            <a:r>
+              <a:rPr lang="en-US" sz="2400" dirty="0">
+                <a:ea typeface="Times New Roman" panose="02020603050405020304" pitchFamily="18" charset="0"/>
+              </a:rPr>
+              <a:t> </a:t>
+            </a:r>
+            <a:r>
+              <a:rPr lang="ru-RU" sz="2400" dirty="0">
+                <a:ea typeface="Times New Roman" panose="02020603050405020304" pitchFamily="18" charset="0"/>
+              </a:rPr>
+              <a:t>у</a:t>
+            </a:r>
+            <a:r>
+              <a:rPr lang="ru-RU" sz="2400" dirty="0">
+                <a:solidFill>
+                  <a:schemeClr val="tx1"/>
+                </a:solidFill>
+                <a:ea typeface="Times New Roman" panose="02020603050405020304" pitchFamily="18" charset="0"/>
+              </a:rPr>
+              <a:t> модели </a:t>
+            </a:r>
+            <a:r>
+              <a:rPr lang="en-US" sz="2400" dirty="0">
+                <a:solidFill>
+                  <a:schemeClr val="tx1"/>
+                </a:solidFill>
+                <a:ea typeface="Times New Roman" panose="02020603050405020304" pitchFamily="18" charset="0"/>
+              </a:rPr>
+              <a:t>VGG16</a:t>
+            </a:r>
+            <a:r>
+              <a:rPr lang="ru-RU" sz="2400" dirty="0">
+                <a:solidFill>
+                  <a:schemeClr val="tx1"/>
+                </a:solidFill>
+                <a:ea typeface="Times New Roman" panose="02020603050405020304" pitchFamily="18" charset="0"/>
+              </a:rPr>
+              <a:t>, что позволило достичь точности классификации в 92% случаев. </a:t>
+            </a:r>
+            <a:endParaRPr lang="en-US" sz="2400" dirty="0">
+              <a:solidFill>
+                <a:schemeClr val="tx1"/>
+              </a:solidFill>
+              <a:ea typeface="Times New Roman" panose="02020603050405020304" pitchFamily="18" charset="0"/>
+            </a:endParaRPr>
+          </a:p>
+          <a:p>
+            <a:pPr algn="just">
+              <a:lnSpc>
+                <a:spcPct val="100000"/>
+              </a:lnSpc>
+              <a:spcBef>
+                <a:spcPts val="0"/>
+              </a:spcBef>
+              <a:spcAft>
+                <a:spcPts val="600"/>
+              </a:spcAft>
+            </a:pPr>
+            <a:r>
+              <a:rPr lang="ru-RU" sz="2400" dirty="0">
+                <a:solidFill>
+                  <a:schemeClr val="tx1"/>
+                </a:solidFill>
+                <a:ea typeface="Times New Roman" panose="02020603050405020304" pitchFamily="18" charset="0"/>
+              </a:rPr>
+              <a:t>Для метода семантической сегментации была определена лучшая модель – это </a:t>
+            </a:r>
+            <a:r>
+              <a:rPr lang="en-US" sz="2400" dirty="0">
+                <a:solidFill>
+                  <a:schemeClr val="tx1"/>
+                </a:solidFill>
+                <a:ea typeface="Times New Roman" panose="02020603050405020304" pitchFamily="18" charset="0"/>
+              </a:rPr>
+              <a:t>U – Net</a:t>
+            </a:r>
+            <a:r>
+              <a:rPr lang="ru-RU" sz="2400" dirty="0">
+                <a:solidFill>
+                  <a:schemeClr val="tx1"/>
+                </a:solidFill>
+                <a:ea typeface="Times New Roman" panose="02020603050405020304" pitchFamily="18" charset="0"/>
+              </a:rPr>
+              <a:t> и результаты ее обучения для данной задачи были улучшены путем использования метода инициализации весов для слоев </a:t>
+            </a:r>
+            <a:r>
+              <a:rPr lang="ru-RU" sz="2400" dirty="0" err="1">
+                <a:solidFill>
+                  <a:schemeClr val="tx1"/>
+                </a:solidFill>
+                <a:ea typeface="Times New Roman" panose="02020603050405020304" pitchFamily="18" charset="0"/>
+              </a:rPr>
+              <a:t>сверточной</a:t>
+            </a:r>
+            <a:r>
+              <a:rPr lang="ru-RU" sz="2400" dirty="0">
+                <a:solidFill>
+                  <a:schemeClr val="tx1"/>
+                </a:solidFill>
+                <a:ea typeface="Times New Roman" panose="02020603050405020304" pitchFamily="18" charset="0"/>
+              </a:rPr>
+              <a:t> нейронной сети методом Ксавье, что увеличило значение метрики качества с 0,0054 до 0,25. А после увеличения обучающей выборки метрика качества достигла значения 0.56</a:t>
             </a:r>
           </a:p>
         </p:txBody>
@@ -6517,7 +6810,7 @@
           <p:cNvPr id="4" name="Номер слайда 3">
             <a:extLst>
               <a:ext uri="{FF2B5EF4-FFF2-40B4-BE49-F238E27FC236}">
-                <a16:creationId xmlns:a16="http://schemas.microsoft.com/office/drawing/2014/main" id="{951D9478-5EF5-4270-8271-04DE65F57F30}"/>
+                <a16:creationId xmlns:a16="http://schemas.microsoft.com/office/drawing/2014/main" id="{F5751FB5-B8CF-4E87-BEBB-445A30784354}"/>
               </a:ext>
             </a:extLst>
           </p:cNvPr>
@@ -6528,23 +6821,36 @@
             <p:ph type="sldNum" sz="quarter" idx="12"/>
           </p:nvPr>
         </p:nvSpPr>
-        <p:spPr/>
+        <p:spPr>
+          <a:xfrm>
+            <a:off x="9236901" y="6331114"/>
+            <a:ext cx="2743200" cy="365125"/>
+          </a:xfrm>
+        </p:spPr>
         <p:txBody>
           <a:bodyPr/>
           <a:lstStyle/>
           <a:p>
             <a:fld id="{215F4EE3-9A7A-4F14-9A4C-17DDDD407085}" type="slidenum">
-              <a:rPr lang="ru-RU" sz="1600" smtClean="0"/>
+              <a:rPr lang="ru-RU" sz="3200" smtClean="0">
+                <a:solidFill>
+                  <a:schemeClr val="tx1"/>
+                </a:solidFill>
+              </a:rPr>
               <a:t>16</a:t>
             </a:fld>
-            <a:endParaRPr lang="ru-RU" sz="1600" dirty="0"/>
+            <a:endParaRPr lang="ru-RU" sz="3200" dirty="0">
+              <a:solidFill>
+                <a:schemeClr val="tx1"/>
+              </a:solidFill>
+            </a:endParaRPr>
           </a:p>
         </p:txBody>
       </p:sp>
     </p:spTree>
     <p:extLst>
       <p:ext uri="{BB962C8B-B14F-4D97-AF65-F5344CB8AC3E}">
-        <p14:creationId xmlns:p14="http://schemas.microsoft.com/office/powerpoint/2010/main" val="2328152923"/>
+        <p14:creationId xmlns:p14="http://schemas.microsoft.com/office/powerpoint/2010/main" val="2273475074"/>
       </p:ext>
     </p:extLst>
   </p:cSld>
@@ -6596,37 +6902,18 @@
         </p:nvSpPr>
         <p:spPr>
           <a:xfrm>
-            <a:off x="3845770" y="674703"/>
-            <a:ext cx="4392706" cy="627354"/>
+            <a:off x="2904739" y="2248270"/>
+            <a:ext cx="6434572" cy="1752599"/>
           </a:xfrm>
         </p:spPr>
         <p:txBody>
-          <a:bodyPr>
-            <a:normAutofit fontScale="90000"/>
-          </a:bodyPr>
+          <a:bodyPr/>
           <a:lstStyle/>
           <a:p>
             <a:r>
               <a:rPr lang="ru-RU" dirty="0"/>
-              <a:t>Архитектура </a:t>
-            </a:r>
-            <a:r>
-              <a:rPr lang="en-US" dirty="0"/>
-              <a:t>U</a:t>
-            </a:r>
-            <a:r>
-              <a:rPr lang="en-US" dirty="0" smtClean="0"/>
-              <a:t> </a:t>
-            </a:r>
-            <a:r>
-              <a:rPr lang="en-US" dirty="0"/>
-              <a:t>- </a:t>
-            </a:r>
-            <a:r>
-              <a:rPr lang="en-US" dirty="0" smtClean="0"/>
-              <a:t>Net</a:t>
-            </a:r>
-            <a:endParaRPr lang="ru-RU" dirty="0"/>
+              <a:t>Спасибо за внимание!</a:t>
+            </a:r>
           </a:p>
         </p:txBody>
       </p:sp>
@@ -6646,88 +6933,28 @@
             <p:ph type="sldNum" sz="quarter" idx="12"/>
           </p:nvPr>
         </p:nvSpPr>
-        <p:spPr/>
+        <p:spPr>
+          <a:xfrm>
+            <a:off x="9339311" y="6331298"/>
+            <a:ext cx="2743200" cy="365125"/>
+          </a:xfrm>
+        </p:spPr>
         <p:txBody>
           <a:bodyPr/>
           <a:lstStyle/>
           <a:p>
             <a:fld id="{215F4EE3-9A7A-4F14-9A4C-17DDDD407085}" type="slidenum">
-              <a:rPr lang="ru-RU" sz="1600" smtClean="0"/>
+              <a:rPr lang="ru-RU" sz="3200" smtClean="0">
+                <a:solidFill>
+                  <a:schemeClr val="tx1"/>
+                </a:solidFill>
+              </a:rPr>
               <a:t>17</a:t>
             </a:fld>
-            <a:endParaRPr lang="ru-RU" sz="1600" dirty="0"/>
-          </a:p>
-        </p:txBody>
-      </p:sp>
-      <p:pic>
-        <p:nvPicPr>
-          <p:cNvPr id="5" name="Рисунок 4"/>
-          <p:cNvPicPr>
-            <a:picLocks noChangeAspect="1"/>
-          </p:cNvPicPr>
-          <p:nvPr/>
-        </p:nvPicPr>
-        <p:blipFill>
-          <a:blip r:embed="rId2"/>
-          <a:stretch>
-            <a:fillRect/>
-          </a:stretch>
-        </p:blipFill>
-        <p:spPr>
-          <a:xfrm>
-            <a:off x="3181081" y="1466365"/>
-            <a:ext cx="5722085" cy="3765472"/>
-          </a:xfrm>
-          <a:prstGeom prst="rect">
-            <a:avLst/>
-          </a:prstGeom>
-        </p:spPr>
-      </p:pic>
-      <p:sp>
-        <p:nvSpPr>
-          <p:cNvPr id="3" name="Прямоугольник 2"/>
-          <p:cNvSpPr/>
-          <p:nvPr/>
-        </p:nvSpPr>
-        <p:spPr>
-          <a:xfrm>
-            <a:off x="2083900" y="5231837"/>
-            <a:ext cx="7916449" cy="646331"/>
-          </a:xfrm>
-          <a:prstGeom prst="rect">
-            <a:avLst/>
-          </a:prstGeom>
-        </p:spPr>
-        <p:txBody>
-          <a:bodyPr wrap="square">
-            <a:spAutoFit/>
-          </a:bodyPr>
-          <a:lstStyle/>
-          <a:p>
-            <a:pPr marL="342900" marR="428625" lvl="0" indent="-342900" algn="just">
-              <a:spcBef>
-                <a:spcPts val="910"/>
-              </a:spcBef>
-              <a:spcAft>
-                <a:spcPts val="0"/>
-              </a:spcAft>
-              <a:buSzPts val="1400"/>
-              <a:buFont typeface="+mj-lt"/>
-              <a:buAutoNum type="arabicPeriod" startAt="3"/>
-              <a:tabLst>
-                <a:tab pos="614045" algn="l"/>
-              </a:tabLst>
-            </a:pPr>
-            <a:r>
-              <a:rPr lang="en-US" dirty="0">
-                <a:latin typeface="Times New Roman" panose="02020603050405020304" pitchFamily="18" charset="0"/>
-                <a:ea typeface="Times New Roman" panose="02020603050405020304" pitchFamily="18" charset="0"/>
-              </a:rPr>
-              <a:t>U-Net: Convolutional Networks for Biomedical Image Segmentation. arXiv:1505.04597v1 [cs.CV] 18 May 2015</a:t>
-            </a:r>
-            <a:endParaRPr lang="ru-RU" dirty="0">
-              <a:latin typeface="Times New Roman" panose="02020603050405020304" pitchFamily="18" charset="0"/>
-              <a:ea typeface="Times New Roman" panose="02020603050405020304" pitchFamily="18" charset="0"/>
+            <a:endParaRPr lang="ru-RU" sz="3200" dirty="0">
+              <a:solidFill>
+                <a:schemeClr val="tx1"/>
+              </a:solidFill>
             </a:endParaRPr>
           </a:p>
         </p:txBody>
@@ -6735,7 +6962,7 @@
     </p:spTree>
     <p:extLst>
       <p:ext uri="{BB962C8B-B14F-4D97-AF65-F5344CB8AC3E}">
-        <p14:creationId xmlns:p14="http://schemas.microsoft.com/office/powerpoint/2010/main" val="2488232859"/>
+        <p14:creationId xmlns:p14="http://schemas.microsoft.com/office/powerpoint/2010/main" val="2328152923"/>
       </p:ext>
     </p:extLst>
   </p:cSld>
@@ -6787,8 +7014,8 @@
         </p:nvSpPr>
         <p:spPr>
           <a:xfrm>
-            <a:off x="3845769" y="508400"/>
-            <a:ext cx="4783323" cy="627354"/>
+            <a:off x="3845770" y="674703"/>
+            <a:ext cx="4392706" cy="627354"/>
           </a:xfrm>
         </p:spPr>
         <p:txBody>
@@ -6802,8 +7029,20 @@
               <a:t>Архитектура </a:t>
             </a:r>
             <a:r>
-              <a:rPr lang="en-US" dirty="0" err="1"/>
-              <a:t>Segnet</a:t>
+              <a:rPr lang="en-US" dirty="0"/>
+              <a:t>U</a:t>
+            </a:r>
+            <a:r>
+              <a:rPr lang="en-US" dirty="0" smtClean="0"/>
+              <a:t> </a:t>
+            </a:r>
+            <a:r>
+              <a:rPr lang="en-US" dirty="0"/>
+              <a:t>- </a:t>
+            </a:r>
+            <a:r>
+              <a:rPr lang="en-US" dirty="0" smtClean="0"/>
+              <a:t>Net</a:t>
             </a:r>
             <a:endParaRPr lang="ru-RU" dirty="0"/>
           </a:p>
@@ -6825,22 +7064,35 @@
             <p:ph type="sldNum" sz="quarter" idx="12"/>
           </p:nvPr>
         </p:nvSpPr>
-        <p:spPr/>
+        <p:spPr>
+          <a:xfrm>
+            <a:off x="9287006" y="6356350"/>
+            <a:ext cx="2743200" cy="365125"/>
+          </a:xfrm>
+        </p:spPr>
         <p:txBody>
           <a:bodyPr/>
           <a:lstStyle/>
           <a:p>
             <a:fld id="{215F4EE3-9A7A-4F14-9A4C-17DDDD407085}" type="slidenum">
-              <a:rPr lang="ru-RU" sz="1600" smtClean="0"/>
+              <a:rPr lang="ru-RU" sz="3200" smtClean="0">
+                <a:solidFill>
+                  <a:schemeClr val="tx1"/>
+                </a:solidFill>
+              </a:rPr>
               <a:t>18</a:t>
             </a:fld>
-            <a:endParaRPr lang="ru-RU" sz="1600" dirty="0"/>
+            <a:endParaRPr lang="ru-RU" sz="3200" dirty="0">
+              <a:solidFill>
+                <a:schemeClr val="tx1"/>
+              </a:solidFill>
+            </a:endParaRPr>
           </a:p>
         </p:txBody>
       </p:sp>
       <p:pic>
         <p:nvPicPr>
-          <p:cNvPr id="6" name="Рисунок 5"/>
+          <p:cNvPr id="5" name="Рисунок 4"/>
           <p:cNvPicPr>
             <a:picLocks noChangeAspect="1"/>
           </p:cNvPicPr>
@@ -6854,8 +7106,8 @@
         </p:blipFill>
         <p:spPr>
           <a:xfrm>
-            <a:off x="2234849" y="1157848"/>
-            <a:ext cx="8005165" cy="4200730"/>
+            <a:off x="3181081" y="1466365"/>
+            <a:ext cx="5722085" cy="3765472"/>
           </a:xfrm>
           <a:prstGeom prst="rect">
             <a:avLst/>
@@ -6870,8 +7122,8 @@
         </p:nvSpPr>
         <p:spPr>
           <a:xfrm>
-            <a:off x="2035945" y="5380672"/>
-            <a:ext cx="8581747" cy="923330"/>
+            <a:off x="2083900" y="5231837"/>
+            <a:ext cx="7916449" cy="646331"/>
           </a:xfrm>
           <a:prstGeom prst="rect">
             <a:avLst/>
@@ -6892,80 +7144,17 @@
               </a:spcAft>
               <a:buSzPts val="1400"/>
               <a:buFont typeface="+mj-lt"/>
-              <a:buAutoNum type="arabicPeriod" startAt="7"/>
+              <a:buAutoNum type="arabicPeriod" startAt="3"/>
               <a:tabLst>
                 <a:tab pos="614045" algn="l"/>
               </a:tabLst>
             </a:pPr>
             <a:r>
-              <a:rPr lang="en-US" dirty="0" err="1">
-                <a:latin typeface="Times New Roman" panose="02020603050405020304" pitchFamily="18" charset="0"/>
-                <a:ea typeface="Times New Roman" panose="02020603050405020304" pitchFamily="18" charset="0"/>
-              </a:rPr>
-              <a:t>SegNet</a:t>
-            </a:r>
-            <a:r>
               <a:rPr lang="en-US" dirty="0">
                 <a:latin typeface="Times New Roman" panose="02020603050405020304" pitchFamily="18" charset="0"/>
                 <a:ea typeface="Times New Roman" panose="02020603050405020304" pitchFamily="18" charset="0"/>
               </a:rPr>
-              <a:t>: A Deep </a:t>
-            </a:r>
-            <a:r>
-              <a:rPr lang="en-US" dirty="0" err="1">
-                <a:latin typeface="Times New Roman" panose="02020603050405020304" pitchFamily="18" charset="0"/>
-                <a:ea typeface="Times New Roman" panose="02020603050405020304" pitchFamily="18" charset="0"/>
-              </a:rPr>
-              <a:t>ConvolutionalEncoder</a:t>
-            </a:r>
-            <a:r>
-              <a:rPr lang="en-US" dirty="0">
-                <a:latin typeface="Times New Roman" panose="02020603050405020304" pitchFamily="18" charset="0"/>
-                <a:ea typeface="Times New Roman" panose="02020603050405020304" pitchFamily="18" charset="0"/>
-              </a:rPr>
-              <a:t>-Decoder Architecture for </a:t>
-            </a:r>
-            <a:r>
-              <a:rPr lang="en-US" dirty="0" err="1">
-                <a:latin typeface="Times New Roman" panose="02020603050405020304" pitchFamily="18" charset="0"/>
-                <a:ea typeface="Times New Roman" panose="02020603050405020304" pitchFamily="18" charset="0"/>
-              </a:rPr>
-              <a:t>ImageSegmentationVijay</a:t>
-            </a:r>
-            <a:r>
-              <a:rPr lang="en-US" dirty="0">
-                <a:latin typeface="Times New Roman" panose="02020603050405020304" pitchFamily="18" charset="0"/>
-                <a:ea typeface="Times New Roman" panose="02020603050405020304" pitchFamily="18" charset="0"/>
-              </a:rPr>
-              <a:t> </a:t>
-            </a:r>
-            <a:r>
-              <a:rPr lang="en-US" dirty="0" err="1">
-                <a:latin typeface="Times New Roman" panose="02020603050405020304" pitchFamily="18" charset="0"/>
-                <a:ea typeface="Times New Roman" panose="02020603050405020304" pitchFamily="18" charset="0"/>
-              </a:rPr>
-              <a:t>Badrinarayanan</a:t>
-            </a:r>
-            <a:r>
-              <a:rPr lang="en-US" dirty="0">
-                <a:latin typeface="Times New Roman" panose="02020603050405020304" pitchFamily="18" charset="0"/>
-                <a:ea typeface="Times New Roman" panose="02020603050405020304" pitchFamily="18" charset="0"/>
-              </a:rPr>
-              <a:t>, Alex Kendall, Roberto </a:t>
-            </a:r>
-            <a:r>
-              <a:rPr lang="en-US" dirty="0" err="1">
-                <a:latin typeface="Times New Roman" panose="02020603050405020304" pitchFamily="18" charset="0"/>
-                <a:ea typeface="Times New Roman" panose="02020603050405020304" pitchFamily="18" charset="0"/>
-              </a:rPr>
-              <a:t>Cipolla,Senior</a:t>
-            </a:r>
-            <a:r>
-              <a:rPr lang="en-US" dirty="0">
-                <a:latin typeface="Times New Roman" panose="02020603050405020304" pitchFamily="18" charset="0"/>
-                <a:ea typeface="Times New Roman" panose="02020603050405020304" pitchFamily="18" charset="0"/>
-              </a:rPr>
-              <a:t> Member, IEEE. arXiv:1511.00561v3 [cs.CV] 10 Oct 2016</a:t>
+              <a:t>U-Net: Convolutional Networks for Biomedical Image Segmentation. arXiv:1505.04597v1 [cs.CV] 18 May 2015</a:t>
             </a:r>
             <a:endParaRPr lang="ru-RU" dirty="0">
               <a:latin typeface="Times New Roman" panose="02020603050405020304" pitchFamily="18" charset="0"/>
@@ -6977,7 +7166,7 @@
     </p:spTree>
     <p:extLst>
       <p:ext uri="{BB962C8B-B14F-4D97-AF65-F5344CB8AC3E}">
-        <p14:creationId xmlns:p14="http://schemas.microsoft.com/office/powerpoint/2010/main" val="2246701826"/>
+        <p14:creationId xmlns:p14="http://schemas.microsoft.com/office/powerpoint/2010/main" val="2488232859"/>
       </p:ext>
     </p:extLst>
   </p:cSld>
@@ -7029,8 +7218,8 @@
         </p:nvSpPr>
         <p:spPr>
           <a:xfrm>
-            <a:off x="3808780" y="862906"/>
-            <a:ext cx="4551426" cy="627354"/>
+            <a:off x="3845769" y="508400"/>
+            <a:ext cx="4783323" cy="627354"/>
           </a:xfrm>
         </p:spPr>
         <p:txBody>
@@ -7044,8 +7233,8 @@
               <a:t>Архитектура </a:t>
             </a:r>
             <a:r>
-              <a:rPr lang="en-US" dirty="0"/>
-              <a:t>vgg16</a:t>
+              <a:rPr lang="en-US" dirty="0" err="1"/>
+              <a:t>Segnet</a:t>
             </a:r>
             <a:endParaRPr lang="ru-RU" dirty="0"/>
           </a:p>
@@ -7067,37 +7256,50 @@
             <p:ph type="sldNum" sz="quarter" idx="12"/>
           </p:nvPr>
         </p:nvSpPr>
-        <p:spPr/>
+        <p:spPr>
+          <a:xfrm>
+            <a:off x="9246092" y="6326096"/>
+            <a:ext cx="2743200" cy="365125"/>
+          </a:xfrm>
+        </p:spPr>
         <p:txBody>
           <a:bodyPr/>
           <a:lstStyle/>
           <a:p>
             <a:fld id="{215F4EE3-9A7A-4F14-9A4C-17DDDD407085}" type="slidenum">
-              <a:rPr lang="ru-RU" sz="1600" smtClean="0"/>
+              <a:rPr lang="ru-RU" sz="3200" smtClean="0">
+                <a:solidFill>
+                  <a:schemeClr val="tx1"/>
+                </a:solidFill>
+              </a:rPr>
               <a:t>19</a:t>
             </a:fld>
-            <a:endParaRPr lang="ru-RU" sz="1600" dirty="0"/>
+            <a:endParaRPr lang="ru-RU" sz="3200" dirty="0">
+              <a:solidFill>
+                <a:schemeClr val="tx1"/>
+              </a:solidFill>
+            </a:endParaRPr>
           </a:p>
         </p:txBody>
       </p:sp>
       <p:pic>
         <p:nvPicPr>
-          <p:cNvPr id="6" name="image10.jpeg" descr="VGG16"/>
+          <p:cNvPr id="6" name="Рисунок 5"/>
           <p:cNvPicPr>
             <a:picLocks noChangeAspect="1"/>
           </p:cNvPicPr>
           <p:nvPr/>
         </p:nvPicPr>
         <p:blipFill>
-          <a:blip r:embed="rId2" cstate="print"/>
+          <a:blip r:embed="rId2"/>
           <a:stretch>
             <a:fillRect/>
           </a:stretch>
         </p:blipFill>
         <p:spPr>
           <a:xfrm>
-            <a:off x="2793309" y="1564863"/>
-            <a:ext cx="6582369" cy="3888000"/>
+            <a:off x="2234849" y="1157848"/>
+            <a:ext cx="8005165" cy="4200730"/>
           </a:xfrm>
           <a:prstGeom prst="rect">
             <a:avLst/>
@@ -7112,8 +7314,8 @@
         </p:nvSpPr>
         <p:spPr>
           <a:xfrm>
-            <a:off x="2078244" y="5602069"/>
-            <a:ext cx="8012498" cy="646331"/>
+            <a:off x="2035945" y="5380672"/>
+            <a:ext cx="8581747" cy="923330"/>
           </a:xfrm>
           <a:prstGeom prst="rect">
             <a:avLst/>
@@ -7134,31 +7336,80 @@
               </a:spcAft>
               <a:buSzPts val="1400"/>
               <a:buFont typeface="+mj-lt"/>
-              <a:buAutoNum type="arabicPeriod" startAt="12"/>
+              <a:buAutoNum type="arabicPeriod" startAt="7"/>
               <a:tabLst>
                 <a:tab pos="614045" algn="l"/>
               </a:tabLst>
             </a:pPr>
             <a:r>
+              <a:rPr lang="en-US" dirty="0" err="1">
+                <a:latin typeface="Times New Roman" panose="02020603050405020304" pitchFamily="18" charset="0"/>
+                <a:ea typeface="Times New Roman" panose="02020603050405020304" pitchFamily="18" charset="0"/>
+              </a:rPr>
+              <a:t>SegNet</a:t>
+            </a:r>
+            <a:r>
               <a:rPr lang="en-US" dirty="0">
                 <a:latin typeface="Times New Roman" panose="02020603050405020304" pitchFamily="18" charset="0"/>
                 <a:ea typeface="Times New Roman" panose="02020603050405020304" pitchFamily="18" charset="0"/>
               </a:rPr>
-              <a:t>Very deep convolutional networks for large-scale image recognition / Karen </a:t>
+              <a:t>: A Deep </a:t>
             </a:r>
             <a:r>
               <a:rPr lang="en-US" dirty="0" err="1">
                 <a:latin typeface="Times New Roman" panose="02020603050405020304" pitchFamily="18" charset="0"/>
                 <a:ea typeface="Times New Roman" panose="02020603050405020304" pitchFamily="18" charset="0"/>
               </a:rPr>
-              <a:t>Simonyan</a:t>
+              <a:t>ConvolutionalEncoder</a:t>
             </a:r>
             <a:r>
               <a:rPr lang="en-US" dirty="0">
                 <a:latin typeface="Times New Roman" panose="02020603050405020304" pitchFamily="18" charset="0"/>
                 <a:ea typeface="Times New Roman" panose="02020603050405020304" pitchFamily="18" charset="0"/>
               </a:rPr>
-              <a:t>, Andrew Zisserman</a:t>
+              <a:t>-Decoder Architecture for </a:t>
+            </a:r>
+            <a:r>
+              <a:rPr lang="en-US" dirty="0" err="1">
+                <a:latin typeface="Times New Roman" panose="02020603050405020304" pitchFamily="18" charset="0"/>
+                <a:ea typeface="Times New Roman" panose="02020603050405020304" pitchFamily="18" charset="0"/>
+              </a:rPr>
+              <a:t>ImageSegmentationVijay</a:t>
+            </a:r>
+            <a:r>
+              <a:rPr lang="en-US" dirty="0">
+                <a:latin typeface="Times New Roman" panose="02020603050405020304" pitchFamily="18" charset="0"/>
+                <a:ea typeface="Times New Roman" panose="02020603050405020304" pitchFamily="18" charset="0"/>
+              </a:rPr>
+              <a:t> </a:t>
+            </a:r>
+            <a:r>
+              <a:rPr lang="en-US" dirty="0" err="1">
+                <a:latin typeface="Times New Roman" panose="02020603050405020304" pitchFamily="18" charset="0"/>
+                <a:ea typeface="Times New Roman" panose="02020603050405020304" pitchFamily="18" charset="0"/>
+              </a:rPr>
+              <a:t>Badrinarayanan</a:t>
+            </a:r>
+            <a:r>
+              <a:rPr lang="en-US" dirty="0">
+                <a:latin typeface="Times New Roman" panose="02020603050405020304" pitchFamily="18" charset="0"/>
+                <a:ea typeface="Times New Roman" panose="02020603050405020304" pitchFamily="18" charset="0"/>
+              </a:rPr>
+              <a:t>, Alex Kendall, Roberto </a:t>
+            </a:r>
+            <a:r>
+              <a:rPr lang="en-US" dirty="0" err="1">
+                <a:latin typeface="Times New Roman" panose="02020603050405020304" pitchFamily="18" charset="0"/>
+                <a:ea typeface="Times New Roman" panose="02020603050405020304" pitchFamily="18" charset="0"/>
+              </a:rPr>
+              <a:t>Cipolla,Senior</a:t>
+            </a:r>
+            <a:r>
+              <a:rPr lang="en-US" dirty="0">
+                <a:latin typeface="Times New Roman" panose="02020603050405020304" pitchFamily="18" charset="0"/>
+                <a:ea typeface="Times New Roman" panose="02020603050405020304" pitchFamily="18" charset="0"/>
+              </a:rPr>
+              <a:t> Member, IEEE. arXiv:1511.00561v3 [cs.CV] 10 Oct 2016</a:t>
             </a:r>
             <a:endParaRPr lang="ru-RU" dirty="0">
               <a:latin typeface="Times New Roman" panose="02020603050405020304" pitchFamily="18" charset="0"/>
@@ -7170,7 +7421,7 @@
     </p:spTree>
     <p:extLst>
       <p:ext uri="{BB962C8B-B14F-4D97-AF65-F5344CB8AC3E}">
-        <p14:creationId xmlns:p14="http://schemas.microsoft.com/office/powerpoint/2010/main" val="2515978331"/>
+        <p14:creationId xmlns:p14="http://schemas.microsoft.com/office/powerpoint/2010/main" val="2246701826"/>
       </p:ext>
     </p:extLst>
   </p:cSld>
@@ -7255,7 +7506,7 @@
         </p:nvSpPr>
         <p:spPr>
           <a:xfrm>
-            <a:off x="10951923" y="6041938"/>
+            <a:off x="10813370" y="6041938"/>
             <a:ext cx="1142245" cy="669925"/>
           </a:xfrm>
         </p:spPr>
@@ -7264,10 +7515,18 @@
           <a:lstStyle/>
           <a:p>
             <a:fld id="{215F4EE3-9A7A-4F14-9A4C-17DDDD407085}" type="slidenum">
-              <a:rPr lang="ru-RU" sz="1600" smtClean="0"/>
+              <a:rPr lang="ru-RU" sz="3200" smtClean="0">
+                <a:solidFill>
+                  <a:schemeClr val="tx1"/>
+                </a:solidFill>
+              </a:rPr>
               <a:t>2</a:t>
             </a:fld>
-            <a:endParaRPr lang="ru-RU" sz="1600" dirty="0"/>
+            <a:endParaRPr lang="ru-RU" sz="3200" dirty="0">
+              <a:solidFill>
+                <a:schemeClr val="tx1"/>
+              </a:solidFill>
+            </a:endParaRPr>
           </a:p>
         </p:txBody>
       </p:sp>
@@ -7467,8 +7726,8 @@
         </p:nvSpPr>
         <p:spPr>
           <a:xfrm>
-            <a:off x="3402966" y="870013"/>
-            <a:ext cx="5617825" cy="627354"/>
+            <a:off x="3808780" y="862906"/>
+            <a:ext cx="4551426" cy="627354"/>
           </a:xfrm>
         </p:spPr>
         <p:txBody>
@@ -7483,7 +7742,7 @@
             </a:r>
             <a:r>
               <a:rPr lang="en-US" dirty="0"/>
-              <a:t>fcn-vgg16</a:t>
+              <a:t>vgg16</a:t>
             </a:r>
             <a:endParaRPr lang="ru-RU" dirty="0"/>
           </a:p>
@@ -7505,16 +7764,235 @@
             <p:ph type="sldNum" sz="quarter" idx="12"/>
           </p:nvPr>
         </p:nvSpPr>
-        <p:spPr/>
+        <p:spPr>
+          <a:xfrm>
+            <a:off x="9249428" y="6248400"/>
+            <a:ext cx="2743200" cy="365125"/>
+          </a:xfrm>
+        </p:spPr>
         <p:txBody>
           <a:bodyPr/>
           <a:lstStyle/>
           <a:p>
             <a:fld id="{215F4EE3-9A7A-4F14-9A4C-17DDDD407085}" type="slidenum">
-              <a:rPr lang="ru-RU" sz="1600" smtClean="0"/>
+              <a:rPr lang="ru-RU" sz="3200" smtClean="0">
+                <a:solidFill>
+                  <a:schemeClr val="tx1"/>
+                </a:solidFill>
+              </a:rPr>
               <a:t>20</a:t>
             </a:fld>
-            <a:endParaRPr lang="ru-RU" sz="1600" dirty="0"/>
+            <a:endParaRPr lang="ru-RU" sz="3200" dirty="0">
+              <a:solidFill>
+                <a:schemeClr val="tx1"/>
+              </a:solidFill>
+            </a:endParaRPr>
+          </a:p>
+        </p:txBody>
+      </p:sp>
+      <p:pic>
+        <p:nvPicPr>
+          <p:cNvPr id="6" name="image10.jpeg" descr="VGG16"/>
+          <p:cNvPicPr>
+            <a:picLocks noChangeAspect="1"/>
+          </p:cNvPicPr>
+          <p:nvPr/>
+        </p:nvPicPr>
+        <p:blipFill>
+          <a:blip r:embed="rId2" cstate="print"/>
+          <a:stretch>
+            <a:fillRect/>
+          </a:stretch>
+        </p:blipFill>
+        <p:spPr>
+          <a:xfrm>
+            <a:off x="2793309" y="1564863"/>
+            <a:ext cx="6582369" cy="3888000"/>
+          </a:xfrm>
+          <a:prstGeom prst="rect">
+            <a:avLst/>
+          </a:prstGeom>
+        </p:spPr>
+      </p:pic>
+      <p:sp>
+        <p:nvSpPr>
+          <p:cNvPr id="3" name="Прямоугольник 2"/>
+          <p:cNvSpPr/>
+          <p:nvPr/>
+        </p:nvSpPr>
+        <p:spPr>
+          <a:xfrm>
+            <a:off x="2078244" y="5602069"/>
+            <a:ext cx="8012498" cy="646331"/>
+          </a:xfrm>
+          <a:prstGeom prst="rect">
+            <a:avLst/>
+          </a:prstGeom>
+        </p:spPr>
+        <p:txBody>
+          <a:bodyPr wrap="square">
+            <a:spAutoFit/>
+          </a:bodyPr>
+          <a:lstStyle/>
+          <a:p>
+            <a:pPr marL="342900" marR="428625" lvl="0" indent="-342900" algn="just">
+              <a:spcBef>
+                <a:spcPts val="910"/>
+              </a:spcBef>
+              <a:spcAft>
+                <a:spcPts val="0"/>
+              </a:spcAft>
+              <a:buSzPts val="1400"/>
+              <a:buFont typeface="+mj-lt"/>
+              <a:buAutoNum type="arabicPeriod" startAt="12"/>
+              <a:tabLst>
+                <a:tab pos="614045" algn="l"/>
+              </a:tabLst>
+            </a:pPr>
+            <a:r>
+              <a:rPr lang="en-US" dirty="0">
+                <a:latin typeface="Times New Roman" panose="02020603050405020304" pitchFamily="18" charset="0"/>
+                <a:ea typeface="Times New Roman" panose="02020603050405020304" pitchFamily="18" charset="0"/>
+              </a:rPr>
+              <a:t>Very deep convolutional networks for large-scale image recognition / Karen </a:t>
+            </a:r>
+            <a:r>
+              <a:rPr lang="en-US" dirty="0" err="1">
+                <a:latin typeface="Times New Roman" panose="02020603050405020304" pitchFamily="18" charset="0"/>
+                <a:ea typeface="Times New Roman" panose="02020603050405020304" pitchFamily="18" charset="0"/>
+              </a:rPr>
+              <a:t>Simonyan</a:t>
+            </a:r>
+            <a:r>
+              <a:rPr lang="en-US" dirty="0">
+                <a:latin typeface="Times New Roman" panose="02020603050405020304" pitchFamily="18" charset="0"/>
+                <a:ea typeface="Times New Roman" panose="02020603050405020304" pitchFamily="18" charset="0"/>
+              </a:rPr>
+              <a:t>, Andrew Zisserman</a:t>
+            </a:r>
+            <a:endParaRPr lang="ru-RU" dirty="0">
+              <a:latin typeface="Times New Roman" panose="02020603050405020304" pitchFamily="18" charset="0"/>
+              <a:ea typeface="Times New Roman" panose="02020603050405020304" pitchFamily="18" charset="0"/>
+            </a:endParaRPr>
+          </a:p>
+        </p:txBody>
+      </p:sp>
+    </p:spTree>
+    <p:extLst>
+      <p:ext uri="{BB962C8B-B14F-4D97-AF65-F5344CB8AC3E}">
+        <p14:creationId xmlns:p14="http://schemas.microsoft.com/office/powerpoint/2010/main" val="2515978331"/>
+      </p:ext>
+    </p:extLst>
+  </p:cSld>
+  <p:clrMapOvr>
+    <a:masterClrMapping/>
+  </p:clrMapOvr>
+  <p:timing>
+    <p:tnLst>
+      <p:par>
+        <p:cTn id="1" dur="indefinite" restart="never" nodeType="tmRoot"/>
+      </p:par>
+    </p:tnLst>
+  </p:timing>
+</p:sld>
+</file>
+
+<file path=ppt/slides/slide21.xml><?xml version="1.0" encoding="utf-8"?>
+<p:sld xmlns:a="http://schemas.openxmlformats.org/drawingml/2006/main" xmlns:r="http://schemas.openxmlformats.org/officeDocument/2006/relationships" xmlns:p="http://schemas.openxmlformats.org/presentationml/2006/main">
+  <p:cSld>
+    <p:spTree>
+      <p:nvGrpSpPr>
+        <p:cNvPr id="1" name=""/>
+        <p:cNvGrpSpPr/>
+        <p:nvPr/>
+      </p:nvGrpSpPr>
+      <p:grpSpPr>
+        <a:xfrm>
+          <a:off x="0" y="0"/>
+          <a:ext cx="0" cy="0"/>
+          <a:chOff x="0" y="0"/>
+          <a:chExt cx="0" cy="0"/>
+        </a:xfrm>
+      </p:grpSpPr>
+      <p:sp>
+        <p:nvSpPr>
+          <p:cNvPr id="2" name="Заголовок 1">
+            <a:extLst>
+              <a:ext uri="{FF2B5EF4-FFF2-40B4-BE49-F238E27FC236}">
+                <a16:creationId xmlns:a16="http://schemas.microsoft.com/office/drawing/2014/main" id="{38CAA637-3F6B-4E0B-8FCE-8352F3D5AF84}"/>
+              </a:ext>
+            </a:extLst>
+          </p:cNvPr>
+          <p:cNvSpPr>
+            <a:spLocks noGrp="1"/>
+          </p:cNvSpPr>
+          <p:nvPr>
+            <p:ph type="title"/>
+          </p:nvPr>
+        </p:nvSpPr>
+        <p:spPr>
+          <a:xfrm>
+            <a:off x="3402966" y="870013"/>
+            <a:ext cx="5617825" cy="627354"/>
+          </a:xfrm>
+        </p:spPr>
+        <p:txBody>
+          <a:bodyPr>
+            <a:normAutofit fontScale="90000"/>
+          </a:bodyPr>
+          <a:lstStyle/>
+          <a:p>
+            <a:r>
+              <a:rPr lang="ru-RU" dirty="0"/>
+              <a:t>Архитектура </a:t>
+            </a:r>
+            <a:r>
+              <a:rPr lang="en-US" dirty="0"/>
+              <a:t>fcn-vgg16</a:t>
+            </a:r>
+            <a:endParaRPr lang="ru-RU" dirty="0"/>
+          </a:p>
+        </p:txBody>
+      </p:sp>
+      <p:sp>
+        <p:nvSpPr>
+          <p:cNvPr id="4" name="Номер слайда 3">
+            <a:extLst>
+              <a:ext uri="{FF2B5EF4-FFF2-40B4-BE49-F238E27FC236}">
+                <a16:creationId xmlns:a16="http://schemas.microsoft.com/office/drawing/2014/main" id="{951D9478-5EF5-4270-8271-04DE65F57F30}"/>
+              </a:ext>
+            </a:extLst>
+          </p:cNvPr>
+          <p:cNvSpPr>
+            <a:spLocks noGrp="1"/>
+          </p:cNvSpPr>
+          <p:nvPr>
+            <p:ph type="sldNum" sz="quarter" idx="12"/>
+          </p:nvPr>
+        </p:nvSpPr>
+        <p:spPr>
+          <a:xfrm>
+            <a:off x="9324584" y="6318772"/>
+            <a:ext cx="2743200" cy="365125"/>
+          </a:xfrm>
+        </p:spPr>
+        <p:txBody>
+          <a:bodyPr/>
+          <a:lstStyle/>
+          <a:p>
+            <a:fld id="{215F4EE3-9A7A-4F14-9A4C-17DDDD407085}" type="slidenum">
+              <a:rPr lang="ru-RU" sz="3200" smtClean="0">
+                <a:solidFill>
+                  <a:schemeClr val="tx1"/>
+                </a:solidFill>
+              </a:rPr>
+              <a:t>21</a:t>
+            </a:fld>
+            <a:endParaRPr lang="ru-RU" sz="3200" dirty="0">
+              <a:solidFill>
+                <a:schemeClr val="tx1"/>
+              </a:solidFill>
+            </a:endParaRPr>
           </a:p>
         </p:txBody>
       </p:sp>
@@ -7732,7 +8210,7 @@
         </p:nvSpPr>
         <p:spPr>
           <a:xfrm>
-            <a:off x="10939055" y="6029412"/>
+            <a:off x="10788743" y="6029412"/>
             <a:ext cx="1142245" cy="669925"/>
           </a:xfrm>
         </p:spPr>
@@ -7741,10 +8219,18 @@
           <a:lstStyle/>
           <a:p>
             <a:fld id="{215F4EE3-9A7A-4F14-9A4C-17DDDD407085}" type="slidenum">
-              <a:rPr lang="ru-RU" sz="1600" smtClean="0"/>
+              <a:rPr lang="ru-RU" sz="3200" smtClean="0">
+                <a:solidFill>
+                  <a:schemeClr val="tx1"/>
+                </a:solidFill>
+              </a:rPr>
               <a:t>3</a:t>
             </a:fld>
-            <a:endParaRPr lang="ru-RU" sz="1600" dirty="0"/>
+            <a:endParaRPr lang="ru-RU" sz="3200" dirty="0">
+              <a:solidFill>
+                <a:schemeClr val="tx1"/>
+              </a:solidFill>
+            </a:endParaRPr>
           </a:p>
         </p:txBody>
       </p:sp>
@@ -7966,7 +8452,7 @@
         </p:nvSpPr>
         <p:spPr>
           <a:xfrm>
-            <a:off x="10928242" y="6018904"/>
+            <a:off x="10715299" y="5992340"/>
             <a:ext cx="1142245" cy="669925"/>
           </a:xfrm>
         </p:spPr>
@@ -7975,10 +8461,18 @@
           <a:lstStyle/>
           <a:p>
             <a:fld id="{215F4EE3-9A7A-4F14-9A4C-17DDDD407085}" type="slidenum">
-              <a:rPr lang="ru-RU" sz="1600" smtClean="0"/>
+              <a:rPr lang="ru-RU" sz="3200" smtClean="0">
+                <a:solidFill>
+                  <a:schemeClr val="tx1"/>
+                </a:solidFill>
+              </a:rPr>
               <a:t>4</a:t>
             </a:fld>
-            <a:endParaRPr lang="ru-RU" sz="1600" dirty="0"/>
+            <a:endParaRPr lang="ru-RU" sz="3200" dirty="0">
+              <a:solidFill>
+                <a:schemeClr val="tx1"/>
+              </a:solidFill>
+            </a:endParaRPr>
           </a:p>
         </p:txBody>
       </p:sp>
@@ -8185,16 +8679,29 @@
             <p:ph type="sldNum" sz="quarter" idx="12"/>
           </p:nvPr>
         </p:nvSpPr>
-        <p:spPr/>
+        <p:spPr>
+          <a:xfrm>
+            <a:off x="9031265" y="6193512"/>
+            <a:ext cx="2743200" cy="365125"/>
+          </a:xfrm>
+        </p:spPr>
         <p:txBody>
           <a:bodyPr/>
           <a:lstStyle/>
           <a:p>
             <a:fld id="{215F4EE3-9A7A-4F14-9A4C-17DDDD407085}" type="slidenum">
-              <a:rPr lang="ru-RU" sz="1600" smtClean="0"/>
+              <a:rPr lang="ru-RU" sz="3200" smtClean="0">
+                <a:solidFill>
+                  <a:schemeClr val="tx1"/>
+                </a:solidFill>
+              </a:rPr>
               <a:t>5</a:t>
             </a:fld>
-            <a:endParaRPr lang="ru-RU" sz="1600" dirty="0"/>
+            <a:endParaRPr lang="ru-RU" sz="3200" dirty="0">
+              <a:solidFill>
+                <a:schemeClr val="tx1"/>
+              </a:solidFill>
+            </a:endParaRPr>
           </a:p>
         </p:txBody>
       </p:sp>
@@ -8405,16 +8912,29 @@
             <p:ph type="sldNum" sz="quarter" idx="12"/>
           </p:nvPr>
         </p:nvSpPr>
-        <p:spPr/>
+        <p:spPr>
+          <a:xfrm>
+            <a:off x="9033811" y="6170973"/>
+            <a:ext cx="2743200" cy="365125"/>
+          </a:xfrm>
+        </p:spPr>
         <p:txBody>
           <a:bodyPr/>
           <a:lstStyle/>
           <a:p>
             <a:fld id="{215F4EE3-9A7A-4F14-9A4C-17DDDD407085}" type="slidenum">
-              <a:rPr lang="ru-RU" sz="1600" smtClean="0"/>
+              <a:rPr lang="ru-RU" sz="3200" smtClean="0">
+                <a:solidFill>
+                  <a:schemeClr val="tx1"/>
+                </a:solidFill>
+              </a:rPr>
               <a:t>6</a:t>
             </a:fld>
-            <a:endParaRPr lang="ru-RU" sz="1600" dirty="0"/>
+            <a:endParaRPr lang="ru-RU" sz="3200" dirty="0">
+              <a:solidFill>
+                <a:schemeClr val="tx1"/>
+              </a:solidFill>
+            </a:endParaRPr>
           </a:p>
         </p:txBody>
       </p:sp>
@@ -10341,16 +10861,29 @@
             <p:ph type="sldNum" sz="quarter" idx="12"/>
           </p:nvPr>
         </p:nvSpPr>
-        <p:spPr/>
+        <p:spPr>
+          <a:xfrm>
+            <a:off x="8991826" y="6206038"/>
+            <a:ext cx="2743200" cy="365125"/>
+          </a:xfrm>
+        </p:spPr>
         <p:txBody>
           <a:bodyPr/>
           <a:lstStyle/>
           <a:p>
             <a:fld id="{215F4EE3-9A7A-4F14-9A4C-17DDDD407085}" type="slidenum">
-              <a:rPr lang="ru-RU" sz="1600" smtClean="0"/>
+              <a:rPr lang="ru-RU" sz="3200" smtClean="0">
+                <a:solidFill>
+                  <a:schemeClr val="tx1"/>
+                </a:solidFill>
+              </a:rPr>
               <a:t>7</a:t>
             </a:fld>
-            <a:endParaRPr lang="ru-RU" sz="1600" dirty="0"/>
+            <a:endParaRPr lang="ru-RU" sz="3200" dirty="0">
+              <a:solidFill>
+                <a:schemeClr val="tx1"/>
+              </a:solidFill>
+            </a:endParaRPr>
           </a:p>
         </p:txBody>
       </p:sp>
@@ -11070,6 +11603,288 @@
       </p:grpSpPr>
       <p:sp>
         <p:nvSpPr>
+          <p:cNvPr id="2" name="Заголовок 1"/>
+          <p:cNvSpPr>
+            <a:spLocks noGrp="1"/>
+          </p:cNvSpPr>
+          <p:nvPr>
+            <p:ph type="title"/>
+          </p:nvPr>
+        </p:nvSpPr>
+        <p:spPr>
+          <a:xfrm>
+            <a:off x="838200" y="202286"/>
+            <a:ext cx="10515600" cy="474119"/>
+          </a:xfrm>
+        </p:spPr>
+        <p:txBody>
+          <a:bodyPr>
+            <a:normAutofit fontScale="90000"/>
+          </a:bodyPr>
+          <a:lstStyle/>
+          <a:p>
+            <a:r>
+              <a:rPr lang="ru-RU" dirty="0" smtClean="0"/>
+              <a:t>Описание экспериментальной установки</a:t>
+            </a:r>
+            <a:endParaRPr lang="ru-RU" dirty="0"/>
+          </a:p>
+        </p:txBody>
+      </p:sp>
+      <p:sp>
+        <p:nvSpPr>
+          <p:cNvPr id="3" name="Объект 2"/>
+          <p:cNvSpPr>
+            <a:spLocks noGrp="1"/>
+          </p:cNvSpPr>
+          <p:nvPr>
+            <p:ph idx="1"/>
+          </p:nvPr>
+        </p:nvSpPr>
+        <p:spPr>
+          <a:xfrm>
+            <a:off x="838200" y="676406"/>
+            <a:ext cx="10515600" cy="5679944"/>
+          </a:xfrm>
+        </p:spPr>
+        <p:txBody>
+          <a:bodyPr>
+            <a:normAutofit lnSpcReduction="10000"/>
+          </a:bodyPr>
+          <a:lstStyle/>
+          <a:p>
+            <a:r>
+              <a:rPr lang="ru-RU" sz="2600" dirty="0" smtClean="0"/>
+              <a:t>Создание моделей и обучение реализовано на языке </a:t>
+            </a:r>
+            <a:r>
+              <a:rPr lang="en-US" sz="2600" dirty="0" smtClean="0"/>
+              <a:t>Python 3.6</a:t>
+            </a:r>
+            <a:r>
+              <a:rPr lang="ru-RU" sz="2600" dirty="0" smtClean="0"/>
+              <a:t> с помощью библиотек </a:t>
+            </a:r>
+            <a:r>
+              <a:rPr lang="en-US" sz="2600" dirty="0" err="1" smtClean="0"/>
+              <a:t>Tensorflow</a:t>
+            </a:r>
+            <a:r>
+              <a:rPr lang="en-US" sz="2600" dirty="0" smtClean="0"/>
+              <a:t>, </a:t>
+            </a:r>
+            <a:r>
+              <a:rPr lang="en-US" sz="2600" dirty="0" err="1" smtClean="0"/>
+              <a:t>Keras</a:t>
+            </a:r>
+            <a:r>
+              <a:rPr lang="en-US" sz="2600" dirty="0" smtClean="0"/>
+              <a:t>, </a:t>
+            </a:r>
+            <a:r>
+              <a:rPr lang="ru-RU" sz="2600" dirty="0" smtClean="0"/>
+              <a:t>в среде программирования </a:t>
+            </a:r>
+            <a:r>
+              <a:rPr lang="en-US" sz="2600" dirty="0" err="1" smtClean="0"/>
+              <a:t>Jupyter</a:t>
+            </a:r>
+            <a:r>
+              <a:rPr lang="en-US" sz="2600" dirty="0" smtClean="0"/>
+              <a:t> Notebook,</a:t>
+            </a:r>
+            <a:r>
+              <a:rPr lang="ru-RU" sz="2600" dirty="0" smtClean="0"/>
+              <a:t> в облачной вычислительной среде </a:t>
+            </a:r>
+            <a:r>
+              <a:rPr lang="en-US" sz="2600" dirty="0" smtClean="0"/>
+              <a:t>Google </a:t>
+            </a:r>
+            <a:r>
+              <a:rPr lang="en-US" sz="2600" dirty="0" err="1" smtClean="0"/>
+              <a:t>Colab</a:t>
+            </a:r>
+            <a:r>
+              <a:rPr lang="en-US" sz="2600" dirty="0" smtClean="0"/>
+              <a:t> </a:t>
+            </a:r>
+            <a:r>
+              <a:rPr lang="ru-RU" sz="2600" dirty="0" smtClean="0"/>
+              <a:t>с следующими вычислительными характеристиками</a:t>
+            </a:r>
+            <a:r>
+              <a:rPr lang="en-US" sz="2600" dirty="0" smtClean="0"/>
+              <a:t>:</a:t>
+            </a:r>
+          </a:p>
+          <a:p>
+            <a:pPr lvl="1"/>
+            <a:r>
+              <a:rPr lang="en-US" sz="2600" dirty="0" smtClean="0"/>
+              <a:t>GPU </a:t>
+            </a:r>
+            <a:r>
+              <a:rPr lang="en-US" sz="2600" dirty="0"/>
+              <a:t>NVIDIA </a:t>
+            </a:r>
+            <a:r>
+              <a:rPr lang="en-US" sz="2600" dirty="0" smtClean="0"/>
+              <a:t>T4 – 16 GB </a:t>
+            </a:r>
+            <a:r>
+              <a:rPr lang="en-US" sz="2600" dirty="0" err="1" smtClean="0"/>
+              <a:t>vRAM</a:t>
+            </a:r>
+            <a:endParaRPr lang="en-US" sz="2600" dirty="0" smtClean="0"/>
+          </a:p>
+          <a:p>
+            <a:pPr lvl="1"/>
+            <a:r>
+              <a:rPr lang="en-US" sz="2600" dirty="0" smtClean="0"/>
+              <a:t>25 GB RAM</a:t>
+            </a:r>
+          </a:p>
+          <a:p>
+            <a:pPr lvl="1"/>
+            <a:r>
+              <a:rPr lang="ru-RU" sz="2600" dirty="0" smtClean="0"/>
+              <a:t>Ограничение на время работы – 24 часа</a:t>
+            </a:r>
+            <a:endParaRPr lang="en-US" sz="2600" dirty="0" smtClean="0"/>
+          </a:p>
+          <a:p>
+            <a:pPr marL="0" lvl="1" indent="0"/>
+            <a:r>
+              <a:rPr lang="ru-RU" sz="2600" dirty="0"/>
+              <a:t> </a:t>
+            </a:r>
+            <a:r>
+              <a:rPr lang="ru-RU" sz="2600" dirty="0" smtClean="0"/>
+              <a:t>Обучение каждой модели идет 50 эпох, за редким исключением для дополнительного исследования берется 100 эпох. На данных в 20 тыс. изображений для сравнения моделей одна эпоха длиться 5 – 15 минут. На наборе в 70 тыс. изображений одна эпоха длится 30 – 60 минут.</a:t>
+            </a:r>
+          </a:p>
+          <a:p>
+            <a:pPr marL="0" lvl="1" indent="0"/>
+            <a:r>
+              <a:rPr lang="ru-RU" sz="2600" dirty="0" smtClean="0"/>
+              <a:t> Данные для сравнения моделей загружались из облачного диска </a:t>
+            </a:r>
+            <a:r>
+              <a:rPr lang="en-US" sz="2600" dirty="0" smtClean="0"/>
+              <a:t>Google Drive. </a:t>
+            </a:r>
+            <a:r>
+              <a:rPr lang="ru-RU" sz="2600" dirty="0" smtClean="0"/>
+              <a:t>Данные для финального обучения модели загружались с открытого набора данных предоставленных </a:t>
+            </a:r>
+            <a:r>
+              <a:rPr lang="en-US" sz="2600" dirty="0" smtClean="0"/>
+              <a:t>Airbus </a:t>
+            </a:r>
+            <a:r>
+              <a:rPr lang="ru-RU" sz="2600" dirty="0" smtClean="0"/>
+              <a:t>на веб-ресурсе </a:t>
+            </a:r>
+            <a:r>
+              <a:rPr lang="en-US" sz="2600" dirty="0" err="1" smtClean="0"/>
+              <a:t>Kaggle</a:t>
+            </a:r>
+            <a:r>
+              <a:rPr lang="en-US" sz="2600" dirty="0"/>
+              <a:t>.</a:t>
+            </a:r>
+            <a:endParaRPr lang="ru-RU" sz="2600" dirty="0" smtClean="0"/>
+          </a:p>
+          <a:p>
+            <a:pPr marL="0" lvl="1" indent="0">
+              <a:buNone/>
+            </a:pPr>
+            <a:endParaRPr lang="en-US" dirty="0"/>
+          </a:p>
+          <a:p>
+            <a:pPr marL="457200" lvl="1" indent="0">
+              <a:buNone/>
+            </a:pPr>
+            <a:endParaRPr lang="ru-RU" dirty="0"/>
+          </a:p>
+        </p:txBody>
+      </p:sp>
+      <p:sp>
+        <p:nvSpPr>
+          <p:cNvPr id="4" name="Номер слайда 3"/>
+          <p:cNvSpPr>
+            <a:spLocks noGrp="1"/>
+          </p:cNvSpPr>
+          <p:nvPr>
+            <p:ph type="sldNum" sz="quarter" idx="12"/>
+          </p:nvPr>
+        </p:nvSpPr>
+        <p:spPr>
+          <a:xfrm>
+            <a:off x="9110597" y="6173786"/>
+            <a:ext cx="2743200" cy="365125"/>
+          </a:xfrm>
+        </p:spPr>
+        <p:txBody>
+          <a:bodyPr/>
+          <a:lstStyle/>
+          <a:p>
+            <a:fld id="{215F4EE3-9A7A-4F14-9A4C-17DDDD407085}" type="slidenum">
+              <a:rPr lang="ru-RU" sz="3200" smtClean="0">
+                <a:solidFill>
+                  <a:schemeClr val="tx1"/>
+                </a:solidFill>
+              </a:rPr>
+              <a:t>8</a:t>
+            </a:fld>
+            <a:endParaRPr lang="ru-RU" sz="3200" dirty="0">
+              <a:solidFill>
+                <a:schemeClr val="tx1"/>
+              </a:solidFill>
+            </a:endParaRPr>
+          </a:p>
+        </p:txBody>
+      </p:sp>
+    </p:spTree>
+    <p:extLst>
+      <p:ext uri="{BB962C8B-B14F-4D97-AF65-F5344CB8AC3E}">
+        <p14:creationId xmlns:p14="http://schemas.microsoft.com/office/powerpoint/2010/main" val="487935762"/>
+      </p:ext>
+    </p:extLst>
+  </p:cSld>
+  <p:clrMapOvr>
+    <a:masterClrMapping/>
+  </p:clrMapOvr>
+  <p:timing>
+    <p:tnLst>
+      <p:par>
+        <p:cTn id="1" dur="indefinite" restart="never" nodeType="tmRoot"/>
+      </p:par>
+    </p:tnLst>
+  </p:timing>
+</p:sld>
+</file>
+
+<file path=ppt/slides/slide9.xml><?xml version="1.0" encoding="utf-8"?>
+<p:sld xmlns:a="http://schemas.openxmlformats.org/drawingml/2006/main" xmlns:r="http://schemas.openxmlformats.org/officeDocument/2006/relationships" xmlns:p="http://schemas.openxmlformats.org/presentationml/2006/main">
+  <p:cSld>
+    <p:spTree>
+      <p:nvGrpSpPr>
+        <p:cNvPr id="1" name=""/>
+        <p:cNvGrpSpPr/>
+        <p:nvPr/>
+      </p:nvGrpSpPr>
+      <p:grpSpPr>
+        <a:xfrm>
+          <a:off x="0" y="0"/>
+          <a:ext cx="0" cy="0"/>
+          <a:chOff x="0" y="0"/>
+          <a:chExt cx="0" cy="0"/>
+        </a:xfrm>
+      </p:grpSpPr>
+      <p:sp>
+        <p:nvSpPr>
           <p:cNvPr id="4" name="Номер слайда 3">
             <a:extLst>
               <a:ext uri="{FF2B5EF4-FFF2-40B4-BE49-F238E27FC236}">
@@ -11084,16 +11899,29 @@
             <p:ph type="sldNum" sz="quarter" idx="12"/>
           </p:nvPr>
         </p:nvSpPr>
-        <p:spPr/>
+        <p:spPr>
+          <a:xfrm>
+            <a:off x="9211131" y="6164827"/>
+            <a:ext cx="2743200" cy="365125"/>
+          </a:xfrm>
+        </p:spPr>
         <p:txBody>
           <a:bodyPr/>
           <a:lstStyle/>
           <a:p>
             <a:fld id="{215F4EE3-9A7A-4F14-9A4C-17DDDD407085}" type="slidenum">
-              <a:rPr lang="ru-RU" sz="1600" smtClean="0"/>
-              <a:t>8</a:t>
+              <a:rPr lang="ru-RU" sz="3200" smtClean="0">
+                <a:solidFill>
+                  <a:schemeClr val="tx1"/>
+                </a:solidFill>
+              </a:rPr>
+              <a:t>9</a:t>
             </a:fld>
-            <a:endParaRPr lang="ru-RU" sz="1600" dirty="0"/>
+            <a:endParaRPr lang="ru-RU" sz="3200" dirty="0">
+              <a:solidFill>
+                <a:schemeClr val="tx1"/>
+              </a:solidFill>
+            </a:endParaRPr>
           </a:p>
         </p:txBody>
       </p:sp>
@@ -11340,275 +12168,6 @@
     <p:extLst>
       <p:ext uri="{BB962C8B-B14F-4D97-AF65-F5344CB8AC3E}">
         <p14:creationId xmlns:p14="http://schemas.microsoft.com/office/powerpoint/2010/main" val="1628970289"/>
-      </p:ext>
-    </p:extLst>
-  </p:cSld>
-  <p:clrMapOvr>
-    <a:masterClrMapping/>
-  </p:clrMapOvr>
-  <p:timing>
-    <p:tnLst>
-      <p:par>
-        <p:cTn id="1" dur="indefinite" restart="never" nodeType="tmRoot"/>
-      </p:par>
-    </p:tnLst>
-  </p:timing>
-</p:sld>
-</file>
-
-<file path=ppt/slides/slide9.xml><?xml version="1.0" encoding="utf-8"?>
-<p:sld xmlns:a="http://schemas.openxmlformats.org/drawingml/2006/main" xmlns:r="http://schemas.openxmlformats.org/officeDocument/2006/relationships" xmlns:p="http://schemas.openxmlformats.org/presentationml/2006/main">
-  <p:cSld>
-    <p:spTree>
-      <p:nvGrpSpPr>
-        <p:cNvPr id="1" name=""/>
-        <p:cNvGrpSpPr/>
-        <p:nvPr/>
-      </p:nvGrpSpPr>
-      <p:grpSpPr>
-        <a:xfrm>
-          <a:off x="0" y="0"/>
-          <a:ext cx="0" cy="0"/>
-          <a:chOff x="0" y="0"/>
-          <a:chExt cx="0" cy="0"/>
-        </a:xfrm>
-      </p:grpSpPr>
-      <p:sp>
-        <p:nvSpPr>
-          <p:cNvPr id="4" name="Номер слайда 3">
-            <a:extLst>
-              <a:ext uri="{FF2B5EF4-FFF2-40B4-BE49-F238E27FC236}">
-                <a16:creationId xmlns:a16="http://schemas.microsoft.com/office/drawing/2014/main" id="{C07D80C0-1D58-4647-B7DB-742E14215E9D}"/>
-              </a:ext>
-            </a:extLst>
-          </p:cNvPr>
-          <p:cNvSpPr>
-            <a:spLocks noGrp="1"/>
-          </p:cNvSpPr>
-          <p:nvPr>
-            <p:ph type="sldNum" sz="quarter" idx="12"/>
-          </p:nvPr>
-        </p:nvSpPr>
-        <p:spPr/>
-        <p:txBody>
-          <a:bodyPr/>
-          <a:lstStyle/>
-          <a:p>
-            <a:fld id="{215F4EE3-9A7A-4F14-9A4C-17DDDD407085}" type="slidenum">
-              <a:rPr lang="ru-RU" sz="1600" smtClean="0"/>
-              <a:t>9</a:t>
-            </a:fld>
-            <a:endParaRPr lang="ru-RU" sz="1600" dirty="0"/>
-          </a:p>
-        </p:txBody>
-      </p:sp>
-      <p:sp>
-        <p:nvSpPr>
-          <p:cNvPr id="12" name="TextBox 11"/>
-          <p:cNvSpPr txBox="1"/>
-          <p:nvPr/>
-        </p:nvSpPr>
-        <p:spPr>
-          <a:xfrm>
-            <a:off x="593000" y="199104"/>
-            <a:ext cx="11185742" cy="461665"/>
-          </a:xfrm>
-          <a:prstGeom prst="rect">
-            <a:avLst/>
-          </a:prstGeom>
-          <a:noFill/>
-        </p:spPr>
-        <p:txBody>
-          <a:bodyPr wrap="square" rtlCol="0">
-            <a:spAutoFit/>
-          </a:bodyPr>
-          <a:lstStyle/>
-          <a:p>
-            <a:r>
-              <a:rPr lang="ru-RU" sz="2400" dirty="0"/>
-              <a:t>Сравнение результатов метрик сетей для сегментации изображений</a:t>
-            </a:r>
-          </a:p>
-        </p:txBody>
-      </p:sp>
-      <p:pic>
-        <p:nvPicPr>
-          <p:cNvPr id="6" name="Рисунок 5"/>
-          <p:cNvPicPr>
-            <a:picLocks noChangeAspect="1"/>
-          </p:cNvPicPr>
-          <p:nvPr/>
-        </p:nvPicPr>
-        <p:blipFill rotWithShape="1">
-          <a:blip r:embed="rId2"/>
-          <a:srcRect t="2667"/>
-          <a:stretch/>
-        </p:blipFill>
-        <p:spPr>
-          <a:xfrm>
-            <a:off x="633720" y="799273"/>
-            <a:ext cx="2648796" cy="4779202"/>
-          </a:xfrm>
-          <a:prstGeom prst="rect">
-            <a:avLst/>
-          </a:prstGeom>
-        </p:spPr>
-      </p:pic>
-      <p:sp>
-        <p:nvSpPr>
-          <p:cNvPr id="2" name="TextBox 1"/>
-          <p:cNvSpPr txBox="1"/>
-          <p:nvPr/>
-        </p:nvSpPr>
-        <p:spPr>
-          <a:xfrm>
-            <a:off x="1478073" y="5578475"/>
-            <a:ext cx="1440492" cy="369332"/>
-          </a:xfrm>
-          <a:prstGeom prst="rect">
-            <a:avLst/>
-          </a:prstGeom>
-          <a:noFill/>
-        </p:spPr>
-        <p:txBody>
-          <a:bodyPr wrap="square" rtlCol="0">
-            <a:spAutoFit/>
-          </a:bodyPr>
-          <a:lstStyle/>
-          <a:p>
-            <a:r>
-              <a:rPr lang="en-US" dirty="0"/>
-              <a:t>U - Net</a:t>
-            </a:r>
-            <a:endParaRPr lang="ru-RU" dirty="0"/>
-          </a:p>
-        </p:txBody>
-      </p:sp>
-      <p:sp>
-        <p:nvSpPr>
-          <p:cNvPr id="3" name="TextBox 2"/>
-          <p:cNvSpPr txBox="1"/>
-          <p:nvPr/>
-        </p:nvSpPr>
-        <p:spPr>
-          <a:xfrm>
-            <a:off x="5609674" y="5597112"/>
-            <a:ext cx="1152395" cy="369332"/>
-          </a:xfrm>
-          <a:prstGeom prst="rect">
-            <a:avLst/>
-          </a:prstGeom>
-          <a:noFill/>
-        </p:spPr>
-        <p:txBody>
-          <a:bodyPr wrap="square" rtlCol="0">
-            <a:spAutoFit/>
-          </a:bodyPr>
-          <a:lstStyle/>
-          <a:p>
-            <a:r>
-              <a:rPr lang="en-US" dirty="0" err="1"/>
-              <a:t>SegNet</a:t>
-            </a:r>
-            <a:endParaRPr lang="ru-RU" dirty="0"/>
-          </a:p>
-        </p:txBody>
-      </p:sp>
-      <p:pic>
-        <p:nvPicPr>
-          <p:cNvPr id="9" name="Рисунок 8"/>
-          <p:cNvPicPr>
-            <a:picLocks noChangeAspect="1"/>
-          </p:cNvPicPr>
-          <p:nvPr/>
-        </p:nvPicPr>
-        <p:blipFill rotWithShape="1">
-          <a:blip r:embed="rId3"/>
-          <a:srcRect t="2858" r="-68"/>
-          <a:stretch/>
-        </p:blipFill>
-        <p:spPr bwMode="auto">
-          <a:xfrm>
-            <a:off x="8286299" y="799273"/>
-            <a:ext cx="2617232" cy="4798234"/>
-          </a:xfrm>
-          <a:prstGeom prst="rect">
-            <a:avLst/>
-          </a:prstGeom>
-          <a:ln>
-            <a:noFill/>
-          </a:ln>
-          <a:extLst>
-            <a:ext uri="{53640926-AAD7-44D8-BBD7-CCE9431645EC}">
-              <a14:shadowObscured xmlns:a14="http://schemas.microsoft.com/office/drawing/2010/main"/>
-            </a:ext>
-          </a:extLst>
-        </p:spPr>
-      </p:pic>
-      <p:sp>
-        <p:nvSpPr>
-          <p:cNvPr id="8" name="TextBox 7"/>
-          <p:cNvSpPr txBox="1"/>
-          <p:nvPr/>
-        </p:nvSpPr>
-        <p:spPr>
-          <a:xfrm>
-            <a:off x="8839200" y="5597507"/>
-            <a:ext cx="1866900" cy="369332"/>
-          </a:xfrm>
-          <a:prstGeom prst="rect">
-            <a:avLst/>
-          </a:prstGeom>
-          <a:noFill/>
-        </p:spPr>
-        <p:txBody>
-          <a:bodyPr wrap="square" rtlCol="0">
-            <a:spAutoFit/>
-          </a:bodyPr>
-          <a:lstStyle/>
-          <a:p>
-            <a:r>
-              <a:rPr lang="en-US" dirty="0"/>
-              <a:t>FCN VGG16</a:t>
-            </a:r>
-            <a:endParaRPr lang="ru-RU" dirty="0"/>
-          </a:p>
-        </p:txBody>
-      </p:sp>
-      <p:pic>
-        <p:nvPicPr>
-          <p:cNvPr id="10" name="Рисунок 9"/>
-          <p:cNvPicPr>
-            <a:picLocks noChangeAspect="1"/>
-          </p:cNvPicPr>
-          <p:nvPr/>
-        </p:nvPicPr>
-        <p:blipFill>
-          <a:blip r:embed="rId4">
-            <a:extLst>
-              <a:ext uri="{28A0092B-C50C-407E-A947-70E740481C1C}">
-                <a14:useLocalDpi xmlns:a14="http://schemas.microsoft.com/office/drawing/2010/main" val="0"/>
-              </a:ext>
-            </a:extLst>
-          </a:blip>
-          <a:stretch>
-            <a:fillRect/>
-          </a:stretch>
-        </p:blipFill>
-        <p:spPr>
-          <a:xfrm>
-            <a:off x="4638863" y="799269"/>
-            <a:ext cx="2600688" cy="4793268"/>
-          </a:xfrm>
-          <a:prstGeom prst="rect">
-            <a:avLst/>
-          </a:prstGeom>
-        </p:spPr>
-      </p:pic>
-    </p:spTree>
-    <p:extLst>
-      <p:ext uri="{BB962C8B-B14F-4D97-AF65-F5344CB8AC3E}">
-        <p14:creationId xmlns:p14="http://schemas.microsoft.com/office/powerpoint/2010/main" val="2557102769"/>
       </p:ext>
     </p:extLst>
   </p:cSld>
